--- a/philosophy-prolog.pptx
+++ b/philosophy-prolog.pptx
@@ -5,10 +5,10 @@
     <p:sldMasterId id="2147483649" r:id="rId1"/>
   </p:sldMasterIdLst>
   <p:notesMasterIdLst>
-    <p:notesMasterId r:id="rId41"/>
+    <p:notesMasterId r:id="rId40"/>
   </p:notesMasterIdLst>
   <p:handoutMasterIdLst>
-    <p:handoutMasterId r:id="rId42"/>
+    <p:handoutMasterId r:id="rId41"/>
   </p:handoutMasterIdLst>
   <p:sldIdLst>
     <p:sldId id="300" r:id="rId2"/>
@@ -48,8 +48,7 @@
     <p:sldId id="293" r:id="rId36"/>
     <p:sldId id="295" r:id="rId37"/>
     <p:sldId id="296" r:id="rId38"/>
-    <p:sldId id="297" r:id="rId39"/>
-    <p:sldId id="298" r:id="rId40"/>
+    <p:sldId id="298" r:id="rId39"/>
   </p:sldIdLst>
   <p:sldSz cx="9144000" cy="6858000" type="screen4x3"/>
   <p:notesSz cx="6858000" cy="9144000"/>
@@ -13104,7 +13103,19 @@
           <a:p>
             <a:r>
               <a:rPr lang="en-US" dirty="0" smtClean="0"/>
-              <a:t>Here we take a look at First Order Logic  as computational model.</a:t>
+              <a:t>Here we take a look at First Order Logic  </a:t>
+            </a:r>
+            <a:r>
+              <a:rPr lang="en-US" smtClean="0"/>
+              <a:t>as </a:t>
+            </a:r>
+            <a:r>
+              <a:rPr lang="en-US" smtClean="0"/>
+              <a:t>a computational </a:t>
+            </a:r>
+            <a:r>
+              <a:rPr lang="en-US" dirty="0" smtClean="0"/>
+              <a:t>model.</a:t>
             </a:r>
           </a:p>
           <a:p>
@@ -13159,6 +13170,26 @@
               </a:rPr>
               <a:t>rak/papers/LogicForProblemSolving.pdf</a:t>
             </a:r>
+            <a:endParaRPr lang="en-US" dirty="0" smtClean="0"/>
+          </a:p>
+          <a:p>
+            <a:pPr lvl="1"/>
+            <a:r>
+              <a:rPr lang="en-US" dirty="0">
+                <a:hlinkClick r:id="rId5"/>
+              </a:rPr>
+              <a:t>http://</a:t>
+            </a:r>
+            <a:r>
+              <a:rPr lang="en-US" dirty="0" smtClean="0">
+                <a:hlinkClick r:id="rId5"/>
+              </a:rPr>
+              <a:t>www.swi-prolog.org</a:t>
+            </a:r>
+            <a:endParaRPr lang="en-US" dirty="0" smtClean="0"/>
+          </a:p>
+          <a:p>
+            <a:pPr lvl="1"/>
             <a:endParaRPr lang="en-US" dirty="0" smtClean="0"/>
           </a:p>
           <a:p>
@@ -20620,7 +20651,7 @@
               <a:defRPr/>
             </a:pPr>
             <a:r>
-              <a:rPr lang="en-US" smtClean="0">
+              <a:rPr lang="en-US" dirty="0" smtClean="0">
                 <a:cs typeface="+mn-cs"/>
               </a:rPr>
               <a:t>See GitHub Exercise #1</a:t>
@@ -28723,165 +28754,6 @@
       </p:grpSpPr>
       <p:sp>
         <p:nvSpPr>
-          <p:cNvPr id="7170" name="Rectangle 2"/>
-          <p:cNvSpPr>
-            <a:spLocks noGrp="1" noChangeArrowheads="1"/>
-          </p:cNvSpPr>
-          <p:nvPr>
-            <p:ph type="title"/>
-          </p:nvPr>
-        </p:nvSpPr>
-        <p:spPr/>
-        <p:txBody>
-          <a:bodyPr/>
-          <a:lstStyle/>
-          <a:p>
-            <a:pPr eaLnBrk="1" hangingPunct="1">
-              <a:defRPr/>
-            </a:pPr>
-            <a:r>
-              <a:rPr lang="en-US" smtClean="0">
-                <a:cs typeface="+mj-cs"/>
-              </a:rPr>
-              <a:t>Prolog Final Remarks</a:t>
-            </a:r>
-          </a:p>
-        </p:txBody>
-      </p:sp>
-      <p:sp>
-        <p:nvSpPr>
-          <p:cNvPr id="18434" name="Rectangle 3"/>
-          <p:cNvSpPr>
-            <a:spLocks noGrp="1" noChangeArrowheads="1"/>
-          </p:cNvSpPr>
-          <p:nvPr>
-            <p:ph type="body" idx="1"/>
-          </p:nvPr>
-        </p:nvSpPr>
-        <p:spPr/>
-        <p:txBody>
-          <a:bodyPr/>
-          <a:lstStyle/>
-          <a:p>
-            <a:pPr eaLnBrk="1" hangingPunct="1">
-              <a:lnSpc>
-                <a:spcPct val="90000"/>
-              </a:lnSpc>
-            </a:pPr>
-            <a:r>
-              <a:rPr lang="en-US" altLang="en-US" sz="2000"/>
-              <a:t>Prolog has no explicit sequence control, the flow of control is driven by the pattern matching of the heads of the rules against the current (sub)goal statements.</a:t>
-            </a:r>
-          </a:p>
-          <a:p>
-            <a:pPr eaLnBrk="1" hangingPunct="1">
-              <a:lnSpc>
-                <a:spcPct val="90000"/>
-              </a:lnSpc>
-            </a:pPr>
-            <a:r>
-              <a:rPr lang="en-US" altLang="en-US" sz="2000"/>
-              <a:t>This has an effect on how we program - rather than explicit </a:t>
-            </a:r>
-            <a:r>
-              <a:rPr lang="ja-JP" altLang="en-US" sz="2000"/>
-              <a:t>‘</a:t>
-            </a:r>
-            <a:r>
-              <a:rPr lang="en-US" altLang="ja-JP" sz="2000"/>
-              <a:t>how to</a:t>
-            </a:r>
-            <a:r>
-              <a:rPr lang="ja-JP" altLang="en-US" sz="2000"/>
-              <a:t>’</a:t>
-            </a:r>
-            <a:r>
-              <a:rPr lang="en-US" altLang="ja-JP" sz="2000"/>
-              <a:t> statements we </a:t>
-            </a:r>
-            <a:r>
-              <a:rPr lang="en-US" altLang="ja-JP" sz="2000" u="sng"/>
-              <a:t>axiomatize</a:t>
-            </a:r>
-            <a:r>
-              <a:rPr lang="en-US" altLang="ja-JP" sz="2000"/>
-              <a:t> the solution we are looking for, e.g.,</a:t>
-            </a:r>
-          </a:p>
-          <a:p>
-            <a:pPr lvl="1" eaLnBrk="1" hangingPunct="1">
-              <a:lnSpc>
-                <a:spcPct val="90000"/>
-              </a:lnSpc>
-            </a:pPr>
-            <a:r>
-              <a:rPr lang="en-US" altLang="en-US" sz="2000"/>
-              <a:t>The length of an empty list is 0</a:t>
-            </a:r>
-          </a:p>
-          <a:p>
-            <a:pPr lvl="1" eaLnBrk="1" hangingPunct="1">
-              <a:lnSpc>
-                <a:spcPct val="90000"/>
-              </a:lnSpc>
-            </a:pPr>
-            <a:r>
-              <a:rPr lang="en-US" altLang="en-US" sz="2000"/>
-              <a:t>The length of the overall list is the length of the rest of the list plus 1.</a:t>
-            </a:r>
-          </a:p>
-          <a:p>
-            <a:pPr lvl="1" eaLnBrk="1" hangingPunct="1">
-              <a:lnSpc>
-                <a:spcPct val="90000"/>
-              </a:lnSpc>
-            </a:pPr>
-            <a:r>
-              <a:rPr lang="en-US" altLang="en-US" sz="2000"/>
-              <a:t>…rather than defining explicit  iterations over record structures.</a:t>
-            </a:r>
-          </a:p>
-        </p:txBody>
-      </p:sp>
-    </p:spTree>
-    <p:extLst>
-      <p:ext uri="{BB962C8B-B14F-4D97-AF65-F5344CB8AC3E}">
-        <p14:creationId xmlns:p14="http://schemas.microsoft.com/office/powerpoint/2010/main" val="542845013"/>
-      </p:ext>
-    </p:extLst>
-  </p:cSld>
-  <p:clrMapOvr>
-    <a:masterClrMapping/>
-  </p:clrMapOvr>
-  <p:timing>
-    <p:tnLst>
-      <p:par>
-        <p:cTn id="1" dur="indefinite" restart="never" nodeType="tmRoot"/>
-      </p:par>
-    </p:tnLst>
-  </p:timing>
-</p:sld>
-</file>
-
-<file path=ppt/slides/slide39.xml><?xml version="1.0" encoding="utf-8"?>
-<p:sld xmlns:a="http://schemas.openxmlformats.org/drawingml/2006/main" xmlns:r="http://schemas.openxmlformats.org/officeDocument/2006/relationships" xmlns:p="http://schemas.openxmlformats.org/presentationml/2006/main">
-  <p:cSld>
-    <p:spTree>
-      <p:nvGrpSpPr>
-        <p:cNvPr id="1" name=""/>
-        <p:cNvGrpSpPr/>
-        <p:nvPr/>
-      </p:nvGrpSpPr>
-      <p:grpSpPr>
-        <a:xfrm>
-          <a:off x="0" y="0"/>
-          <a:ext cx="0" cy="0"/>
-          <a:chOff x="0" y="0"/>
-          <a:chExt cx="0" cy="0"/>
-        </a:xfrm>
-      </p:grpSpPr>
-      <p:sp>
-        <p:nvSpPr>
           <p:cNvPr id="2" name="Title 1"/>
           <p:cNvSpPr>
             <a:spLocks noGrp="1"/>
@@ -28899,10 +28771,16 @@
               <a:defRPr/>
             </a:pPr>
             <a:r>
-              <a:rPr lang="en-US" smtClean="0">
+              <a:rPr lang="en-US" dirty="0" smtClean="0">
                 <a:cs typeface="+mj-cs"/>
               </a:rPr>
-              <a:t>Assignment	</a:t>
+              <a:t>Exercise</a:t>
+            </a:r>
+            <a:r>
+              <a:rPr lang="en-US" dirty="0" smtClean="0">
+                <a:cs typeface="+mj-cs"/>
+              </a:rPr>
+              <a:t>	</a:t>
             </a:r>
           </a:p>
         </p:txBody>
@@ -28924,9 +28802,10 @@
           <a:p>
             <a:pPr eaLnBrk="1" hangingPunct="1"/>
             <a:r>
-              <a:rPr lang="en-US" altLang="en-US"/>
-              <a:t>Assignment #12/Lab – see website</a:t>
-            </a:r>
+              <a:rPr lang="en-US" altLang="en-US" dirty="0" smtClean="0"/>
+              <a:t>Prolog Exercise 2</a:t>
+            </a:r>
+            <a:endParaRPr lang="en-US" altLang="en-US" dirty="0"/>
           </a:p>
         </p:txBody>
       </p:sp>

--- a/philosophy-prolog.pptx
+++ b/philosophy-prolog.pptx
@@ -5,10 +5,10 @@
     <p:sldMasterId id="2147483649" r:id="rId1"/>
   </p:sldMasterIdLst>
   <p:notesMasterIdLst>
-    <p:notesMasterId r:id="rId40"/>
+    <p:notesMasterId r:id="rId41"/>
   </p:notesMasterIdLst>
   <p:handoutMasterIdLst>
-    <p:handoutMasterId r:id="rId41"/>
+    <p:handoutMasterId r:id="rId42"/>
   </p:handoutMasterIdLst>
   <p:sldIdLst>
     <p:sldId id="300" r:id="rId2"/>
@@ -20,35 +20,36 @@
     <p:sldId id="267" r:id="rId8"/>
     <p:sldId id="268" r:id="rId9"/>
     <p:sldId id="261" r:id="rId10"/>
-    <p:sldId id="301" r:id="rId11"/>
-    <p:sldId id="262" r:id="rId12"/>
-    <p:sldId id="263" r:id="rId13"/>
-    <p:sldId id="269" r:id="rId14"/>
-    <p:sldId id="270" r:id="rId15"/>
-    <p:sldId id="271" r:id="rId16"/>
-    <p:sldId id="273" r:id="rId17"/>
-    <p:sldId id="274" r:id="rId18"/>
-    <p:sldId id="275" r:id="rId19"/>
-    <p:sldId id="276" r:id="rId20"/>
-    <p:sldId id="272" r:id="rId21"/>
-    <p:sldId id="277" r:id="rId22"/>
-    <p:sldId id="278" r:id="rId23"/>
-    <p:sldId id="279" r:id="rId24"/>
-    <p:sldId id="280" r:id="rId25"/>
-    <p:sldId id="292" r:id="rId26"/>
-    <p:sldId id="281" r:id="rId27"/>
-    <p:sldId id="282" r:id="rId28"/>
-    <p:sldId id="285" r:id="rId29"/>
-    <p:sldId id="286" r:id="rId30"/>
-    <p:sldId id="287" r:id="rId31"/>
-    <p:sldId id="288" r:id="rId32"/>
-    <p:sldId id="289" r:id="rId33"/>
-    <p:sldId id="290" r:id="rId34"/>
-    <p:sldId id="291" r:id="rId35"/>
-    <p:sldId id="293" r:id="rId36"/>
-    <p:sldId id="295" r:id="rId37"/>
-    <p:sldId id="296" r:id="rId38"/>
-    <p:sldId id="298" r:id="rId39"/>
+    <p:sldId id="302" r:id="rId11"/>
+    <p:sldId id="301" r:id="rId12"/>
+    <p:sldId id="262" r:id="rId13"/>
+    <p:sldId id="263" r:id="rId14"/>
+    <p:sldId id="269" r:id="rId15"/>
+    <p:sldId id="270" r:id="rId16"/>
+    <p:sldId id="271" r:id="rId17"/>
+    <p:sldId id="273" r:id="rId18"/>
+    <p:sldId id="274" r:id="rId19"/>
+    <p:sldId id="275" r:id="rId20"/>
+    <p:sldId id="276" r:id="rId21"/>
+    <p:sldId id="272" r:id="rId22"/>
+    <p:sldId id="277" r:id="rId23"/>
+    <p:sldId id="278" r:id="rId24"/>
+    <p:sldId id="279" r:id="rId25"/>
+    <p:sldId id="280" r:id="rId26"/>
+    <p:sldId id="292" r:id="rId27"/>
+    <p:sldId id="281" r:id="rId28"/>
+    <p:sldId id="282" r:id="rId29"/>
+    <p:sldId id="285" r:id="rId30"/>
+    <p:sldId id="286" r:id="rId31"/>
+    <p:sldId id="287" r:id="rId32"/>
+    <p:sldId id="288" r:id="rId33"/>
+    <p:sldId id="289" r:id="rId34"/>
+    <p:sldId id="290" r:id="rId35"/>
+    <p:sldId id="291" r:id="rId36"/>
+    <p:sldId id="293" r:id="rId37"/>
+    <p:sldId id="295" r:id="rId38"/>
+    <p:sldId id="296" r:id="rId39"/>
+    <p:sldId id="298" r:id="rId40"/>
   </p:sldIdLst>
   <p:sldSz cx="9144000" cy="6858000" type="screen4x3"/>
   <p:notesSz cx="6858000" cy="9144000"/>
@@ -1449,7 +1450,7 @@
             <a:fld id="{7F73B7C5-6768-5D42-A2C3-5804E7F2455F}" type="slidenum">
               <a:rPr lang="en-US" altLang="en-US" sz="1200"/>
               <a:pPr/>
-              <a:t>13</a:t>
+              <a:t>14</a:t>
             </a:fld>
             <a:endParaRPr lang="en-US" altLang="en-US" sz="1200"/>
           </a:p>
@@ -1681,7 +1682,7 @@
             <a:fld id="{A97633AE-84EB-214E-971A-7F20FDDE75AE}" type="slidenum">
               <a:rPr lang="en-US" altLang="en-US" sz="1200"/>
               <a:pPr/>
-              <a:t>14</a:t>
+              <a:t>15</a:t>
             </a:fld>
             <a:endParaRPr lang="en-US" altLang="en-US" sz="1200"/>
           </a:p>
@@ -1913,7 +1914,7 @@
             <a:fld id="{32807B00-0BD0-C640-A343-FDFE5A4960A0}" type="slidenum">
               <a:rPr lang="en-US" altLang="en-US" sz="1200"/>
               <a:pPr/>
-              <a:t>15</a:t>
+              <a:t>16</a:t>
             </a:fld>
             <a:endParaRPr lang="en-US" altLang="en-US" sz="1200"/>
           </a:p>
@@ -2145,7 +2146,7 @@
             <a:fld id="{40556519-0D98-1A4A-8705-17609A60C114}" type="slidenum">
               <a:rPr lang="en-US" altLang="en-US" sz="1200"/>
               <a:pPr/>
-              <a:t>16</a:t>
+              <a:t>17</a:t>
             </a:fld>
             <a:endParaRPr lang="en-US" altLang="en-US" sz="1200"/>
           </a:p>
@@ -2388,7 +2389,7 @@
             <a:fld id="{162C8D9C-F6B5-8C4B-9CBC-A6A996B1DACB}" type="slidenum">
               <a:rPr lang="en-US" altLang="en-US" sz="1200"/>
               <a:pPr/>
-              <a:t>17</a:t>
+              <a:t>18</a:t>
             </a:fld>
             <a:endParaRPr lang="en-US" altLang="en-US" sz="1200"/>
           </a:p>
@@ -2631,7 +2632,7 @@
             <a:fld id="{1E22FBEF-96D6-2642-AFBD-DC70C346D3E2}" type="slidenum">
               <a:rPr lang="en-US" altLang="en-US" sz="1200"/>
               <a:pPr/>
-              <a:t>18</a:t>
+              <a:t>19</a:t>
             </a:fld>
             <a:endParaRPr lang="en-US" altLang="en-US" sz="1200"/>
           </a:p>
@@ -2874,7 +2875,7 @@
             <a:fld id="{8856A56F-2B20-D34B-A00D-F984086B6019}" type="slidenum">
               <a:rPr lang="en-US" altLang="en-US" sz="1200"/>
               <a:pPr/>
-              <a:t>19</a:t>
+              <a:t>20</a:t>
             </a:fld>
             <a:endParaRPr lang="en-US" altLang="en-US" sz="1200"/>
           </a:p>
@@ -3117,7 +3118,7 @@
             <a:fld id="{58A6B1D6-516F-4C42-9A18-0B9B5AC9CC53}" type="slidenum">
               <a:rPr lang="en-US" altLang="en-US" sz="1200"/>
               <a:pPr/>
-              <a:t>20</a:t>
+              <a:t>21</a:t>
             </a:fld>
             <a:endParaRPr lang="en-US" altLang="en-US" sz="1200"/>
           </a:p>
@@ -3179,16 +3180,7 @@
           <a:lstStyle/>
           <a:p>
             <a:pPr eaLnBrk="1" hangingPunct="1"/>
-            <a:r>
-              <a:rPr lang="en-US" altLang="en-US">
-                <a:ea typeface="ＭＳ Ｐゴシック" charset="-128"/>
-              </a:rPr>
-              <a:t>Quiz, Friday 11/14 - Chap 10 through whatever we cover on Monday</a:t>
-            </a:r>
-          </a:p>
-          <a:p>
-            <a:pPr eaLnBrk="1" hangingPunct="1"/>
-            <a:endParaRPr lang="en-US" altLang="en-US">
+            <a:endParaRPr lang="en-US" altLang="en-US" dirty="0">
               <a:ea typeface="ＭＳ Ｐゴシック" charset="-128"/>
             </a:endParaRPr>
           </a:p>
@@ -3364,7 +3356,7 @@
             <a:fld id="{D8EC84B3-3C18-D440-B35F-750DCB4BEC3F}" type="slidenum">
               <a:rPr lang="en-US" altLang="en-US" sz="1200"/>
               <a:pPr/>
-              <a:t>21</a:t>
+              <a:t>22</a:t>
             </a:fld>
             <a:endParaRPr lang="en-US" altLang="en-US" sz="1200"/>
           </a:p>
@@ -3607,7 +3599,7 @@
             <a:fld id="{96E36745-6A43-384F-B44E-15E0BF08170B}" type="slidenum">
               <a:rPr lang="en-US" altLang="en-US" sz="1200"/>
               <a:pPr/>
-              <a:t>22</a:t>
+              <a:t>23</a:t>
             </a:fld>
             <a:endParaRPr lang="en-US" altLang="en-US" sz="1200"/>
           </a:p>
@@ -4088,7 +4080,7 @@
             <a:fld id="{9391A6AA-21EC-5E4A-93D6-16496494F327}" type="slidenum">
               <a:rPr lang="en-US" altLang="en-US" sz="1200"/>
               <a:pPr/>
-              <a:t>23</a:t>
+              <a:t>24</a:t>
             </a:fld>
             <a:endParaRPr lang="en-US" altLang="en-US" sz="1200"/>
           </a:p>
@@ -4331,7 +4323,7 @@
             <a:fld id="{80FBB501-DA91-9C41-B892-4B8B8983C76B}" type="slidenum">
               <a:rPr lang="en-US" altLang="en-US" sz="1200"/>
               <a:pPr/>
-              <a:t>24</a:t>
+              <a:t>25</a:t>
             </a:fld>
             <a:endParaRPr lang="en-US" altLang="en-US" sz="1200"/>
           </a:p>
@@ -4574,7 +4566,7 @@
             <a:fld id="{ACFCB033-7136-7B4B-BB6A-ECEB44E32CA6}" type="slidenum">
               <a:rPr lang="en-US" altLang="en-US" sz="1200"/>
               <a:pPr/>
-              <a:t>26</a:t>
+              <a:t>27</a:t>
             </a:fld>
             <a:endParaRPr lang="en-US" altLang="en-US" sz="1200"/>
           </a:p>
@@ -4817,7 +4809,7 @@
             <a:fld id="{7E0A664F-167E-6B47-808D-5D0C32645073}" type="slidenum">
               <a:rPr lang="en-US" altLang="en-US" sz="1200"/>
               <a:pPr/>
-              <a:t>27</a:t>
+              <a:t>28</a:t>
             </a:fld>
             <a:endParaRPr lang="en-US" altLang="en-US" sz="1200"/>
           </a:p>
@@ -5060,7 +5052,7 @@
             <a:fld id="{3F0D3610-59A4-EC4A-8EE0-5CED891064E2}" type="slidenum">
               <a:rPr lang="en-US" altLang="en-US" sz="1200"/>
               <a:pPr/>
-              <a:t>28</a:t>
+              <a:t>29</a:t>
             </a:fld>
             <a:endParaRPr lang="en-US" altLang="en-US" sz="1200"/>
           </a:p>
@@ -5293,7 +5285,7 @@
             <a:fld id="{31F0972E-838E-EA47-91E5-216BB438BC10}" type="slidenum">
               <a:rPr lang="en-US" altLang="en-US"/>
               <a:pPr/>
-              <a:t>29</a:t>
+              <a:t>30</a:t>
             </a:fld>
             <a:endParaRPr lang="en-US" altLang="en-US"/>
           </a:p>
@@ -5512,7 +5504,7 @@
             <a:fld id="{8610BA44-CE71-6348-ABA6-F03236249041}" type="slidenum">
               <a:rPr lang="en-US" altLang="en-US"/>
               <a:pPr/>
-              <a:t>30</a:t>
+              <a:t>31</a:t>
             </a:fld>
             <a:endParaRPr lang="en-US" altLang="en-US"/>
           </a:p>
@@ -5731,7 +5723,7 @@
             <a:fld id="{5D995F65-C4DC-0E4C-9632-243D30B9954A}" type="slidenum">
               <a:rPr lang="en-US" altLang="en-US"/>
               <a:pPr/>
-              <a:t>31</a:t>
+              <a:t>32</a:t>
             </a:fld>
             <a:endParaRPr lang="en-US" altLang="en-US"/>
           </a:p>
@@ -5950,7 +5942,7 @@
             <a:fld id="{C113A868-E617-D54C-844D-330C21D6B16F}" type="slidenum">
               <a:rPr lang="en-US" altLang="en-US"/>
               <a:pPr/>
-              <a:t>32</a:t>
+              <a:t>33</a:t>
             </a:fld>
             <a:endParaRPr lang="en-US" altLang="en-US"/>
           </a:p>
@@ -6169,7 +6161,7 @@
             <a:fld id="{0BE56660-78A9-434E-BF56-05A696A8D54D}" type="slidenum">
               <a:rPr lang="en-US" altLang="en-US"/>
               <a:pPr/>
-              <a:t>33</a:t>
+              <a:t>34</a:t>
             </a:fld>
             <a:endParaRPr lang="en-US" altLang="en-US"/>
           </a:p>
@@ -6626,7 +6618,7 @@
             <a:fld id="{B7547CA0-EA5B-9A4B-9722-9ACFA76C49CD}" type="slidenum">
               <a:rPr lang="en-US" altLang="en-US"/>
               <a:pPr/>
-              <a:t>34</a:t>
+              <a:t>35</a:t>
             </a:fld>
             <a:endParaRPr lang="en-US" altLang="en-US"/>
           </a:p>
@@ -6845,7 +6837,7 @@
             <a:fld id="{9857B778-E499-5A41-B90C-729C4FA8EFDC}" type="slidenum">
               <a:rPr lang="en-US" altLang="en-US"/>
               <a:pPr/>
-              <a:t>35</a:t>
+              <a:t>36</a:t>
             </a:fld>
             <a:endParaRPr lang="en-US" altLang="en-US"/>
           </a:p>
@@ -8409,7 +8401,7 @@
             <a:fld id="{BCC2225D-D668-2C4C-81D9-819405C5C7DF}" type="slidenum">
               <a:rPr lang="en-US" altLang="en-US" sz="1200"/>
               <a:pPr/>
-              <a:t>11</a:t>
+              <a:t>12</a:t>
             </a:fld>
             <a:endParaRPr lang="en-US" altLang="en-US" sz="1200"/>
           </a:p>
@@ -8647,7 +8639,7 @@
             <a:fld id="{220D8103-EB8C-7747-9383-63464221000F}" type="slidenum">
               <a:rPr lang="en-US" altLang="en-US" sz="1200"/>
               <a:pPr/>
-              <a:t>12</a:t>
+              <a:t>13</a:t>
             </a:fld>
             <a:endParaRPr lang="en-US" altLang="en-US" sz="1200"/>
           </a:p>
@@ -13103,14 +13095,10 @@
           <a:p>
             <a:r>
               <a:rPr lang="en-US" dirty="0" smtClean="0"/>
-              <a:t>Here we take a look at First Order Logic  </a:t>
-            </a:r>
-            <a:r>
-              <a:rPr lang="en-US" smtClean="0"/>
-              <a:t>as </a:t>
-            </a:r>
-            <a:r>
-              <a:rPr lang="en-US" smtClean="0"/>
+              <a:t>Here we take a look at First Order Logic  as </a:t>
+            </a:r>
+            <a:r>
+              <a:rPr lang="en-US" dirty="0" smtClean="0"/>
               <a:t>a computational </a:t>
             </a:r>
             <a:r>
@@ -13245,6 +13233,254 @@
           <a:p>
             <a:r>
               <a:rPr lang="en-US" dirty="0" smtClean="0"/>
+              <a:t>Horn Clause Logic</a:t>
+            </a:r>
+            <a:endParaRPr lang="en-US" dirty="0"/>
+          </a:p>
+        </p:txBody>
+      </p:sp>
+      <mc:AlternateContent xmlns:mc="http://schemas.openxmlformats.org/markup-compatibility/2006">
+        <mc:Choice xmlns:a14="http://schemas.microsoft.com/office/drawing/2010/main" Requires="a14">
+          <p:sp>
+            <p:nvSpPr>
+              <p:cNvPr id="3" name="Content Placeholder 2"/>
+              <p:cNvSpPr>
+                <a:spLocks noGrp="1"/>
+              </p:cNvSpPr>
+              <p:nvPr>
+                <p:ph idx="1"/>
+              </p:nvPr>
+            </p:nvSpPr>
+            <p:spPr/>
+            <p:txBody>
+              <a:bodyPr/>
+              <a:lstStyle/>
+              <a:p>
+                <a:r>
+                  <a:rPr lang="en-US" dirty="0"/>
+                  <a:t>P</a:t>
+                </a:r>
+                <a:r>
+                  <a:rPr lang="en-US" dirty="0" smtClean="0"/>
+                  <a:t>roof outline that Horn Clause Logic (HCL) is Turing complete:</a:t>
+                </a:r>
+              </a:p>
+              <a:p>
+                <a:pPr lvl="2"/>
+                <a14:m>
+                  <m:oMath xmlns:m="http://schemas.openxmlformats.org/officeDocument/2006/math">
+                    <m:r>
+                      <m:rPr>
+                        <m:nor/>
+                      </m:rPr>
+                      <a:rPr lang="en-US" b="0" i="0" smtClean="0">
+                        <a:latin typeface="Cambria Math" charset="0"/>
+                      </a:rPr>
+                      <m:t>HCL</m:t>
+                    </m:r>
+                    <m:r>
+                      <a:rPr lang="en-US" b="0" i="1" smtClean="0">
+                        <a:latin typeface="Cambria Math" charset="0"/>
+                        <a:ea typeface="Cambria Math" charset="0"/>
+                        <a:cs typeface="Cambria Math" charset="0"/>
+                      </a:rPr>
+                      <m:t>⟺</m:t>
+                    </m:r>
+                    <m:r>
+                      <m:rPr>
+                        <m:nor/>
+                      </m:rPr>
+                      <a:rPr lang="en-US" b="0" i="0" smtClean="0">
+                        <a:latin typeface="Cambria Math" charset="0"/>
+                        <a:ea typeface="Cambria Math" charset="0"/>
+                        <a:cs typeface="Cambria Math" charset="0"/>
+                      </a:rPr>
+                      <m:t>μ</m:t>
+                    </m:r>
+                    <m:r>
+                      <m:rPr>
+                        <m:nor/>
+                      </m:rPr>
+                      <a:rPr lang="en-US" b="0" i="0" smtClean="0">
+                        <a:latin typeface="Cambria Math" charset="0"/>
+                        <a:ea typeface="Cambria Math" charset="0"/>
+                        <a:cs typeface="Cambria Math" charset="0"/>
+                      </a:rPr>
+                      <m:t>-</m:t>
+                    </m:r>
+                    <m:r>
+                      <m:rPr>
+                        <m:nor/>
+                      </m:rPr>
+                      <a:rPr lang="en-US" b="0" i="0" smtClean="0">
+                        <a:latin typeface="Cambria Math" charset="0"/>
+                        <a:ea typeface="Cambria Math" charset="0"/>
+                        <a:cs typeface="Cambria Math" charset="0"/>
+                      </a:rPr>
+                      <m:t>recursive</m:t>
+                    </m:r>
+                    <m:r>
+                      <m:rPr>
+                        <m:nor/>
+                      </m:rPr>
+                      <a:rPr lang="en-US" b="0" i="0" smtClean="0">
+                        <a:latin typeface="Cambria Math" charset="0"/>
+                        <a:ea typeface="Cambria Math" charset="0"/>
+                        <a:cs typeface="Cambria Math" charset="0"/>
+                      </a:rPr>
+                      <m:t> </m:t>
+                    </m:r>
+                    <m:r>
+                      <m:rPr>
+                        <m:nor/>
+                      </m:rPr>
+                      <a:rPr lang="en-US" b="0" i="0" smtClean="0">
+                        <a:latin typeface="Cambria Math" charset="0"/>
+                        <a:ea typeface="Cambria Math" charset="0"/>
+                        <a:cs typeface="Cambria Math" charset="0"/>
+                      </a:rPr>
+                      <m:t>functions</m:t>
+                    </m:r>
+                  </m:oMath>
+                </a14:m>
+                <a:r>
+                  <a:rPr lang="en-US" dirty="0">
+                    <a:ea typeface="Cambria Math" charset="0"/>
+                    <a:cs typeface="Cambria Math" charset="0"/>
+                  </a:rPr>
+                  <a:t> </a:t>
+                </a:r>
+                <a14:m>
+                  <m:oMath xmlns:m="http://schemas.openxmlformats.org/officeDocument/2006/math">
+                    <m:r>
+                      <a:rPr lang="en-US" i="1">
+                        <a:latin typeface="Cambria Math" charset="0"/>
+                        <a:ea typeface="Cambria Math" charset="0"/>
+                        <a:cs typeface="Cambria Math" charset="0"/>
+                      </a:rPr>
+                      <m:t>⟺</m:t>
+                    </m:r>
+                    <m:r>
+                      <m:rPr>
+                        <m:nor/>
+                      </m:rPr>
+                      <a:rPr lang="en-US" b="0" i="0" smtClean="0">
+                        <a:latin typeface="Cambria Math" charset="0"/>
+                        <a:ea typeface="Cambria Math" charset="0"/>
+                        <a:cs typeface="Cambria Math" charset="0"/>
+                      </a:rPr>
+                      <m:t>Turing</m:t>
+                    </m:r>
+                    <m:r>
+                      <m:rPr>
+                        <m:nor/>
+                      </m:rPr>
+                      <a:rPr lang="en-US" b="0" i="0" smtClean="0">
+                        <a:latin typeface="Cambria Math" charset="0"/>
+                        <a:ea typeface="Cambria Math" charset="0"/>
+                        <a:cs typeface="Cambria Math" charset="0"/>
+                      </a:rPr>
+                      <m:t> </m:t>
+                    </m:r>
+                    <m:r>
+                      <m:rPr>
+                        <m:nor/>
+                      </m:rPr>
+                      <a:rPr lang="en-US" b="0" i="0" smtClean="0">
+                        <a:latin typeface="Cambria Math" charset="0"/>
+                        <a:ea typeface="Cambria Math" charset="0"/>
+                        <a:cs typeface="Cambria Math" charset="0"/>
+                      </a:rPr>
+                      <m:t>Machine</m:t>
+                    </m:r>
+                  </m:oMath>
+                </a14:m>
+                <a:endParaRPr lang="en-US" dirty="0" smtClean="0"/>
+              </a:p>
+            </p:txBody>
+          </p:sp>
+        </mc:Choice>
+        <mc:Fallback>
+          <p:sp>
+            <p:nvSpPr>
+              <p:cNvPr id="3" name="Content Placeholder 2"/>
+              <p:cNvSpPr>
+                <a:spLocks noGrp="1" noRot="1" noChangeAspect="1" noMove="1" noResize="1" noEditPoints="1" noAdjustHandles="1" noChangeArrowheads="1" noChangeShapeType="1" noTextEdit="1"/>
+              </p:cNvSpPr>
+              <p:nvPr>
+                <p:ph idx="1"/>
+              </p:nvPr>
+            </p:nvSpPr>
+            <p:spPr>
+              <a:blipFill rotWithShape="0">
+                <a:blip r:embed="rId2"/>
+                <a:stretch>
+                  <a:fillRect l="-1154" t="-1793"/>
+                </a:stretch>
+              </a:blipFill>
+            </p:spPr>
+            <p:txBody>
+              <a:bodyPr/>
+              <a:lstStyle/>
+              <a:p>
+                <a:r>
+                  <a:rPr lang="en-US">
+                    <a:noFill/>
+                  </a:rPr>
+                  <a:t> </a:t>
+                </a:r>
+              </a:p>
+            </p:txBody>
+          </p:sp>
+        </mc:Fallback>
+      </mc:AlternateContent>
+    </p:spTree>
+    <p:extLst>
+      <p:ext uri="{BB962C8B-B14F-4D97-AF65-F5344CB8AC3E}">
+        <p14:creationId xmlns:p14="http://schemas.microsoft.com/office/powerpoint/2010/main" val="494698387"/>
+      </p:ext>
+    </p:extLst>
+  </p:cSld>
+  <p:clrMapOvr>
+    <a:masterClrMapping/>
+  </p:clrMapOvr>
+</p:sld>
+</file>
+
+<file path=ppt/slides/slide11.xml><?xml version="1.0" encoding="utf-8"?>
+<p:sld xmlns:a="http://schemas.openxmlformats.org/drawingml/2006/main" xmlns:r="http://schemas.openxmlformats.org/officeDocument/2006/relationships" xmlns:p="http://schemas.openxmlformats.org/presentationml/2006/main">
+  <p:cSld>
+    <p:spTree>
+      <p:nvGrpSpPr>
+        <p:cNvPr id="1" name=""/>
+        <p:cNvGrpSpPr/>
+        <p:nvPr/>
+      </p:nvGrpSpPr>
+      <p:grpSpPr>
+        <a:xfrm>
+          <a:off x="0" y="0"/>
+          <a:ext cx="0" cy="0"/>
+          <a:chOff x="0" y="0"/>
+          <a:chExt cx="0" cy="0"/>
+        </a:xfrm>
+      </p:grpSpPr>
+      <p:sp>
+        <p:nvSpPr>
+          <p:cNvPr id="2" name="Title 1"/>
+          <p:cNvSpPr>
+            <a:spLocks noGrp="1"/>
+          </p:cNvSpPr>
+          <p:nvPr>
+            <p:ph type="title"/>
+          </p:nvPr>
+        </p:nvSpPr>
+        <p:spPr/>
+        <p:txBody>
+          <a:bodyPr/>
+          <a:lstStyle/>
+          <a:p>
+            <a:r>
+              <a:rPr lang="en-US" dirty="0" smtClean="0"/>
               <a:t>Computational Logic</a:t>
             </a:r>
             <a:endParaRPr lang="en-US" dirty="0"/>
@@ -13416,7 +13652,7 @@
 </p:sld>
 </file>
 
-<file path=ppt/slides/slide11.xml><?xml version="1.0" encoding="utf-8"?>
+<file path=ppt/slides/slide12.xml><?xml version="1.0" encoding="utf-8"?>
 <p:sld xmlns:a="http://schemas.openxmlformats.org/drawingml/2006/main" xmlns:r="http://schemas.openxmlformats.org/officeDocument/2006/relationships" xmlns:p="http://schemas.openxmlformats.org/presentationml/2006/main">
   <p:cSld>
     <p:spTree>
@@ -13951,1646 +14187,6 @@
             <a:r>
               <a:rPr lang="ja-JP" altLang="en-US" sz="1800"/>
               <a:t>”</a:t>
-            </a:r>
-            <a:endParaRPr lang="en-US" altLang="en-US" sz="1800"/>
-          </a:p>
-        </p:txBody>
-      </p:sp>
-    </p:spTree>
-  </p:cSld>
-  <p:clrMapOvr>
-    <a:masterClrMapping/>
-  </p:clrMapOvr>
-  <p:timing>
-    <p:tnLst>
-      <p:par>
-        <p:cTn id="1" dur="indefinite" restart="never" nodeType="tmRoot"/>
-      </p:par>
-    </p:tnLst>
-  </p:timing>
-</p:sld>
-</file>
-
-<file path=ppt/slides/slide12.xml><?xml version="1.0" encoding="utf-8"?>
-<p:sld xmlns:a="http://schemas.openxmlformats.org/drawingml/2006/main" xmlns:r="http://schemas.openxmlformats.org/officeDocument/2006/relationships" xmlns:p="http://schemas.openxmlformats.org/presentationml/2006/main">
-  <p:cSld>
-    <p:spTree>
-      <p:nvGrpSpPr>
-        <p:cNvPr id="1" name=""/>
-        <p:cNvGrpSpPr/>
-        <p:nvPr/>
-      </p:nvGrpSpPr>
-      <p:grpSpPr>
-        <a:xfrm>
-          <a:off x="0" y="0"/>
-          <a:ext cx="0" cy="0"/>
-          <a:chOff x="0" y="0"/>
-          <a:chExt cx="0" cy="0"/>
-        </a:xfrm>
-      </p:grpSpPr>
-      <p:sp>
-        <p:nvSpPr>
-          <p:cNvPr id="17410" name="Rectangle 2"/>
-          <p:cNvSpPr>
-            <a:spLocks noGrp="1" noChangeArrowheads="1"/>
-          </p:cNvSpPr>
-          <p:nvPr>
-            <p:ph type="title"/>
-          </p:nvPr>
-        </p:nvSpPr>
-        <p:spPr/>
-        <p:txBody>
-          <a:bodyPr/>
-          <a:lstStyle/>
-          <a:p>
-            <a:pPr eaLnBrk="1" hangingPunct="1">
-              <a:defRPr/>
-            </a:pPr>
-            <a:r>
-              <a:rPr lang="en-US" smtClean="0">
-                <a:cs typeface="+mj-cs"/>
-              </a:rPr>
-              <a:t>Basic Prolog Programs</a:t>
-            </a:r>
-          </a:p>
-        </p:txBody>
-      </p:sp>
-      <p:sp>
-        <p:nvSpPr>
-          <p:cNvPr id="36866" name="Text Box 3"/>
-          <p:cNvSpPr txBox="1">
-            <a:spLocks noChangeArrowheads="1"/>
-          </p:cNvSpPr>
-          <p:nvPr/>
-        </p:nvSpPr>
-        <p:spPr bwMode="auto">
-          <a:xfrm>
-            <a:off x="5470525" y="6446838"/>
-            <a:ext cx="2274888" cy="274637"/>
-          </a:xfrm>
-          <a:prstGeom prst="rect">
-            <a:avLst/>
-          </a:prstGeom>
-          <a:noFill/>
-          <a:ln>
-            <a:noFill/>
-          </a:ln>
-          <a:extLst>
-            <a:ext uri="{909E8E84-426E-40DD-AFC4-6F175D3DCCD1}">
-              <a14:hiddenFill xmlns:a14="http://schemas.microsoft.com/office/drawing/2010/main">
-                <a:solidFill>
-                  <a:schemeClr val="accent1"/>
-                </a:solidFill>
-              </a14:hiddenFill>
-            </a:ext>
-            <a:ext uri="{91240B29-F687-4F45-9708-019B960494DF}">
-              <a14:hiddenLine xmlns:a14="http://schemas.microsoft.com/office/drawing/2010/main" w="9525">
-                <a:solidFill>
-                  <a:schemeClr val="tx1"/>
-                </a:solidFill>
-                <a:miter lim="800000"/>
-                <a:headEnd/>
-                <a:tailEnd/>
-              </a14:hiddenLine>
-            </a:ext>
-          </a:extLst>
-        </p:spPr>
-        <p:txBody>
-          <a:bodyPr wrap="none">
-            <a:spAutoFit/>
-          </a:bodyPr>
-          <a:lstStyle>
-            <a:lvl1pPr>
-              <a:defRPr sz="2300">
-                <a:solidFill>
-                  <a:schemeClr val="tx1"/>
-                </a:solidFill>
-                <a:latin typeface="Arial" charset="0"/>
-                <a:ea typeface="ＭＳ Ｐゴシック" charset="-128"/>
-              </a:defRPr>
-            </a:lvl1pPr>
-            <a:lvl2pPr marL="742950" indent="-285750">
-              <a:defRPr sz="2300">
-                <a:solidFill>
-                  <a:schemeClr val="tx1"/>
-                </a:solidFill>
-                <a:latin typeface="Arial" charset="0"/>
-                <a:ea typeface="ＭＳ Ｐゴシック" charset="-128"/>
-              </a:defRPr>
-            </a:lvl2pPr>
-            <a:lvl3pPr marL="1143000" indent="-228600">
-              <a:defRPr sz="2300">
-                <a:solidFill>
-                  <a:schemeClr val="tx1"/>
-                </a:solidFill>
-                <a:latin typeface="Arial" charset="0"/>
-                <a:ea typeface="ＭＳ Ｐゴシック" charset="-128"/>
-              </a:defRPr>
-            </a:lvl3pPr>
-            <a:lvl4pPr marL="1600200" indent="-228600">
-              <a:defRPr sz="2300">
-                <a:solidFill>
-                  <a:schemeClr val="tx1"/>
-                </a:solidFill>
-                <a:latin typeface="Arial" charset="0"/>
-                <a:ea typeface="ＭＳ Ｐゴシック" charset="-128"/>
-              </a:defRPr>
-            </a:lvl4pPr>
-            <a:lvl5pPr marL="2057400" indent="-228600">
-              <a:defRPr sz="2300">
-                <a:solidFill>
-                  <a:schemeClr val="tx1"/>
-                </a:solidFill>
-                <a:latin typeface="Arial" charset="0"/>
-                <a:ea typeface="ＭＳ Ｐゴシック" charset="-128"/>
-              </a:defRPr>
-            </a:lvl5pPr>
-            <a:lvl6pPr marL="2514600" indent="-228600" eaLnBrk="0" fontAlgn="base" hangingPunct="0">
-              <a:spcBef>
-                <a:spcPct val="0"/>
-              </a:spcBef>
-              <a:spcAft>
-                <a:spcPct val="0"/>
-              </a:spcAft>
-              <a:defRPr sz="2300">
-                <a:solidFill>
-                  <a:schemeClr val="tx1"/>
-                </a:solidFill>
-                <a:latin typeface="Arial" charset="0"/>
-                <a:ea typeface="ＭＳ Ｐゴシック" charset="-128"/>
-              </a:defRPr>
-            </a:lvl6pPr>
-            <a:lvl7pPr marL="2971800" indent="-228600" eaLnBrk="0" fontAlgn="base" hangingPunct="0">
-              <a:spcBef>
-                <a:spcPct val="0"/>
-              </a:spcBef>
-              <a:spcAft>
-                <a:spcPct val="0"/>
-              </a:spcAft>
-              <a:defRPr sz="2300">
-                <a:solidFill>
-                  <a:schemeClr val="tx1"/>
-                </a:solidFill>
-                <a:latin typeface="Arial" charset="0"/>
-                <a:ea typeface="ＭＳ Ｐゴシック" charset="-128"/>
-              </a:defRPr>
-            </a:lvl7pPr>
-            <a:lvl8pPr marL="3429000" indent="-228600" eaLnBrk="0" fontAlgn="base" hangingPunct="0">
-              <a:spcBef>
-                <a:spcPct val="0"/>
-              </a:spcBef>
-              <a:spcAft>
-                <a:spcPct val="0"/>
-              </a:spcAft>
-              <a:defRPr sz="2300">
-                <a:solidFill>
-                  <a:schemeClr val="tx1"/>
-                </a:solidFill>
-                <a:latin typeface="Arial" charset="0"/>
-                <a:ea typeface="ＭＳ Ｐゴシック" charset="-128"/>
-              </a:defRPr>
-            </a:lvl8pPr>
-            <a:lvl9pPr marL="3886200" indent="-228600" eaLnBrk="0" fontAlgn="base" hangingPunct="0">
-              <a:spcBef>
-                <a:spcPct val="0"/>
-              </a:spcBef>
-              <a:spcAft>
-                <a:spcPct val="0"/>
-              </a:spcAft>
-              <a:defRPr sz="2300">
-                <a:solidFill>
-                  <a:schemeClr val="tx1"/>
-                </a:solidFill>
-                <a:latin typeface="Arial" charset="0"/>
-                <a:ea typeface="ＭＳ Ｐゴシック" charset="-128"/>
-              </a:defRPr>
-            </a:lvl9pPr>
-          </a:lstStyle>
-          <a:p>
-            <a:r>
-              <a:rPr lang="en-US" altLang="en-US" sz="1200"/>
-              <a:t>Prolog </a:t>
-            </a:r>
-            <a:r>
-              <a:rPr lang="en-US" altLang="en-US" sz="1200">
-                <a:sym typeface="Symbol" charset="2"/>
-              </a:rPr>
-              <a:t> </a:t>
-            </a:r>
-            <a:r>
-              <a:rPr lang="en-US" altLang="en-US" sz="1200" u="sng">
-                <a:sym typeface="Symbol" charset="2"/>
-              </a:rPr>
-              <a:t>Pro</a:t>
-            </a:r>
-            <a:r>
-              <a:rPr lang="en-US" altLang="en-US" sz="1200">
-                <a:sym typeface="Symbol" charset="2"/>
-              </a:rPr>
-              <a:t>gramming in </a:t>
-            </a:r>
-            <a:r>
-              <a:rPr lang="en-US" altLang="en-US" sz="1200" u="sng">
-                <a:sym typeface="Symbol" charset="2"/>
-              </a:rPr>
-              <a:t>Log</a:t>
-            </a:r>
-            <a:r>
-              <a:rPr lang="en-US" altLang="en-US" sz="1200">
-                <a:sym typeface="Symbol" charset="2"/>
-              </a:rPr>
-              <a:t>ic</a:t>
-            </a:r>
-            <a:endParaRPr lang="en-US" altLang="en-US" sz="1200"/>
-          </a:p>
-        </p:txBody>
-      </p:sp>
-      <p:sp>
-        <p:nvSpPr>
-          <p:cNvPr id="36867" name="Text Box 4"/>
-          <p:cNvSpPr txBox="1">
-            <a:spLocks noChangeArrowheads="1"/>
-          </p:cNvSpPr>
-          <p:nvPr/>
-        </p:nvSpPr>
-        <p:spPr bwMode="auto">
-          <a:xfrm>
-            <a:off x="746125" y="1414463"/>
-            <a:ext cx="7477125" cy="1465262"/>
-          </a:xfrm>
-          <a:prstGeom prst="rect">
-            <a:avLst/>
-          </a:prstGeom>
-          <a:noFill/>
-          <a:ln>
-            <a:noFill/>
-          </a:ln>
-          <a:extLst>
-            <a:ext uri="{909E8E84-426E-40DD-AFC4-6F175D3DCCD1}">
-              <a14:hiddenFill xmlns:a14="http://schemas.microsoft.com/office/drawing/2010/main">
-                <a:solidFill>
-                  <a:schemeClr val="accent1"/>
-                </a:solidFill>
-              </a14:hiddenFill>
-            </a:ext>
-            <a:ext uri="{91240B29-F687-4F45-9708-019B960494DF}">
-              <a14:hiddenLine xmlns:a14="http://schemas.microsoft.com/office/drawing/2010/main" w="9525">
-                <a:solidFill>
-                  <a:schemeClr val="tx1"/>
-                </a:solidFill>
-                <a:miter lim="800000"/>
-                <a:headEnd/>
-                <a:tailEnd/>
-              </a14:hiddenLine>
-            </a:ext>
-          </a:extLst>
-        </p:spPr>
-        <p:txBody>
-          <a:bodyPr wrap="none">
-            <a:spAutoFit/>
-          </a:bodyPr>
-          <a:lstStyle>
-            <a:lvl1pPr>
-              <a:defRPr sz="2300">
-                <a:solidFill>
-                  <a:schemeClr val="tx1"/>
-                </a:solidFill>
-                <a:latin typeface="Arial" charset="0"/>
-                <a:ea typeface="ＭＳ Ｐゴシック" charset="-128"/>
-              </a:defRPr>
-            </a:lvl1pPr>
-            <a:lvl2pPr marL="742950" indent="-285750">
-              <a:defRPr sz="2300">
-                <a:solidFill>
-                  <a:schemeClr val="tx1"/>
-                </a:solidFill>
-                <a:latin typeface="Arial" charset="0"/>
-                <a:ea typeface="ＭＳ Ｐゴシック" charset="-128"/>
-              </a:defRPr>
-            </a:lvl2pPr>
-            <a:lvl3pPr marL="1143000" indent="-228600">
-              <a:defRPr sz="2300">
-                <a:solidFill>
-                  <a:schemeClr val="tx1"/>
-                </a:solidFill>
-                <a:latin typeface="Arial" charset="0"/>
-                <a:ea typeface="ＭＳ Ｐゴシック" charset="-128"/>
-              </a:defRPr>
-            </a:lvl3pPr>
-            <a:lvl4pPr marL="1600200" indent="-228600">
-              <a:defRPr sz="2300">
-                <a:solidFill>
-                  <a:schemeClr val="tx1"/>
-                </a:solidFill>
-                <a:latin typeface="Arial" charset="0"/>
-                <a:ea typeface="ＭＳ Ｐゴシック" charset="-128"/>
-              </a:defRPr>
-            </a:lvl4pPr>
-            <a:lvl5pPr marL="2057400" indent="-228600">
-              <a:defRPr sz="2300">
-                <a:solidFill>
-                  <a:schemeClr val="tx1"/>
-                </a:solidFill>
-                <a:latin typeface="Arial" charset="0"/>
-                <a:ea typeface="ＭＳ Ｐゴシック" charset="-128"/>
-              </a:defRPr>
-            </a:lvl5pPr>
-            <a:lvl6pPr marL="2514600" indent="-228600" eaLnBrk="0" fontAlgn="base" hangingPunct="0">
-              <a:spcBef>
-                <a:spcPct val="0"/>
-              </a:spcBef>
-              <a:spcAft>
-                <a:spcPct val="0"/>
-              </a:spcAft>
-              <a:defRPr sz="2300">
-                <a:solidFill>
-                  <a:schemeClr val="tx1"/>
-                </a:solidFill>
-                <a:latin typeface="Arial" charset="0"/>
-                <a:ea typeface="ＭＳ Ｐゴシック" charset="-128"/>
-              </a:defRPr>
-            </a:lvl6pPr>
-            <a:lvl7pPr marL="2971800" indent="-228600" eaLnBrk="0" fontAlgn="base" hangingPunct="0">
-              <a:spcBef>
-                <a:spcPct val="0"/>
-              </a:spcBef>
-              <a:spcAft>
-                <a:spcPct val="0"/>
-              </a:spcAft>
-              <a:defRPr sz="2300">
-                <a:solidFill>
-                  <a:schemeClr val="tx1"/>
-                </a:solidFill>
-                <a:latin typeface="Arial" charset="0"/>
-                <a:ea typeface="ＭＳ Ｐゴシック" charset="-128"/>
-              </a:defRPr>
-            </a:lvl7pPr>
-            <a:lvl8pPr marL="3429000" indent="-228600" eaLnBrk="0" fontAlgn="base" hangingPunct="0">
-              <a:spcBef>
-                <a:spcPct val="0"/>
-              </a:spcBef>
-              <a:spcAft>
-                <a:spcPct val="0"/>
-              </a:spcAft>
-              <a:defRPr sz="2300">
-                <a:solidFill>
-                  <a:schemeClr val="tx1"/>
-                </a:solidFill>
-                <a:latin typeface="Arial" charset="0"/>
-                <a:ea typeface="ＭＳ Ｐゴシック" charset="-128"/>
-              </a:defRPr>
-            </a:lvl8pPr>
-            <a:lvl9pPr marL="3886200" indent="-228600" eaLnBrk="0" fontAlgn="base" hangingPunct="0">
-              <a:spcBef>
-                <a:spcPct val="0"/>
-              </a:spcBef>
-              <a:spcAft>
-                <a:spcPct val="0"/>
-              </a:spcAft>
-              <a:defRPr sz="2300">
-                <a:solidFill>
-                  <a:schemeClr val="tx1"/>
-                </a:solidFill>
-                <a:latin typeface="Arial" charset="0"/>
-                <a:ea typeface="ＭＳ Ｐゴシック" charset="-128"/>
-              </a:defRPr>
-            </a:lvl9pPr>
-          </a:lstStyle>
-          <a:p>
-            <a:r>
-              <a:rPr lang="en-US" altLang="en-US" sz="1800" u="sng"/>
-              <a:t>Facts</a:t>
-            </a:r>
-            <a:r>
-              <a:rPr lang="en-US" altLang="en-US" sz="1800"/>
-              <a:t> - a fact constitutes a declaration of a truth; in Prolog it has to</a:t>
-            </a:r>
-            <a:br>
-              <a:rPr lang="en-US" altLang="en-US" sz="1800"/>
-            </a:br>
-            <a:r>
-              <a:rPr lang="en-US" altLang="en-US" sz="1800"/>
-              <a:t>            to be a positive assertion.</a:t>
-            </a:r>
-          </a:p>
-          <a:p>
-            <a:endParaRPr lang="en-US" altLang="en-US" sz="1800"/>
-          </a:p>
-          <a:p>
-            <a:r>
-              <a:rPr lang="en-US" altLang="en-US" sz="1800" u="sng"/>
-              <a:t>Prolog Programs</a:t>
-            </a:r>
-            <a:r>
-              <a:rPr lang="en-US" altLang="en-US" sz="1800"/>
-              <a:t> - a Prolog program is a collection of facts (…and rules,</a:t>
-            </a:r>
-            <a:br>
-              <a:rPr lang="en-US" altLang="en-US" sz="1800"/>
-            </a:br>
-            <a:r>
-              <a:rPr lang="en-US" altLang="en-US" sz="1800"/>
-              <a:t>                              as we will see later).</a:t>
-            </a:r>
-            <a:endParaRPr lang="en-US" altLang="en-US" sz="1800" u="sng"/>
-          </a:p>
-        </p:txBody>
-      </p:sp>
-      <p:sp>
-        <p:nvSpPr>
-          <p:cNvPr id="36868" name="Text Box 5"/>
-          <p:cNvSpPr txBox="1">
-            <a:spLocks noChangeArrowheads="1"/>
-          </p:cNvSpPr>
-          <p:nvPr/>
-        </p:nvSpPr>
-        <p:spPr bwMode="auto">
-          <a:xfrm>
-            <a:off x="746125" y="3243263"/>
-            <a:ext cx="2967038" cy="1341437"/>
-          </a:xfrm>
-          <a:prstGeom prst="rect">
-            <a:avLst/>
-          </a:prstGeom>
-          <a:noFill/>
-          <a:ln>
-            <a:noFill/>
-          </a:ln>
-          <a:extLst>
-            <a:ext uri="{909E8E84-426E-40DD-AFC4-6F175D3DCCD1}">
-              <a14:hiddenFill xmlns:a14="http://schemas.microsoft.com/office/drawing/2010/main">
-                <a:solidFill>
-                  <a:schemeClr val="accent1"/>
-                </a:solidFill>
-              </a14:hiddenFill>
-            </a:ext>
-            <a:ext uri="{91240B29-F687-4F45-9708-019B960494DF}">
-              <a14:hiddenLine xmlns:a14="http://schemas.microsoft.com/office/drawing/2010/main" w="9525">
-                <a:solidFill>
-                  <a:schemeClr val="tx1"/>
-                </a:solidFill>
-                <a:miter lim="800000"/>
-                <a:headEnd/>
-                <a:tailEnd/>
-              </a14:hiddenLine>
-            </a:ext>
-          </a:extLst>
-        </p:spPr>
-        <p:txBody>
-          <a:bodyPr wrap="none">
-            <a:spAutoFit/>
-          </a:bodyPr>
-          <a:lstStyle>
-            <a:lvl1pPr>
-              <a:defRPr sz="2300">
-                <a:solidFill>
-                  <a:schemeClr val="tx1"/>
-                </a:solidFill>
-                <a:latin typeface="Arial" charset="0"/>
-                <a:ea typeface="ＭＳ Ｐゴシック" charset="-128"/>
-              </a:defRPr>
-            </a:lvl1pPr>
-            <a:lvl2pPr marL="742950" indent="-285750">
-              <a:defRPr sz="2300">
-                <a:solidFill>
-                  <a:schemeClr val="tx1"/>
-                </a:solidFill>
-                <a:latin typeface="Arial" charset="0"/>
-                <a:ea typeface="ＭＳ Ｐゴシック" charset="-128"/>
-              </a:defRPr>
-            </a:lvl2pPr>
-            <a:lvl3pPr marL="1143000" indent="-228600">
-              <a:defRPr sz="2300">
-                <a:solidFill>
-                  <a:schemeClr val="tx1"/>
-                </a:solidFill>
-                <a:latin typeface="Arial" charset="0"/>
-                <a:ea typeface="ＭＳ Ｐゴシック" charset="-128"/>
-              </a:defRPr>
-            </a:lvl3pPr>
-            <a:lvl4pPr marL="1600200" indent="-228600">
-              <a:defRPr sz="2300">
-                <a:solidFill>
-                  <a:schemeClr val="tx1"/>
-                </a:solidFill>
-                <a:latin typeface="Arial" charset="0"/>
-                <a:ea typeface="ＭＳ Ｐゴシック" charset="-128"/>
-              </a:defRPr>
-            </a:lvl4pPr>
-            <a:lvl5pPr marL="2057400" indent="-228600">
-              <a:defRPr sz="2300">
-                <a:solidFill>
-                  <a:schemeClr val="tx1"/>
-                </a:solidFill>
-                <a:latin typeface="Arial" charset="0"/>
-                <a:ea typeface="ＭＳ Ｐゴシック" charset="-128"/>
-              </a:defRPr>
-            </a:lvl5pPr>
-            <a:lvl6pPr marL="2514600" indent="-228600" eaLnBrk="0" fontAlgn="base" hangingPunct="0">
-              <a:spcBef>
-                <a:spcPct val="0"/>
-              </a:spcBef>
-              <a:spcAft>
-                <a:spcPct val="0"/>
-              </a:spcAft>
-              <a:defRPr sz="2300">
-                <a:solidFill>
-                  <a:schemeClr val="tx1"/>
-                </a:solidFill>
-                <a:latin typeface="Arial" charset="0"/>
-                <a:ea typeface="ＭＳ Ｐゴシック" charset="-128"/>
-              </a:defRPr>
-            </a:lvl6pPr>
-            <a:lvl7pPr marL="2971800" indent="-228600" eaLnBrk="0" fontAlgn="base" hangingPunct="0">
-              <a:spcBef>
-                <a:spcPct val="0"/>
-              </a:spcBef>
-              <a:spcAft>
-                <a:spcPct val="0"/>
-              </a:spcAft>
-              <a:defRPr sz="2300">
-                <a:solidFill>
-                  <a:schemeClr val="tx1"/>
-                </a:solidFill>
-                <a:latin typeface="Arial" charset="0"/>
-                <a:ea typeface="ＭＳ Ｐゴシック" charset="-128"/>
-              </a:defRPr>
-            </a:lvl7pPr>
-            <a:lvl8pPr marL="3429000" indent="-228600" eaLnBrk="0" fontAlgn="base" hangingPunct="0">
-              <a:spcBef>
-                <a:spcPct val="0"/>
-              </a:spcBef>
-              <a:spcAft>
-                <a:spcPct val="0"/>
-              </a:spcAft>
-              <a:defRPr sz="2300">
-                <a:solidFill>
-                  <a:schemeClr val="tx1"/>
-                </a:solidFill>
-                <a:latin typeface="Arial" charset="0"/>
-                <a:ea typeface="ＭＳ Ｐゴシック" charset="-128"/>
-              </a:defRPr>
-            </a:lvl8pPr>
-            <a:lvl9pPr marL="3886200" indent="-228600" eaLnBrk="0" fontAlgn="base" hangingPunct="0">
-              <a:spcBef>
-                <a:spcPct val="0"/>
-              </a:spcBef>
-              <a:spcAft>
-                <a:spcPct val="0"/>
-              </a:spcAft>
-              <a:defRPr sz="2300">
-                <a:solidFill>
-                  <a:schemeClr val="tx1"/>
-                </a:solidFill>
-                <a:latin typeface="Arial" charset="0"/>
-                <a:ea typeface="ＭＳ Ｐゴシック" charset="-128"/>
-              </a:defRPr>
-            </a:lvl9pPr>
-          </a:lstStyle>
-          <a:p>
-            <a:r>
-              <a:rPr lang="en-US" altLang="en-US" sz="1800" u="sng"/>
-              <a:t>Example:</a:t>
-            </a:r>
-            <a:r>
-              <a:rPr lang="en-US" altLang="en-US" sz="1800"/>
-              <a:t> a simple program</a:t>
-            </a:r>
-          </a:p>
-          <a:p>
-            <a:endParaRPr lang="en-US" altLang="en-US" sz="1800"/>
-          </a:p>
-          <a:p>
-            <a:r>
-              <a:rPr lang="en-US" altLang="en-US" sz="1800"/>
-              <a:t>	</a:t>
-            </a:r>
-            <a:r>
-              <a:rPr lang="en-US" altLang="en-US" sz="1400"/>
-              <a:t>male(phil).</a:t>
-            </a:r>
-          </a:p>
-          <a:p>
-            <a:r>
-              <a:rPr lang="en-US" altLang="en-US" sz="1400"/>
-              <a:t>	male(john).</a:t>
-            </a:r>
-          </a:p>
-          <a:p>
-            <a:r>
-              <a:rPr lang="en-US" altLang="en-US" sz="1400"/>
-              <a:t>	female(betty).</a:t>
-            </a:r>
-            <a:endParaRPr lang="en-US" altLang="en-US" sz="1800" u="sng"/>
-          </a:p>
-        </p:txBody>
-      </p:sp>
-      <p:sp>
-        <p:nvSpPr>
-          <p:cNvPr id="36869" name="AutoShape 6"/>
-          <p:cNvSpPr>
-            <a:spLocks/>
-          </p:cNvSpPr>
-          <p:nvPr/>
-        </p:nvSpPr>
-        <p:spPr bwMode="auto">
-          <a:xfrm>
-            <a:off x="3048000" y="3886200"/>
-            <a:ext cx="152400" cy="685800"/>
-          </a:xfrm>
-          <a:prstGeom prst="rightBrace">
-            <a:avLst>
-              <a:gd name="adj1" fmla="val 37500"/>
-              <a:gd name="adj2" fmla="val 50000"/>
-            </a:avLst>
-          </a:prstGeom>
-          <a:noFill/>
-          <a:ln w="9525">
-            <a:solidFill>
-              <a:schemeClr val="tx1"/>
-            </a:solidFill>
-            <a:round/>
-            <a:headEnd/>
-            <a:tailEnd/>
-          </a:ln>
-          <a:extLst>
-            <a:ext uri="{909E8E84-426E-40DD-AFC4-6F175D3DCCD1}">
-              <a14:hiddenFill xmlns:a14="http://schemas.microsoft.com/office/drawing/2010/main">
-                <a:solidFill>
-                  <a:schemeClr val="accent1"/>
-                </a:solidFill>
-              </a14:hiddenFill>
-            </a:ext>
-          </a:extLst>
-        </p:spPr>
-        <p:txBody>
-          <a:bodyPr wrap="none" anchor="ctr"/>
-          <a:lstStyle>
-            <a:lvl1pPr>
-              <a:defRPr sz="2300">
-                <a:solidFill>
-                  <a:schemeClr val="tx1"/>
-                </a:solidFill>
-                <a:latin typeface="Arial" charset="0"/>
-                <a:ea typeface="ＭＳ Ｐゴシック" charset="-128"/>
-              </a:defRPr>
-            </a:lvl1pPr>
-            <a:lvl2pPr marL="742950" indent="-285750">
-              <a:defRPr sz="2300">
-                <a:solidFill>
-                  <a:schemeClr val="tx1"/>
-                </a:solidFill>
-                <a:latin typeface="Arial" charset="0"/>
-                <a:ea typeface="ＭＳ Ｐゴシック" charset="-128"/>
-              </a:defRPr>
-            </a:lvl2pPr>
-            <a:lvl3pPr marL="1143000" indent="-228600">
-              <a:defRPr sz="2300">
-                <a:solidFill>
-                  <a:schemeClr val="tx1"/>
-                </a:solidFill>
-                <a:latin typeface="Arial" charset="0"/>
-                <a:ea typeface="ＭＳ Ｐゴシック" charset="-128"/>
-              </a:defRPr>
-            </a:lvl3pPr>
-            <a:lvl4pPr marL="1600200" indent="-228600">
-              <a:defRPr sz="2300">
-                <a:solidFill>
-                  <a:schemeClr val="tx1"/>
-                </a:solidFill>
-                <a:latin typeface="Arial" charset="0"/>
-                <a:ea typeface="ＭＳ Ｐゴシック" charset="-128"/>
-              </a:defRPr>
-            </a:lvl4pPr>
-            <a:lvl5pPr marL="2057400" indent="-228600">
-              <a:defRPr sz="2300">
-                <a:solidFill>
-                  <a:schemeClr val="tx1"/>
-                </a:solidFill>
-                <a:latin typeface="Arial" charset="0"/>
-                <a:ea typeface="ＭＳ Ｐゴシック" charset="-128"/>
-              </a:defRPr>
-            </a:lvl5pPr>
-            <a:lvl6pPr marL="2514600" indent="-228600" eaLnBrk="0" fontAlgn="base" hangingPunct="0">
-              <a:spcBef>
-                <a:spcPct val="0"/>
-              </a:spcBef>
-              <a:spcAft>
-                <a:spcPct val="0"/>
-              </a:spcAft>
-              <a:defRPr sz="2300">
-                <a:solidFill>
-                  <a:schemeClr val="tx1"/>
-                </a:solidFill>
-                <a:latin typeface="Arial" charset="0"/>
-                <a:ea typeface="ＭＳ Ｐゴシック" charset="-128"/>
-              </a:defRPr>
-            </a:lvl6pPr>
-            <a:lvl7pPr marL="2971800" indent="-228600" eaLnBrk="0" fontAlgn="base" hangingPunct="0">
-              <a:spcBef>
-                <a:spcPct val="0"/>
-              </a:spcBef>
-              <a:spcAft>
-                <a:spcPct val="0"/>
-              </a:spcAft>
-              <a:defRPr sz="2300">
-                <a:solidFill>
-                  <a:schemeClr val="tx1"/>
-                </a:solidFill>
-                <a:latin typeface="Arial" charset="0"/>
-                <a:ea typeface="ＭＳ Ｐゴシック" charset="-128"/>
-              </a:defRPr>
-            </a:lvl7pPr>
-            <a:lvl8pPr marL="3429000" indent="-228600" eaLnBrk="0" fontAlgn="base" hangingPunct="0">
-              <a:spcBef>
-                <a:spcPct val="0"/>
-              </a:spcBef>
-              <a:spcAft>
-                <a:spcPct val="0"/>
-              </a:spcAft>
-              <a:defRPr sz="2300">
-                <a:solidFill>
-                  <a:schemeClr val="tx1"/>
-                </a:solidFill>
-                <a:latin typeface="Arial" charset="0"/>
-                <a:ea typeface="ＭＳ Ｐゴシック" charset="-128"/>
-              </a:defRPr>
-            </a:lvl8pPr>
-            <a:lvl9pPr marL="3886200" indent="-228600" eaLnBrk="0" fontAlgn="base" hangingPunct="0">
-              <a:spcBef>
-                <a:spcPct val="0"/>
-              </a:spcBef>
-              <a:spcAft>
-                <a:spcPct val="0"/>
-              </a:spcAft>
-              <a:defRPr sz="2300">
-                <a:solidFill>
-                  <a:schemeClr val="tx1"/>
-                </a:solidFill>
-                <a:latin typeface="Arial" charset="0"/>
-                <a:ea typeface="ＭＳ Ｐゴシック" charset="-128"/>
-              </a:defRPr>
-            </a:lvl9pPr>
-          </a:lstStyle>
-          <a:p>
-            <a:endParaRPr lang="en-US" altLang="en-US" sz="1800"/>
-          </a:p>
-        </p:txBody>
-      </p:sp>
-      <p:sp>
-        <p:nvSpPr>
-          <p:cNvPr id="36870" name="Text Box 7"/>
-          <p:cNvSpPr txBox="1">
-            <a:spLocks noChangeArrowheads="1"/>
-          </p:cNvSpPr>
-          <p:nvPr/>
-        </p:nvSpPr>
-        <p:spPr bwMode="auto">
-          <a:xfrm>
-            <a:off x="3222625" y="4000500"/>
-            <a:ext cx="3411538" cy="457200"/>
-          </a:xfrm>
-          <a:prstGeom prst="rect">
-            <a:avLst/>
-          </a:prstGeom>
-          <a:noFill/>
-          <a:ln>
-            <a:noFill/>
-          </a:ln>
-          <a:extLst>
-            <a:ext uri="{909E8E84-426E-40DD-AFC4-6F175D3DCCD1}">
-              <a14:hiddenFill xmlns:a14="http://schemas.microsoft.com/office/drawing/2010/main">
-                <a:solidFill>
-                  <a:schemeClr val="accent1"/>
-                </a:solidFill>
-              </a14:hiddenFill>
-            </a:ext>
-            <a:ext uri="{91240B29-F687-4F45-9708-019B960494DF}">
-              <a14:hiddenLine xmlns:a14="http://schemas.microsoft.com/office/drawing/2010/main" w="9525">
-                <a:solidFill>
-                  <a:schemeClr val="tx1"/>
-                </a:solidFill>
-                <a:miter lim="800000"/>
-                <a:headEnd/>
-                <a:tailEnd/>
-              </a14:hiddenLine>
-            </a:ext>
-          </a:extLst>
-        </p:spPr>
-        <p:txBody>
-          <a:bodyPr wrap="none">
-            <a:spAutoFit/>
-          </a:bodyPr>
-          <a:lstStyle>
-            <a:lvl1pPr>
-              <a:defRPr sz="2300">
-                <a:solidFill>
-                  <a:schemeClr val="tx1"/>
-                </a:solidFill>
-                <a:latin typeface="Arial" charset="0"/>
-                <a:ea typeface="ＭＳ Ｐゴシック" charset="-128"/>
-              </a:defRPr>
-            </a:lvl1pPr>
-            <a:lvl2pPr marL="742950" indent="-285750">
-              <a:defRPr sz="2300">
-                <a:solidFill>
-                  <a:schemeClr val="tx1"/>
-                </a:solidFill>
-                <a:latin typeface="Arial" charset="0"/>
-                <a:ea typeface="ＭＳ Ｐゴシック" charset="-128"/>
-              </a:defRPr>
-            </a:lvl2pPr>
-            <a:lvl3pPr marL="1143000" indent="-228600">
-              <a:defRPr sz="2300">
-                <a:solidFill>
-                  <a:schemeClr val="tx1"/>
-                </a:solidFill>
-                <a:latin typeface="Arial" charset="0"/>
-                <a:ea typeface="ＭＳ Ｐゴシック" charset="-128"/>
-              </a:defRPr>
-            </a:lvl3pPr>
-            <a:lvl4pPr marL="1600200" indent="-228600">
-              <a:defRPr sz="2300">
-                <a:solidFill>
-                  <a:schemeClr val="tx1"/>
-                </a:solidFill>
-                <a:latin typeface="Arial" charset="0"/>
-                <a:ea typeface="ＭＳ Ｐゴシック" charset="-128"/>
-              </a:defRPr>
-            </a:lvl4pPr>
-            <a:lvl5pPr marL="2057400" indent="-228600">
-              <a:defRPr sz="2300">
-                <a:solidFill>
-                  <a:schemeClr val="tx1"/>
-                </a:solidFill>
-                <a:latin typeface="Arial" charset="0"/>
-                <a:ea typeface="ＭＳ Ｐゴシック" charset="-128"/>
-              </a:defRPr>
-            </a:lvl5pPr>
-            <a:lvl6pPr marL="2514600" indent="-228600" eaLnBrk="0" fontAlgn="base" hangingPunct="0">
-              <a:spcBef>
-                <a:spcPct val="0"/>
-              </a:spcBef>
-              <a:spcAft>
-                <a:spcPct val="0"/>
-              </a:spcAft>
-              <a:defRPr sz="2300">
-                <a:solidFill>
-                  <a:schemeClr val="tx1"/>
-                </a:solidFill>
-                <a:latin typeface="Arial" charset="0"/>
-                <a:ea typeface="ＭＳ Ｐゴシック" charset="-128"/>
-              </a:defRPr>
-            </a:lvl6pPr>
-            <a:lvl7pPr marL="2971800" indent="-228600" eaLnBrk="0" fontAlgn="base" hangingPunct="0">
-              <a:spcBef>
-                <a:spcPct val="0"/>
-              </a:spcBef>
-              <a:spcAft>
-                <a:spcPct val="0"/>
-              </a:spcAft>
-              <a:defRPr sz="2300">
-                <a:solidFill>
-                  <a:schemeClr val="tx1"/>
-                </a:solidFill>
-                <a:latin typeface="Arial" charset="0"/>
-                <a:ea typeface="ＭＳ Ｐゴシック" charset="-128"/>
-              </a:defRPr>
-            </a:lvl7pPr>
-            <a:lvl8pPr marL="3429000" indent="-228600" eaLnBrk="0" fontAlgn="base" hangingPunct="0">
-              <a:spcBef>
-                <a:spcPct val="0"/>
-              </a:spcBef>
-              <a:spcAft>
-                <a:spcPct val="0"/>
-              </a:spcAft>
-              <a:defRPr sz="2300">
-                <a:solidFill>
-                  <a:schemeClr val="tx1"/>
-                </a:solidFill>
-                <a:latin typeface="Arial" charset="0"/>
-                <a:ea typeface="ＭＳ Ｐゴシック" charset="-128"/>
-              </a:defRPr>
-            </a:lvl8pPr>
-            <a:lvl9pPr marL="3886200" indent="-228600" eaLnBrk="0" fontAlgn="base" hangingPunct="0">
-              <a:spcBef>
-                <a:spcPct val="0"/>
-              </a:spcBef>
-              <a:spcAft>
-                <a:spcPct val="0"/>
-              </a:spcAft>
-              <a:defRPr sz="2300">
-                <a:solidFill>
-                  <a:schemeClr val="tx1"/>
-                </a:solidFill>
-                <a:latin typeface="Arial" charset="0"/>
-                <a:ea typeface="ＭＳ Ｐゴシック" charset="-128"/>
-              </a:defRPr>
-            </a:lvl9pPr>
-          </a:lstStyle>
-          <a:p>
-            <a:r>
-              <a:rPr lang="en-US" altLang="en-US" sz="1200"/>
-              <a:t>Facts, Prolog will treat these as true and enters </a:t>
-            </a:r>
-          </a:p>
-          <a:p>
-            <a:r>
-              <a:rPr lang="en-US" altLang="en-US" sz="1200"/>
-              <a:t>them into its knowledgebase.</a:t>
-            </a:r>
-          </a:p>
-        </p:txBody>
-      </p:sp>
-      <p:sp>
-        <p:nvSpPr>
-          <p:cNvPr id="36871" name="Text Box 8"/>
-          <p:cNvSpPr txBox="1">
-            <a:spLocks noChangeArrowheads="1"/>
-          </p:cNvSpPr>
-          <p:nvPr/>
-        </p:nvSpPr>
-        <p:spPr bwMode="auto">
-          <a:xfrm>
-            <a:off x="827088" y="4662488"/>
-            <a:ext cx="7326312" cy="366712"/>
-          </a:xfrm>
-          <a:prstGeom prst="rect">
-            <a:avLst/>
-          </a:prstGeom>
-          <a:noFill/>
-          <a:ln>
-            <a:noFill/>
-          </a:ln>
-          <a:extLst>
-            <a:ext uri="{909E8E84-426E-40DD-AFC4-6F175D3DCCD1}">
-              <a14:hiddenFill xmlns:a14="http://schemas.microsoft.com/office/drawing/2010/main">
-                <a:solidFill>
-                  <a:schemeClr val="accent1"/>
-                </a:solidFill>
-              </a14:hiddenFill>
-            </a:ext>
-            <a:ext uri="{91240B29-F687-4F45-9708-019B960494DF}">
-              <a14:hiddenLine xmlns:a14="http://schemas.microsoft.com/office/drawing/2010/main" w="9525">
-                <a:solidFill>
-                  <a:schemeClr val="tx1"/>
-                </a:solidFill>
-                <a:miter lim="800000"/>
-                <a:headEnd/>
-                <a:tailEnd/>
-              </a14:hiddenLine>
-            </a:ext>
-          </a:extLst>
-        </p:spPr>
-        <p:txBody>
-          <a:bodyPr wrap="none">
-            <a:spAutoFit/>
-          </a:bodyPr>
-          <a:lstStyle>
-            <a:lvl1pPr>
-              <a:defRPr sz="2300">
-                <a:solidFill>
-                  <a:schemeClr val="tx1"/>
-                </a:solidFill>
-                <a:latin typeface="Arial" charset="0"/>
-                <a:ea typeface="ＭＳ Ｐゴシック" charset="-128"/>
-              </a:defRPr>
-            </a:lvl1pPr>
-            <a:lvl2pPr marL="742950" indent="-285750">
-              <a:defRPr sz="2300">
-                <a:solidFill>
-                  <a:schemeClr val="tx1"/>
-                </a:solidFill>
-                <a:latin typeface="Arial" charset="0"/>
-                <a:ea typeface="ＭＳ Ｐゴシック" charset="-128"/>
-              </a:defRPr>
-            </a:lvl2pPr>
-            <a:lvl3pPr marL="1143000" indent="-228600">
-              <a:defRPr sz="2300">
-                <a:solidFill>
-                  <a:schemeClr val="tx1"/>
-                </a:solidFill>
-                <a:latin typeface="Arial" charset="0"/>
-                <a:ea typeface="ＭＳ Ｐゴシック" charset="-128"/>
-              </a:defRPr>
-            </a:lvl3pPr>
-            <a:lvl4pPr marL="1600200" indent="-228600">
-              <a:defRPr sz="2300">
-                <a:solidFill>
-                  <a:schemeClr val="tx1"/>
-                </a:solidFill>
-                <a:latin typeface="Arial" charset="0"/>
-                <a:ea typeface="ＭＳ Ｐゴシック" charset="-128"/>
-              </a:defRPr>
-            </a:lvl4pPr>
-            <a:lvl5pPr marL="2057400" indent="-228600">
-              <a:defRPr sz="2300">
-                <a:solidFill>
-                  <a:schemeClr val="tx1"/>
-                </a:solidFill>
-                <a:latin typeface="Arial" charset="0"/>
-                <a:ea typeface="ＭＳ Ｐゴシック" charset="-128"/>
-              </a:defRPr>
-            </a:lvl5pPr>
-            <a:lvl6pPr marL="2514600" indent="-228600" eaLnBrk="0" fontAlgn="base" hangingPunct="0">
-              <a:spcBef>
-                <a:spcPct val="0"/>
-              </a:spcBef>
-              <a:spcAft>
-                <a:spcPct val="0"/>
-              </a:spcAft>
-              <a:defRPr sz="2300">
-                <a:solidFill>
-                  <a:schemeClr val="tx1"/>
-                </a:solidFill>
-                <a:latin typeface="Arial" charset="0"/>
-                <a:ea typeface="ＭＳ Ｐゴシック" charset="-128"/>
-              </a:defRPr>
-            </a:lvl6pPr>
-            <a:lvl7pPr marL="2971800" indent="-228600" eaLnBrk="0" fontAlgn="base" hangingPunct="0">
-              <a:spcBef>
-                <a:spcPct val="0"/>
-              </a:spcBef>
-              <a:spcAft>
-                <a:spcPct val="0"/>
-              </a:spcAft>
-              <a:defRPr sz="2300">
-                <a:solidFill>
-                  <a:schemeClr val="tx1"/>
-                </a:solidFill>
-                <a:latin typeface="Arial" charset="0"/>
-                <a:ea typeface="ＭＳ Ｐゴシック" charset="-128"/>
-              </a:defRPr>
-            </a:lvl7pPr>
-            <a:lvl8pPr marL="3429000" indent="-228600" eaLnBrk="0" fontAlgn="base" hangingPunct="0">
-              <a:spcBef>
-                <a:spcPct val="0"/>
-              </a:spcBef>
-              <a:spcAft>
-                <a:spcPct val="0"/>
-              </a:spcAft>
-              <a:defRPr sz="2300">
-                <a:solidFill>
-                  <a:schemeClr val="tx1"/>
-                </a:solidFill>
-                <a:latin typeface="Arial" charset="0"/>
-                <a:ea typeface="ＭＳ Ｐゴシック" charset="-128"/>
-              </a:defRPr>
-            </a:lvl8pPr>
-            <a:lvl9pPr marL="3886200" indent="-228600" eaLnBrk="0" fontAlgn="base" hangingPunct="0">
-              <a:spcBef>
-                <a:spcPct val="0"/>
-              </a:spcBef>
-              <a:spcAft>
-                <a:spcPct val="0"/>
-              </a:spcAft>
-              <a:defRPr sz="2300">
-                <a:solidFill>
-                  <a:schemeClr val="tx1"/>
-                </a:solidFill>
-                <a:latin typeface="Arial" charset="0"/>
-                <a:ea typeface="ＭＳ Ｐゴシック" charset="-128"/>
-              </a:defRPr>
-            </a:lvl9pPr>
-          </a:lstStyle>
-          <a:p>
-            <a:r>
-              <a:rPr lang="en-US" altLang="en-US" sz="1800"/>
-              <a:t>We execute Prolog programs by posing </a:t>
-            </a:r>
-            <a:r>
-              <a:rPr lang="en-US" altLang="en-US" sz="1800" u="sng"/>
-              <a:t>queries</a:t>
-            </a:r>
-            <a:r>
-              <a:rPr lang="en-US" altLang="en-US" sz="1800"/>
-              <a:t> on its knowledgebase:</a:t>
-            </a:r>
-          </a:p>
-        </p:txBody>
-      </p:sp>
-      <p:sp>
-        <p:nvSpPr>
-          <p:cNvPr id="36872" name="Text Box 9"/>
-          <p:cNvSpPr txBox="1">
-            <a:spLocks noChangeArrowheads="1"/>
-          </p:cNvSpPr>
-          <p:nvPr/>
-        </p:nvSpPr>
-        <p:spPr bwMode="auto">
-          <a:xfrm>
-            <a:off x="1660525" y="5119688"/>
-            <a:ext cx="5411788" cy="942975"/>
-          </a:xfrm>
-          <a:prstGeom prst="rect">
-            <a:avLst/>
-          </a:prstGeom>
-          <a:noFill/>
-          <a:ln>
-            <a:noFill/>
-          </a:ln>
-          <a:extLst>
-            <a:ext uri="{909E8E84-426E-40DD-AFC4-6F175D3DCCD1}">
-              <a14:hiddenFill xmlns:a14="http://schemas.microsoft.com/office/drawing/2010/main">
-                <a:solidFill>
-                  <a:schemeClr val="accent1"/>
-                </a:solidFill>
-              </a14:hiddenFill>
-            </a:ext>
-            <a:ext uri="{91240B29-F687-4F45-9708-019B960494DF}">
-              <a14:hiddenLine xmlns:a14="http://schemas.microsoft.com/office/drawing/2010/main" w="9525">
-                <a:solidFill>
-                  <a:schemeClr val="tx1"/>
-                </a:solidFill>
-                <a:miter lim="800000"/>
-                <a:headEnd/>
-                <a:tailEnd/>
-              </a14:hiddenLine>
-            </a:ext>
-          </a:extLst>
-        </p:spPr>
-        <p:txBody>
-          <a:bodyPr wrap="none">
-            <a:spAutoFit/>
-          </a:bodyPr>
-          <a:lstStyle>
-            <a:lvl1pPr>
-              <a:defRPr sz="2300">
-                <a:solidFill>
-                  <a:schemeClr val="tx1"/>
-                </a:solidFill>
-                <a:latin typeface="Arial" charset="0"/>
-                <a:ea typeface="ＭＳ Ｐゴシック" charset="-128"/>
-              </a:defRPr>
-            </a:lvl1pPr>
-            <a:lvl2pPr marL="742950" indent="-285750">
-              <a:defRPr sz="2300">
-                <a:solidFill>
-                  <a:schemeClr val="tx1"/>
-                </a:solidFill>
-                <a:latin typeface="Arial" charset="0"/>
-                <a:ea typeface="ＭＳ Ｐゴシック" charset="-128"/>
-              </a:defRPr>
-            </a:lvl2pPr>
-            <a:lvl3pPr marL="1143000" indent="-228600">
-              <a:defRPr sz="2300">
-                <a:solidFill>
-                  <a:schemeClr val="tx1"/>
-                </a:solidFill>
-                <a:latin typeface="Arial" charset="0"/>
-                <a:ea typeface="ＭＳ Ｐゴシック" charset="-128"/>
-              </a:defRPr>
-            </a:lvl3pPr>
-            <a:lvl4pPr marL="1600200" indent="-228600">
-              <a:defRPr sz="2300">
-                <a:solidFill>
-                  <a:schemeClr val="tx1"/>
-                </a:solidFill>
-                <a:latin typeface="Arial" charset="0"/>
-                <a:ea typeface="ＭＳ Ｐゴシック" charset="-128"/>
-              </a:defRPr>
-            </a:lvl4pPr>
-            <a:lvl5pPr marL="2057400" indent="-228600">
-              <a:defRPr sz="2300">
-                <a:solidFill>
-                  <a:schemeClr val="tx1"/>
-                </a:solidFill>
-                <a:latin typeface="Arial" charset="0"/>
-                <a:ea typeface="ＭＳ Ｐゴシック" charset="-128"/>
-              </a:defRPr>
-            </a:lvl5pPr>
-            <a:lvl6pPr marL="2514600" indent="-228600" eaLnBrk="0" fontAlgn="base" hangingPunct="0">
-              <a:spcBef>
-                <a:spcPct val="0"/>
-              </a:spcBef>
-              <a:spcAft>
-                <a:spcPct val="0"/>
-              </a:spcAft>
-              <a:defRPr sz="2300">
-                <a:solidFill>
-                  <a:schemeClr val="tx1"/>
-                </a:solidFill>
-                <a:latin typeface="Arial" charset="0"/>
-                <a:ea typeface="ＭＳ Ｐゴシック" charset="-128"/>
-              </a:defRPr>
-            </a:lvl6pPr>
-            <a:lvl7pPr marL="2971800" indent="-228600" eaLnBrk="0" fontAlgn="base" hangingPunct="0">
-              <a:spcBef>
-                <a:spcPct val="0"/>
-              </a:spcBef>
-              <a:spcAft>
-                <a:spcPct val="0"/>
-              </a:spcAft>
-              <a:defRPr sz="2300">
-                <a:solidFill>
-                  <a:schemeClr val="tx1"/>
-                </a:solidFill>
-                <a:latin typeface="Arial" charset="0"/>
-                <a:ea typeface="ＭＳ Ｐゴシック" charset="-128"/>
-              </a:defRPr>
-            </a:lvl7pPr>
-            <a:lvl8pPr marL="3429000" indent="-228600" eaLnBrk="0" fontAlgn="base" hangingPunct="0">
-              <a:spcBef>
-                <a:spcPct val="0"/>
-              </a:spcBef>
-              <a:spcAft>
-                <a:spcPct val="0"/>
-              </a:spcAft>
-              <a:defRPr sz="2300">
-                <a:solidFill>
-                  <a:schemeClr val="tx1"/>
-                </a:solidFill>
-                <a:latin typeface="Arial" charset="0"/>
-                <a:ea typeface="ＭＳ Ｐゴシック" charset="-128"/>
-              </a:defRPr>
-            </a:lvl8pPr>
-            <a:lvl9pPr marL="3886200" indent="-228600" eaLnBrk="0" fontAlgn="base" hangingPunct="0">
-              <a:spcBef>
-                <a:spcPct val="0"/>
-              </a:spcBef>
-              <a:spcAft>
-                <a:spcPct val="0"/>
-              </a:spcAft>
-              <a:defRPr sz="2300">
-                <a:solidFill>
-                  <a:schemeClr val="tx1"/>
-                </a:solidFill>
-                <a:latin typeface="Arial" charset="0"/>
-                <a:ea typeface="ＭＳ Ｐゴシック" charset="-128"/>
-              </a:defRPr>
-            </a:lvl9pPr>
-          </a:lstStyle>
-          <a:p>
-            <a:r>
-              <a:rPr lang="en-US" altLang="en-US" sz="1400"/>
-              <a:t>?- male(phil).</a:t>
-            </a:r>
-          </a:p>
-          <a:p>
-            <a:r>
-              <a:rPr lang="en-US" altLang="en-US" sz="1400"/>
-              <a:t>     true - because Prolog can use its knowledgebase to prove true.</a:t>
-            </a:r>
-          </a:p>
-          <a:p>
-            <a:r>
-              <a:rPr lang="en-US" altLang="en-US" sz="1400"/>
-              <a:t>?- female(phil).</a:t>
-            </a:r>
-          </a:p>
-          <a:p>
-            <a:r>
-              <a:rPr lang="en-US" altLang="en-US" sz="1400"/>
-              <a:t>     false - this fact is not in the knowledgebase.</a:t>
-            </a:r>
-          </a:p>
-        </p:txBody>
-      </p:sp>
-      <p:sp>
-        <p:nvSpPr>
-          <p:cNvPr id="36873" name="Oval 10"/>
-          <p:cNvSpPr>
-            <a:spLocks noChangeArrowheads="1"/>
-          </p:cNvSpPr>
-          <p:nvPr/>
-        </p:nvSpPr>
-        <p:spPr bwMode="auto">
-          <a:xfrm>
-            <a:off x="1704975" y="5105400"/>
-            <a:ext cx="228600" cy="304800"/>
-          </a:xfrm>
-          <a:prstGeom prst="ellipse">
-            <a:avLst/>
-          </a:prstGeom>
-          <a:noFill/>
-          <a:ln w="9525">
-            <a:solidFill>
-              <a:srgbClr val="FF0000"/>
-            </a:solidFill>
-            <a:round/>
-            <a:headEnd/>
-            <a:tailEnd/>
-          </a:ln>
-          <a:extLst>
-            <a:ext uri="{909E8E84-426E-40DD-AFC4-6F175D3DCCD1}">
-              <a14:hiddenFill xmlns:a14="http://schemas.microsoft.com/office/drawing/2010/main">
-                <a:solidFill>
-                  <a:schemeClr val="accent1"/>
-                </a:solidFill>
-              </a14:hiddenFill>
-            </a:ext>
-          </a:extLst>
-        </p:spPr>
-        <p:txBody>
-          <a:bodyPr wrap="none" anchor="ctr"/>
-          <a:lstStyle>
-            <a:lvl1pPr>
-              <a:defRPr sz="2300">
-                <a:solidFill>
-                  <a:schemeClr val="tx1"/>
-                </a:solidFill>
-                <a:latin typeface="Arial" charset="0"/>
-                <a:ea typeface="ＭＳ Ｐゴシック" charset="-128"/>
-              </a:defRPr>
-            </a:lvl1pPr>
-            <a:lvl2pPr marL="742950" indent="-285750">
-              <a:defRPr sz="2300">
-                <a:solidFill>
-                  <a:schemeClr val="tx1"/>
-                </a:solidFill>
-                <a:latin typeface="Arial" charset="0"/>
-                <a:ea typeface="ＭＳ Ｐゴシック" charset="-128"/>
-              </a:defRPr>
-            </a:lvl2pPr>
-            <a:lvl3pPr marL="1143000" indent="-228600">
-              <a:defRPr sz="2300">
-                <a:solidFill>
-                  <a:schemeClr val="tx1"/>
-                </a:solidFill>
-                <a:latin typeface="Arial" charset="0"/>
-                <a:ea typeface="ＭＳ Ｐゴシック" charset="-128"/>
-              </a:defRPr>
-            </a:lvl3pPr>
-            <a:lvl4pPr marL="1600200" indent="-228600">
-              <a:defRPr sz="2300">
-                <a:solidFill>
-                  <a:schemeClr val="tx1"/>
-                </a:solidFill>
-                <a:latin typeface="Arial" charset="0"/>
-                <a:ea typeface="ＭＳ Ｐゴシック" charset="-128"/>
-              </a:defRPr>
-            </a:lvl4pPr>
-            <a:lvl5pPr marL="2057400" indent="-228600">
-              <a:defRPr sz="2300">
-                <a:solidFill>
-                  <a:schemeClr val="tx1"/>
-                </a:solidFill>
-                <a:latin typeface="Arial" charset="0"/>
-                <a:ea typeface="ＭＳ Ｐゴシック" charset="-128"/>
-              </a:defRPr>
-            </a:lvl5pPr>
-            <a:lvl6pPr marL="2514600" indent="-228600" eaLnBrk="0" fontAlgn="base" hangingPunct="0">
-              <a:spcBef>
-                <a:spcPct val="0"/>
-              </a:spcBef>
-              <a:spcAft>
-                <a:spcPct val="0"/>
-              </a:spcAft>
-              <a:defRPr sz="2300">
-                <a:solidFill>
-                  <a:schemeClr val="tx1"/>
-                </a:solidFill>
-                <a:latin typeface="Arial" charset="0"/>
-                <a:ea typeface="ＭＳ Ｐゴシック" charset="-128"/>
-              </a:defRPr>
-            </a:lvl6pPr>
-            <a:lvl7pPr marL="2971800" indent="-228600" eaLnBrk="0" fontAlgn="base" hangingPunct="0">
-              <a:spcBef>
-                <a:spcPct val="0"/>
-              </a:spcBef>
-              <a:spcAft>
-                <a:spcPct val="0"/>
-              </a:spcAft>
-              <a:defRPr sz="2300">
-                <a:solidFill>
-                  <a:schemeClr val="tx1"/>
-                </a:solidFill>
-                <a:latin typeface="Arial" charset="0"/>
-                <a:ea typeface="ＭＳ Ｐゴシック" charset="-128"/>
-              </a:defRPr>
-            </a:lvl7pPr>
-            <a:lvl8pPr marL="3429000" indent="-228600" eaLnBrk="0" fontAlgn="base" hangingPunct="0">
-              <a:spcBef>
-                <a:spcPct val="0"/>
-              </a:spcBef>
-              <a:spcAft>
-                <a:spcPct val="0"/>
-              </a:spcAft>
-              <a:defRPr sz="2300">
-                <a:solidFill>
-                  <a:schemeClr val="tx1"/>
-                </a:solidFill>
-                <a:latin typeface="Arial" charset="0"/>
-                <a:ea typeface="ＭＳ Ｐゴシック" charset="-128"/>
-              </a:defRPr>
-            </a:lvl8pPr>
-            <a:lvl9pPr marL="3886200" indent="-228600" eaLnBrk="0" fontAlgn="base" hangingPunct="0">
-              <a:spcBef>
-                <a:spcPct val="0"/>
-              </a:spcBef>
-              <a:spcAft>
-                <a:spcPct val="0"/>
-              </a:spcAft>
-              <a:defRPr sz="2300">
-                <a:solidFill>
-                  <a:schemeClr val="tx1"/>
-                </a:solidFill>
-                <a:latin typeface="Arial" charset="0"/>
-                <a:ea typeface="ＭＳ Ｐゴシック" charset="-128"/>
-              </a:defRPr>
-            </a:lvl9pPr>
-          </a:lstStyle>
-          <a:p>
-            <a:endParaRPr lang="en-US" altLang="en-US" sz="1800"/>
-          </a:p>
-        </p:txBody>
-      </p:sp>
-      <p:sp>
-        <p:nvSpPr>
-          <p:cNvPr id="36874" name="Line 11"/>
-          <p:cNvSpPr>
-            <a:spLocks noChangeShapeType="1"/>
-          </p:cNvSpPr>
-          <p:nvPr/>
-        </p:nvSpPr>
-        <p:spPr bwMode="auto">
-          <a:xfrm flipH="1">
-            <a:off x="1447800" y="5334000"/>
-            <a:ext cx="152400" cy="76200"/>
-          </a:xfrm>
-          <a:prstGeom prst="line">
-            <a:avLst/>
-          </a:prstGeom>
-          <a:noFill/>
-          <a:ln w="9525">
-            <a:solidFill>
-              <a:schemeClr val="tx1"/>
-            </a:solidFill>
-            <a:round/>
-            <a:headEnd type="triangle" w="med" len="med"/>
-            <a:tailEnd/>
-          </a:ln>
-          <a:extLst>
-            <a:ext uri="{909E8E84-426E-40DD-AFC4-6F175D3DCCD1}">
-              <a14:hiddenFill xmlns:a14="http://schemas.microsoft.com/office/drawing/2010/main">
-                <a:noFill/>
-              </a14:hiddenFill>
-            </a:ext>
-          </a:extLst>
-        </p:spPr>
-        <p:txBody>
-          <a:bodyPr wrap="none" anchor="ctr"/>
-          <a:lstStyle/>
-          <a:p>
-            <a:endParaRPr lang="en-US"/>
-          </a:p>
-        </p:txBody>
-      </p:sp>
-      <p:sp>
-        <p:nvSpPr>
-          <p:cNvPr id="36875" name="Text Box 12"/>
-          <p:cNvSpPr txBox="1">
-            <a:spLocks noChangeArrowheads="1"/>
-          </p:cNvSpPr>
-          <p:nvPr/>
-        </p:nvSpPr>
-        <p:spPr bwMode="auto">
-          <a:xfrm>
-            <a:off x="898525" y="5348288"/>
-            <a:ext cx="757238" cy="304800"/>
-          </a:xfrm>
-          <a:prstGeom prst="rect">
-            <a:avLst/>
-          </a:prstGeom>
-          <a:noFill/>
-          <a:ln>
-            <a:noFill/>
-          </a:ln>
-          <a:extLst>
-            <a:ext uri="{909E8E84-426E-40DD-AFC4-6F175D3DCCD1}">
-              <a14:hiddenFill xmlns:a14="http://schemas.microsoft.com/office/drawing/2010/main">
-                <a:solidFill>
-                  <a:schemeClr val="accent1"/>
-                </a:solidFill>
-              </a14:hiddenFill>
-            </a:ext>
-            <a:ext uri="{91240B29-F687-4F45-9708-019B960494DF}">
-              <a14:hiddenLine xmlns:a14="http://schemas.microsoft.com/office/drawing/2010/main" w="9525">
-                <a:solidFill>
-                  <a:schemeClr val="tx1"/>
-                </a:solidFill>
-                <a:miter lim="800000"/>
-                <a:headEnd/>
-                <a:tailEnd/>
-              </a14:hiddenLine>
-            </a:ext>
-          </a:extLst>
-        </p:spPr>
-        <p:txBody>
-          <a:bodyPr wrap="none">
-            <a:spAutoFit/>
-          </a:bodyPr>
-          <a:lstStyle>
-            <a:lvl1pPr>
-              <a:defRPr sz="2300">
-                <a:solidFill>
-                  <a:schemeClr val="tx1"/>
-                </a:solidFill>
-                <a:latin typeface="Arial" charset="0"/>
-                <a:ea typeface="ＭＳ Ｐゴシック" charset="-128"/>
-              </a:defRPr>
-            </a:lvl1pPr>
-            <a:lvl2pPr marL="742950" indent="-285750">
-              <a:defRPr sz="2300">
-                <a:solidFill>
-                  <a:schemeClr val="tx1"/>
-                </a:solidFill>
-                <a:latin typeface="Arial" charset="0"/>
-                <a:ea typeface="ＭＳ Ｐゴシック" charset="-128"/>
-              </a:defRPr>
-            </a:lvl2pPr>
-            <a:lvl3pPr marL="1143000" indent="-228600">
-              <a:defRPr sz="2300">
-                <a:solidFill>
-                  <a:schemeClr val="tx1"/>
-                </a:solidFill>
-                <a:latin typeface="Arial" charset="0"/>
-                <a:ea typeface="ＭＳ Ｐゴシック" charset="-128"/>
-              </a:defRPr>
-            </a:lvl3pPr>
-            <a:lvl4pPr marL="1600200" indent="-228600">
-              <a:defRPr sz="2300">
-                <a:solidFill>
-                  <a:schemeClr val="tx1"/>
-                </a:solidFill>
-                <a:latin typeface="Arial" charset="0"/>
-                <a:ea typeface="ＭＳ Ｐゴシック" charset="-128"/>
-              </a:defRPr>
-            </a:lvl4pPr>
-            <a:lvl5pPr marL="2057400" indent="-228600">
-              <a:defRPr sz="2300">
-                <a:solidFill>
-                  <a:schemeClr val="tx1"/>
-                </a:solidFill>
-                <a:latin typeface="Arial" charset="0"/>
-                <a:ea typeface="ＭＳ Ｐゴシック" charset="-128"/>
-              </a:defRPr>
-            </a:lvl5pPr>
-            <a:lvl6pPr marL="2514600" indent="-228600" eaLnBrk="0" fontAlgn="base" hangingPunct="0">
-              <a:spcBef>
-                <a:spcPct val="0"/>
-              </a:spcBef>
-              <a:spcAft>
-                <a:spcPct val="0"/>
-              </a:spcAft>
-              <a:defRPr sz="2300">
-                <a:solidFill>
-                  <a:schemeClr val="tx1"/>
-                </a:solidFill>
-                <a:latin typeface="Arial" charset="0"/>
-                <a:ea typeface="ＭＳ Ｐゴシック" charset="-128"/>
-              </a:defRPr>
-            </a:lvl6pPr>
-            <a:lvl7pPr marL="2971800" indent="-228600" eaLnBrk="0" fontAlgn="base" hangingPunct="0">
-              <a:spcBef>
-                <a:spcPct val="0"/>
-              </a:spcBef>
-              <a:spcAft>
-                <a:spcPct val="0"/>
-              </a:spcAft>
-              <a:defRPr sz="2300">
-                <a:solidFill>
-                  <a:schemeClr val="tx1"/>
-                </a:solidFill>
-                <a:latin typeface="Arial" charset="0"/>
-                <a:ea typeface="ＭＳ Ｐゴシック" charset="-128"/>
-              </a:defRPr>
-            </a:lvl7pPr>
-            <a:lvl8pPr marL="3429000" indent="-228600" eaLnBrk="0" fontAlgn="base" hangingPunct="0">
-              <a:spcBef>
-                <a:spcPct val="0"/>
-              </a:spcBef>
-              <a:spcAft>
-                <a:spcPct val="0"/>
-              </a:spcAft>
-              <a:defRPr sz="2300">
-                <a:solidFill>
-                  <a:schemeClr val="tx1"/>
-                </a:solidFill>
-                <a:latin typeface="Arial" charset="0"/>
-                <a:ea typeface="ＭＳ Ｐゴシック" charset="-128"/>
-              </a:defRPr>
-            </a:lvl8pPr>
-            <a:lvl9pPr marL="3886200" indent="-228600" eaLnBrk="0" fontAlgn="base" hangingPunct="0">
-              <a:spcBef>
-                <a:spcPct val="0"/>
-              </a:spcBef>
-              <a:spcAft>
-                <a:spcPct val="0"/>
-              </a:spcAft>
-              <a:defRPr sz="2300">
-                <a:solidFill>
-                  <a:schemeClr val="tx1"/>
-                </a:solidFill>
-                <a:latin typeface="Arial" charset="0"/>
-                <a:ea typeface="ＭＳ Ｐゴシック" charset="-128"/>
-              </a:defRPr>
-            </a:lvl9pPr>
-          </a:lstStyle>
-          <a:p>
-            <a:r>
-              <a:rPr lang="en-US" altLang="en-US" sz="1400"/>
-              <a:t>Prompt</a:t>
             </a:r>
             <a:endParaRPr lang="en-US" altLang="en-US" sz="1800"/>
           </a:p>
@@ -15630,6 +14226,1646 @@
       </p:grpSpPr>
       <p:sp>
         <p:nvSpPr>
+          <p:cNvPr id="17410" name="Rectangle 2"/>
+          <p:cNvSpPr>
+            <a:spLocks noGrp="1" noChangeArrowheads="1"/>
+          </p:cNvSpPr>
+          <p:nvPr>
+            <p:ph type="title"/>
+          </p:nvPr>
+        </p:nvSpPr>
+        <p:spPr/>
+        <p:txBody>
+          <a:bodyPr/>
+          <a:lstStyle/>
+          <a:p>
+            <a:pPr eaLnBrk="1" hangingPunct="1">
+              <a:defRPr/>
+            </a:pPr>
+            <a:r>
+              <a:rPr lang="en-US" smtClean="0">
+                <a:cs typeface="+mj-cs"/>
+              </a:rPr>
+              <a:t>Basic Prolog Programs</a:t>
+            </a:r>
+          </a:p>
+        </p:txBody>
+      </p:sp>
+      <p:sp>
+        <p:nvSpPr>
+          <p:cNvPr id="36866" name="Text Box 3"/>
+          <p:cNvSpPr txBox="1">
+            <a:spLocks noChangeArrowheads="1"/>
+          </p:cNvSpPr>
+          <p:nvPr/>
+        </p:nvSpPr>
+        <p:spPr bwMode="auto">
+          <a:xfrm>
+            <a:off x="5470525" y="6446838"/>
+            <a:ext cx="2274888" cy="274637"/>
+          </a:xfrm>
+          <a:prstGeom prst="rect">
+            <a:avLst/>
+          </a:prstGeom>
+          <a:noFill/>
+          <a:ln>
+            <a:noFill/>
+          </a:ln>
+          <a:extLst>
+            <a:ext uri="{909E8E84-426E-40DD-AFC4-6F175D3DCCD1}">
+              <a14:hiddenFill xmlns:a14="http://schemas.microsoft.com/office/drawing/2010/main">
+                <a:solidFill>
+                  <a:schemeClr val="accent1"/>
+                </a:solidFill>
+              </a14:hiddenFill>
+            </a:ext>
+            <a:ext uri="{91240B29-F687-4F45-9708-019B960494DF}">
+              <a14:hiddenLine xmlns:a14="http://schemas.microsoft.com/office/drawing/2010/main" w="9525">
+                <a:solidFill>
+                  <a:schemeClr val="tx1"/>
+                </a:solidFill>
+                <a:miter lim="800000"/>
+                <a:headEnd/>
+                <a:tailEnd/>
+              </a14:hiddenLine>
+            </a:ext>
+          </a:extLst>
+        </p:spPr>
+        <p:txBody>
+          <a:bodyPr wrap="none">
+            <a:spAutoFit/>
+          </a:bodyPr>
+          <a:lstStyle>
+            <a:lvl1pPr>
+              <a:defRPr sz="2300">
+                <a:solidFill>
+                  <a:schemeClr val="tx1"/>
+                </a:solidFill>
+                <a:latin typeface="Arial" charset="0"/>
+                <a:ea typeface="ＭＳ Ｐゴシック" charset="-128"/>
+              </a:defRPr>
+            </a:lvl1pPr>
+            <a:lvl2pPr marL="742950" indent="-285750">
+              <a:defRPr sz="2300">
+                <a:solidFill>
+                  <a:schemeClr val="tx1"/>
+                </a:solidFill>
+                <a:latin typeface="Arial" charset="0"/>
+                <a:ea typeface="ＭＳ Ｐゴシック" charset="-128"/>
+              </a:defRPr>
+            </a:lvl2pPr>
+            <a:lvl3pPr marL="1143000" indent="-228600">
+              <a:defRPr sz="2300">
+                <a:solidFill>
+                  <a:schemeClr val="tx1"/>
+                </a:solidFill>
+                <a:latin typeface="Arial" charset="0"/>
+                <a:ea typeface="ＭＳ Ｐゴシック" charset="-128"/>
+              </a:defRPr>
+            </a:lvl3pPr>
+            <a:lvl4pPr marL="1600200" indent="-228600">
+              <a:defRPr sz="2300">
+                <a:solidFill>
+                  <a:schemeClr val="tx1"/>
+                </a:solidFill>
+                <a:latin typeface="Arial" charset="0"/>
+                <a:ea typeface="ＭＳ Ｐゴシック" charset="-128"/>
+              </a:defRPr>
+            </a:lvl4pPr>
+            <a:lvl5pPr marL="2057400" indent="-228600">
+              <a:defRPr sz="2300">
+                <a:solidFill>
+                  <a:schemeClr val="tx1"/>
+                </a:solidFill>
+                <a:latin typeface="Arial" charset="0"/>
+                <a:ea typeface="ＭＳ Ｐゴシック" charset="-128"/>
+              </a:defRPr>
+            </a:lvl5pPr>
+            <a:lvl6pPr marL="2514600" indent="-228600" eaLnBrk="0" fontAlgn="base" hangingPunct="0">
+              <a:spcBef>
+                <a:spcPct val="0"/>
+              </a:spcBef>
+              <a:spcAft>
+                <a:spcPct val="0"/>
+              </a:spcAft>
+              <a:defRPr sz="2300">
+                <a:solidFill>
+                  <a:schemeClr val="tx1"/>
+                </a:solidFill>
+                <a:latin typeface="Arial" charset="0"/>
+                <a:ea typeface="ＭＳ Ｐゴシック" charset="-128"/>
+              </a:defRPr>
+            </a:lvl6pPr>
+            <a:lvl7pPr marL="2971800" indent="-228600" eaLnBrk="0" fontAlgn="base" hangingPunct="0">
+              <a:spcBef>
+                <a:spcPct val="0"/>
+              </a:spcBef>
+              <a:spcAft>
+                <a:spcPct val="0"/>
+              </a:spcAft>
+              <a:defRPr sz="2300">
+                <a:solidFill>
+                  <a:schemeClr val="tx1"/>
+                </a:solidFill>
+                <a:latin typeface="Arial" charset="0"/>
+                <a:ea typeface="ＭＳ Ｐゴシック" charset="-128"/>
+              </a:defRPr>
+            </a:lvl7pPr>
+            <a:lvl8pPr marL="3429000" indent="-228600" eaLnBrk="0" fontAlgn="base" hangingPunct="0">
+              <a:spcBef>
+                <a:spcPct val="0"/>
+              </a:spcBef>
+              <a:spcAft>
+                <a:spcPct val="0"/>
+              </a:spcAft>
+              <a:defRPr sz="2300">
+                <a:solidFill>
+                  <a:schemeClr val="tx1"/>
+                </a:solidFill>
+                <a:latin typeface="Arial" charset="0"/>
+                <a:ea typeface="ＭＳ Ｐゴシック" charset="-128"/>
+              </a:defRPr>
+            </a:lvl8pPr>
+            <a:lvl9pPr marL="3886200" indent="-228600" eaLnBrk="0" fontAlgn="base" hangingPunct="0">
+              <a:spcBef>
+                <a:spcPct val="0"/>
+              </a:spcBef>
+              <a:spcAft>
+                <a:spcPct val="0"/>
+              </a:spcAft>
+              <a:defRPr sz="2300">
+                <a:solidFill>
+                  <a:schemeClr val="tx1"/>
+                </a:solidFill>
+                <a:latin typeface="Arial" charset="0"/>
+                <a:ea typeface="ＭＳ Ｐゴシック" charset="-128"/>
+              </a:defRPr>
+            </a:lvl9pPr>
+          </a:lstStyle>
+          <a:p>
+            <a:r>
+              <a:rPr lang="en-US" altLang="en-US" sz="1200"/>
+              <a:t>Prolog </a:t>
+            </a:r>
+            <a:r>
+              <a:rPr lang="en-US" altLang="en-US" sz="1200">
+                <a:sym typeface="Symbol" charset="2"/>
+              </a:rPr>
+              <a:t> </a:t>
+            </a:r>
+            <a:r>
+              <a:rPr lang="en-US" altLang="en-US" sz="1200" u="sng">
+                <a:sym typeface="Symbol" charset="2"/>
+              </a:rPr>
+              <a:t>Pro</a:t>
+            </a:r>
+            <a:r>
+              <a:rPr lang="en-US" altLang="en-US" sz="1200">
+                <a:sym typeface="Symbol" charset="2"/>
+              </a:rPr>
+              <a:t>gramming in </a:t>
+            </a:r>
+            <a:r>
+              <a:rPr lang="en-US" altLang="en-US" sz="1200" u="sng">
+                <a:sym typeface="Symbol" charset="2"/>
+              </a:rPr>
+              <a:t>Log</a:t>
+            </a:r>
+            <a:r>
+              <a:rPr lang="en-US" altLang="en-US" sz="1200">
+                <a:sym typeface="Symbol" charset="2"/>
+              </a:rPr>
+              <a:t>ic</a:t>
+            </a:r>
+            <a:endParaRPr lang="en-US" altLang="en-US" sz="1200"/>
+          </a:p>
+        </p:txBody>
+      </p:sp>
+      <p:sp>
+        <p:nvSpPr>
+          <p:cNvPr id="36867" name="Text Box 4"/>
+          <p:cNvSpPr txBox="1">
+            <a:spLocks noChangeArrowheads="1"/>
+          </p:cNvSpPr>
+          <p:nvPr/>
+        </p:nvSpPr>
+        <p:spPr bwMode="auto">
+          <a:xfrm>
+            <a:off x="746125" y="1414463"/>
+            <a:ext cx="7477125" cy="1465262"/>
+          </a:xfrm>
+          <a:prstGeom prst="rect">
+            <a:avLst/>
+          </a:prstGeom>
+          <a:noFill/>
+          <a:ln>
+            <a:noFill/>
+          </a:ln>
+          <a:extLst>
+            <a:ext uri="{909E8E84-426E-40DD-AFC4-6F175D3DCCD1}">
+              <a14:hiddenFill xmlns:a14="http://schemas.microsoft.com/office/drawing/2010/main">
+                <a:solidFill>
+                  <a:schemeClr val="accent1"/>
+                </a:solidFill>
+              </a14:hiddenFill>
+            </a:ext>
+            <a:ext uri="{91240B29-F687-4F45-9708-019B960494DF}">
+              <a14:hiddenLine xmlns:a14="http://schemas.microsoft.com/office/drawing/2010/main" w="9525">
+                <a:solidFill>
+                  <a:schemeClr val="tx1"/>
+                </a:solidFill>
+                <a:miter lim="800000"/>
+                <a:headEnd/>
+                <a:tailEnd/>
+              </a14:hiddenLine>
+            </a:ext>
+          </a:extLst>
+        </p:spPr>
+        <p:txBody>
+          <a:bodyPr wrap="none">
+            <a:spAutoFit/>
+          </a:bodyPr>
+          <a:lstStyle>
+            <a:lvl1pPr>
+              <a:defRPr sz="2300">
+                <a:solidFill>
+                  <a:schemeClr val="tx1"/>
+                </a:solidFill>
+                <a:latin typeface="Arial" charset="0"/>
+                <a:ea typeface="ＭＳ Ｐゴシック" charset="-128"/>
+              </a:defRPr>
+            </a:lvl1pPr>
+            <a:lvl2pPr marL="742950" indent="-285750">
+              <a:defRPr sz="2300">
+                <a:solidFill>
+                  <a:schemeClr val="tx1"/>
+                </a:solidFill>
+                <a:latin typeface="Arial" charset="0"/>
+                <a:ea typeface="ＭＳ Ｐゴシック" charset="-128"/>
+              </a:defRPr>
+            </a:lvl2pPr>
+            <a:lvl3pPr marL="1143000" indent="-228600">
+              <a:defRPr sz="2300">
+                <a:solidFill>
+                  <a:schemeClr val="tx1"/>
+                </a:solidFill>
+                <a:latin typeface="Arial" charset="0"/>
+                <a:ea typeface="ＭＳ Ｐゴシック" charset="-128"/>
+              </a:defRPr>
+            </a:lvl3pPr>
+            <a:lvl4pPr marL="1600200" indent="-228600">
+              <a:defRPr sz="2300">
+                <a:solidFill>
+                  <a:schemeClr val="tx1"/>
+                </a:solidFill>
+                <a:latin typeface="Arial" charset="0"/>
+                <a:ea typeface="ＭＳ Ｐゴシック" charset="-128"/>
+              </a:defRPr>
+            </a:lvl4pPr>
+            <a:lvl5pPr marL="2057400" indent="-228600">
+              <a:defRPr sz="2300">
+                <a:solidFill>
+                  <a:schemeClr val="tx1"/>
+                </a:solidFill>
+                <a:latin typeface="Arial" charset="0"/>
+                <a:ea typeface="ＭＳ Ｐゴシック" charset="-128"/>
+              </a:defRPr>
+            </a:lvl5pPr>
+            <a:lvl6pPr marL="2514600" indent="-228600" eaLnBrk="0" fontAlgn="base" hangingPunct="0">
+              <a:spcBef>
+                <a:spcPct val="0"/>
+              </a:spcBef>
+              <a:spcAft>
+                <a:spcPct val="0"/>
+              </a:spcAft>
+              <a:defRPr sz="2300">
+                <a:solidFill>
+                  <a:schemeClr val="tx1"/>
+                </a:solidFill>
+                <a:latin typeface="Arial" charset="0"/>
+                <a:ea typeface="ＭＳ Ｐゴシック" charset="-128"/>
+              </a:defRPr>
+            </a:lvl6pPr>
+            <a:lvl7pPr marL="2971800" indent="-228600" eaLnBrk="0" fontAlgn="base" hangingPunct="0">
+              <a:spcBef>
+                <a:spcPct val="0"/>
+              </a:spcBef>
+              <a:spcAft>
+                <a:spcPct val="0"/>
+              </a:spcAft>
+              <a:defRPr sz="2300">
+                <a:solidFill>
+                  <a:schemeClr val="tx1"/>
+                </a:solidFill>
+                <a:latin typeface="Arial" charset="0"/>
+                <a:ea typeface="ＭＳ Ｐゴシック" charset="-128"/>
+              </a:defRPr>
+            </a:lvl7pPr>
+            <a:lvl8pPr marL="3429000" indent="-228600" eaLnBrk="0" fontAlgn="base" hangingPunct="0">
+              <a:spcBef>
+                <a:spcPct val="0"/>
+              </a:spcBef>
+              <a:spcAft>
+                <a:spcPct val="0"/>
+              </a:spcAft>
+              <a:defRPr sz="2300">
+                <a:solidFill>
+                  <a:schemeClr val="tx1"/>
+                </a:solidFill>
+                <a:latin typeface="Arial" charset="0"/>
+                <a:ea typeface="ＭＳ Ｐゴシック" charset="-128"/>
+              </a:defRPr>
+            </a:lvl8pPr>
+            <a:lvl9pPr marL="3886200" indent="-228600" eaLnBrk="0" fontAlgn="base" hangingPunct="0">
+              <a:spcBef>
+                <a:spcPct val="0"/>
+              </a:spcBef>
+              <a:spcAft>
+                <a:spcPct val="0"/>
+              </a:spcAft>
+              <a:defRPr sz="2300">
+                <a:solidFill>
+                  <a:schemeClr val="tx1"/>
+                </a:solidFill>
+                <a:latin typeface="Arial" charset="0"/>
+                <a:ea typeface="ＭＳ Ｐゴシック" charset="-128"/>
+              </a:defRPr>
+            </a:lvl9pPr>
+          </a:lstStyle>
+          <a:p>
+            <a:r>
+              <a:rPr lang="en-US" altLang="en-US" sz="1800" u="sng"/>
+              <a:t>Facts</a:t>
+            </a:r>
+            <a:r>
+              <a:rPr lang="en-US" altLang="en-US" sz="1800"/>
+              <a:t> - a fact constitutes a declaration of a truth; in Prolog it has to</a:t>
+            </a:r>
+            <a:br>
+              <a:rPr lang="en-US" altLang="en-US" sz="1800"/>
+            </a:br>
+            <a:r>
+              <a:rPr lang="en-US" altLang="en-US" sz="1800"/>
+              <a:t>            to be a positive assertion.</a:t>
+            </a:r>
+          </a:p>
+          <a:p>
+            <a:endParaRPr lang="en-US" altLang="en-US" sz="1800"/>
+          </a:p>
+          <a:p>
+            <a:r>
+              <a:rPr lang="en-US" altLang="en-US" sz="1800" u="sng"/>
+              <a:t>Prolog Programs</a:t>
+            </a:r>
+            <a:r>
+              <a:rPr lang="en-US" altLang="en-US" sz="1800"/>
+              <a:t> - a Prolog program is a collection of facts (…and rules,</a:t>
+            </a:r>
+            <a:br>
+              <a:rPr lang="en-US" altLang="en-US" sz="1800"/>
+            </a:br>
+            <a:r>
+              <a:rPr lang="en-US" altLang="en-US" sz="1800"/>
+              <a:t>                              as we will see later).</a:t>
+            </a:r>
+            <a:endParaRPr lang="en-US" altLang="en-US" sz="1800" u="sng"/>
+          </a:p>
+        </p:txBody>
+      </p:sp>
+      <p:sp>
+        <p:nvSpPr>
+          <p:cNvPr id="36868" name="Text Box 5"/>
+          <p:cNvSpPr txBox="1">
+            <a:spLocks noChangeArrowheads="1"/>
+          </p:cNvSpPr>
+          <p:nvPr/>
+        </p:nvSpPr>
+        <p:spPr bwMode="auto">
+          <a:xfrm>
+            <a:off x="746125" y="3243263"/>
+            <a:ext cx="2967038" cy="1341437"/>
+          </a:xfrm>
+          <a:prstGeom prst="rect">
+            <a:avLst/>
+          </a:prstGeom>
+          <a:noFill/>
+          <a:ln>
+            <a:noFill/>
+          </a:ln>
+          <a:extLst>
+            <a:ext uri="{909E8E84-426E-40DD-AFC4-6F175D3DCCD1}">
+              <a14:hiddenFill xmlns:a14="http://schemas.microsoft.com/office/drawing/2010/main">
+                <a:solidFill>
+                  <a:schemeClr val="accent1"/>
+                </a:solidFill>
+              </a14:hiddenFill>
+            </a:ext>
+            <a:ext uri="{91240B29-F687-4F45-9708-019B960494DF}">
+              <a14:hiddenLine xmlns:a14="http://schemas.microsoft.com/office/drawing/2010/main" w="9525">
+                <a:solidFill>
+                  <a:schemeClr val="tx1"/>
+                </a:solidFill>
+                <a:miter lim="800000"/>
+                <a:headEnd/>
+                <a:tailEnd/>
+              </a14:hiddenLine>
+            </a:ext>
+          </a:extLst>
+        </p:spPr>
+        <p:txBody>
+          <a:bodyPr wrap="none">
+            <a:spAutoFit/>
+          </a:bodyPr>
+          <a:lstStyle>
+            <a:lvl1pPr>
+              <a:defRPr sz="2300">
+                <a:solidFill>
+                  <a:schemeClr val="tx1"/>
+                </a:solidFill>
+                <a:latin typeface="Arial" charset="0"/>
+                <a:ea typeface="ＭＳ Ｐゴシック" charset="-128"/>
+              </a:defRPr>
+            </a:lvl1pPr>
+            <a:lvl2pPr marL="742950" indent="-285750">
+              <a:defRPr sz="2300">
+                <a:solidFill>
+                  <a:schemeClr val="tx1"/>
+                </a:solidFill>
+                <a:latin typeface="Arial" charset="0"/>
+                <a:ea typeface="ＭＳ Ｐゴシック" charset="-128"/>
+              </a:defRPr>
+            </a:lvl2pPr>
+            <a:lvl3pPr marL="1143000" indent="-228600">
+              <a:defRPr sz="2300">
+                <a:solidFill>
+                  <a:schemeClr val="tx1"/>
+                </a:solidFill>
+                <a:latin typeface="Arial" charset="0"/>
+                <a:ea typeface="ＭＳ Ｐゴシック" charset="-128"/>
+              </a:defRPr>
+            </a:lvl3pPr>
+            <a:lvl4pPr marL="1600200" indent="-228600">
+              <a:defRPr sz="2300">
+                <a:solidFill>
+                  <a:schemeClr val="tx1"/>
+                </a:solidFill>
+                <a:latin typeface="Arial" charset="0"/>
+                <a:ea typeface="ＭＳ Ｐゴシック" charset="-128"/>
+              </a:defRPr>
+            </a:lvl4pPr>
+            <a:lvl5pPr marL="2057400" indent="-228600">
+              <a:defRPr sz="2300">
+                <a:solidFill>
+                  <a:schemeClr val="tx1"/>
+                </a:solidFill>
+                <a:latin typeface="Arial" charset="0"/>
+                <a:ea typeface="ＭＳ Ｐゴシック" charset="-128"/>
+              </a:defRPr>
+            </a:lvl5pPr>
+            <a:lvl6pPr marL="2514600" indent="-228600" eaLnBrk="0" fontAlgn="base" hangingPunct="0">
+              <a:spcBef>
+                <a:spcPct val="0"/>
+              </a:spcBef>
+              <a:spcAft>
+                <a:spcPct val="0"/>
+              </a:spcAft>
+              <a:defRPr sz="2300">
+                <a:solidFill>
+                  <a:schemeClr val="tx1"/>
+                </a:solidFill>
+                <a:latin typeface="Arial" charset="0"/>
+                <a:ea typeface="ＭＳ Ｐゴシック" charset="-128"/>
+              </a:defRPr>
+            </a:lvl6pPr>
+            <a:lvl7pPr marL="2971800" indent="-228600" eaLnBrk="0" fontAlgn="base" hangingPunct="0">
+              <a:spcBef>
+                <a:spcPct val="0"/>
+              </a:spcBef>
+              <a:spcAft>
+                <a:spcPct val="0"/>
+              </a:spcAft>
+              <a:defRPr sz="2300">
+                <a:solidFill>
+                  <a:schemeClr val="tx1"/>
+                </a:solidFill>
+                <a:latin typeface="Arial" charset="0"/>
+                <a:ea typeface="ＭＳ Ｐゴシック" charset="-128"/>
+              </a:defRPr>
+            </a:lvl7pPr>
+            <a:lvl8pPr marL="3429000" indent="-228600" eaLnBrk="0" fontAlgn="base" hangingPunct="0">
+              <a:spcBef>
+                <a:spcPct val="0"/>
+              </a:spcBef>
+              <a:spcAft>
+                <a:spcPct val="0"/>
+              </a:spcAft>
+              <a:defRPr sz="2300">
+                <a:solidFill>
+                  <a:schemeClr val="tx1"/>
+                </a:solidFill>
+                <a:latin typeface="Arial" charset="0"/>
+                <a:ea typeface="ＭＳ Ｐゴシック" charset="-128"/>
+              </a:defRPr>
+            </a:lvl8pPr>
+            <a:lvl9pPr marL="3886200" indent="-228600" eaLnBrk="0" fontAlgn="base" hangingPunct="0">
+              <a:spcBef>
+                <a:spcPct val="0"/>
+              </a:spcBef>
+              <a:spcAft>
+                <a:spcPct val="0"/>
+              </a:spcAft>
+              <a:defRPr sz="2300">
+                <a:solidFill>
+                  <a:schemeClr val="tx1"/>
+                </a:solidFill>
+                <a:latin typeface="Arial" charset="0"/>
+                <a:ea typeface="ＭＳ Ｐゴシック" charset="-128"/>
+              </a:defRPr>
+            </a:lvl9pPr>
+          </a:lstStyle>
+          <a:p>
+            <a:r>
+              <a:rPr lang="en-US" altLang="en-US" sz="1800" u="sng"/>
+              <a:t>Example:</a:t>
+            </a:r>
+            <a:r>
+              <a:rPr lang="en-US" altLang="en-US" sz="1800"/>
+              <a:t> a simple program</a:t>
+            </a:r>
+          </a:p>
+          <a:p>
+            <a:endParaRPr lang="en-US" altLang="en-US" sz="1800"/>
+          </a:p>
+          <a:p>
+            <a:r>
+              <a:rPr lang="en-US" altLang="en-US" sz="1800"/>
+              <a:t>	</a:t>
+            </a:r>
+            <a:r>
+              <a:rPr lang="en-US" altLang="en-US" sz="1400"/>
+              <a:t>male(phil).</a:t>
+            </a:r>
+          </a:p>
+          <a:p>
+            <a:r>
+              <a:rPr lang="en-US" altLang="en-US" sz="1400"/>
+              <a:t>	male(john).</a:t>
+            </a:r>
+          </a:p>
+          <a:p>
+            <a:r>
+              <a:rPr lang="en-US" altLang="en-US" sz="1400"/>
+              <a:t>	female(betty).</a:t>
+            </a:r>
+            <a:endParaRPr lang="en-US" altLang="en-US" sz="1800" u="sng"/>
+          </a:p>
+        </p:txBody>
+      </p:sp>
+      <p:sp>
+        <p:nvSpPr>
+          <p:cNvPr id="36869" name="AutoShape 6"/>
+          <p:cNvSpPr>
+            <a:spLocks/>
+          </p:cNvSpPr>
+          <p:nvPr/>
+        </p:nvSpPr>
+        <p:spPr bwMode="auto">
+          <a:xfrm>
+            <a:off x="3048000" y="3886200"/>
+            <a:ext cx="152400" cy="685800"/>
+          </a:xfrm>
+          <a:prstGeom prst="rightBrace">
+            <a:avLst>
+              <a:gd name="adj1" fmla="val 37500"/>
+              <a:gd name="adj2" fmla="val 50000"/>
+            </a:avLst>
+          </a:prstGeom>
+          <a:noFill/>
+          <a:ln w="9525">
+            <a:solidFill>
+              <a:schemeClr val="tx1"/>
+            </a:solidFill>
+            <a:round/>
+            <a:headEnd/>
+            <a:tailEnd/>
+          </a:ln>
+          <a:extLst>
+            <a:ext uri="{909E8E84-426E-40DD-AFC4-6F175D3DCCD1}">
+              <a14:hiddenFill xmlns:a14="http://schemas.microsoft.com/office/drawing/2010/main">
+                <a:solidFill>
+                  <a:schemeClr val="accent1"/>
+                </a:solidFill>
+              </a14:hiddenFill>
+            </a:ext>
+          </a:extLst>
+        </p:spPr>
+        <p:txBody>
+          <a:bodyPr wrap="none" anchor="ctr"/>
+          <a:lstStyle>
+            <a:lvl1pPr>
+              <a:defRPr sz="2300">
+                <a:solidFill>
+                  <a:schemeClr val="tx1"/>
+                </a:solidFill>
+                <a:latin typeface="Arial" charset="0"/>
+                <a:ea typeface="ＭＳ Ｐゴシック" charset="-128"/>
+              </a:defRPr>
+            </a:lvl1pPr>
+            <a:lvl2pPr marL="742950" indent="-285750">
+              <a:defRPr sz="2300">
+                <a:solidFill>
+                  <a:schemeClr val="tx1"/>
+                </a:solidFill>
+                <a:latin typeface="Arial" charset="0"/>
+                <a:ea typeface="ＭＳ Ｐゴシック" charset="-128"/>
+              </a:defRPr>
+            </a:lvl2pPr>
+            <a:lvl3pPr marL="1143000" indent="-228600">
+              <a:defRPr sz="2300">
+                <a:solidFill>
+                  <a:schemeClr val="tx1"/>
+                </a:solidFill>
+                <a:latin typeface="Arial" charset="0"/>
+                <a:ea typeface="ＭＳ Ｐゴシック" charset="-128"/>
+              </a:defRPr>
+            </a:lvl3pPr>
+            <a:lvl4pPr marL="1600200" indent="-228600">
+              <a:defRPr sz="2300">
+                <a:solidFill>
+                  <a:schemeClr val="tx1"/>
+                </a:solidFill>
+                <a:latin typeface="Arial" charset="0"/>
+                <a:ea typeface="ＭＳ Ｐゴシック" charset="-128"/>
+              </a:defRPr>
+            </a:lvl4pPr>
+            <a:lvl5pPr marL="2057400" indent="-228600">
+              <a:defRPr sz="2300">
+                <a:solidFill>
+                  <a:schemeClr val="tx1"/>
+                </a:solidFill>
+                <a:latin typeface="Arial" charset="0"/>
+                <a:ea typeface="ＭＳ Ｐゴシック" charset="-128"/>
+              </a:defRPr>
+            </a:lvl5pPr>
+            <a:lvl6pPr marL="2514600" indent="-228600" eaLnBrk="0" fontAlgn="base" hangingPunct="0">
+              <a:spcBef>
+                <a:spcPct val="0"/>
+              </a:spcBef>
+              <a:spcAft>
+                <a:spcPct val="0"/>
+              </a:spcAft>
+              <a:defRPr sz="2300">
+                <a:solidFill>
+                  <a:schemeClr val="tx1"/>
+                </a:solidFill>
+                <a:latin typeface="Arial" charset="0"/>
+                <a:ea typeface="ＭＳ Ｐゴシック" charset="-128"/>
+              </a:defRPr>
+            </a:lvl6pPr>
+            <a:lvl7pPr marL="2971800" indent="-228600" eaLnBrk="0" fontAlgn="base" hangingPunct="0">
+              <a:spcBef>
+                <a:spcPct val="0"/>
+              </a:spcBef>
+              <a:spcAft>
+                <a:spcPct val="0"/>
+              </a:spcAft>
+              <a:defRPr sz="2300">
+                <a:solidFill>
+                  <a:schemeClr val="tx1"/>
+                </a:solidFill>
+                <a:latin typeface="Arial" charset="0"/>
+                <a:ea typeface="ＭＳ Ｐゴシック" charset="-128"/>
+              </a:defRPr>
+            </a:lvl7pPr>
+            <a:lvl8pPr marL="3429000" indent="-228600" eaLnBrk="0" fontAlgn="base" hangingPunct="0">
+              <a:spcBef>
+                <a:spcPct val="0"/>
+              </a:spcBef>
+              <a:spcAft>
+                <a:spcPct val="0"/>
+              </a:spcAft>
+              <a:defRPr sz="2300">
+                <a:solidFill>
+                  <a:schemeClr val="tx1"/>
+                </a:solidFill>
+                <a:latin typeface="Arial" charset="0"/>
+                <a:ea typeface="ＭＳ Ｐゴシック" charset="-128"/>
+              </a:defRPr>
+            </a:lvl8pPr>
+            <a:lvl9pPr marL="3886200" indent="-228600" eaLnBrk="0" fontAlgn="base" hangingPunct="0">
+              <a:spcBef>
+                <a:spcPct val="0"/>
+              </a:spcBef>
+              <a:spcAft>
+                <a:spcPct val="0"/>
+              </a:spcAft>
+              <a:defRPr sz="2300">
+                <a:solidFill>
+                  <a:schemeClr val="tx1"/>
+                </a:solidFill>
+                <a:latin typeface="Arial" charset="0"/>
+                <a:ea typeface="ＭＳ Ｐゴシック" charset="-128"/>
+              </a:defRPr>
+            </a:lvl9pPr>
+          </a:lstStyle>
+          <a:p>
+            <a:endParaRPr lang="en-US" altLang="en-US" sz="1800"/>
+          </a:p>
+        </p:txBody>
+      </p:sp>
+      <p:sp>
+        <p:nvSpPr>
+          <p:cNvPr id="36870" name="Text Box 7"/>
+          <p:cNvSpPr txBox="1">
+            <a:spLocks noChangeArrowheads="1"/>
+          </p:cNvSpPr>
+          <p:nvPr/>
+        </p:nvSpPr>
+        <p:spPr bwMode="auto">
+          <a:xfrm>
+            <a:off x="3222625" y="4000500"/>
+            <a:ext cx="3411538" cy="457200"/>
+          </a:xfrm>
+          <a:prstGeom prst="rect">
+            <a:avLst/>
+          </a:prstGeom>
+          <a:noFill/>
+          <a:ln>
+            <a:noFill/>
+          </a:ln>
+          <a:extLst>
+            <a:ext uri="{909E8E84-426E-40DD-AFC4-6F175D3DCCD1}">
+              <a14:hiddenFill xmlns:a14="http://schemas.microsoft.com/office/drawing/2010/main">
+                <a:solidFill>
+                  <a:schemeClr val="accent1"/>
+                </a:solidFill>
+              </a14:hiddenFill>
+            </a:ext>
+            <a:ext uri="{91240B29-F687-4F45-9708-019B960494DF}">
+              <a14:hiddenLine xmlns:a14="http://schemas.microsoft.com/office/drawing/2010/main" w="9525">
+                <a:solidFill>
+                  <a:schemeClr val="tx1"/>
+                </a:solidFill>
+                <a:miter lim="800000"/>
+                <a:headEnd/>
+                <a:tailEnd/>
+              </a14:hiddenLine>
+            </a:ext>
+          </a:extLst>
+        </p:spPr>
+        <p:txBody>
+          <a:bodyPr wrap="none">
+            <a:spAutoFit/>
+          </a:bodyPr>
+          <a:lstStyle>
+            <a:lvl1pPr>
+              <a:defRPr sz="2300">
+                <a:solidFill>
+                  <a:schemeClr val="tx1"/>
+                </a:solidFill>
+                <a:latin typeface="Arial" charset="0"/>
+                <a:ea typeface="ＭＳ Ｐゴシック" charset="-128"/>
+              </a:defRPr>
+            </a:lvl1pPr>
+            <a:lvl2pPr marL="742950" indent="-285750">
+              <a:defRPr sz="2300">
+                <a:solidFill>
+                  <a:schemeClr val="tx1"/>
+                </a:solidFill>
+                <a:latin typeface="Arial" charset="0"/>
+                <a:ea typeface="ＭＳ Ｐゴシック" charset="-128"/>
+              </a:defRPr>
+            </a:lvl2pPr>
+            <a:lvl3pPr marL="1143000" indent="-228600">
+              <a:defRPr sz="2300">
+                <a:solidFill>
+                  <a:schemeClr val="tx1"/>
+                </a:solidFill>
+                <a:latin typeface="Arial" charset="0"/>
+                <a:ea typeface="ＭＳ Ｐゴシック" charset="-128"/>
+              </a:defRPr>
+            </a:lvl3pPr>
+            <a:lvl4pPr marL="1600200" indent="-228600">
+              <a:defRPr sz="2300">
+                <a:solidFill>
+                  <a:schemeClr val="tx1"/>
+                </a:solidFill>
+                <a:latin typeface="Arial" charset="0"/>
+                <a:ea typeface="ＭＳ Ｐゴシック" charset="-128"/>
+              </a:defRPr>
+            </a:lvl4pPr>
+            <a:lvl5pPr marL="2057400" indent="-228600">
+              <a:defRPr sz="2300">
+                <a:solidFill>
+                  <a:schemeClr val="tx1"/>
+                </a:solidFill>
+                <a:latin typeface="Arial" charset="0"/>
+                <a:ea typeface="ＭＳ Ｐゴシック" charset="-128"/>
+              </a:defRPr>
+            </a:lvl5pPr>
+            <a:lvl6pPr marL="2514600" indent="-228600" eaLnBrk="0" fontAlgn="base" hangingPunct="0">
+              <a:spcBef>
+                <a:spcPct val="0"/>
+              </a:spcBef>
+              <a:spcAft>
+                <a:spcPct val="0"/>
+              </a:spcAft>
+              <a:defRPr sz="2300">
+                <a:solidFill>
+                  <a:schemeClr val="tx1"/>
+                </a:solidFill>
+                <a:latin typeface="Arial" charset="0"/>
+                <a:ea typeface="ＭＳ Ｐゴシック" charset="-128"/>
+              </a:defRPr>
+            </a:lvl6pPr>
+            <a:lvl7pPr marL="2971800" indent="-228600" eaLnBrk="0" fontAlgn="base" hangingPunct="0">
+              <a:spcBef>
+                <a:spcPct val="0"/>
+              </a:spcBef>
+              <a:spcAft>
+                <a:spcPct val="0"/>
+              </a:spcAft>
+              <a:defRPr sz="2300">
+                <a:solidFill>
+                  <a:schemeClr val="tx1"/>
+                </a:solidFill>
+                <a:latin typeface="Arial" charset="0"/>
+                <a:ea typeface="ＭＳ Ｐゴシック" charset="-128"/>
+              </a:defRPr>
+            </a:lvl7pPr>
+            <a:lvl8pPr marL="3429000" indent="-228600" eaLnBrk="0" fontAlgn="base" hangingPunct="0">
+              <a:spcBef>
+                <a:spcPct val="0"/>
+              </a:spcBef>
+              <a:spcAft>
+                <a:spcPct val="0"/>
+              </a:spcAft>
+              <a:defRPr sz="2300">
+                <a:solidFill>
+                  <a:schemeClr val="tx1"/>
+                </a:solidFill>
+                <a:latin typeface="Arial" charset="0"/>
+                <a:ea typeface="ＭＳ Ｐゴシック" charset="-128"/>
+              </a:defRPr>
+            </a:lvl8pPr>
+            <a:lvl9pPr marL="3886200" indent="-228600" eaLnBrk="0" fontAlgn="base" hangingPunct="0">
+              <a:spcBef>
+                <a:spcPct val="0"/>
+              </a:spcBef>
+              <a:spcAft>
+                <a:spcPct val="0"/>
+              </a:spcAft>
+              <a:defRPr sz="2300">
+                <a:solidFill>
+                  <a:schemeClr val="tx1"/>
+                </a:solidFill>
+                <a:latin typeface="Arial" charset="0"/>
+                <a:ea typeface="ＭＳ Ｐゴシック" charset="-128"/>
+              </a:defRPr>
+            </a:lvl9pPr>
+          </a:lstStyle>
+          <a:p>
+            <a:r>
+              <a:rPr lang="en-US" altLang="en-US" sz="1200"/>
+              <a:t>Facts, Prolog will treat these as true and enters </a:t>
+            </a:r>
+          </a:p>
+          <a:p>
+            <a:r>
+              <a:rPr lang="en-US" altLang="en-US" sz="1200"/>
+              <a:t>them into its knowledgebase.</a:t>
+            </a:r>
+          </a:p>
+        </p:txBody>
+      </p:sp>
+      <p:sp>
+        <p:nvSpPr>
+          <p:cNvPr id="36871" name="Text Box 8"/>
+          <p:cNvSpPr txBox="1">
+            <a:spLocks noChangeArrowheads="1"/>
+          </p:cNvSpPr>
+          <p:nvPr/>
+        </p:nvSpPr>
+        <p:spPr bwMode="auto">
+          <a:xfrm>
+            <a:off x="827088" y="4662488"/>
+            <a:ext cx="7326312" cy="366712"/>
+          </a:xfrm>
+          <a:prstGeom prst="rect">
+            <a:avLst/>
+          </a:prstGeom>
+          <a:noFill/>
+          <a:ln>
+            <a:noFill/>
+          </a:ln>
+          <a:extLst>
+            <a:ext uri="{909E8E84-426E-40DD-AFC4-6F175D3DCCD1}">
+              <a14:hiddenFill xmlns:a14="http://schemas.microsoft.com/office/drawing/2010/main">
+                <a:solidFill>
+                  <a:schemeClr val="accent1"/>
+                </a:solidFill>
+              </a14:hiddenFill>
+            </a:ext>
+            <a:ext uri="{91240B29-F687-4F45-9708-019B960494DF}">
+              <a14:hiddenLine xmlns:a14="http://schemas.microsoft.com/office/drawing/2010/main" w="9525">
+                <a:solidFill>
+                  <a:schemeClr val="tx1"/>
+                </a:solidFill>
+                <a:miter lim="800000"/>
+                <a:headEnd/>
+                <a:tailEnd/>
+              </a14:hiddenLine>
+            </a:ext>
+          </a:extLst>
+        </p:spPr>
+        <p:txBody>
+          <a:bodyPr wrap="none">
+            <a:spAutoFit/>
+          </a:bodyPr>
+          <a:lstStyle>
+            <a:lvl1pPr>
+              <a:defRPr sz="2300">
+                <a:solidFill>
+                  <a:schemeClr val="tx1"/>
+                </a:solidFill>
+                <a:latin typeface="Arial" charset="0"/>
+                <a:ea typeface="ＭＳ Ｐゴシック" charset="-128"/>
+              </a:defRPr>
+            </a:lvl1pPr>
+            <a:lvl2pPr marL="742950" indent="-285750">
+              <a:defRPr sz="2300">
+                <a:solidFill>
+                  <a:schemeClr val="tx1"/>
+                </a:solidFill>
+                <a:latin typeface="Arial" charset="0"/>
+                <a:ea typeface="ＭＳ Ｐゴシック" charset="-128"/>
+              </a:defRPr>
+            </a:lvl2pPr>
+            <a:lvl3pPr marL="1143000" indent="-228600">
+              <a:defRPr sz="2300">
+                <a:solidFill>
+                  <a:schemeClr val="tx1"/>
+                </a:solidFill>
+                <a:latin typeface="Arial" charset="0"/>
+                <a:ea typeface="ＭＳ Ｐゴシック" charset="-128"/>
+              </a:defRPr>
+            </a:lvl3pPr>
+            <a:lvl4pPr marL="1600200" indent="-228600">
+              <a:defRPr sz="2300">
+                <a:solidFill>
+                  <a:schemeClr val="tx1"/>
+                </a:solidFill>
+                <a:latin typeface="Arial" charset="0"/>
+                <a:ea typeface="ＭＳ Ｐゴシック" charset="-128"/>
+              </a:defRPr>
+            </a:lvl4pPr>
+            <a:lvl5pPr marL="2057400" indent="-228600">
+              <a:defRPr sz="2300">
+                <a:solidFill>
+                  <a:schemeClr val="tx1"/>
+                </a:solidFill>
+                <a:latin typeface="Arial" charset="0"/>
+                <a:ea typeface="ＭＳ Ｐゴシック" charset="-128"/>
+              </a:defRPr>
+            </a:lvl5pPr>
+            <a:lvl6pPr marL="2514600" indent="-228600" eaLnBrk="0" fontAlgn="base" hangingPunct="0">
+              <a:spcBef>
+                <a:spcPct val="0"/>
+              </a:spcBef>
+              <a:spcAft>
+                <a:spcPct val="0"/>
+              </a:spcAft>
+              <a:defRPr sz="2300">
+                <a:solidFill>
+                  <a:schemeClr val="tx1"/>
+                </a:solidFill>
+                <a:latin typeface="Arial" charset="0"/>
+                <a:ea typeface="ＭＳ Ｐゴシック" charset="-128"/>
+              </a:defRPr>
+            </a:lvl6pPr>
+            <a:lvl7pPr marL="2971800" indent="-228600" eaLnBrk="0" fontAlgn="base" hangingPunct="0">
+              <a:spcBef>
+                <a:spcPct val="0"/>
+              </a:spcBef>
+              <a:spcAft>
+                <a:spcPct val="0"/>
+              </a:spcAft>
+              <a:defRPr sz="2300">
+                <a:solidFill>
+                  <a:schemeClr val="tx1"/>
+                </a:solidFill>
+                <a:latin typeface="Arial" charset="0"/>
+                <a:ea typeface="ＭＳ Ｐゴシック" charset="-128"/>
+              </a:defRPr>
+            </a:lvl7pPr>
+            <a:lvl8pPr marL="3429000" indent="-228600" eaLnBrk="0" fontAlgn="base" hangingPunct="0">
+              <a:spcBef>
+                <a:spcPct val="0"/>
+              </a:spcBef>
+              <a:spcAft>
+                <a:spcPct val="0"/>
+              </a:spcAft>
+              <a:defRPr sz="2300">
+                <a:solidFill>
+                  <a:schemeClr val="tx1"/>
+                </a:solidFill>
+                <a:latin typeface="Arial" charset="0"/>
+                <a:ea typeface="ＭＳ Ｐゴシック" charset="-128"/>
+              </a:defRPr>
+            </a:lvl8pPr>
+            <a:lvl9pPr marL="3886200" indent="-228600" eaLnBrk="0" fontAlgn="base" hangingPunct="0">
+              <a:spcBef>
+                <a:spcPct val="0"/>
+              </a:spcBef>
+              <a:spcAft>
+                <a:spcPct val="0"/>
+              </a:spcAft>
+              <a:defRPr sz="2300">
+                <a:solidFill>
+                  <a:schemeClr val="tx1"/>
+                </a:solidFill>
+                <a:latin typeface="Arial" charset="0"/>
+                <a:ea typeface="ＭＳ Ｐゴシック" charset="-128"/>
+              </a:defRPr>
+            </a:lvl9pPr>
+          </a:lstStyle>
+          <a:p>
+            <a:r>
+              <a:rPr lang="en-US" altLang="en-US" sz="1800"/>
+              <a:t>We execute Prolog programs by posing </a:t>
+            </a:r>
+            <a:r>
+              <a:rPr lang="en-US" altLang="en-US" sz="1800" u="sng"/>
+              <a:t>queries</a:t>
+            </a:r>
+            <a:r>
+              <a:rPr lang="en-US" altLang="en-US" sz="1800"/>
+              <a:t> on its knowledgebase:</a:t>
+            </a:r>
+          </a:p>
+        </p:txBody>
+      </p:sp>
+      <p:sp>
+        <p:nvSpPr>
+          <p:cNvPr id="36872" name="Text Box 9"/>
+          <p:cNvSpPr txBox="1">
+            <a:spLocks noChangeArrowheads="1"/>
+          </p:cNvSpPr>
+          <p:nvPr/>
+        </p:nvSpPr>
+        <p:spPr bwMode="auto">
+          <a:xfrm>
+            <a:off x="1660525" y="5119688"/>
+            <a:ext cx="5411788" cy="942975"/>
+          </a:xfrm>
+          <a:prstGeom prst="rect">
+            <a:avLst/>
+          </a:prstGeom>
+          <a:noFill/>
+          <a:ln>
+            <a:noFill/>
+          </a:ln>
+          <a:extLst>
+            <a:ext uri="{909E8E84-426E-40DD-AFC4-6F175D3DCCD1}">
+              <a14:hiddenFill xmlns:a14="http://schemas.microsoft.com/office/drawing/2010/main">
+                <a:solidFill>
+                  <a:schemeClr val="accent1"/>
+                </a:solidFill>
+              </a14:hiddenFill>
+            </a:ext>
+            <a:ext uri="{91240B29-F687-4F45-9708-019B960494DF}">
+              <a14:hiddenLine xmlns:a14="http://schemas.microsoft.com/office/drawing/2010/main" w="9525">
+                <a:solidFill>
+                  <a:schemeClr val="tx1"/>
+                </a:solidFill>
+                <a:miter lim="800000"/>
+                <a:headEnd/>
+                <a:tailEnd/>
+              </a14:hiddenLine>
+            </a:ext>
+          </a:extLst>
+        </p:spPr>
+        <p:txBody>
+          <a:bodyPr wrap="none">
+            <a:spAutoFit/>
+          </a:bodyPr>
+          <a:lstStyle>
+            <a:lvl1pPr>
+              <a:defRPr sz="2300">
+                <a:solidFill>
+                  <a:schemeClr val="tx1"/>
+                </a:solidFill>
+                <a:latin typeface="Arial" charset="0"/>
+                <a:ea typeface="ＭＳ Ｐゴシック" charset="-128"/>
+              </a:defRPr>
+            </a:lvl1pPr>
+            <a:lvl2pPr marL="742950" indent="-285750">
+              <a:defRPr sz="2300">
+                <a:solidFill>
+                  <a:schemeClr val="tx1"/>
+                </a:solidFill>
+                <a:latin typeface="Arial" charset="0"/>
+                <a:ea typeface="ＭＳ Ｐゴシック" charset="-128"/>
+              </a:defRPr>
+            </a:lvl2pPr>
+            <a:lvl3pPr marL="1143000" indent="-228600">
+              <a:defRPr sz="2300">
+                <a:solidFill>
+                  <a:schemeClr val="tx1"/>
+                </a:solidFill>
+                <a:latin typeface="Arial" charset="0"/>
+                <a:ea typeface="ＭＳ Ｐゴシック" charset="-128"/>
+              </a:defRPr>
+            </a:lvl3pPr>
+            <a:lvl4pPr marL="1600200" indent="-228600">
+              <a:defRPr sz="2300">
+                <a:solidFill>
+                  <a:schemeClr val="tx1"/>
+                </a:solidFill>
+                <a:latin typeface="Arial" charset="0"/>
+                <a:ea typeface="ＭＳ Ｐゴシック" charset="-128"/>
+              </a:defRPr>
+            </a:lvl4pPr>
+            <a:lvl5pPr marL="2057400" indent="-228600">
+              <a:defRPr sz="2300">
+                <a:solidFill>
+                  <a:schemeClr val="tx1"/>
+                </a:solidFill>
+                <a:latin typeface="Arial" charset="0"/>
+                <a:ea typeface="ＭＳ Ｐゴシック" charset="-128"/>
+              </a:defRPr>
+            </a:lvl5pPr>
+            <a:lvl6pPr marL="2514600" indent="-228600" eaLnBrk="0" fontAlgn="base" hangingPunct="0">
+              <a:spcBef>
+                <a:spcPct val="0"/>
+              </a:spcBef>
+              <a:spcAft>
+                <a:spcPct val="0"/>
+              </a:spcAft>
+              <a:defRPr sz="2300">
+                <a:solidFill>
+                  <a:schemeClr val="tx1"/>
+                </a:solidFill>
+                <a:latin typeface="Arial" charset="0"/>
+                <a:ea typeface="ＭＳ Ｐゴシック" charset="-128"/>
+              </a:defRPr>
+            </a:lvl6pPr>
+            <a:lvl7pPr marL="2971800" indent="-228600" eaLnBrk="0" fontAlgn="base" hangingPunct="0">
+              <a:spcBef>
+                <a:spcPct val="0"/>
+              </a:spcBef>
+              <a:spcAft>
+                <a:spcPct val="0"/>
+              </a:spcAft>
+              <a:defRPr sz="2300">
+                <a:solidFill>
+                  <a:schemeClr val="tx1"/>
+                </a:solidFill>
+                <a:latin typeface="Arial" charset="0"/>
+                <a:ea typeface="ＭＳ Ｐゴシック" charset="-128"/>
+              </a:defRPr>
+            </a:lvl7pPr>
+            <a:lvl8pPr marL="3429000" indent="-228600" eaLnBrk="0" fontAlgn="base" hangingPunct="0">
+              <a:spcBef>
+                <a:spcPct val="0"/>
+              </a:spcBef>
+              <a:spcAft>
+                <a:spcPct val="0"/>
+              </a:spcAft>
+              <a:defRPr sz="2300">
+                <a:solidFill>
+                  <a:schemeClr val="tx1"/>
+                </a:solidFill>
+                <a:latin typeface="Arial" charset="0"/>
+                <a:ea typeface="ＭＳ Ｐゴシック" charset="-128"/>
+              </a:defRPr>
+            </a:lvl8pPr>
+            <a:lvl9pPr marL="3886200" indent="-228600" eaLnBrk="0" fontAlgn="base" hangingPunct="0">
+              <a:spcBef>
+                <a:spcPct val="0"/>
+              </a:spcBef>
+              <a:spcAft>
+                <a:spcPct val="0"/>
+              </a:spcAft>
+              <a:defRPr sz="2300">
+                <a:solidFill>
+                  <a:schemeClr val="tx1"/>
+                </a:solidFill>
+                <a:latin typeface="Arial" charset="0"/>
+                <a:ea typeface="ＭＳ Ｐゴシック" charset="-128"/>
+              </a:defRPr>
+            </a:lvl9pPr>
+          </a:lstStyle>
+          <a:p>
+            <a:r>
+              <a:rPr lang="en-US" altLang="en-US" sz="1400"/>
+              <a:t>?- male(phil).</a:t>
+            </a:r>
+          </a:p>
+          <a:p>
+            <a:r>
+              <a:rPr lang="en-US" altLang="en-US" sz="1400"/>
+              <a:t>     true - because Prolog can use its knowledgebase to prove true.</a:t>
+            </a:r>
+          </a:p>
+          <a:p>
+            <a:r>
+              <a:rPr lang="en-US" altLang="en-US" sz="1400"/>
+              <a:t>?- female(phil).</a:t>
+            </a:r>
+          </a:p>
+          <a:p>
+            <a:r>
+              <a:rPr lang="en-US" altLang="en-US" sz="1400"/>
+              <a:t>     false - this fact is not in the knowledgebase.</a:t>
+            </a:r>
+          </a:p>
+        </p:txBody>
+      </p:sp>
+      <p:sp>
+        <p:nvSpPr>
+          <p:cNvPr id="36873" name="Oval 10"/>
+          <p:cNvSpPr>
+            <a:spLocks noChangeArrowheads="1"/>
+          </p:cNvSpPr>
+          <p:nvPr/>
+        </p:nvSpPr>
+        <p:spPr bwMode="auto">
+          <a:xfrm>
+            <a:off x="1704975" y="5105400"/>
+            <a:ext cx="228600" cy="304800"/>
+          </a:xfrm>
+          <a:prstGeom prst="ellipse">
+            <a:avLst/>
+          </a:prstGeom>
+          <a:noFill/>
+          <a:ln w="9525">
+            <a:solidFill>
+              <a:srgbClr val="FF0000"/>
+            </a:solidFill>
+            <a:round/>
+            <a:headEnd/>
+            <a:tailEnd/>
+          </a:ln>
+          <a:extLst>
+            <a:ext uri="{909E8E84-426E-40DD-AFC4-6F175D3DCCD1}">
+              <a14:hiddenFill xmlns:a14="http://schemas.microsoft.com/office/drawing/2010/main">
+                <a:solidFill>
+                  <a:schemeClr val="accent1"/>
+                </a:solidFill>
+              </a14:hiddenFill>
+            </a:ext>
+          </a:extLst>
+        </p:spPr>
+        <p:txBody>
+          <a:bodyPr wrap="none" anchor="ctr"/>
+          <a:lstStyle>
+            <a:lvl1pPr>
+              <a:defRPr sz="2300">
+                <a:solidFill>
+                  <a:schemeClr val="tx1"/>
+                </a:solidFill>
+                <a:latin typeface="Arial" charset="0"/>
+                <a:ea typeface="ＭＳ Ｐゴシック" charset="-128"/>
+              </a:defRPr>
+            </a:lvl1pPr>
+            <a:lvl2pPr marL="742950" indent="-285750">
+              <a:defRPr sz="2300">
+                <a:solidFill>
+                  <a:schemeClr val="tx1"/>
+                </a:solidFill>
+                <a:latin typeface="Arial" charset="0"/>
+                <a:ea typeface="ＭＳ Ｐゴシック" charset="-128"/>
+              </a:defRPr>
+            </a:lvl2pPr>
+            <a:lvl3pPr marL="1143000" indent="-228600">
+              <a:defRPr sz="2300">
+                <a:solidFill>
+                  <a:schemeClr val="tx1"/>
+                </a:solidFill>
+                <a:latin typeface="Arial" charset="0"/>
+                <a:ea typeface="ＭＳ Ｐゴシック" charset="-128"/>
+              </a:defRPr>
+            </a:lvl3pPr>
+            <a:lvl4pPr marL="1600200" indent="-228600">
+              <a:defRPr sz="2300">
+                <a:solidFill>
+                  <a:schemeClr val="tx1"/>
+                </a:solidFill>
+                <a:latin typeface="Arial" charset="0"/>
+                <a:ea typeface="ＭＳ Ｐゴシック" charset="-128"/>
+              </a:defRPr>
+            </a:lvl4pPr>
+            <a:lvl5pPr marL="2057400" indent="-228600">
+              <a:defRPr sz="2300">
+                <a:solidFill>
+                  <a:schemeClr val="tx1"/>
+                </a:solidFill>
+                <a:latin typeface="Arial" charset="0"/>
+                <a:ea typeface="ＭＳ Ｐゴシック" charset="-128"/>
+              </a:defRPr>
+            </a:lvl5pPr>
+            <a:lvl6pPr marL="2514600" indent="-228600" eaLnBrk="0" fontAlgn="base" hangingPunct="0">
+              <a:spcBef>
+                <a:spcPct val="0"/>
+              </a:spcBef>
+              <a:spcAft>
+                <a:spcPct val="0"/>
+              </a:spcAft>
+              <a:defRPr sz="2300">
+                <a:solidFill>
+                  <a:schemeClr val="tx1"/>
+                </a:solidFill>
+                <a:latin typeface="Arial" charset="0"/>
+                <a:ea typeface="ＭＳ Ｐゴシック" charset="-128"/>
+              </a:defRPr>
+            </a:lvl6pPr>
+            <a:lvl7pPr marL="2971800" indent="-228600" eaLnBrk="0" fontAlgn="base" hangingPunct="0">
+              <a:spcBef>
+                <a:spcPct val="0"/>
+              </a:spcBef>
+              <a:spcAft>
+                <a:spcPct val="0"/>
+              </a:spcAft>
+              <a:defRPr sz="2300">
+                <a:solidFill>
+                  <a:schemeClr val="tx1"/>
+                </a:solidFill>
+                <a:latin typeface="Arial" charset="0"/>
+                <a:ea typeface="ＭＳ Ｐゴシック" charset="-128"/>
+              </a:defRPr>
+            </a:lvl7pPr>
+            <a:lvl8pPr marL="3429000" indent="-228600" eaLnBrk="0" fontAlgn="base" hangingPunct="0">
+              <a:spcBef>
+                <a:spcPct val="0"/>
+              </a:spcBef>
+              <a:spcAft>
+                <a:spcPct val="0"/>
+              </a:spcAft>
+              <a:defRPr sz="2300">
+                <a:solidFill>
+                  <a:schemeClr val="tx1"/>
+                </a:solidFill>
+                <a:latin typeface="Arial" charset="0"/>
+                <a:ea typeface="ＭＳ Ｐゴシック" charset="-128"/>
+              </a:defRPr>
+            </a:lvl8pPr>
+            <a:lvl9pPr marL="3886200" indent="-228600" eaLnBrk="0" fontAlgn="base" hangingPunct="0">
+              <a:spcBef>
+                <a:spcPct val="0"/>
+              </a:spcBef>
+              <a:spcAft>
+                <a:spcPct val="0"/>
+              </a:spcAft>
+              <a:defRPr sz="2300">
+                <a:solidFill>
+                  <a:schemeClr val="tx1"/>
+                </a:solidFill>
+                <a:latin typeface="Arial" charset="0"/>
+                <a:ea typeface="ＭＳ Ｐゴシック" charset="-128"/>
+              </a:defRPr>
+            </a:lvl9pPr>
+          </a:lstStyle>
+          <a:p>
+            <a:endParaRPr lang="en-US" altLang="en-US" sz="1800"/>
+          </a:p>
+        </p:txBody>
+      </p:sp>
+      <p:sp>
+        <p:nvSpPr>
+          <p:cNvPr id="36874" name="Line 11"/>
+          <p:cNvSpPr>
+            <a:spLocks noChangeShapeType="1"/>
+          </p:cNvSpPr>
+          <p:nvPr/>
+        </p:nvSpPr>
+        <p:spPr bwMode="auto">
+          <a:xfrm flipH="1">
+            <a:off x="1447800" y="5334000"/>
+            <a:ext cx="152400" cy="76200"/>
+          </a:xfrm>
+          <a:prstGeom prst="line">
+            <a:avLst/>
+          </a:prstGeom>
+          <a:noFill/>
+          <a:ln w="9525">
+            <a:solidFill>
+              <a:schemeClr val="tx1"/>
+            </a:solidFill>
+            <a:round/>
+            <a:headEnd type="triangle" w="med" len="med"/>
+            <a:tailEnd/>
+          </a:ln>
+          <a:extLst>
+            <a:ext uri="{909E8E84-426E-40DD-AFC4-6F175D3DCCD1}">
+              <a14:hiddenFill xmlns:a14="http://schemas.microsoft.com/office/drawing/2010/main">
+                <a:noFill/>
+              </a14:hiddenFill>
+            </a:ext>
+          </a:extLst>
+        </p:spPr>
+        <p:txBody>
+          <a:bodyPr wrap="none" anchor="ctr"/>
+          <a:lstStyle/>
+          <a:p>
+            <a:endParaRPr lang="en-US"/>
+          </a:p>
+        </p:txBody>
+      </p:sp>
+      <p:sp>
+        <p:nvSpPr>
+          <p:cNvPr id="36875" name="Text Box 12"/>
+          <p:cNvSpPr txBox="1">
+            <a:spLocks noChangeArrowheads="1"/>
+          </p:cNvSpPr>
+          <p:nvPr/>
+        </p:nvSpPr>
+        <p:spPr bwMode="auto">
+          <a:xfrm>
+            <a:off x="898525" y="5348288"/>
+            <a:ext cx="757238" cy="304800"/>
+          </a:xfrm>
+          <a:prstGeom prst="rect">
+            <a:avLst/>
+          </a:prstGeom>
+          <a:noFill/>
+          <a:ln>
+            <a:noFill/>
+          </a:ln>
+          <a:extLst>
+            <a:ext uri="{909E8E84-426E-40DD-AFC4-6F175D3DCCD1}">
+              <a14:hiddenFill xmlns:a14="http://schemas.microsoft.com/office/drawing/2010/main">
+                <a:solidFill>
+                  <a:schemeClr val="accent1"/>
+                </a:solidFill>
+              </a14:hiddenFill>
+            </a:ext>
+            <a:ext uri="{91240B29-F687-4F45-9708-019B960494DF}">
+              <a14:hiddenLine xmlns:a14="http://schemas.microsoft.com/office/drawing/2010/main" w="9525">
+                <a:solidFill>
+                  <a:schemeClr val="tx1"/>
+                </a:solidFill>
+                <a:miter lim="800000"/>
+                <a:headEnd/>
+                <a:tailEnd/>
+              </a14:hiddenLine>
+            </a:ext>
+          </a:extLst>
+        </p:spPr>
+        <p:txBody>
+          <a:bodyPr wrap="none">
+            <a:spAutoFit/>
+          </a:bodyPr>
+          <a:lstStyle>
+            <a:lvl1pPr>
+              <a:defRPr sz="2300">
+                <a:solidFill>
+                  <a:schemeClr val="tx1"/>
+                </a:solidFill>
+                <a:latin typeface="Arial" charset="0"/>
+                <a:ea typeface="ＭＳ Ｐゴシック" charset="-128"/>
+              </a:defRPr>
+            </a:lvl1pPr>
+            <a:lvl2pPr marL="742950" indent="-285750">
+              <a:defRPr sz="2300">
+                <a:solidFill>
+                  <a:schemeClr val="tx1"/>
+                </a:solidFill>
+                <a:latin typeface="Arial" charset="0"/>
+                <a:ea typeface="ＭＳ Ｐゴシック" charset="-128"/>
+              </a:defRPr>
+            </a:lvl2pPr>
+            <a:lvl3pPr marL="1143000" indent="-228600">
+              <a:defRPr sz="2300">
+                <a:solidFill>
+                  <a:schemeClr val="tx1"/>
+                </a:solidFill>
+                <a:latin typeface="Arial" charset="0"/>
+                <a:ea typeface="ＭＳ Ｐゴシック" charset="-128"/>
+              </a:defRPr>
+            </a:lvl3pPr>
+            <a:lvl4pPr marL="1600200" indent="-228600">
+              <a:defRPr sz="2300">
+                <a:solidFill>
+                  <a:schemeClr val="tx1"/>
+                </a:solidFill>
+                <a:latin typeface="Arial" charset="0"/>
+                <a:ea typeface="ＭＳ Ｐゴシック" charset="-128"/>
+              </a:defRPr>
+            </a:lvl4pPr>
+            <a:lvl5pPr marL="2057400" indent="-228600">
+              <a:defRPr sz="2300">
+                <a:solidFill>
+                  <a:schemeClr val="tx1"/>
+                </a:solidFill>
+                <a:latin typeface="Arial" charset="0"/>
+                <a:ea typeface="ＭＳ Ｐゴシック" charset="-128"/>
+              </a:defRPr>
+            </a:lvl5pPr>
+            <a:lvl6pPr marL="2514600" indent="-228600" eaLnBrk="0" fontAlgn="base" hangingPunct="0">
+              <a:spcBef>
+                <a:spcPct val="0"/>
+              </a:spcBef>
+              <a:spcAft>
+                <a:spcPct val="0"/>
+              </a:spcAft>
+              <a:defRPr sz="2300">
+                <a:solidFill>
+                  <a:schemeClr val="tx1"/>
+                </a:solidFill>
+                <a:latin typeface="Arial" charset="0"/>
+                <a:ea typeface="ＭＳ Ｐゴシック" charset="-128"/>
+              </a:defRPr>
+            </a:lvl6pPr>
+            <a:lvl7pPr marL="2971800" indent="-228600" eaLnBrk="0" fontAlgn="base" hangingPunct="0">
+              <a:spcBef>
+                <a:spcPct val="0"/>
+              </a:spcBef>
+              <a:spcAft>
+                <a:spcPct val="0"/>
+              </a:spcAft>
+              <a:defRPr sz="2300">
+                <a:solidFill>
+                  <a:schemeClr val="tx1"/>
+                </a:solidFill>
+                <a:latin typeface="Arial" charset="0"/>
+                <a:ea typeface="ＭＳ Ｐゴシック" charset="-128"/>
+              </a:defRPr>
+            </a:lvl7pPr>
+            <a:lvl8pPr marL="3429000" indent="-228600" eaLnBrk="0" fontAlgn="base" hangingPunct="0">
+              <a:spcBef>
+                <a:spcPct val="0"/>
+              </a:spcBef>
+              <a:spcAft>
+                <a:spcPct val="0"/>
+              </a:spcAft>
+              <a:defRPr sz="2300">
+                <a:solidFill>
+                  <a:schemeClr val="tx1"/>
+                </a:solidFill>
+                <a:latin typeface="Arial" charset="0"/>
+                <a:ea typeface="ＭＳ Ｐゴシック" charset="-128"/>
+              </a:defRPr>
+            </a:lvl8pPr>
+            <a:lvl9pPr marL="3886200" indent="-228600" eaLnBrk="0" fontAlgn="base" hangingPunct="0">
+              <a:spcBef>
+                <a:spcPct val="0"/>
+              </a:spcBef>
+              <a:spcAft>
+                <a:spcPct val="0"/>
+              </a:spcAft>
+              <a:defRPr sz="2300">
+                <a:solidFill>
+                  <a:schemeClr val="tx1"/>
+                </a:solidFill>
+                <a:latin typeface="Arial" charset="0"/>
+                <a:ea typeface="ＭＳ Ｐゴシック" charset="-128"/>
+              </a:defRPr>
+            </a:lvl9pPr>
+          </a:lstStyle>
+          <a:p>
+            <a:r>
+              <a:rPr lang="en-US" altLang="en-US" sz="1400"/>
+              <a:t>Prompt</a:t>
+            </a:r>
+            <a:endParaRPr lang="en-US" altLang="en-US" sz="1800"/>
+          </a:p>
+        </p:txBody>
+      </p:sp>
+    </p:spTree>
+  </p:cSld>
+  <p:clrMapOvr>
+    <a:masterClrMapping/>
+  </p:clrMapOvr>
+  <p:timing>
+    <p:tnLst>
+      <p:par>
+        <p:cTn id="1" dur="indefinite" restart="never" nodeType="tmRoot"/>
+      </p:par>
+    </p:tnLst>
+  </p:timing>
+</p:sld>
+</file>
+
+<file path=ppt/slides/slide14.xml><?xml version="1.0" encoding="utf-8"?>
+<p:sld xmlns:a="http://schemas.openxmlformats.org/drawingml/2006/main" xmlns:r="http://schemas.openxmlformats.org/officeDocument/2006/relationships" xmlns:p="http://schemas.openxmlformats.org/presentationml/2006/main">
+  <p:cSld>
+    <p:spTree>
+      <p:nvGrpSpPr>
+        <p:cNvPr id="1" name=""/>
+        <p:cNvGrpSpPr/>
+        <p:nvPr/>
+      </p:nvGrpSpPr>
+      <p:grpSpPr>
+        <a:xfrm>
+          <a:off x="0" y="0"/>
+          <a:ext cx="0" cy="0"/>
+          <a:chOff x="0" y="0"/>
+          <a:chExt cx="0" cy="0"/>
+        </a:xfrm>
+      </p:grpSpPr>
+      <p:sp>
+        <p:nvSpPr>
           <p:cNvPr id="44034" name="Rectangle 2"/>
           <p:cNvSpPr>
             <a:spLocks noGrp="1" noChangeArrowheads="1"/>
@@ -15962,7 +16198,7 @@
 </p:sld>
 </file>
 
-<file path=ppt/slides/slide14.xml><?xml version="1.0" encoding="utf-8"?>
+<file path=ppt/slides/slide15.xml><?xml version="1.0" encoding="utf-8"?>
 <p:sld xmlns:a="http://schemas.openxmlformats.org/drawingml/2006/main" xmlns:r="http://schemas.openxmlformats.org/officeDocument/2006/relationships" xmlns:p="http://schemas.openxmlformats.org/presentationml/2006/main">
   <p:cSld>
     <p:spTree>
@@ -16976,7 +17212,7 @@
 </p:sld>
 </file>
 
-<file path=ppt/slides/slide15.xml><?xml version="1.0" encoding="utf-8"?>
+<file path=ppt/slides/slide16.xml><?xml version="1.0" encoding="utf-8"?>
 <p:sld xmlns:a="http://schemas.openxmlformats.org/drawingml/2006/main" xmlns:r="http://schemas.openxmlformats.org/officeDocument/2006/relationships" xmlns:p="http://schemas.openxmlformats.org/presentationml/2006/main">
   <p:cSld>
     <p:spTree>
@@ -17298,7 +17534,7 @@
 </p:sld>
 </file>
 
-<file path=ppt/slides/slide16.xml><?xml version="1.0" encoding="utf-8"?>
+<file path=ppt/slides/slide17.xml><?xml version="1.0" encoding="utf-8"?>
 <p:sld xmlns:a="http://schemas.openxmlformats.org/drawingml/2006/main" xmlns:r="http://schemas.openxmlformats.org/officeDocument/2006/relationships" xmlns:p="http://schemas.openxmlformats.org/presentationml/2006/main">
   <p:cSld>
     <p:spTree>
@@ -19289,553 +19525,6 @@
     <p:extLst>
       <p:ext uri="{BB962C8B-B14F-4D97-AF65-F5344CB8AC3E}">
         <p14:creationId xmlns:p14="http://schemas.microsoft.com/office/powerpoint/2010/main" val="1329689593"/>
-      </p:ext>
-    </p:extLst>
-  </p:cSld>
-  <p:clrMapOvr>
-    <a:masterClrMapping/>
-  </p:clrMapOvr>
-  <p:timing>
-    <p:tnLst>
-      <p:par>
-        <p:cTn id="1" dur="indefinite" restart="never" nodeType="tmRoot"/>
-      </p:par>
-    </p:tnLst>
-  </p:timing>
-</p:sld>
-</file>
-
-<file path=ppt/slides/slide17.xml><?xml version="1.0" encoding="utf-8"?>
-<p:sld xmlns:a="http://schemas.openxmlformats.org/drawingml/2006/main" xmlns:r="http://schemas.openxmlformats.org/officeDocument/2006/relationships" xmlns:p="http://schemas.openxmlformats.org/presentationml/2006/main">
-  <p:cSld>
-    <p:spTree>
-      <p:nvGrpSpPr>
-        <p:cNvPr id="1" name=""/>
-        <p:cNvGrpSpPr/>
-        <p:nvPr/>
-      </p:nvGrpSpPr>
-      <p:grpSpPr>
-        <a:xfrm>
-          <a:off x="0" y="0"/>
-          <a:ext cx="0" cy="0"/>
-          <a:chOff x="0" y="0"/>
-          <a:chExt cx="0" cy="0"/>
-        </a:xfrm>
-      </p:grpSpPr>
-      <p:sp>
-        <p:nvSpPr>
-          <p:cNvPr id="1026" name="Rectangle 2"/>
-          <p:cNvSpPr>
-            <a:spLocks noGrp="1" noChangeArrowheads="1"/>
-          </p:cNvSpPr>
-          <p:nvPr>
-            <p:ph type="title"/>
-          </p:nvPr>
-        </p:nvSpPr>
-        <p:spPr/>
-        <p:txBody>
-          <a:bodyPr/>
-          <a:lstStyle/>
-          <a:p>
-            <a:pPr eaLnBrk="1" hangingPunct="1">
-              <a:defRPr/>
-            </a:pPr>
-            <a:r>
-              <a:rPr lang="en-US" smtClean="0"/>
-              <a:t>Prolog Rules</a:t>
-            </a:r>
-          </a:p>
-        </p:txBody>
-      </p:sp>
-      <p:sp>
-        <p:nvSpPr>
-          <p:cNvPr id="1028" name="Text Box 4"/>
-          <p:cNvSpPr txBox="1">
-            <a:spLocks noChangeArrowheads="1"/>
-          </p:cNvSpPr>
-          <p:nvPr/>
-        </p:nvSpPr>
-        <p:spPr bwMode="auto">
-          <a:xfrm>
-            <a:off x="685800" y="1600200"/>
-            <a:ext cx="3962400" cy="3378200"/>
-          </a:xfrm>
-          <a:prstGeom prst="rect">
-            <a:avLst/>
-          </a:prstGeom>
-          <a:noFill/>
-          <a:ln>
-            <a:noFill/>
-          </a:ln>
-          <a:effectLst/>
-          <a:extLst>
-            <a:ext uri="{909E8E84-426E-40dd-AFC4-6F175D3DCCD1}">
-              <a14:hiddenFill xmlns:a14="http://schemas.microsoft.com/office/drawing/2010/main" xmlns="">
-                <a:solidFill>
-                  <a:schemeClr val="accent1"/>
-                </a:solidFill>
-              </a14:hiddenFill>
-            </a:ext>
-            <a:ext uri="{91240B29-F687-4f45-9708-019B960494DF}">
-              <a14:hiddenLine xmlns:a14="http://schemas.microsoft.com/office/drawing/2010/main" xmlns="" w="9525">
-                <a:solidFill>
-                  <a:schemeClr val="tx1"/>
-                </a:solidFill>
-                <a:miter lim="800000"/>
-                <a:headEnd/>
-                <a:tailEnd/>
-              </a14:hiddenLine>
-            </a:ext>
-            <a:ext uri="{AF507438-7753-43e0-B8FC-AC1667EBCBE1}">
-              <a14:hiddenEffects xmlns:a14="http://schemas.microsoft.com/office/drawing/2010/main" xmlns="">
-                <a:effectLst>
-                  <a:outerShdw blurRad="63500" dist="38099" dir="2700000" algn="ctr" rotWithShape="0">
-                    <a:schemeClr val="bg2">
-                      <a:alpha val="74998"/>
-                    </a:schemeClr>
-                  </a:outerShdw>
-                </a:effectLst>
-              </a14:hiddenEffects>
-            </a:ext>
-          </a:extLst>
-        </p:spPr>
-        <p:txBody>
-          <a:bodyPr>
-            <a:spAutoFit/>
-          </a:bodyPr>
-          <a:lstStyle/>
-          <a:p>
-            <a:pPr>
-              <a:defRPr/>
-            </a:pPr>
-            <a:r>
-              <a:rPr lang="en-US" sz="1200" u="none">
-                <a:latin typeface="Courier New" charset="0"/>
-                <a:ea typeface="ＭＳ Ｐゴシック" charset="0"/>
-                <a:cs typeface="ＭＳ Ｐゴシック" charset="0"/>
-                <a:sym typeface="Symbol" charset="0"/>
-              </a:rPr>
-              <a:t>% a simple prolog program</a:t>
-            </a:r>
-          </a:p>
-          <a:p>
-            <a:pPr>
-              <a:defRPr/>
-            </a:pPr>
-            <a:r>
-              <a:rPr lang="en-US" sz="1200" u="none">
-                <a:latin typeface="Courier New" charset="0"/>
-                <a:ea typeface="ＭＳ Ｐゴシック" charset="0"/>
-                <a:cs typeface="ＭＳ Ｐゴシック" charset="0"/>
-                <a:sym typeface="Symbol" charset="0"/>
-              </a:rPr>
-              <a:t>female(pam).</a:t>
-            </a:r>
-          </a:p>
-          <a:p>
-            <a:pPr>
-              <a:defRPr/>
-            </a:pPr>
-            <a:r>
-              <a:rPr lang="en-US" sz="1200" u="none">
-                <a:latin typeface="Courier New" charset="0"/>
-                <a:ea typeface="ＭＳ Ｐゴシック" charset="0"/>
-                <a:cs typeface="ＭＳ Ｐゴシック" charset="0"/>
-                <a:sym typeface="Symbol" charset="0"/>
-              </a:rPr>
-              <a:t>female(liz). </a:t>
-            </a:r>
-          </a:p>
-          <a:p>
-            <a:pPr>
-              <a:defRPr/>
-            </a:pPr>
-            <a:r>
-              <a:rPr lang="en-US" sz="1200" u="none">
-                <a:latin typeface="Courier New" charset="0"/>
-                <a:ea typeface="ＭＳ Ｐゴシック" charset="0"/>
-                <a:cs typeface="ＭＳ Ｐゴシック" charset="0"/>
-                <a:sym typeface="Symbol" charset="0"/>
-              </a:rPr>
-              <a:t>female(ann). </a:t>
-            </a:r>
-          </a:p>
-          <a:p>
-            <a:pPr>
-              <a:defRPr/>
-            </a:pPr>
-            <a:r>
-              <a:rPr lang="en-US" sz="1200" u="none">
-                <a:latin typeface="Courier New" charset="0"/>
-                <a:ea typeface="ＭＳ Ｐゴシック" charset="0"/>
-                <a:cs typeface="ＭＳ Ｐゴシック" charset="0"/>
-                <a:sym typeface="Symbol" charset="0"/>
-              </a:rPr>
-              <a:t>female(pat). </a:t>
-            </a:r>
-          </a:p>
-          <a:p>
-            <a:pPr>
-              <a:defRPr/>
-            </a:pPr>
-            <a:endParaRPr lang="en-US" sz="1200" u="none">
-              <a:latin typeface="Courier New" charset="0"/>
-              <a:ea typeface="ＭＳ Ｐゴシック" charset="0"/>
-              <a:cs typeface="ＭＳ Ｐゴシック" charset="0"/>
-              <a:sym typeface="Symbol" charset="0"/>
-            </a:endParaRPr>
-          </a:p>
-          <a:p>
-            <a:pPr>
-              <a:defRPr/>
-            </a:pPr>
-            <a:r>
-              <a:rPr lang="en-US" sz="1200" u="none">
-                <a:latin typeface="Courier New" charset="0"/>
-                <a:ea typeface="ＭＳ Ｐゴシック" charset="0"/>
-                <a:cs typeface="ＭＳ Ｐゴシック" charset="0"/>
-                <a:sym typeface="Symbol" charset="0"/>
-              </a:rPr>
-              <a:t>male(tom). </a:t>
-            </a:r>
-          </a:p>
-          <a:p>
-            <a:pPr>
-              <a:defRPr/>
-            </a:pPr>
-            <a:r>
-              <a:rPr lang="en-US" sz="1200" u="none">
-                <a:latin typeface="Courier New" charset="0"/>
-                <a:ea typeface="ＭＳ Ｐゴシック" charset="0"/>
-                <a:cs typeface="ＭＳ Ｐゴシック" charset="0"/>
-                <a:sym typeface="Symbol" charset="0"/>
-              </a:rPr>
-              <a:t>male(bob). </a:t>
-            </a:r>
-          </a:p>
-          <a:p>
-            <a:pPr>
-              <a:defRPr/>
-            </a:pPr>
-            <a:r>
-              <a:rPr lang="en-US" sz="1200" u="none">
-                <a:latin typeface="Courier New" charset="0"/>
-                <a:ea typeface="ＭＳ Ｐゴシック" charset="0"/>
-                <a:cs typeface="ＭＳ Ｐゴシック" charset="0"/>
-                <a:sym typeface="Symbol" charset="0"/>
-              </a:rPr>
-              <a:t>male(jim). </a:t>
-            </a:r>
-          </a:p>
-          <a:p>
-            <a:pPr>
-              <a:defRPr/>
-            </a:pPr>
-            <a:endParaRPr lang="en-US" sz="1200" u="none">
-              <a:latin typeface="Courier New" charset="0"/>
-              <a:ea typeface="ＭＳ Ｐゴシック" charset="0"/>
-              <a:cs typeface="ＭＳ Ｐゴシック" charset="0"/>
-              <a:sym typeface="Symbol" charset="0"/>
-            </a:endParaRPr>
-          </a:p>
-          <a:p>
-            <a:pPr>
-              <a:defRPr/>
-            </a:pPr>
-            <a:r>
-              <a:rPr lang="en-US" sz="1200" u="none">
-                <a:latin typeface="Courier New" charset="0"/>
-                <a:ea typeface="ＭＳ Ｐゴシック" charset="0"/>
-                <a:cs typeface="ＭＳ Ｐゴシック" charset="0"/>
-                <a:sym typeface="Symbol" charset="0"/>
-              </a:rPr>
-              <a:t>parent(pam,bob). </a:t>
-            </a:r>
-          </a:p>
-          <a:p>
-            <a:pPr>
-              <a:defRPr/>
-            </a:pPr>
-            <a:r>
-              <a:rPr lang="en-US" sz="1200" u="none">
-                <a:latin typeface="Courier New" charset="0"/>
-                <a:ea typeface="ＭＳ Ｐゴシック" charset="0"/>
-                <a:cs typeface="ＭＳ Ｐゴシック" charset="0"/>
-                <a:sym typeface="Symbol" charset="0"/>
-              </a:rPr>
-              <a:t>parent(tom,bob). </a:t>
-            </a:r>
-          </a:p>
-          <a:p>
-            <a:pPr>
-              <a:defRPr/>
-            </a:pPr>
-            <a:r>
-              <a:rPr lang="en-US" sz="1200" u="none">
-                <a:latin typeface="Courier New" charset="0"/>
-                <a:ea typeface="ＭＳ Ｐゴシック" charset="0"/>
-                <a:cs typeface="ＭＳ Ｐゴシック" charset="0"/>
-                <a:sym typeface="Symbol" charset="0"/>
-              </a:rPr>
-              <a:t>parent(tom,liz). </a:t>
-            </a:r>
-          </a:p>
-          <a:p>
-            <a:pPr>
-              <a:defRPr/>
-            </a:pPr>
-            <a:r>
-              <a:rPr lang="en-US" sz="1200" u="none">
-                <a:latin typeface="Courier New" charset="0"/>
-                <a:ea typeface="ＭＳ Ｐゴシック" charset="0"/>
-                <a:cs typeface="ＭＳ Ｐゴシック" charset="0"/>
-                <a:sym typeface="Symbol" charset="0"/>
-              </a:rPr>
-              <a:t>parent(bob,ann).</a:t>
-            </a:r>
-          </a:p>
-          <a:p>
-            <a:pPr>
-              <a:defRPr/>
-            </a:pPr>
-            <a:r>
-              <a:rPr lang="en-US" sz="1200" u="none">
-                <a:latin typeface="Courier New" charset="0"/>
-                <a:ea typeface="ＭＳ Ｐゴシック" charset="0"/>
-                <a:cs typeface="ＭＳ Ｐゴシック" charset="0"/>
-                <a:sym typeface="Symbol" charset="0"/>
-              </a:rPr>
-              <a:t>parent(bob,pat). </a:t>
-            </a:r>
-          </a:p>
-          <a:p>
-            <a:pPr>
-              <a:defRPr/>
-            </a:pPr>
-            <a:r>
-              <a:rPr lang="en-US" sz="1200" u="none">
-                <a:latin typeface="Courier New" charset="0"/>
-                <a:ea typeface="ＭＳ Ｐゴシック" charset="0"/>
-                <a:cs typeface="ＭＳ Ｐゴシック" charset="0"/>
-                <a:sym typeface="Symbol" charset="0"/>
-              </a:rPr>
-              <a:t>parent(pat,jim).</a:t>
-            </a:r>
-          </a:p>
-          <a:p>
-            <a:pPr>
-              <a:defRPr/>
-            </a:pPr>
-            <a:endParaRPr lang="en-US" sz="1200" u="none">
-              <a:latin typeface="Courier New" charset="0"/>
-              <a:ea typeface="ＭＳ Ｐゴシック" charset="0"/>
-              <a:cs typeface="ＭＳ Ｐゴシック" charset="0"/>
-              <a:sym typeface="Symbol" charset="0"/>
-            </a:endParaRPr>
-          </a:p>
-          <a:p>
-            <a:pPr>
-              <a:defRPr/>
-            </a:pPr>
-            <a:r>
-              <a:rPr lang="en-US" sz="1200" u="none">
-                <a:latin typeface="Courier New" charset="0"/>
-                <a:ea typeface="ＭＳ Ｐゴシック" charset="0"/>
-                <a:cs typeface="ＭＳ Ｐゴシック" charset="0"/>
-                <a:sym typeface="Symbol" charset="0"/>
-              </a:rPr>
-              <a:t>mother(X,Y) :- female(X),parent(X,Y).  </a:t>
-            </a:r>
-            <a:endParaRPr lang="en-US" sz="1400" u="none">
-              <a:latin typeface="Courier New" charset="0"/>
-              <a:ea typeface="ＭＳ Ｐゴシック" charset="0"/>
-              <a:cs typeface="ＭＳ Ｐゴシック" charset="0"/>
-              <a:sym typeface="Symbol" charset="0"/>
-            </a:endParaRPr>
-          </a:p>
-        </p:txBody>
-      </p:sp>
-      <p:sp>
-        <p:nvSpPr>
-          <p:cNvPr id="6147" name="Text Box 6"/>
-          <p:cNvSpPr txBox="1">
-            <a:spLocks noChangeArrowheads="1"/>
-          </p:cNvSpPr>
-          <p:nvPr/>
-        </p:nvSpPr>
-        <p:spPr bwMode="auto">
-          <a:xfrm>
-            <a:off x="4784725" y="2528888"/>
-            <a:ext cx="1804988" cy="942975"/>
-          </a:xfrm>
-          <a:prstGeom prst="rect">
-            <a:avLst/>
-          </a:prstGeom>
-          <a:noFill/>
-          <a:ln>
-            <a:noFill/>
-          </a:ln>
-          <a:extLst>
-            <a:ext uri="{909E8E84-426E-40DD-AFC4-6F175D3DCCD1}">
-              <a14:hiddenFill xmlns:a14="http://schemas.microsoft.com/office/drawing/2010/main">
-                <a:solidFill>
-                  <a:schemeClr val="accent1"/>
-                </a:solidFill>
-              </a14:hiddenFill>
-            </a:ext>
-            <a:ext uri="{91240B29-F687-4F45-9708-019B960494DF}">
-              <a14:hiddenLine xmlns:a14="http://schemas.microsoft.com/office/drawing/2010/main" w="9525">
-                <a:solidFill>
-                  <a:schemeClr val="tx1"/>
-                </a:solidFill>
-                <a:miter lim="800000"/>
-                <a:headEnd/>
-                <a:tailEnd/>
-              </a14:hiddenLine>
-            </a:ext>
-          </a:extLst>
-        </p:spPr>
-        <p:txBody>
-          <a:bodyPr wrap="none">
-            <a:spAutoFit/>
-          </a:bodyPr>
-          <a:lstStyle>
-            <a:lvl1pPr>
-              <a:defRPr sz="2400" u="sng">
-                <a:solidFill>
-                  <a:schemeClr val="tx1"/>
-                </a:solidFill>
-                <a:latin typeface="Arial" charset="0"/>
-                <a:ea typeface="ＭＳ Ｐゴシック" charset="-128"/>
-              </a:defRPr>
-            </a:lvl1pPr>
-            <a:lvl2pPr marL="742950" indent="-285750">
-              <a:defRPr sz="2400" u="sng">
-                <a:solidFill>
-                  <a:schemeClr val="tx1"/>
-                </a:solidFill>
-                <a:latin typeface="Arial" charset="0"/>
-                <a:ea typeface="ＭＳ Ｐゴシック" charset="-128"/>
-              </a:defRPr>
-            </a:lvl2pPr>
-            <a:lvl3pPr marL="1143000" indent="-228600">
-              <a:defRPr sz="2400" u="sng">
-                <a:solidFill>
-                  <a:schemeClr val="tx1"/>
-                </a:solidFill>
-                <a:latin typeface="Arial" charset="0"/>
-                <a:ea typeface="ＭＳ Ｐゴシック" charset="-128"/>
-              </a:defRPr>
-            </a:lvl3pPr>
-            <a:lvl4pPr marL="1600200" indent="-228600">
-              <a:defRPr sz="2400" u="sng">
-                <a:solidFill>
-                  <a:schemeClr val="tx1"/>
-                </a:solidFill>
-                <a:latin typeface="Arial" charset="0"/>
-                <a:ea typeface="ＭＳ Ｐゴシック" charset="-128"/>
-              </a:defRPr>
-            </a:lvl4pPr>
-            <a:lvl5pPr marL="2057400" indent="-228600">
-              <a:defRPr sz="2400" u="sng">
-                <a:solidFill>
-                  <a:schemeClr val="tx1"/>
-                </a:solidFill>
-                <a:latin typeface="Arial" charset="0"/>
-                <a:ea typeface="ＭＳ Ｐゴシック" charset="-128"/>
-              </a:defRPr>
-            </a:lvl5pPr>
-            <a:lvl6pPr marL="2514600" indent="-228600" eaLnBrk="0" fontAlgn="base" hangingPunct="0">
-              <a:spcBef>
-                <a:spcPct val="0"/>
-              </a:spcBef>
-              <a:spcAft>
-                <a:spcPct val="0"/>
-              </a:spcAft>
-              <a:defRPr sz="2400" u="sng">
-                <a:solidFill>
-                  <a:schemeClr val="tx1"/>
-                </a:solidFill>
-                <a:latin typeface="Arial" charset="0"/>
-                <a:ea typeface="ＭＳ Ｐゴシック" charset="-128"/>
-              </a:defRPr>
-            </a:lvl6pPr>
-            <a:lvl7pPr marL="2971800" indent="-228600" eaLnBrk="0" fontAlgn="base" hangingPunct="0">
-              <a:spcBef>
-                <a:spcPct val="0"/>
-              </a:spcBef>
-              <a:spcAft>
-                <a:spcPct val="0"/>
-              </a:spcAft>
-              <a:defRPr sz="2400" u="sng">
-                <a:solidFill>
-                  <a:schemeClr val="tx1"/>
-                </a:solidFill>
-                <a:latin typeface="Arial" charset="0"/>
-                <a:ea typeface="ＭＳ Ｐゴシック" charset="-128"/>
-              </a:defRPr>
-            </a:lvl7pPr>
-            <a:lvl8pPr marL="3429000" indent="-228600" eaLnBrk="0" fontAlgn="base" hangingPunct="0">
-              <a:spcBef>
-                <a:spcPct val="0"/>
-              </a:spcBef>
-              <a:spcAft>
-                <a:spcPct val="0"/>
-              </a:spcAft>
-              <a:defRPr sz="2400" u="sng">
-                <a:solidFill>
-                  <a:schemeClr val="tx1"/>
-                </a:solidFill>
-                <a:latin typeface="Arial" charset="0"/>
-                <a:ea typeface="ＭＳ Ｐゴシック" charset="-128"/>
-              </a:defRPr>
-            </a:lvl8pPr>
-            <a:lvl9pPr marL="3886200" indent="-228600" eaLnBrk="0" fontAlgn="base" hangingPunct="0">
-              <a:spcBef>
-                <a:spcPct val="0"/>
-              </a:spcBef>
-              <a:spcAft>
-                <a:spcPct val="0"/>
-              </a:spcAft>
-              <a:defRPr sz="2400" u="sng">
-                <a:solidFill>
-                  <a:schemeClr val="tx1"/>
-                </a:solidFill>
-                <a:latin typeface="Arial" charset="0"/>
-                <a:ea typeface="ＭＳ Ｐゴシック" charset="-128"/>
-              </a:defRPr>
-            </a:lvl9pPr>
-          </a:lstStyle>
-          <a:p>
-            <a:r>
-              <a:rPr lang="en-US" altLang="en-US" sz="1400" u="none"/>
-              <a:t>Queries:</a:t>
-            </a:r>
-          </a:p>
-          <a:p>
-            <a:r>
-              <a:rPr lang="en-US" altLang="en-US" sz="1400" u="none"/>
-              <a:t>?- mother(pam,bob).</a:t>
-            </a:r>
-          </a:p>
-          <a:p>
-            <a:r>
-              <a:rPr lang="en-US" altLang="en-US" sz="1400" u="none"/>
-              <a:t>?- mother(Z,jim).</a:t>
-            </a:r>
-          </a:p>
-          <a:p>
-            <a:r>
-              <a:rPr lang="en-US" altLang="en-US" sz="1400" u="none"/>
-              <a:t>?- mother(P,Q).</a:t>
-            </a:r>
-          </a:p>
-        </p:txBody>
-      </p:sp>
-    </p:spTree>
-    <p:extLst>
-      <p:ext uri="{BB962C8B-B14F-4D97-AF65-F5344CB8AC3E}">
-        <p14:creationId xmlns:p14="http://schemas.microsoft.com/office/powerpoint/2010/main" val="2104978388"/>
       </p:ext>
     </p:extLst>
   </p:cSld>
@@ -19871,7 +19560,7 @@
       </p:grpSpPr>
       <p:sp>
         <p:nvSpPr>
-          <p:cNvPr id="6146" name="Rectangle 2"/>
+          <p:cNvPr id="1026" name="Rectangle 2"/>
           <p:cNvSpPr>
             <a:spLocks noGrp="1" noChangeArrowheads="1"/>
           </p:cNvSpPr>
@@ -19896,7 +19585,7 @@
       </p:sp>
       <p:sp>
         <p:nvSpPr>
-          <p:cNvPr id="8194" name="Text Box 3"/>
+          <p:cNvPr id="1028" name="Text Box 4"/>
           <p:cNvSpPr txBox="1">
             <a:spLocks noChangeArrowheads="1"/>
           </p:cNvSpPr>
@@ -19904,8 +19593,316 @@
         </p:nvSpPr>
         <p:spPr bwMode="auto">
           <a:xfrm>
-            <a:off x="593725" y="1857375"/>
-            <a:ext cx="6181725" cy="1190625"/>
+            <a:off x="685800" y="1600200"/>
+            <a:ext cx="3962400" cy="3378200"/>
+          </a:xfrm>
+          <a:prstGeom prst="rect">
+            <a:avLst/>
+          </a:prstGeom>
+          <a:noFill/>
+          <a:ln>
+            <a:noFill/>
+          </a:ln>
+          <a:effectLst/>
+          <a:extLst>
+            <a:ext uri="{909E8E84-426E-40dd-AFC4-6F175D3DCCD1}">
+              <a14:hiddenFill xmlns:a14="http://schemas.microsoft.com/office/drawing/2010/main" xmlns="">
+                <a:solidFill>
+                  <a:schemeClr val="accent1"/>
+                </a:solidFill>
+              </a14:hiddenFill>
+            </a:ext>
+            <a:ext uri="{91240B29-F687-4f45-9708-019B960494DF}">
+              <a14:hiddenLine xmlns:a14="http://schemas.microsoft.com/office/drawing/2010/main" xmlns="" w="9525">
+                <a:solidFill>
+                  <a:schemeClr val="tx1"/>
+                </a:solidFill>
+                <a:miter lim="800000"/>
+                <a:headEnd/>
+                <a:tailEnd/>
+              </a14:hiddenLine>
+            </a:ext>
+            <a:ext uri="{AF507438-7753-43e0-B8FC-AC1667EBCBE1}">
+              <a14:hiddenEffects xmlns:a14="http://schemas.microsoft.com/office/drawing/2010/main" xmlns="">
+                <a:effectLst>
+                  <a:outerShdw blurRad="63500" dist="38099" dir="2700000" algn="ctr" rotWithShape="0">
+                    <a:schemeClr val="bg2">
+                      <a:alpha val="74998"/>
+                    </a:schemeClr>
+                  </a:outerShdw>
+                </a:effectLst>
+              </a14:hiddenEffects>
+            </a:ext>
+          </a:extLst>
+        </p:spPr>
+        <p:txBody>
+          <a:bodyPr>
+            <a:spAutoFit/>
+          </a:bodyPr>
+          <a:lstStyle/>
+          <a:p>
+            <a:pPr>
+              <a:defRPr/>
+            </a:pPr>
+            <a:r>
+              <a:rPr lang="en-US" sz="1200" u="none">
+                <a:latin typeface="Courier New" charset="0"/>
+                <a:ea typeface="ＭＳ Ｐゴシック" charset="0"/>
+                <a:cs typeface="ＭＳ Ｐゴシック" charset="0"/>
+                <a:sym typeface="Symbol" charset="0"/>
+              </a:rPr>
+              <a:t>% a simple prolog program</a:t>
+            </a:r>
+          </a:p>
+          <a:p>
+            <a:pPr>
+              <a:defRPr/>
+            </a:pPr>
+            <a:r>
+              <a:rPr lang="en-US" sz="1200" u="none">
+                <a:latin typeface="Courier New" charset="0"/>
+                <a:ea typeface="ＭＳ Ｐゴシック" charset="0"/>
+                <a:cs typeface="ＭＳ Ｐゴシック" charset="0"/>
+                <a:sym typeface="Symbol" charset="0"/>
+              </a:rPr>
+              <a:t>female(pam).</a:t>
+            </a:r>
+          </a:p>
+          <a:p>
+            <a:pPr>
+              <a:defRPr/>
+            </a:pPr>
+            <a:r>
+              <a:rPr lang="en-US" sz="1200" u="none">
+                <a:latin typeface="Courier New" charset="0"/>
+                <a:ea typeface="ＭＳ Ｐゴシック" charset="0"/>
+                <a:cs typeface="ＭＳ Ｐゴシック" charset="0"/>
+                <a:sym typeface="Symbol" charset="0"/>
+              </a:rPr>
+              <a:t>female(liz). </a:t>
+            </a:r>
+          </a:p>
+          <a:p>
+            <a:pPr>
+              <a:defRPr/>
+            </a:pPr>
+            <a:r>
+              <a:rPr lang="en-US" sz="1200" u="none">
+                <a:latin typeface="Courier New" charset="0"/>
+                <a:ea typeface="ＭＳ Ｐゴシック" charset="0"/>
+                <a:cs typeface="ＭＳ Ｐゴシック" charset="0"/>
+                <a:sym typeface="Symbol" charset="0"/>
+              </a:rPr>
+              <a:t>female(ann). </a:t>
+            </a:r>
+          </a:p>
+          <a:p>
+            <a:pPr>
+              <a:defRPr/>
+            </a:pPr>
+            <a:r>
+              <a:rPr lang="en-US" sz="1200" u="none">
+                <a:latin typeface="Courier New" charset="0"/>
+                <a:ea typeface="ＭＳ Ｐゴシック" charset="0"/>
+                <a:cs typeface="ＭＳ Ｐゴシック" charset="0"/>
+                <a:sym typeface="Symbol" charset="0"/>
+              </a:rPr>
+              <a:t>female(pat). </a:t>
+            </a:r>
+          </a:p>
+          <a:p>
+            <a:pPr>
+              <a:defRPr/>
+            </a:pPr>
+            <a:endParaRPr lang="en-US" sz="1200" u="none">
+              <a:latin typeface="Courier New" charset="0"/>
+              <a:ea typeface="ＭＳ Ｐゴシック" charset="0"/>
+              <a:cs typeface="ＭＳ Ｐゴシック" charset="0"/>
+              <a:sym typeface="Symbol" charset="0"/>
+            </a:endParaRPr>
+          </a:p>
+          <a:p>
+            <a:pPr>
+              <a:defRPr/>
+            </a:pPr>
+            <a:r>
+              <a:rPr lang="en-US" sz="1200" u="none">
+                <a:latin typeface="Courier New" charset="0"/>
+                <a:ea typeface="ＭＳ Ｐゴシック" charset="0"/>
+                <a:cs typeface="ＭＳ Ｐゴシック" charset="0"/>
+                <a:sym typeface="Symbol" charset="0"/>
+              </a:rPr>
+              <a:t>male(tom). </a:t>
+            </a:r>
+          </a:p>
+          <a:p>
+            <a:pPr>
+              <a:defRPr/>
+            </a:pPr>
+            <a:r>
+              <a:rPr lang="en-US" sz="1200" u="none">
+                <a:latin typeface="Courier New" charset="0"/>
+                <a:ea typeface="ＭＳ Ｐゴシック" charset="0"/>
+                <a:cs typeface="ＭＳ Ｐゴシック" charset="0"/>
+                <a:sym typeface="Symbol" charset="0"/>
+              </a:rPr>
+              <a:t>male(bob). </a:t>
+            </a:r>
+          </a:p>
+          <a:p>
+            <a:pPr>
+              <a:defRPr/>
+            </a:pPr>
+            <a:r>
+              <a:rPr lang="en-US" sz="1200" u="none">
+                <a:latin typeface="Courier New" charset="0"/>
+                <a:ea typeface="ＭＳ Ｐゴシック" charset="0"/>
+                <a:cs typeface="ＭＳ Ｐゴシック" charset="0"/>
+                <a:sym typeface="Symbol" charset="0"/>
+              </a:rPr>
+              <a:t>male(jim). </a:t>
+            </a:r>
+          </a:p>
+          <a:p>
+            <a:pPr>
+              <a:defRPr/>
+            </a:pPr>
+            <a:endParaRPr lang="en-US" sz="1200" u="none">
+              <a:latin typeface="Courier New" charset="0"/>
+              <a:ea typeface="ＭＳ Ｐゴシック" charset="0"/>
+              <a:cs typeface="ＭＳ Ｐゴシック" charset="0"/>
+              <a:sym typeface="Symbol" charset="0"/>
+            </a:endParaRPr>
+          </a:p>
+          <a:p>
+            <a:pPr>
+              <a:defRPr/>
+            </a:pPr>
+            <a:r>
+              <a:rPr lang="en-US" sz="1200" u="none">
+                <a:latin typeface="Courier New" charset="0"/>
+                <a:ea typeface="ＭＳ Ｐゴシック" charset="0"/>
+                <a:cs typeface="ＭＳ Ｐゴシック" charset="0"/>
+                <a:sym typeface="Symbol" charset="0"/>
+              </a:rPr>
+              <a:t>parent(pam,bob). </a:t>
+            </a:r>
+          </a:p>
+          <a:p>
+            <a:pPr>
+              <a:defRPr/>
+            </a:pPr>
+            <a:r>
+              <a:rPr lang="en-US" sz="1200" u="none">
+                <a:latin typeface="Courier New" charset="0"/>
+                <a:ea typeface="ＭＳ Ｐゴシック" charset="0"/>
+                <a:cs typeface="ＭＳ Ｐゴシック" charset="0"/>
+                <a:sym typeface="Symbol" charset="0"/>
+              </a:rPr>
+              <a:t>parent(tom,bob). </a:t>
+            </a:r>
+          </a:p>
+          <a:p>
+            <a:pPr>
+              <a:defRPr/>
+            </a:pPr>
+            <a:r>
+              <a:rPr lang="en-US" sz="1200" u="none">
+                <a:latin typeface="Courier New" charset="0"/>
+                <a:ea typeface="ＭＳ Ｐゴシック" charset="0"/>
+                <a:cs typeface="ＭＳ Ｐゴシック" charset="0"/>
+                <a:sym typeface="Symbol" charset="0"/>
+              </a:rPr>
+              <a:t>parent(tom,liz). </a:t>
+            </a:r>
+          </a:p>
+          <a:p>
+            <a:pPr>
+              <a:defRPr/>
+            </a:pPr>
+            <a:r>
+              <a:rPr lang="en-US" sz="1200" u="none">
+                <a:latin typeface="Courier New" charset="0"/>
+                <a:ea typeface="ＭＳ Ｐゴシック" charset="0"/>
+                <a:cs typeface="ＭＳ Ｐゴシック" charset="0"/>
+                <a:sym typeface="Symbol" charset="0"/>
+              </a:rPr>
+              <a:t>parent(bob,ann).</a:t>
+            </a:r>
+          </a:p>
+          <a:p>
+            <a:pPr>
+              <a:defRPr/>
+            </a:pPr>
+            <a:r>
+              <a:rPr lang="en-US" sz="1200" u="none">
+                <a:latin typeface="Courier New" charset="0"/>
+                <a:ea typeface="ＭＳ Ｐゴシック" charset="0"/>
+                <a:cs typeface="ＭＳ Ｐゴシック" charset="0"/>
+                <a:sym typeface="Symbol" charset="0"/>
+              </a:rPr>
+              <a:t>parent(bob,pat). </a:t>
+            </a:r>
+          </a:p>
+          <a:p>
+            <a:pPr>
+              <a:defRPr/>
+            </a:pPr>
+            <a:r>
+              <a:rPr lang="en-US" sz="1200" u="none">
+                <a:latin typeface="Courier New" charset="0"/>
+                <a:ea typeface="ＭＳ Ｐゴシック" charset="0"/>
+                <a:cs typeface="ＭＳ Ｐゴシック" charset="0"/>
+                <a:sym typeface="Symbol" charset="0"/>
+              </a:rPr>
+              <a:t>parent(pat,jim).</a:t>
+            </a:r>
+          </a:p>
+          <a:p>
+            <a:pPr>
+              <a:defRPr/>
+            </a:pPr>
+            <a:endParaRPr lang="en-US" sz="1200" u="none">
+              <a:latin typeface="Courier New" charset="0"/>
+              <a:ea typeface="ＭＳ Ｐゴシック" charset="0"/>
+              <a:cs typeface="ＭＳ Ｐゴシック" charset="0"/>
+              <a:sym typeface="Symbol" charset="0"/>
+            </a:endParaRPr>
+          </a:p>
+          <a:p>
+            <a:pPr>
+              <a:defRPr/>
+            </a:pPr>
+            <a:r>
+              <a:rPr lang="en-US" sz="1200" u="none">
+                <a:latin typeface="Courier New" charset="0"/>
+                <a:ea typeface="ＭＳ Ｐゴシック" charset="0"/>
+                <a:cs typeface="ＭＳ Ｐゴシック" charset="0"/>
+                <a:sym typeface="Symbol" charset="0"/>
+              </a:rPr>
+              <a:t>mother(X,Y) :- female(X),parent(X,Y).  </a:t>
+            </a:r>
+            <a:endParaRPr lang="en-US" sz="1400" u="none">
+              <a:latin typeface="Courier New" charset="0"/>
+              <a:ea typeface="ＭＳ Ｐゴシック" charset="0"/>
+              <a:cs typeface="ＭＳ Ｐゴシック" charset="0"/>
+              <a:sym typeface="Symbol" charset="0"/>
+            </a:endParaRPr>
+          </a:p>
+        </p:txBody>
+      </p:sp>
+      <p:sp>
+        <p:nvSpPr>
+          <p:cNvPr id="6147" name="Text Box 6"/>
+          <p:cNvSpPr txBox="1">
+            <a:spLocks noChangeArrowheads="1"/>
+          </p:cNvSpPr>
+          <p:nvPr/>
+        </p:nvSpPr>
+        <p:spPr bwMode="auto">
+          <a:xfrm>
+            <a:off x="4784725" y="2528888"/>
+            <a:ext cx="1804988" cy="942975"/>
           </a:xfrm>
           <a:prstGeom prst="rect">
             <a:avLst/>
@@ -20047,23 +20044,26 @@
           </a:lstStyle>
           <a:p>
             <a:r>
-              <a:rPr lang="en-US" altLang="en-US" sz="1800" u="none"/>
-              <a:t>The same predicate name can be defined by multiple rules:</a:t>
-            </a:r>
-          </a:p>
-          <a:p>
-            <a:endParaRPr lang="en-US" altLang="en-US" sz="1800" u="none"/>
-          </a:p>
-          <a:p>
-            <a:r>
-              <a:rPr lang="en-US" altLang="en-US" sz="1800" u="none"/>
-              <a:t>	sibling(X,Y) :- sister(X,Y) . </a:t>
-            </a:r>
-          </a:p>
-          <a:p>
-            <a:r>
-              <a:rPr lang="en-US" altLang="en-US" sz="1800" u="none"/>
-              <a:t>	sibling(X,Y) :- brother(X,Y).</a:t>
+              <a:rPr lang="en-US" altLang="en-US" sz="1400" u="none"/>
+              <a:t>Queries:</a:t>
+            </a:r>
+          </a:p>
+          <a:p>
+            <a:r>
+              <a:rPr lang="en-US" altLang="en-US" sz="1400" u="none"/>
+              <a:t>?- mother(pam,bob).</a:t>
+            </a:r>
+          </a:p>
+          <a:p>
+            <a:r>
+              <a:rPr lang="en-US" altLang="en-US" sz="1400" u="none"/>
+              <a:t>?- mother(Z,jim).</a:t>
+            </a:r>
+          </a:p>
+          <a:p>
+            <a:r>
+              <a:rPr lang="en-US" altLang="en-US" sz="1400" u="none"/>
+              <a:t>?- mother(P,Q).</a:t>
             </a:r>
           </a:p>
         </p:txBody>
@@ -20071,7 +20071,7 @@
     </p:spTree>
     <p:extLst>
       <p:ext uri="{BB962C8B-B14F-4D97-AF65-F5344CB8AC3E}">
-        <p14:creationId xmlns:p14="http://schemas.microsoft.com/office/powerpoint/2010/main" val="529757565"/>
+        <p14:creationId xmlns:p14="http://schemas.microsoft.com/office/powerpoint/2010/main" val="2104978388"/>
       </p:ext>
     </p:extLst>
   </p:cSld>
@@ -20107,7 +20107,7 @@
       </p:grpSpPr>
       <p:sp>
         <p:nvSpPr>
-          <p:cNvPr id="7170" name="Rectangle 2"/>
+          <p:cNvPr id="6146" name="Rectangle 2"/>
           <p:cNvSpPr>
             <a:spLocks noGrp="1" noChangeArrowheads="1"/>
           </p:cNvSpPr>
@@ -20125,14 +20125,14 @@
             </a:pPr>
             <a:r>
               <a:rPr lang="en-US" smtClean="0"/>
-              <a:t>Another Simple Prolog Program</a:t>
+              <a:t>Prolog Rules</a:t>
             </a:r>
           </a:p>
         </p:txBody>
       </p:sp>
       <p:sp>
         <p:nvSpPr>
-          <p:cNvPr id="10242" name="Text Box 3"/>
+          <p:cNvPr id="8194" name="Text Box 3"/>
           <p:cNvSpPr txBox="1">
             <a:spLocks noChangeArrowheads="1"/>
           </p:cNvSpPr>
@@ -20140,8 +20140,8 @@
         </p:nvSpPr>
         <p:spPr bwMode="auto">
           <a:xfrm>
-            <a:off x="593725" y="1414463"/>
-            <a:ext cx="5329238" cy="2838450"/>
+            <a:off x="593725" y="1857375"/>
+            <a:ext cx="6237605" cy="1754326"/>
           </a:xfrm>
           <a:prstGeom prst="rect">
             <a:avLst/>
@@ -20283,58 +20283,45 @@
           </a:lstStyle>
           <a:p>
             <a:r>
-              <a:rPr lang="en-US" altLang="en-US" sz="1800" u="none"/>
-              <a:t>Consider the program relating humans to mortality:</a:t>
-            </a:r>
-          </a:p>
-          <a:p>
-            <a:endParaRPr lang="en-US" altLang="en-US" sz="1800" u="none"/>
-          </a:p>
-          <a:p>
-            <a:r>
-              <a:rPr lang="en-US" altLang="en-US" sz="1800" u="none"/>
-              <a:t>	mortal(X) :- human(X).</a:t>
-            </a:r>
-          </a:p>
-          <a:p>
-            <a:r>
-              <a:rPr lang="en-US" altLang="en-US" sz="1800" u="none"/>
-              <a:t>	human(socrates).</a:t>
-            </a:r>
-          </a:p>
-          <a:p>
-            <a:endParaRPr lang="en-US" altLang="en-US" sz="1800" u="none"/>
-          </a:p>
-          <a:p>
-            <a:r>
-              <a:rPr lang="en-US" altLang="en-US" sz="1800" u="none"/>
-              <a:t>We can now pose the query:</a:t>
-            </a:r>
-          </a:p>
-          <a:p>
-            <a:endParaRPr lang="en-US" altLang="en-US" sz="1800" u="none"/>
-          </a:p>
-          <a:p>
-            <a:r>
-              <a:rPr lang="en-US" altLang="en-US" sz="1800" u="none"/>
-              <a:t>	?- mortal(socrates).</a:t>
-            </a:r>
-          </a:p>
-          <a:p>
-            <a:endParaRPr lang="en-US" altLang="en-US" sz="1800" u="none"/>
-          </a:p>
-          <a:p>
-            <a:r>
-              <a:rPr lang="en-US" altLang="en-US" sz="1800" u="none"/>
-              <a:t>True or false?</a:t>
-            </a:r>
+              <a:rPr lang="en-US" altLang="en-US" sz="1800" u="none" dirty="0"/>
+              <a:t>The same predicate name can be defined by multiple rules:</a:t>
+            </a:r>
+          </a:p>
+          <a:p>
+            <a:endParaRPr lang="en-US" altLang="en-US" sz="1800" u="none" dirty="0"/>
+          </a:p>
+          <a:p>
+            <a:r>
+              <a:rPr lang="en-US" altLang="en-US" sz="1800" u="none" dirty="0"/>
+              <a:t>	sibling(X,Y) :- sister(X,Y) . </a:t>
+            </a:r>
+          </a:p>
+          <a:p>
+            <a:r>
+              <a:rPr lang="en-US" altLang="en-US" sz="1800" u="none" dirty="0"/>
+              <a:t>	sibling(X,Y) :- brother(X,Y</a:t>
+            </a:r>
+            <a:r>
+              <a:rPr lang="en-US" altLang="en-US" sz="1800" u="none" dirty="0" smtClean="0"/>
+              <a:t>).</a:t>
+            </a:r>
+          </a:p>
+          <a:p>
+            <a:endParaRPr lang="en-US" altLang="en-US" sz="1800" u="none" dirty="0"/>
+          </a:p>
+          <a:p>
+            <a:r>
+              <a:rPr lang="en-US" altLang="en-US" sz="1800" u="none" dirty="0" smtClean="0"/>
+              <a:t>Use backtracking to find alternative definitions.</a:t>
+            </a:r>
+            <a:endParaRPr lang="en-US" altLang="en-US" sz="1800" u="none" dirty="0"/>
           </a:p>
         </p:txBody>
       </p:sp>
     </p:spTree>
     <p:extLst>
       <p:ext uri="{BB962C8B-B14F-4D97-AF65-F5344CB8AC3E}">
-        <p14:creationId xmlns:p14="http://schemas.microsoft.com/office/powerpoint/2010/main" val="756364399"/>
+        <p14:creationId xmlns:p14="http://schemas.microsoft.com/office/powerpoint/2010/main" val="529757565"/>
       </p:ext>
     </p:extLst>
   </p:cSld>
@@ -20602,7 +20589,7 @@
       </p:grpSpPr>
       <p:sp>
         <p:nvSpPr>
-          <p:cNvPr id="28674" name="Rectangle 2"/>
+          <p:cNvPr id="7170" name="Rectangle 2"/>
           <p:cNvSpPr>
             <a:spLocks noGrp="1" noChangeArrowheads="1"/>
           </p:cNvSpPr>
@@ -20619,50 +20606,219 @@
               <a:defRPr/>
             </a:pPr>
             <a:r>
-              <a:rPr lang="en-US" dirty="0" smtClean="0">
-                <a:cs typeface="+mj-cs"/>
-              </a:rPr>
-              <a:t>Exercise</a:t>
-            </a:r>
-            <a:endParaRPr lang="en-US" dirty="0" smtClean="0">
-              <a:cs typeface="+mj-cs"/>
-            </a:endParaRPr>
+              <a:rPr lang="en-US" smtClean="0"/>
+              <a:t>Another Simple Prolog Program</a:t>
+            </a:r>
           </a:p>
         </p:txBody>
       </p:sp>
       <p:sp>
         <p:nvSpPr>
-          <p:cNvPr id="28675" name="Rectangle 3"/>
-          <p:cNvSpPr>
-            <a:spLocks noGrp="1" noChangeArrowheads="1"/>
+          <p:cNvPr id="10242" name="Text Box 3"/>
+          <p:cNvSpPr txBox="1">
+            <a:spLocks noChangeArrowheads="1"/>
           </p:cNvSpPr>
-          <p:nvPr>
-            <p:ph type="body" idx="1"/>
-          </p:nvPr>
+          <p:nvPr/>
         </p:nvSpPr>
-        <p:spPr/>
+        <p:spPr bwMode="auto">
+          <a:xfrm>
+            <a:off x="593725" y="1414463"/>
+            <a:ext cx="5329238" cy="2838450"/>
+          </a:xfrm>
+          <a:prstGeom prst="rect">
+            <a:avLst/>
+          </a:prstGeom>
+          <a:noFill/>
+          <a:ln>
+            <a:noFill/>
+          </a:ln>
+          <a:extLst>
+            <a:ext uri="{909E8E84-426E-40DD-AFC4-6F175D3DCCD1}">
+              <a14:hiddenFill xmlns:a14="http://schemas.microsoft.com/office/drawing/2010/main">
+                <a:solidFill>
+                  <a:schemeClr val="accent1"/>
+                </a:solidFill>
+              </a14:hiddenFill>
+            </a:ext>
+            <a:ext uri="{91240B29-F687-4F45-9708-019B960494DF}">
+              <a14:hiddenLine xmlns:a14="http://schemas.microsoft.com/office/drawing/2010/main" w="9525">
+                <a:solidFill>
+                  <a:schemeClr val="tx1"/>
+                </a:solidFill>
+                <a:miter lim="800000"/>
+                <a:headEnd/>
+                <a:tailEnd/>
+              </a14:hiddenLine>
+            </a:ext>
+          </a:extLst>
+        </p:spPr>
         <p:txBody>
-          <a:bodyPr/>
-          <a:lstStyle/>
-          <a:p>
-            <a:pPr eaLnBrk="1" hangingPunct="1">
-              <a:buFont typeface="Wingdings" charset="0"/>
-              <a:buChar char="l"/>
-              <a:defRPr/>
-            </a:pPr>
-            <a:r>
-              <a:rPr lang="en-US" dirty="0" smtClean="0">
-                <a:cs typeface="+mn-cs"/>
-              </a:rPr>
-              <a:t>See GitHub Exercise #1</a:t>
-            </a:r>
-            <a:endParaRPr lang="en-US" dirty="0" smtClean="0">
-              <a:cs typeface="+mn-cs"/>
-            </a:endParaRPr>
+          <a:bodyPr wrap="none">
+            <a:spAutoFit/>
+          </a:bodyPr>
+          <a:lstStyle>
+            <a:lvl1pPr>
+              <a:defRPr sz="2400" u="sng">
+                <a:solidFill>
+                  <a:schemeClr val="tx1"/>
+                </a:solidFill>
+                <a:latin typeface="Arial" charset="0"/>
+                <a:ea typeface="ＭＳ Ｐゴシック" charset="-128"/>
+              </a:defRPr>
+            </a:lvl1pPr>
+            <a:lvl2pPr marL="742950" indent="-285750">
+              <a:defRPr sz="2400" u="sng">
+                <a:solidFill>
+                  <a:schemeClr val="tx1"/>
+                </a:solidFill>
+                <a:latin typeface="Arial" charset="0"/>
+                <a:ea typeface="ＭＳ Ｐゴシック" charset="-128"/>
+              </a:defRPr>
+            </a:lvl2pPr>
+            <a:lvl3pPr marL="1143000" indent="-228600">
+              <a:defRPr sz="2400" u="sng">
+                <a:solidFill>
+                  <a:schemeClr val="tx1"/>
+                </a:solidFill>
+                <a:latin typeface="Arial" charset="0"/>
+                <a:ea typeface="ＭＳ Ｐゴシック" charset="-128"/>
+              </a:defRPr>
+            </a:lvl3pPr>
+            <a:lvl4pPr marL="1600200" indent="-228600">
+              <a:defRPr sz="2400" u="sng">
+                <a:solidFill>
+                  <a:schemeClr val="tx1"/>
+                </a:solidFill>
+                <a:latin typeface="Arial" charset="0"/>
+                <a:ea typeface="ＭＳ Ｐゴシック" charset="-128"/>
+              </a:defRPr>
+            </a:lvl4pPr>
+            <a:lvl5pPr marL="2057400" indent="-228600">
+              <a:defRPr sz="2400" u="sng">
+                <a:solidFill>
+                  <a:schemeClr val="tx1"/>
+                </a:solidFill>
+                <a:latin typeface="Arial" charset="0"/>
+                <a:ea typeface="ＭＳ Ｐゴシック" charset="-128"/>
+              </a:defRPr>
+            </a:lvl5pPr>
+            <a:lvl6pPr marL="2514600" indent="-228600" eaLnBrk="0" fontAlgn="base" hangingPunct="0">
+              <a:spcBef>
+                <a:spcPct val="0"/>
+              </a:spcBef>
+              <a:spcAft>
+                <a:spcPct val="0"/>
+              </a:spcAft>
+              <a:defRPr sz="2400" u="sng">
+                <a:solidFill>
+                  <a:schemeClr val="tx1"/>
+                </a:solidFill>
+                <a:latin typeface="Arial" charset="0"/>
+                <a:ea typeface="ＭＳ Ｐゴシック" charset="-128"/>
+              </a:defRPr>
+            </a:lvl6pPr>
+            <a:lvl7pPr marL="2971800" indent="-228600" eaLnBrk="0" fontAlgn="base" hangingPunct="0">
+              <a:spcBef>
+                <a:spcPct val="0"/>
+              </a:spcBef>
+              <a:spcAft>
+                <a:spcPct val="0"/>
+              </a:spcAft>
+              <a:defRPr sz="2400" u="sng">
+                <a:solidFill>
+                  <a:schemeClr val="tx1"/>
+                </a:solidFill>
+                <a:latin typeface="Arial" charset="0"/>
+                <a:ea typeface="ＭＳ Ｐゴシック" charset="-128"/>
+              </a:defRPr>
+            </a:lvl7pPr>
+            <a:lvl8pPr marL="3429000" indent="-228600" eaLnBrk="0" fontAlgn="base" hangingPunct="0">
+              <a:spcBef>
+                <a:spcPct val="0"/>
+              </a:spcBef>
+              <a:spcAft>
+                <a:spcPct val="0"/>
+              </a:spcAft>
+              <a:defRPr sz="2400" u="sng">
+                <a:solidFill>
+                  <a:schemeClr val="tx1"/>
+                </a:solidFill>
+                <a:latin typeface="Arial" charset="0"/>
+                <a:ea typeface="ＭＳ Ｐゴシック" charset="-128"/>
+              </a:defRPr>
+            </a:lvl8pPr>
+            <a:lvl9pPr marL="3886200" indent="-228600" eaLnBrk="0" fontAlgn="base" hangingPunct="0">
+              <a:spcBef>
+                <a:spcPct val="0"/>
+              </a:spcBef>
+              <a:spcAft>
+                <a:spcPct val="0"/>
+              </a:spcAft>
+              <a:defRPr sz="2400" u="sng">
+                <a:solidFill>
+                  <a:schemeClr val="tx1"/>
+                </a:solidFill>
+                <a:latin typeface="Arial" charset="0"/>
+                <a:ea typeface="ＭＳ Ｐゴシック" charset="-128"/>
+              </a:defRPr>
+            </a:lvl9pPr>
+          </a:lstStyle>
+          <a:p>
+            <a:r>
+              <a:rPr lang="en-US" altLang="en-US" sz="1800" u="none"/>
+              <a:t>Consider the program relating humans to mortality:</a:t>
+            </a:r>
+          </a:p>
+          <a:p>
+            <a:endParaRPr lang="en-US" altLang="en-US" sz="1800" u="none"/>
+          </a:p>
+          <a:p>
+            <a:r>
+              <a:rPr lang="en-US" altLang="en-US" sz="1800" u="none"/>
+              <a:t>	mortal(X) :- human(X).</a:t>
+            </a:r>
+          </a:p>
+          <a:p>
+            <a:r>
+              <a:rPr lang="en-US" altLang="en-US" sz="1800" u="none"/>
+              <a:t>	human(socrates).</a:t>
+            </a:r>
+          </a:p>
+          <a:p>
+            <a:endParaRPr lang="en-US" altLang="en-US" sz="1800" u="none"/>
+          </a:p>
+          <a:p>
+            <a:r>
+              <a:rPr lang="en-US" altLang="en-US" sz="1800" u="none"/>
+              <a:t>We can now pose the query:</a:t>
+            </a:r>
+          </a:p>
+          <a:p>
+            <a:endParaRPr lang="en-US" altLang="en-US" sz="1800" u="none"/>
+          </a:p>
+          <a:p>
+            <a:r>
+              <a:rPr lang="en-US" altLang="en-US" sz="1800" u="none"/>
+              <a:t>	?- mortal(socrates).</a:t>
+            </a:r>
+          </a:p>
+          <a:p>
+            <a:endParaRPr lang="en-US" altLang="en-US" sz="1800" u="none"/>
+          </a:p>
+          <a:p>
+            <a:r>
+              <a:rPr lang="en-US" altLang="en-US" sz="1800" u="none"/>
+              <a:t>True or false?</a:t>
+            </a:r>
           </a:p>
         </p:txBody>
       </p:sp>
     </p:spTree>
+    <p:extLst>
+      <p:ext uri="{BB962C8B-B14F-4D97-AF65-F5344CB8AC3E}">
+        <p14:creationId xmlns:p14="http://schemas.microsoft.com/office/powerpoint/2010/main" val="756364399"/>
+      </p:ext>
+    </p:extLst>
   </p:cSld>
   <p:clrMapOvr>
     <a:masterClrMapping/>
@@ -20696,7 +20852,7 @@
       </p:grpSpPr>
       <p:sp>
         <p:nvSpPr>
-          <p:cNvPr id="8194" name="Rectangle 2"/>
+          <p:cNvPr id="28674" name="Rectangle 2"/>
           <p:cNvSpPr>
             <a:spLocks noGrp="1" noChangeArrowheads="1"/>
           </p:cNvSpPr>
@@ -20713,289 +20869,50 @@
               <a:defRPr/>
             </a:pPr>
             <a:r>
-              <a:rPr lang="en-US" smtClean="0"/>
-              <a:t>Declarative vs. Procedural Meaning</a:t>
-            </a:r>
+              <a:rPr lang="en-US" dirty="0" smtClean="0">
+                <a:cs typeface="+mj-cs"/>
+              </a:rPr>
+              <a:t>Exercise</a:t>
+            </a:r>
+            <a:endParaRPr lang="en-US" dirty="0" smtClean="0">
+              <a:cs typeface="+mj-cs"/>
+            </a:endParaRPr>
           </a:p>
         </p:txBody>
       </p:sp>
       <p:sp>
         <p:nvSpPr>
-          <p:cNvPr id="12290" name="Text Box 3"/>
-          <p:cNvSpPr txBox="1">
-            <a:spLocks noChangeArrowheads="1"/>
+          <p:cNvPr id="28675" name="Rectangle 3"/>
+          <p:cNvSpPr>
+            <a:spLocks noGrp="1" noChangeArrowheads="1"/>
           </p:cNvSpPr>
-          <p:nvPr/>
+          <p:nvPr>
+            <p:ph type="body" idx="1"/>
+          </p:nvPr>
         </p:nvSpPr>
-        <p:spPr bwMode="auto">
-          <a:xfrm>
-            <a:off x="533400" y="1500188"/>
-            <a:ext cx="7880350" cy="2838450"/>
-          </a:xfrm>
-          <a:prstGeom prst="rect">
-            <a:avLst/>
-          </a:prstGeom>
-          <a:noFill/>
-          <a:ln>
-            <a:noFill/>
-          </a:ln>
-          <a:extLst>
-            <a:ext uri="{909E8E84-426E-40DD-AFC4-6F175D3DCCD1}">
-              <a14:hiddenFill xmlns:a14="http://schemas.microsoft.com/office/drawing/2010/main">
-                <a:solidFill>
-                  <a:schemeClr val="accent1"/>
-                </a:solidFill>
-              </a14:hiddenFill>
-            </a:ext>
-            <a:ext uri="{91240B29-F687-4F45-9708-019B960494DF}">
-              <a14:hiddenLine xmlns:a14="http://schemas.microsoft.com/office/drawing/2010/main" w="9525">
-                <a:solidFill>
-                  <a:schemeClr val="tx1"/>
-                </a:solidFill>
-                <a:miter lim="800000"/>
-                <a:headEnd/>
-                <a:tailEnd/>
-              </a14:hiddenLine>
-            </a:ext>
-          </a:extLst>
-        </p:spPr>
+        <p:spPr/>
         <p:txBody>
-          <a:bodyPr wrap="none">
-            <a:spAutoFit/>
-          </a:bodyPr>
-          <a:lstStyle>
-            <a:lvl1pPr>
-              <a:defRPr sz="2400" u="sng">
-                <a:solidFill>
-                  <a:schemeClr val="tx1"/>
-                </a:solidFill>
-                <a:latin typeface="Arial" charset="0"/>
-                <a:ea typeface="ＭＳ Ｐゴシック" charset="-128"/>
-              </a:defRPr>
-            </a:lvl1pPr>
-            <a:lvl2pPr marL="742950" indent="-285750">
-              <a:defRPr sz="2400" u="sng">
-                <a:solidFill>
-                  <a:schemeClr val="tx1"/>
-                </a:solidFill>
-                <a:latin typeface="Arial" charset="0"/>
-                <a:ea typeface="ＭＳ Ｐゴシック" charset="-128"/>
-              </a:defRPr>
-            </a:lvl2pPr>
-            <a:lvl3pPr marL="1143000" indent="-228600">
-              <a:defRPr sz="2400" u="sng">
-                <a:solidFill>
-                  <a:schemeClr val="tx1"/>
-                </a:solidFill>
-                <a:latin typeface="Arial" charset="0"/>
-                <a:ea typeface="ＭＳ Ｐゴシック" charset="-128"/>
-              </a:defRPr>
-            </a:lvl3pPr>
-            <a:lvl4pPr marL="1600200" indent="-228600">
-              <a:defRPr sz="2400" u="sng">
-                <a:solidFill>
-                  <a:schemeClr val="tx1"/>
-                </a:solidFill>
-                <a:latin typeface="Arial" charset="0"/>
-                <a:ea typeface="ＭＳ Ｐゴシック" charset="-128"/>
-              </a:defRPr>
-            </a:lvl4pPr>
-            <a:lvl5pPr marL="2057400" indent="-228600">
-              <a:defRPr sz="2400" u="sng">
-                <a:solidFill>
-                  <a:schemeClr val="tx1"/>
-                </a:solidFill>
-                <a:latin typeface="Arial" charset="0"/>
-                <a:ea typeface="ＭＳ Ｐゴシック" charset="-128"/>
-              </a:defRPr>
-            </a:lvl5pPr>
-            <a:lvl6pPr marL="2514600" indent="-228600" eaLnBrk="0" fontAlgn="base" hangingPunct="0">
-              <a:spcBef>
-                <a:spcPct val="0"/>
-              </a:spcBef>
-              <a:spcAft>
-                <a:spcPct val="0"/>
-              </a:spcAft>
-              <a:defRPr sz="2400" u="sng">
-                <a:solidFill>
-                  <a:schemeClr val="tx1"/>
-                </a:solidFill>
-                <a:latin typeface="Arial" charset="0"/>
-                <a:ea typeface="ＭＳ Ｐゴシック" charset="-128"/>
-              </a:defRPr>
-            </a:lvl6pPr>
-            <a:lvl7pPr marL="2971800" indent="-228600" eaLnBrk="0" fontAlgn="base" hangingPunct="0">
-              <a:spcBef>
-                <a:spcPct val="0"/>
-              </a:spcBef>
-              <a:spcAft>
-                <a:spcPct val="0"/>
-              </a:spcAft>
-              <a:defRPr sz="2400" u="sng">
-                <a:solidFill>
-                  <a:schemeClr val="tx1"/>
-                </a:solidFill>
-                <a:latin typeface="Arial" charset="0"/>
-                <a:ea typeface="ＭＳ Ｐゴシック" charset="-128"/>
-              </a:defRPr>
-            </a:lvl7pPr>
-            <a:lvl8pPr marL="3429000" indent="-228600" eaLnBrk="0" fontAlgn="base" hangingPunct="0">
-              <a:spcBef>
-                <a:spcPct val="0"/>
-              </a:spcBef>
-              <a:spcAft>
-                <a:spcPct val="0"/>
-              </a:spcAft>
-              <a:defRPr sz="2400" u="sng">
-                <a:solidFill>
-                  <a:schemeClr val="tx1"/>
-                </a:solidFill>
-                <a:latin typeface="Arial" charset="0"/>
-                <a:ea typeface="ＭＳ Ｐゴシック" charset="-128"/>
-              </a:defRPr>
-            </a:lvl8pPr>
-            <a:lvl9pPr marL="3886200" indent="-228600" eaLnBrk="0" fontAlgn="base" hangingPunct="0">
-              <a:spcBef>
-                <a:spcPct val="0"/>
-              </a:spcBef>
-              <a:spcAft>
-                <a:spcPct val="0"/>
-              </a:spcAft>
-              <a:defRPr sz="2400" u="sng">
-                <a:solidFill>
-                  <a:schemeClr val="tx1"/>
-                </a:solidFill>
-                <a:latin typeface="Arial" charset="0"/>
-                <a:ea typeface="ＭＳ Ｐゴシック" charset="-128"/>
-              </a:defRPr>
-            </a:lvl9pPr>
-          </a:lstStyle>
-          <a:p>
-            <a:r>
-              <a:rPr lang="en-US" altLang="en-US" sz="1800" u="none"/>
-              <a:t>When interpreting rules purely as Horn clause logic statement </a:t>
-            </a:r>
-            <a:r>
-              <a:rPr lang="en-US" altLang="en-US" sz="1800" u="none">
-                <a:sym typeface="Symbol" charset="2"/>
+          <a:bodyPr/>
+          <a:lstStyle/>
+          <a:p>
+            <a:pPr eaLnBrk="1" hangingPunct="1">
+              <a:buFont typeface="Wingdings" charset="0"/>
+              <a:buChar char="l"/>
+              <a:defRPr/>
+            </a:pPr>
+            <a:r>
+              <a:rPr lang="en-US" dirty="0" smtClean="0">
+                <a:cs typeface="+mn-cs"/>
               </a:rPr>
-              <a:t> </a:t>
-            </a:r>
-            <a:r>
-              <a:rPr lang="en-US" altLang="en-US" sz="1800">
-                <a:sym typeface="Symbol" charset="2"/>
-              </a:rPr>
-              <a:t>declarative</a:t>
-            </a:r>
-            <a:endParaRPr lang="en-US" altLang="en-US" sz="1800" u="none">
-              <a:sym typeface="Symbol" charset="2"/>
+              <a:t>See GitHub Exercise #1</a:t>
+            </a:r>
+            <a:endParaRPr lang="en-US" dirty="0" smtClean="0">
+              <a:cs typeface="+mn-cs"/>
             </a:endParaRPr>
-          </a:p>
-          <a:p>
-            <a:endParaRPr lang="en-US" altLang="en-US" sz="1800" u="none">
-              <a:sym typeface="Symbol" charset="2"/>
-            </a:endParaRPr>
-          </a:p>
-          <a:p>
-            <a:r>
-              <a:rPr lang="en-US" altLang="en-US" sz="1800" u="none">
-                <a:sym typeface="Symbol" charset="2"/>
-              </a:rPr>
-              <a:t>When interpreting rules as </a:t>
-            </a:r>
-            <a:r>
-              <a:rPr lang="ja-JP" altLang="en-US" sz="1800" u="none">
-                <a:sym typeface="Symbol" charset="2"/>
-              </a:rPr>
-              <a:t>“</a:t>
-            </a:r>
-            <a:r>
-              <a:rPr lang="en-US" altLang="ja-JP" sz="1800" u="none">
-                <a:sym typeface="Symbol" charset="2"/>
-              </a:rPr>
-              <a:t>specialized queries</a:t>
-            </a:r>
-            <a:r>
-              <a:rPr lang="ja-JP" altLang="en-US" sz="1800" u="none">
-                <a:sym typeface="Symbol" charset="2"/>
-              </a:rPr>
-              <a:t>”</a:t>
-            </a:r>
-            <a:r>
-              <a:rPr lang="en-US" altLang="ja-JP" sz="1800" u="none">
-                <a:sym typeface="Symbol" charset="2"/>
-              </a:rPr>
-              <a:t>  </a:t>
-            </a:r>
-            <a:r>
-              <a:rPr lang="en-US" altLang="ja-JP" sz="1800">
-                <a:sym typeface="Symbol" charset="2"/>
-              </a:rPr>
-              <a:t>procedural</a:t>
-            </a:r>
-          </a:p>
-          <a:p>
-            <a:endParaRPr lang="en-US" altLang="en-US" sz="1800" u="none">
-              <a:sym typeface="Symbol" charset="2"/>
-            </a:endParaRPr>
-          </a:p>
-          <a:p>
-            <a:r>
-              <a:rPr lang="en-US" altLang="en-US" sz="1800">
-                <a:sym typeface="Symbol" charset="2"/>
-              </a:rPr>
-              <a:t>Observation</a:t>
-            </a:r>
-            <a:r>
-              <a:rPr lang="en-US" altLang="en-US" sz="1800" u="none">
-                <a:sym typeface="Symbol" charset="2"/>
-              </a:rPr>
-              <a:t>: We design programs with  declarative meaning in our minds,</a:t>
-            </a:r>
-          </a:p>
-          <a:p>
-            <a:r>
-              <a:rPr lang="en-US" altLang="en-US" sz="1800" u="none">
-                <a:sym typeface="Symbol" charset="2"/>
-              </a:rPr>
-              <a:t>but the execution is performed in a procedural fashion.</a:t>
-            </a:r>
-          </a:p>
-          <a:p>
-            <a:endParaRPr lang="en-US" altLang="en-US" sz="1800" u="none">
-              <a:sym typeface="Symbol" charset="2"/>
-            </a:endParaRPr>
-          </a:p>
-          <a:p>
-            <a:r>
-              <a:rPr lang="en-US" altLang="en-US" sz="1800" u="none">
-                <a:sym typeface="Symbol" charset="2"/>
-              </a:rPr>
-              <a:t>Consider:</a:t>
-            </a:r>
-          </a:p>
-          <a:p>
-            <a:endParaRPr lang="en-US" altLang="en-US" sz="1800" u="none">
-              <a:sym typeface="Symbol" charset="2"/>
-            </a:endParaRPr>
-          </a:p>
-          <a:p>
-            <a:r>
-              <a:rPr lang="en-US" altLang="en-US" sz="1800" u="none">
-                <a:sym typeface="Symbol" charset="2"/>
-              </a:rPr>
-              <a:t>	mother(X,Y) :- female(X),parent(X,Y).</a:t>
-            </a:r>
-            <a:endParaRPr lang="en-US" altLang="en-US" sz="1800" u="none"/>
           </a:p>
         </p:txBody>
       </p:sp>
     </p:spTree>
-    <p:extLst>
-      <p:ext uri="{BB962C8B-B14F-4D97-AF65-F5344CB8AC3E}">
-        <p14:creationId xmlns:p14="http://schemas.microsoft.com/office/powerpoint/2010/main" val="160406851"/>
-      </p:ext>
-    </p:extLst>
   </p:cSld>
   <p:clrMapOvr>
     <a:masterClrMapping/>
@@ -21029,7 +20946,7 @@
       </p:grpSpPr>
       <p:sp>
         <p:nvSpPr>
-          <p:cNvPr id="10242" name="Rectangle 2"/>
+          <p:cNvPr id="8194" name="Rectangle 2"/>
           <p:cNvSpPr>
             <a:spLocks noGrp="1" noChangeArrowheads="1"/>
           </p:cNvSpPr>
@@ -21047,79 +20964,14 @@
             </a:pPr>
             <a:r>
               <a:rPr lang="en-US" smtClean="0"/>
-              <a:t>Lists &amp; Pattern Matching</a:t>
+              <a:t>Declarative vs. Procedural Meaning</a:t>
             </a:r>
           </a:p>
         </p:txBody>
       </p:sp>
       <p:sp>
         <p:nvSpPr>
-          <p:cNvPr id="10243" name="Rectangle 3"/>
-          <p:cNvSpPr>
-            <a:spLocks noGrp="1" noChangeArrowheads="1"/>
-          </p:cNvSpPr>
-          <p:nvPr>
-            <p:ph type="body" idx="1"/>
-          </p:nvPr>
-        </p:nvSpPr>
-        <p:spPr>
-          <a:xfrm>
-            <a:off x="609600" y="1600200"/>
-            <a:ext cx="7924800" cy="1309688"/>
-          </a:xfrm>
-        </p:spPr>
-        <p:txBody>
-          <a:bodyPr/>
-          <a:lstStyle/>
-          <a:p>
-            <a:pPr eaLnBrk="1" hangingPunct="1">
-              <a:lnSpc>
-                <a:spcPct val="90000"/>
-              </a:lnSpc>
-              <a:buFont typeface="Wingdings" charset="0"/>
-              <a:buChar char="l"/>
-              <a:defRPr/>
-            </a:pPr>
-            <a:r>
-              <a:rPr lang="en-US" sz="2800" smtClean="0"/>
-              <a:t>The </a:t>
-            </a:r>
-            <a:r>
-              <a:rPr lang="en-US" sz="2800" u="sng" smtClean="0"/>
-              <a:t>unification</a:t>
-            </a:r>
-            <a:r>
-              <a:rPr lang="en-US" sz="2800" smtClean="0"/>
-              <a:t> operator: =/2</a:t>
-            </a:r>
-          </a:p>
-          <a:p>
-            <a:pPr lvl="1" eaLnBrk="1" hangingPunct="1">
-              <a:lnSpc>
-                <a:spcPct val="90000"/>
-              </a:lnSpc>
-              <a:buFont typeface="Wingdings" charset="0"/>
-              <a:buChar char="l"/>
-              <a:defRPr/>
-            </a:pPr>
-            <a:r>
-              <a:rPr lang="en-US" sz="2400" smtClean="0"/>
-              <a:t>The expression A=B is true if A and B are terms and </a:t>
-            </a:r>
-            <a:r>
-              <a:rPr lang="en-US" sz="2400" u="sng" smtClean="0"/>
-              <a:t>unify</a:t>
-            </a:r>
-            <a:r>
-              <a:rPr lang="en-US" sz="2400" smtClean="0"/>
-              <a:t> (look identical)</a:t>
-            </a:r>
-          </a:p>
-        </p:txBody>
-      </p:sp>
-      <p:sp>
-        <p:nvSpPr>
-          <p:cNvPr id="10244" name="Text Box 4"/>
+          <p:cNvPr id="12290" name="Text Box 3"/>
           <p:cNvSpPr txBox="1">
             <a:spLocks noChangeArrowheads="1"/>
           </p:cNvSpPr>
@@ -21127,8 +20979,8 @@
         </p:nvSpPr>
         <p:spPr bwMode="auto">
           <a:xfrm>
-            <a:off x="6172200" y="1371600"/>
-            <a:ext cx="568325" cy="336550"/>
+            <a:off x="533400" y="1500188"/>
+            <a:ext cx="7880350" cy="2838450"/>
           </a:xfrm>
           <a:prstGeom prst="rect">
             <a:avLst/>
@@ -21137,17 +20989,16 @@
           <a:ln>
             <a:noFill/>
           </a:ln>
-          <a:effectLst/>
           <a:extLst>
-            <a:ext uri="{909E8E84-426E-40dd-AFC4-6F175D3DCCD1}">
-              <a14:hiddenFill xmlns:a14="http://schemas.microsoft.com/office/drawing/2010/main" xmlns="">
+            <a:ext uri="{909E8E84-426E-40DD-AFC4-6F175D3DCCD1}">
+              <a14:hiddenFill xmlns:a14="http://schemas.microsoft.com/office/drawing/2010/main">
                 <a:solidFill>
                   <a:schemeClr val="accent1"/>
                 </a:solidFill>
               </a14:hiddenFill>
             </a:ext>
-            <a:ext uri="{91240B29-F687-4f45-9708-019B960494DF}">
-              <a14:hiddenLine xmlns:a14="http://schemas.microsoft.com/office/drawing/2010/main" xmlns="" w="9525">
+            <a:ext uri="{91240B29-F687-4F45-9708-019B960494DF}">
+              <a14:hiddenLine xmlns:a14="http://schemas.microsoft.com/office/drawing/2010/main" w="9525">
                 <a:solidFill>
                   <a:schemeClr val="tx1"/>
                 </a:solidFill>
@@ -21155,17 +21006,6 @@
                 <a:headEnd/>
                 <a:tailEnd/>
               </a14:hiddenLine>
-            </a:ext>
-            <a:ext uri="{AF507438-7753-43e0-B8FC-AC1667EBCBE1}">
-              <a14:hiddenEffects xmlns:a14="http://schemas.microsoft.com/office/drawing/2010/main" xmlns="">
-                <a:effectLst>
-                  <a:outerShdw blurRad="63500" dist="38099" dir="2700000" algn="ctr" rotWithShape="0">
-                    <a:schemeClr val="bg2">
-                      <a:alpha val="74998"/>
-                    </a:schemeClr>
-                  </a:outerShdw>
-                </a:effectLst>
-              </a14:hiddenEffects>
             </a:ext>
           </a:extLst>
         </p:spPr>
@@ -21173,329 +21013,237 @@
           <a:bodyPr wrap="none">
             <a:spAutoFit/>
           </a:bodyPr>
-          <a:lstStyle/>
-          <a:p>
-            <a:pPr>
-              <a:defRPr/>
-            </a:pPr>
-            <a:r>
-              <a:rPr lang="en-US" sz="1600" u="none">
-                <a:ea typeface="ＭＳ Ｐゴシック" charset="0"/>
-                <a:cs typeface="ＭＳ Ｐゴシック" charset="0"/>
+          <a:lstStyle>
+            <a:lvl1pPr>
+              <a:defRPr sz="2400" u="sng">
+                <a:solidFill>
+                  <a:schemeClr val="tx1"/>
+                </a:solidFill>
+                <a:latin typeface="Arial" charset="0"/>
+                <a:ea typeface="ＭＳ Ｐゴシック" charset="-128"/>
+              </a:defRPr>
+            </a:lvl1pPr>
+            <a:lvl2pPr marL="742950" indent="-285750">
+              <a:defRPr sz="2400" u="sng">
+                <a:solidFill>
+                  <a:schemeClr val="tx1"/>
+                </a:solidFill>
+                <a:latin typeface="Arial" charset="0"/>
+                <a:ea typeface="ＭＳ Ｐゴシック" charset="-128"/>
+              </a:defRPr>
+            </a:lvl2pPr>
+            <a:lvl3pPr marL="1143000" indent="-228600">
+              <a:defRPr sz="2400" u="sng">
+                <a:solidFill>
+                  <a:schemeClr val="tx1"/>
+                </a:solidFill>
+                <a:latin typeface="Arial" charset="0"/>
+                <a:ea typeface="ＭＳ Ｐゴシック" charset="-128"/>
+              </a:defRPr>
+            </a:lvl3pPr>
+            <a:lvl4pPr marL="1600200" indent="-228600">
+              <a:defRPr sz="2400" u="sng">
+                <a:solidFill>
+                  <a:schemeClr val="tx1"/>
+                </a:solidFill>
+                <a:latin typeface="Arial" charset="0"/>
+                <a:ea typeface="ＭＳ Ｐゴシック" charset="-128"/>
+              </a:defRPr>
+            </a:lvl4pPr>
+            <a:lvl5pPr marL="2057400" indent="-228600">
+              <a:defRPr sz="2400" u="sng">
+                <a:solidFill>
+                  <a:schemeClr val="tx1"/>
+                </a:solidFill>
+                <a:latin typeface="Arial" charset="0"/>
+                <a:ea typeface="ＭＳ Ｐゴシック" charset="-128"/>
+              </a:defRPr>
+            </a:lvl5pPr>
+            <a:lvl6pPr marL="2514600" indent="-228600" eaLnBrk="0" fontAlgn="base" hangingPunct="0">
+              <a:spcBef>
+                <a:spcPct val="0"/>
+              </a:spcBef>
+              <a:spcAft>
+                <a:spcPct val="0"/>
+              </a:spcAft>
+              <a:defRPr sz="2400" u="sng">
+                <a:solidFill>
+                  <a:schemeClr val="tx1"/>
+                </a:solidFill>
+                <a:latin typeface="Arial" charset="0"/>
+                <a:ea typeface="ＭＳ Ｐゴシック" charset="-128"/>
+              </a:defRPr>
+            </a:lvl6pPr>
+            <a:lvl7pPr marL="2971800" indent="-228600" eaLnBrk="0" fontAlgn="base" hangingPunct="0">
+              <a:spcBef>
+                <a:spcPct val="0"/>
+              </a:spcBef>
+              <a:spcAft>
+                <a:spcPct val="0"/>
+              </a:spcAft>
+              <a:defRPr sz="2400" u="sng">
+                <a:solidFill>
+                  <a:schemeClr val="tx1"/>
+                </a:solidFill>
+                <a:latin typeface="Arial" charset="0"/>
+                <a:ea typeface="ＭＳ Ｐゴシック" charset="-128"/>
+              </a:defRPr>
+            </a:lvl7pPr>
+            <a:lvl8pPr marL="3429000" indent="-228600" eaLnBrk="0" fontAlgn="base" hangingPunct="0">
+              <a:spcBef>
+                <a:spcPct val="0"/>
+              </a:spcBef>
+              <a:spcAft>
+                <a:spcPct val="0"/>
+              </a:spcAft>
+              <a:defRPr sz="2400" u="sng">
+                <a:solidFill>
+                  <a:schemeClr val="tx1"/>
+                </a:solidFill>
+                <a:latin typeface="Arial" charset="0"/>
+                <a:ea typeface="ＭＳ Ｐゴシック" charset="-128"/>
+              </a:defRPr>
+            </a:lvl8pPr>
+            <a:lvl9pPr marL="3886200" indent="-228600" eaLnBrk="0" fontAlgn="base" hangingPunct="0">
+              <a:spcBef>
+                <a:spcPct val="0"/>
+              </a:spcBef>
+              <a:spcAft>
+                <a:spcPct val="0"/>
+              </a:spcAft>
+              <a:defRPr sz="2400" u="sng">
+                <a:solidFill>
+                  <a:schemeClr val="tx1"/>
+                </a:solidFill>
+                <a:latin typeface="Arial" charset="0"/>
+                <a:ea typeface="ＭＳ Ｐゴシック" charset="-128"/>
+              </a:defRPr>
+            </a:lvl9pPr>
+          </a:lstStyle>
+          <a:p>
+            <a:r>
+              <a:rPr lang="en-US" altLang="en-US" sz="1800" u="none"/>
+              <a:t>When interpreting rules purely as Horn clause logic statement </a:t>
+            </a:r>
+            <a:r>
+              <a:rPr lang="en-US" altLang="en-US" sz="1800" u="none">
+                <a:sym typeface="Symbol" charset="2"/>
               </a:rPr>
-              <a:t>arity</a:t>
-            </a:r>
-          </a:p>
-        </p:txBody>
-      </p:sp>
-      <p:sp>
-        <p:nvSpPr>
-          <p:cNvPr id="10245" name="Line 5"/>
-          <p:cNvSpPr>
-            <a:spLocks noChangeShapeType="1"/>
-          </p:cNvSpPr>
-          <p:nvPr/>
-        </p:nvSpPr>
-        <p:spPr bwMode="auto">
-          <a:xfrm flipH="1">
-            <a:off x="5715000" y="1600200"/>
-            <a:ext cx="381000" cy="228600"/>
-          </a:xfrm>
-          <a:prstGeom prst="line">
-            <a:avLst/>
-          </a:prstGeom>
-          <a:noFill/>
-          <a:ln w="9525">
-            <a:solidFill>
-              <a:schemeClr val="tx1"/>
-            </a:solidFill>
-            <a:round/>
-            <a:headEnd/>
-            <a:tailEnd type="triangle" w="med" len="med"/>
-          </a:ln>
-          <a:effectLst/>
-          <a:extLst>
-            <a:ext uri="{909E8E84-426E-40dd-AFC4-6F175D3DCCD1}">
-              <a14:hiddenFill xmlns:a14="http://schemas.microsoft.com/office/drawing/2010/main" xmlns="">
-                <a:noFill/>
-              </a14:hiddenFill>
-            </a:ext>
-            <a:ext uri="{AF507438-7753-43e0-B8FC-AC1667EBCBE1}">
-              <a14:hiddenEffects xmlns:a14="http://schemas.microsoft.com/office/drawing/2010/main" xmlns="">
-                <a:effectLst>
-                  <a:outerShdw blurRad="63500" dist="38099" dir="2700000" algn="ctr" rotWithShape="0">
-                    <a:schemeClr val="bg2">
-                      <a:alpha val="74998"/>
-                    </a:schemeClr>
-                  </a:outerShdw>
-                </a:effectLst>
-              </a14:hiddenEffects>
-            </a:ext>
-          </a:extLst>
-        </p:spPr>
-        <p:txBody>
-          <a:bodyPr/>
-          <a:lstStyle/>
-          <a:p>
-            <a:pPr>
-              <a:defRPr/>
-            </a:pPr>
-            <a:endParaRPr lang="en-US" sz="1800">
-              <a:ea typeface="ＭＳ Ｐゴシック" charset="0"/>
-              <a:cs typeface="ＭＳ Ｐゴシック" charset="0"/>
+              <a:t> </a:t>
+            </a:r>
+            <a:r>
+              <a:rPr lang="en-US" altLang="en-US" sz="1800">
+                <a:sym typeface="Symbol" charset="2"/>
+              </a:rPr>
+              <a:t>declarative</a:t>
+            </a:r>
+            <a:endParaRPr lang="en-US" altLang="en-US" sz="1800" u="none">
+              <a:sym typeface="Symbol" charset="2"/>
             </a:endParaRPr>
           </a:p>
-        </p:txBody>
-      </p:sp>
-      <p:sp>
-        <p:nvSpPr>
-          <p:cNvPr id="10246" name="Text Box 6"/>
-          <p:cNvSpPr txBox="1">
-            <a:spLocks noChangeArrowheads="1"/>
-          </p:cNvSpPr>
-          <p:nvPr/>
-        </p:nvSpPr>
-        <p:spPr bwMode="auto">
-          <a:xfrm>
-            <a:off x="2574925" y="3565525"/>
-            <a:ext cx="981075" cy="2047875"/>
-          </a:xfrm>
-          <a:prstGeom prst="rect">
-            <a:avLst/>
-          </a:prstGeom>
-          <a:noFill/>
-          <a:ln>
-            <a:noFill/>
-          </a:ln>
-          <a:effectLst/>
-          <a:extLst>
-            <a:ext uri="{909E8E84-426E-40dd-AFC4-6F175D3DCCD1}">
-              <a14:hiddenFill xmlns:a14="http://schemas.microsoft.com/office/drawing/2010/main" xmlns="">
-                <a:solidFill>
-                  <a:schemeClr val="accent1"/>
-                </a:solidFill>
-              </a14:hiddenFill>
-            </a:ext>
-            <a:ext uri="{91240B29-F687-4f45-9708-019B960494DF}">
-              <a14:hiddenLine xmlns:a14="http://schemas.microsoft.com/office/drawing/2010/main" xmlns="" w="9525">
-                <a:solidFill>
-                  <a:schemeClr val="tx1"/>
-                </a:solidFill>
-                <a:miter lim="800000"/>
-                <a:headEnd/>
-                <a:tailEnd/>
-              </a14:hiddenLine>
-            </a:ext>
-            <a:ext uri="{AF507438-7753-43e0-B8FC-AC1667EBCBE1}">
-              <a14:hiddenEffects xmlns:a14="http://schemas.microsoft.com/office/drawing/2010/main" xmlns="">
-                <a:effectLst>
-                  <a:outerShdw blurRad="63500" dist="38099" dir="2700000" algn="ctr" rotWithShape="0">
-                    <a:schemeClr val="bg2">
-                      <a:alpha val="74998"/>
-                    </a:schemeClr>
-                  </a:outerShdw>
-                </a:effectLst>
-              </a14:hiddenEffects>
-            </a:ext>
-          </a:extLst>
-        </p:spPr>
-        <p:txBody>
-          <a:bodyPr wrap="none">
-            <a:spAutoFit/>
-          </a:bodyPr>
-          <a:lstStyle/>
-          <a:p>
-            <a:pPr>
-              <a:defRPr/>
-            </a:pPr>
-            <a:r>
-              <a:rPr lang="en-US" sz="1600" u="none">
-                <a:ea typeface="ＭＳ Ｐゴシック" charset="0"/>
-                <a:cs typeface="ＭＳ Ｐゴシック" charset="0"/>
+          <a:p>
+            <a:endParaRPr lang="en-US" altLang="en-US" sz="1800" u="none">
+              <a:sym typeface="Symbol" charset="2"/>
+            </a:endParaRPr>
+          </a:p>
+          <a:p>
+            <a:r>
+              <a:rPr lang="en-US" altLang="en-US" sz="1800" u="none">
+                <a:sym typeface="Symbol" charset="2"/>
               </a:rPr>
-              <a:t>?- a = a.</a:t>
-            </a:r>
-          </a:p>
-          <a:p>
-            <a:pPr>
-              <a:defRPr/>
-            </a:pPr>
-            <a:r>
-              <a:rPr lang="en-US" sz="1600" u="none">
-                <a:ea typeface="ＭＳ Ｐゴシック" charset="0"/>
-                <a:cs typeface="ＭＳ Ｐゴシック" charset="0"/>
+              <a:t>When interpreting rules as </a:t>
+            </a:r>
+            <a:r>
+              <a:rPr lang="ja-JP" altLang="en-US" sz="1800" u="none">
+                <a:sym typeface="Symbol" charset="2"/>
               </a:rPr>
-              <a:t>  true</a:t>
-            </a:r>
-          </a:p>
-          <a:p>
-            <a:pPr>
-              <a:defRPr/>
-            </a:pPr>
-            <a:r>
-              <a:rPr lang="en-US" sz="1600" u="none">
-                <a:ea typeface="ＭＳ Ｐゴシック" charset="0"/>
-                <a:cs typeface="ＭＳ Ｐゴシック" charset="0"/>
+              <a:t>“</a:t>
+            </a:r>
+            <a:r>
+              <a:rPr lang="en-US" altLang="ja-JP" sz="1800" u="none">
+                <a:sym typeface="Symbol" charset="2"/>
               </a:rPr>
-              <a:t>?- a = b.</a:t>
-            </a:r>
-          </a:p>
-          <a:p>
-            <a:pPr>
-              <a:defRPr/>
-            </a:pPr>
-            <a:r>
-              <a:rPr lang="en-US" sz="1600" u="none">
-                <a:ea typeface="ＭＳ Ｐゴシック" charset="0"/>
-                <a:cs typeface="ＭＳ Ｐゴシック" charset="0"/>
+              <a:t>specialized queries</a:t>
+            </a:r>
+            <a:r>
+              <a:rPr lang="ja-JP" altLang="en-US" sz="1800" u="none">
+                <a:sym typeface="Symbol" charset="2"/>
               </a:rPr>
-              <a:t>  false</a:t>
-            </a:r>
-          </a:p>
-          <a:p>
-            <a:pPr>
-              <a:defRPr/>
-            </a:pPr>
-            <a:r>
-              <a:rPr lang="en-US" sz="1600" u="none">
-                <a:ea typeface="ＭＳ Ｐゴシック" charset="0"/>
-                <a:cs typeface="ＭＳ Ｐゴシック" charset="0"/>
+              <a:t>”</a:t>
+            </a:r>
+            <a:r>
+              <a:rPr lang="en-US" altLang="ja-JP" sz="1800" u="none">
+                <a:sym typeface="Symbol" charset="2"/>
               </a:rPr>
-              <a:t>?- a = X.</a:t>
-            </a:r>
-          </a:p>
-          <a:p>
-            <a:pPr>
-              <a:defRPr/>
-            </a:pPr>
-            <a:r>
-              <a:rPr lang="en-US" sz="1600" u="none">
-                <a:ea typeface="ＭＳ Ｐゴシック" charset="0"/>
-                <a:cs typeface="ＭＳ Ｐゴシック" charset="0"/>
+              <a:t>  </a:t>
+            </a:r>
+            <a:r>
+              <a:rPr lang="en-US" altLang="ja-JP" sz="1800">
+                <a:sym typeface="Symbol" charset="2"/>
               </a:rPr>
-              <a:t>  X = a</a:t>
-            </a:r>
-          </a:p>
-          <a:p>
-            <a:pPr>
-              <a:defRPr/>
-            </a:pPr>
-            <a:r>
-              <a:rPr lang="en-US" sz="1600" u="none">
-                <a:ea typeface="ＭＳ Ｐゴシック" charset="0"/>
-                <a:cs typeface="ＭＳ Ｐゴシック" charset="0"/>
+              <a:t>procedural</a:t>
+            </a:r>
+          </a:p>
+          <a:p>
+            <a:endParaRPr lang="en-US" altLang="en-US" sz="1800" u="none">
+              <a:sym typeface="Symbol" charset="2"/>
+            </a:endParaRPr>
+          </a:p>
+          <a:p>
+            <a:r>
+              <a:rPr lang="en-US" altLang="en-US" sz="1800">
+                <a:sym typeface="Symbol" charset="2"/>
               </a:rPr>
-              <a:t>?- X = Y.</a:t>
-            </a:r>
-          </a:p>
-          <a:p>
-            <a:pPr>
-              <a:defRPr/>
-            </a:pPr>
-            <a:r>
-              <a:rPr lang="en-US" sz="1600" u="none">
-                <a:ea typeface="ＭＳ Ｐゴシック" charset="0"/>
-                <a:cs typeface="ＭＳ Ｐゴシック" charset="0"/>
+              <a:t>Observation</a:t>
+            </a:r>
+            <a:r>
+              <a:rPr lang="en-US" altLang="en-US" sz="1800" u="none">
+                <a:sym typeface="Symbol" charset="2"/>
               </a:rPr>
-              <a:t>  true</a:t>
-            </a:r>
-          </a:p>
-        </p:txBody>
-      </p:sp>
-      <p:sp>
-        <p:nvSpPr>
-          <p:cNvPr id="10247" name="Text Box 7"/>
-          <p:cNvSpPr txBox="1">
-            <a:spLocks noChangeArrowheads="1"/>
-          </p:cNvSpPr>
-          <p:nvPr/>
-        </p:nvSpPr>
-        <p:spPr bwMode="auto">
-          <a:xfrm>
-            <a:off x="5257800" y="4648200"/>
-            <a:ext cx="1935163" cy="925513"/>
-          </a:xfrm>
-          <a:prstGeom prst="rect">
-            <a:avLst/>
-          </a:prstGeom>
-          <a:noFill/>
-          <a:ln w="9525">
-            <a:solidFill>
-              <a:srgbClr val="FF0000"/>
-            </a:solidFill>
-            <a:miter lim="800000"/>
-            <a:headEnd/>
-            <a:tailEnd/>
-          </a:ln>
-          <a:effectLst/>
-          <a:extLst>
-            <a:ext uri="{909E8E84-426E-40dd-AFC4-6F175D3DCCD1}">
-              <a14:hiddenFill xmlns:a14="http://schemas.microsoft.com/office/drawing/2010/main" xmlns="">
-                <a:solidFill>
-                  <a:schemeClr val="accent1"/>
-                </a:solidFill>
-              </a14:hiddenFill>
-            </a:ext>
-            <a:ext uri="{AF507438-7753-43e0-B8FC-AC1667EBCBE1}">
-              <a14:hiddenEffects xmlns:a14="http://schemas.microsoft.com/office/drawing/2010/main" xmlns="">
-                <a:effectLst>
-                  <a:outerShdw blurRad="63500" dist="38099" dir="2700000" algn="ctr" rotWithShape="0">
-                    <a:schemeClr val="bg2">
-                      <a:alpha val="74998"/>
-                    </a:schemeClr>
-                  </a:outerShdw>
-                </a:effectLst>
-              </a14:hiddenEffects>
-            </a:ext>
-          </a:extLst>
-        </p:spPr>
-        <p:txBody>
-          <a:bodyPr wrap="none">
-            <a:spAutoFit/>
-          </a:bodyPr>
-          <a:lstStyle/>
-          <a:p>
-            <a:pPr>
-              <a:defRPr/>
-            </a:pPr>
-            <a:r>
-              <a:rPr lang="en-US" sz="1800" u="none">
-                <a:ea typeface="ＭＳ Ｐゴシック" charset="0"/>
-                <a:cs typeface="ＭＳ Ｐゴシック" charset="0"/>
+              <a:t>: We design programs with  declarative meaning in our minds,</a:t>
+            </a:r>
+          </a:p>
+          <a:p>
+            <a:r>
+              <a:rPr lang="en-US" altLang="en-US" sz="1800" u="none">
+                <a:sym typeface="Symbol" charset="2"/>
               </a:rPr>
-              <a:t>Read Section 2</a:t>
-            </a:r>
-          </a:p>
-          <a:p>
-            <a:pPr>
-              <a:defRPr/>
-            </a:pPr>
-            <a:r>
-              <a:rPr lang="en-US" sz="1800" u="none">
-                <a:ea typeface="ＭＳ Ｐゴシック" charset="0"/>
-                <a:cs typeface="ＭＳ Ｐゴシック" charset="0"/>
+              <a:t>but the execution is performed in a procedural fashion.</a:t>
+            </a:r>
+          </a:p>
+          <a:p>
+            <a:endParaRPr lang="en-US" altLang="en-US" sz="1800" u="none">
+              <a:sym typeface="Symbol" charset="2"/>
+            </a:endParaRPr>
+          </a:p>
+          <a:p>
+            <a:r>
+              <a:rPr lang="en-US" altLang="en-US" sz="1800" u="none">
+                <a:sym typeface="Symbol" charset="2"/>
               </a:rPr>
-              <a:t>of Prolog Tutorial</a:t>
-            </a:r>
-          </a:p>
-          <a:p>
-            <a:pPr>
-              <a:defRPr/>
-            </a:pPr>
-            <a:r>
-              <a:rPr lang="en-US" sz="1800" u="none">
-                <a:ea typeface="ＭＳ Ｐゴシック" charset="0"/>
-                <a:cs typeface="ＭＳ Ｐゴシック" charset="0"/>
+              <a:t>Consider:</a:t>
+            </a:r>
+          </a:p>
+          <a:p>
+            <a:endParaRPr lang="en-US" altLang="en-US" sz="1800" u="none">
+              <a:sym typeface="Symbol" charset="2"/>
+            </a:endParaRPr>
+          </a:p>
+          <a:p>
+            <a:r>
+              <a:rPr lang="en-US" altLang="en-US" sz="1800" u="none">
+                <a:sym typeface="Symbol" charset="2"/>
               </a:rPr>
-              <a:t>online</a:t>
-            </a:r>
+              <a:t>	mother(X,Y) :- female(X),parent(X,Y).</a:t>
+            </a:r>
+            <a:endParaRPr lang="en-US" altLang="en-US" sz="1800" u="none"/>
           </a:p>
         </p:txBody>
       </p:sp>
     </p:spTree>
     <p:extLst>
       <p:ext uri="{BB962C8B-B14F-4D97-AF65-F5344CB8AC3E}">
-        <p14:creationId xmlns:p14="http://schemas.microsoft.com/office/powerpoint/2010/main" val="823668285"/>
+        <p14:creationId xmlns:p14="http://schemas.microsoft.com/office/powerpoint/2010/main" val="160406851"/>
       </p:ext>
     </p:extLst>
   </p:cSld>
@@ -21531,7 +21279,7 @@
       </p:grpSpPr>
       <p:sp>
         <p:nvSpPr>
-          <p:cNvPr id="11266" name="Rectangle 2"/>
+          <p:cNvPr id="10242" name="Rectangle 2"/>
           <p:cNvSpPr>
             <a:spLocks noGrp="1" noChangeArrowheads="1"/>
           </p:cNvSpPr>
@@ -21556,7 +21304,7 @@
       </p:sp>
       <p:sp>
         <p:nvSpPr>
-          <p:cNvPr id="11267" name="Rectangle 3"/>
+          <p:cNvPr id="10243" name="Rectangle 3"/>
           <p:cNvSpPr>
             <a:spLocks noGrp="1" noChangeArrowheads="1"/>
           </p:cNvSpPr>
@@ -21567,7 +21315,7 @@
         <p:spPr>
           <a:xfrm>
             <a:off x="609600" y="1600200"/>
-            <a:ext cx="7924800" cy="1390650"/>
+            <a:ext cx="7924800" cy="1309688"/>
           </a:xfrm>
         </p:spPr>
         <p:txBody>
@@ -21578,10 +21326,21 @@
               <a:lnSpc>
                 <a:spcPct val="90000"/>
               </a:lnSpc>
+              <a:buFont typeface="Wingdings" charset="0"/>
+              <a:buChar char="l"/>
+              <a:defRPr/>
             </a:pPr>
             <a:r>
-              <a:rPr lang="en-US" altLang="en-US" sz="2800"/>
-              <a:t>Lists – a convenient way to represent abstract concepts</a:t>
+              <a:rPr lang="en-US" sz="2800" smtClean="0"/>
+              <a:t>The </a:t>
+            </a:r>
+            <a:r>
+              <a:rPr lang="en-US" sz="2800" u="sng" smtClean="0"/>
+              <a:t>unification</a:t>
+            </a:r>
+            <a:r>
+              <a:rPr lang="en-US" sz="2800" smtClean="0"/>
+              <a:t> operator: =/2</a:t>
             </a:r>
           </a:p>
           <a:p>
@@ -21589,17 +21348,28 @@
               <a:lnSpc>
                 <a:spcPct val="90000"/>
               </a:lnSpc>
+              <a:buFont typeface="Wingdings" charset="0"/>
+              <a:buChar char="l"/>
+              <a:defRPr/>
             </a:pPr>
             <a:r>
-              <a:rPr lang="en-US" altLang="en-US" sz="2400"/>
-              <a:t>Prolog has a special notation for lists.</a:t>
+              <a:rPr lang="en-US" sz="2400" smtClean="0"/>
+              <a:t>The expression A=B is true if A and B are terms and </a:t>
+            </a:r>
+            <a:r>
+              <a:rPr lang="en-US" sz="2400" u="sng" smtClean="0"/>
+              <a:t>unify</a:t>
+            </a:r>
+            <a:r>
+              <a:rPr lang="en-US" sz="2400" smtClean="0"/>
+              <a:t> (look identical)</a:t>
             </a:r>
           </a:p>
         </p:txBody>
       </p:sp>
       <p:sp>
         <p:nvSpPr>
-          <p:cNvPr id="11268" name="Text Box 4"/>
+          <p:cNvPr id="10244" name="Text Box 4"/>
           <p:cNvSpPr txBox="1">
             <a:spLocks noChangeArrowheads="1"/>
           </p:cNvSpPr>
@@ -21607,8 +21377,8 @@
         </p:nvSpPr>
         <p:spPr bwMode="auto">
           <a:xfrm>
-            <a:off x="1965325" y="3770313"/>
-            <a:ext cx="806450" cy="915987"/>
+            <a:off x="6172200" y="1371600"/>
+            <a:ext cx="568325" cy="336550"/>
           </a:xfrm>
           <a:prstGeom prst="rect">
             <a:avLst/>
@@ -21659,134 +21429,27 @@
               <a:defRPr/>
             </a:pPr>
             <a:r>
-              <a:rPr lang="en-US" sz="1800" u="none">
+              <a:rPr lang="en-US" sz="1600" u="none">
                 <a:ea typeface="ＭＳ Ｐゴシック" charset="0"/>
                 <a:cs typeface="ＭＳ Ｐゴシック" charset="0"/>
               </a:rPr>
-              <a:t>[a]</a:t>
-            </a:r>
-          </a:p>
-          <a:p>
-            <a:pPr>
-              <a:defRPr/>
-            </a:pPr>
-            <a:r>
-              <a:rPr lang="en-US" sz="1800" u="none">
-                <a:ea typeface="ＭＳ Ｐゴシック" charset="0"/>
-                <a:cs typeface="ＭＳ Ｐゴシック" charset="0"/>
-              </a:rPr>
-              <a:t>[a,b,c]</a:t>
-            </a:r>
-          </a:p>
-          <a:p>
-            <a:pPr>
-              <a:defRPr/>
-            </a:pPr>
-            <a:r>
-              <a:rPr lang="en-US" sz="1800" u="none">
-                <a:ea typeface="ＭＳ Ｐゴシック" charset="0"/>
-                <a:cs typeface="ＭＳ Ｐゴシック" charset="0"/>
-              </a:rPr>
-              <a:t>[ ]</a:t>
+              <a:t>arity</a:t>
             </a:r>
           </a:p>
         </p:txBody>
       </p:sp>
       <p:sp>
         <p:nvSpPr>
-          <p:cNvPr id="11269" name="Text Box 5"/>
-          <p:cNvSpPr txBox="1">
-            <a:spLocks noChangeArrowheads="1"/>
-          </p:cNvSpPr>
-          <p:nvPr/>
-        </p:nvSpPr>
-        <p:spPr bwMode="auto">
-          <a:xfrm>
-            <a:off x="2727325" y="4784725"/>
-            <a:ext cx="815975" cy="581025"/>
-          </a:xfrm>
-          <a:prstGeom prst="rect">
-            <a:avLst/>
-          </a:prstGeom>
-          <a:noFill/>
-          <a:ln>
-            <a:noFill/>
-          </a:ln>
-          <a:effectLst/>
-          <a:extLst>
-            <a:ext uri="{909E8E84-426E-40dd-AFC4-6F175D3DCCD1}">
-              <a14:hiddenFill xmlns:a14="http://schemas.microsoft.com/office/drawing/2010/main" xmlns="">
-                <a:solidFill>
-                  <a:schemeClr val="accent1"/>
-                </a:solidFill>
-              </a14:hiddenFill>
-            </a:ext>
-            <a:ext uri="{91240B29-F687-4f45-9708-019B960494DF}">
-              <a14:hiddenLine xmlns:a14="http://schemas.microsoft.com/office/drawing/2010/main" xmlns="" w="9525">
-                <a:solidFill>
-                  <a:schemeClr val="tx1"/>
-                </a:solidFill>
-                <a:miter lim="800000"/>
-                <a:headEnd/>
-                <a:tailEnd/>
-              </a14:hiddenLine>
-            </a:ext>
-            <a:ext uri="{AF507438-7753-43e0-B8FC-AC1667EBCBE1}">
-              <a14:hiddenEffects xmlns:a14="http://schemas.microsoft.com/office/drawing/2010/main" xmlns="">
-                <a:effectLst>
-                  <a:outerShdw blurRad="63500" dist="38099" dir="2700000" algn="ctr" rotWithShape="0">
-                    <a:schemeClr val="bg2">
-                      <a:alpha val="74998"/>
-                    </a:schemeClr>
-                  </a:outerShdw>
-                </a:effectLst>
-              </a14:hiddenEffects>
-            </a:ext>
-          </a:extLst>
-        </p:spPr>
-        <p:txBody>
-          <a:bodyPr wrap="none">
-            <a:spAutoFit/>
-          </a:bodyPr>
-          <a:lstStyle/>
-          <a:p>
-            <a:pPr>
-              <a:defRPr/>
-            </a:pPr>
-            <a:r>
-              <a:rPr lang="en-US" sz="1600" u="none">
-                <a:ea typeface="ＭＳ Ｐゴシック" charset="0"/>
-                <a:cs typeface="ＭＳ Ｐゴシック" charset="0"/>
-              </a:rPr>
-              <a:t>Empty </a:t>
-            </a:r>
-          </a:p>
-          <a:p>
-            <a:pPr>
-              <a:defRPr/>
-            </a:pPr>
-            <a:r>
-              <a:rPr lang="en-US" sz="1600" u="none">
-                <a:ea typeface="ＭＳ Ｐゴシック" charset="0"/>
-                <a:cs typeface="ＭＳ Ｐゴシック" charset="0"/>
-              </a:rPr>
-              <a:t>List</a:t>
-            </a:r>
-          </a:p>
-        </p:txBody>
-      </p:sp>
-      <p:sp>
-        <p:nvSpPr>
-          <p:cNvPr id="11270" name="Line 6"/>
+          <p:cNvPr id="10245" name="Line 5"/>
           <p:cNvSpPr>
             <a:spLocks noChangeShapeType="1"/>
           </p:cNvSpPr>
           <p:nvPr/>
         </p:nvSpPr>
         <p:spPr bwMode="auto">
-          <a:xfrm flipH="1" flipV="1">
-            <a:off x="2286000" y="4724400"/>
-            <a:ext cx="381000" cy="304800"/>
+          <a:xfrm flipH="1">
+            <a:off x="5715000" y="1600200"/>
+            <a:ext cx="381000" cy="228600"/>
           </a:xfrm>
           <a:prstGeom prst="line">
             <a:avLst/>
@@ -21836,7 +21499,7 @@
       </p:sp>
       <p:sp>
         <p:nvSpPr>
-          <p:cNvPr id="11271" name="Text Box 7"/>
+          <p:cNvPr id="10246" name="Text Box 6"/>
           <p:cNvSpPr txBox="1">
             <a:spLocks noChangeArrowheads="1"/>
           </p:cNvSpPr>
@@ -21844,8 +21507,8 @@
         </p:nvSpPr>
         <p:spPr bwMode="auto">
           <a:xfrm>
-            <a:off x="4937125" y="3641725"/>
-            <a:ext cx="2432050" cy="581025"/>
+            <a:off x="2574925" y="3565525"/>
+            <a:ext cx="981075" cy="2047875"/>
           </a:xfrm>
           <a:prstGeom prst="rect">
             <a:avLst/>
@@ -21900,7 +21563,7 @@
                 <a:ea typeface="ＭＳ Ｐゴシック" charset="0"/>
                 <a:cs typeface="ＭＳ Ｐゴシック" charset="0"/>
               </a:rPr>
-              <a:t>[ bmw, vw, mercedes ] </a:t>
+              <a:t>?- a = a.</a:t>
             </a:r>
           </a:p>
           <a:p>
@@ -21912,7 +21575,169 @@
                 <a:ea typeface="ＭＳ Ｐゴシック" charset="0"/>
                 <a:cs typeface="ＭＳ Ｐゴシック" charset="0"/>
               </a:rPr>
-              <a:t>[ chicken, turkey, goose ]</a:t>
+              <a:t>  true</a:t>
+            </a:r>
+          </a:p>
+          <a:p>
+            <a:pPr>
+              <a:defRPr/>
+            </a:pPr>
+            <a:r>
+              <a:rPr lang="en-US" sz="1600" u="none">
+                <a:ea typeface="ＭＳ Ｐゴシック" charset="0"/>
+                <a:cs typeface="ＭＳ Ｐゴシック" charset="0"/>
+              </a:rPr>
+              <a:t>?- a = b.</a:t>
+            </a:r>
+          </a:p>
+          <a:p>
+            <a:pPr>
+              <a:defRPr/>
+            </a:pPr>
+            <a:r>
+              <a:rPr lang="en-US" sz="1600" u="none">
+                <a:ea typeface="ＭＳ Ｐゴシック" charset="0"/>
+                <a:cs typeface="ＭＳ Ｐゴシック" charset="0"/>
+              </a:rPr>
+              <a:t>  false</a:t>
+            </a:r>
+          </a:p>
+          <a:p>
+            <a:pPr>
+              <a:defRPr/>
+            </a:pPr>
+            <a:r>
+              <a:rPr lang="en-US" sz="1600" u="none">
+                <a:ea typeface="ＭＳ Ｐゴシック" charset="0"/>
+                <a:cs typeface="ＭＳ Ｐゴシック" charset="0"/>
+              </a:rPr>
+              <a:t>?- a = X.</a:t>
+            </a:r>
+          </a:p>
+          <a:p>
+            <a:pPr>
+              <a:defRPr/>
+            </a:pPr>
+            <a:r>
+              <a:rPr lang="en-US" sz="1600" u="none">
+                <a:ea typeface="ＭＳ Ｐゴシック" charset="0"/>
+                <a:cs typeface="ＭＳ Ｐゴシック" charset="0"/>
+              </a:rPr>
+              <a:t>  X = a</a:t>
+            </a:r>
+          </a:p>
+          <a:p>
+            <a:pPr>
+              <a:defRPr/>
+            </a:pPr>
+            <a:r>
+              <a:rPr lang="en-US" sz="1600" u="none">
+                <a:ea typeface="ＭＳ Ｐゴシック" charset="0"/>
+                <a:cs typeface="ＭＳ Ｐゴシック" charset="0"/>
+              </a:rPr>
+              <a:t>?- X = Y.</a:t>
+            </a:r>
+          </a:p>
+          <a:p>
+            <a:pPr>
+              <a:defRPr/>
+            </a:pPr>
+            <a:r>
+              <a:rPr lang="en-US" sz="1600" u="none">
+                <a:ea typeface="ＭＳ Ｐゴシック" charset="0"/>
+                <a:cs typeface="ＭＳ Ｐゴシック" charset="0"/>
+              </a:rPr>
+              <a:t>  true</a:t>
+            </a:r>
+          </a:p>
+        </p:txBody>
+      </p:sp>
+      <p:sp>
+        <p:nvSpPr>
+          <p:cNvPr id="10247" name="Text Box 7"/>
+          <p:cNvSpPr txBox="1">
+            <a:spLocks noChangeArrowheads="1"/>
+          </p:cNvSpPr>
+          <p:nvPr/>
+        </p:nvSpPr>
+        <p:spPr bwMode="auto">
+          <a:xfrm>
+            <a:off x="5257800" y="4648200"/>
+            <a:ext cx="1935163" cy="925513"/>
+          </a:xfrm>
+          <a:prstGeom prst="rect">
+            <a:avLst/>
+          </a:prstGeom>
+          <a:noFill/>
+          <a:ln w="9525">
+            <a:solidFill>
+              <a:srgbClr val="FF0000"/>
+            </a:solidFill>
+            <a:miter lim="800000"/>
+            <a:headEnd/>
+            <a:tailEnd/>
+          </a:ln>
+          <a:effectLst/>
+          <a:extLst>
+            <a:ext uri="{909E8E84-426E-40dd-AFC4-6F175D3DCCD1}">
+              <a14:hiddenFill xmlns:a14="http://schemas.microsoft.com/office/drawing/2010/main" xmlns="">
+                <a:solidFill>
+                  <a:schemeClr val="accent1"/>
+                </a:solidFill>
+              </a14:hiddenFill>
+            </a:ext>
+            <a:ext uri="{AF507438-7753-43e0-B8FC-AC1667EBCBE1}">
+              <a14:hiddenEffects xmlns:a14="http://schemas.microsoft.com/office/drawing/2010/main" xmlns="">
+                <a:effectLst>
+                  <a:outerShdw blurRad="63500" dist="38099" dir="2700000" algn="ctr" rotWithShape="0">
+                    <a:schemeClr val="bg2">
+                      <a:alpha val="74998"/>
+                    </a:schemeClr>
+                  </a:outerShdw>
+                </a:effectLst>
+              </a14:hiddenEffects>
+            </a:ext>
+          </a:extLst>
+        </p:spPr>
+        <p:txBody>
+          <a:bodyPr wrap="none">
+            <a:spAutoFit/>
+          </a:bodyPr>
+          <a:lstStyle/>
+          <a:p>
+            <a:pPr>
+              <a:defRPr/>
+            </a:pPr>
+            <a:r>
+              <a:rPr lang="en-US" sz="1800" u="none">
+                <a:ea typeface="ＭＳ Ｐゴシック" charset="0"/>
+                <a:cs typeface="ＭＳ Ｐゴシック" charset="0"/>
+              </a:rPr>
+              <a:t>Read Section 2</a:t>
+            </a:r>
+          </a:p>
+          <a:p>
+            <a:pPr>
+              <a:defRPr/>
+            </a:pPr>
+            <a:r>
+              <a:rPr lang="en-US" sz="1800" u="none">
+                <a:ea typeface="ＭＳ Ｐゴシック" charset="0"/>
+                <a:cs typeface="ＭＳ Ｐゴシック" charset="0"/>
+              </a:rPr>
+              <a:t>of Prolog Tutorial</a:t>
+            </a:r>
+          </a:p>
+          <a:p>
+            <a:pPr>
+              <a:defRPr/>
+            </a:pPr>
+            <a:r>
+              <a:rPr lang="en-US" sz="1800" u="none">
+                <a:ea typeface="ＭＳ Ｐゴシック" charset="0"/>
+                <a:cs typeface="ＭＳ Ｐゴシック" charset="0"/>
+              </a:rPr>
+              <a:t>online</a:t>
             </a:r>
           </a:p>
         </p:txBody>
@@ -21920,7 +21745,7 @@
     </p:spTree>
     <p:extLst>
       <p:ext uri="{BB962C8B-B14F-4D97-AF65-F5344CB8AC3E}">
-        <p14:creationId xmlns:p14="http://schemas.microsoft.com/office/powerpoint/2010/main" val="800098877"/>
+        <p14:creationId xmlns:p14="http://schemas.microsoft.com/office/powerpoint/2010/main" val="823668285"/>
       </p:ext>
     </p:extLst>
   </p:cSld>
@@ -21956,6 +21781,431 @@
       </p:grpSpPr>
       <p:sp>
         <p:nvSpPr>
+          <p:cNvPr id="11266" name="Rectangle 2"/>
+          <p:cNvSpPr>
+            <a:spLocks noGrp="1" noChangeArrowheads="1"/>
+          </p:cNvSpPr>
+          <p:nvPr>
+            <p:ph type="title"/>
+          </p:nvPr>
+        </p:nvSpPr>
+        <p:spPr/>
+        <p:txBody>
+          <a:bodyPr/>
+          <a:lstStyle/>
+          <a:p>
+            <a:pPr eaLnBrk="1" hangingPunct="1">
+              <a:defRPr/>
+            </a:pPr>
+            <a:r>
+              <a:rPr lang="en-US" smtClean="0"/>
+              <a:t>Lists &amp; Pattern Matching</a:t>
+            </a:r>
+          </a:p>
+        </p:txBody>
+      </p:sp>
+      <p:sp>
+        <p:nvSpPr>
+          <p:cNvPr id="11267" name="Rectangle 3"/>
+          <p:cNvSpPr>
+            <a:spLocks noGrp="1" noChangeArrowheads="1"/>
+          </p:cNvSpPr>
+          <p:nvPr>
+            <p:ph type="body" idx="1"/>
+          </p:nvPr>
+        </p:nvSpPr>
+        <p:spPr>
+          <a:xfrm>
+            <a:off x="609600" y="1600200"/>
+            <a:ext cx="7924800" cy="1390650"/>
+          </a:xfrm>
+        </p:spPr>
+        <p:txBody>
+          <a:bodyPr/>
+          <a:lstStyle/>
+          <a:p>
+            <a:pPr eaLnBrk="1" hangingPunct="1">
+              <a:lnSpc>
+                <a:spcPct val="90000"/>
+              </a:lnSpc>
+            </a:pPr>
+            <a:r>
+              <a:rPr lang="en-US" altLang="en-US" sz="2800"/>
+              <a:t>Lists – a convenient way to represent abstract concepts</a:t>
+            </a:r>
+          </a:p>
+          <a:p>
+            <a:pPr lvl="1" eaLnBrk="1" hangingPunct="1">
+              <a:lnSpc>
+                <a:spcPct val="90000"/>
+              </a:lnSpc>
+            </a:pPr>
+            <a:r>
+              <a:rPr lang="en-US" altLang="en-US" sz="2400"/>
+              <a:t>Prolog has a special notation for lists.</a:t>
+            </a:r>
+          </a:p>
+        </p:txBody>
+      </p:sp>
+      <p:sp>
+        <p:nvSpPr>
+          <p:cNvPr id="11268" name="Text Box 4"/>
+          <p:cNvSpPr txBox="1">
+            <a:spLocks noChangeArrowheads="1"/>
+          </p:cNvSpPr>
+          <p:nvPr/>
+        </p:nvSpPr>
+        <p:spPr bwMode="auto">
+          <a:xfrm>
+            <a:off x="1965325" y="3770313"/>
+            <a:ext cx="806450" cy="915987"/>
+          </a:xfrm>
+          <a:prstGeom prst="rect">
+            <a:avLst/>
+          </a:prstGeom>
+          <a:noFill/>
+          <a:ln>
+            <a:noFill/>
+          </a:ln>
+          <a:effectLst/>
+          <a:extLst>
+            <a:ext uri="{909E8E84-426E-40dd-AFC4-6F175D3DCCD1}">
+              <a14:hiddenFill xmlns:a14="http://schemas.microsoft.com/office/drawing/2010/main" xmlns="">
+                <a:solidFill>
+                  <a:schemeClr val="accent1"/>
+                </a:solidFill>
+              </a14:hiddenFill>
+            </a:ext>
+            <a:ext uri="{91240B29-F687-4f45-9708-019B960494DF}">
+              <a14:hiddenLine xmlns:a14="http://schemas.microsoft.com/office/drawing/2010/main" xmlns="" w="9525">
+                <a:solidFill>
+                  <a:schemeClr val="tx1"/>
+                </a:solidFill>
+                <a:miter lim="800000"/>
+                <a:headEnd/>
+                <a:tailEnd/>
+              </a14:hiddenLine>
+            </a:ext>
+            <a:ext uri="{AF507438-7753-43e0-B8FC-AC1667EBCBE1}">
+              <a14:hiddenEffects xmlns:a14="http://schemas.microsoft.com/office/drawing/2010/main" xmlns="">
+                <a:effectLst>
+                  <a:outerShdw blurRad="63500" dist="38099" dir="2700000" algn="ctr" rotWithShape="0">
+                    <a:schemeClr val="bg2">
+                      <a:alpha val="74998"/>
+                    </a:schemeClr>
+                  </a:outerShdw>
+                </a:effectLst>
+              </a14:hiddenEffects>
+            </a:ext>
+          </a:extLst>
+        </p:spPr>
+        <p:txBody>
+          <a:bodyPr wrap="none">
+            <a:spAutoFit/>
+          </a:bodyPr>
+          <a:lstStyle/>
+          <a:p>
+            <a:pPr>
+              <a:defRPr/>
+            </a:pPr>
+            <a:r>
+              <a:rPr lang="en-US" sz="1800" u="none">
+                <a:ea typeface="ＭＳ Ｐゴシック" charset="0"/>
+                <a:cs typeface="ＭＳ Ｐゴシック" charset="0"/>
+              </a:rPr>
+              <a:t>[a]</a:t>
+            </a:r>
+          </a:p>
+          <a:p>
+            <a:pPr>
+              <a:defRPr/>
+            </a:pPr>
+            <a:r>
+              <a:rPr lang="en-US" sz="1800" u="none">
+                <a:ea typeface="ＭＳ Ｐゴシック" charset="0"/>
+                <a:cs typeface="ＭＳ Ｐゴシック" charset="0"/>
+              </a:rPr>
+              <a:t>[a,b,c]</a:t>
+            </a:r>
+          </a:p>
+          <a:p>
+            <a:pPr>
+              <a:defRPr/>
+            </a:pPr>
+            <a:r>
+              <a:rPr lang="en-US" sz="1800" u="none">
+                <a:ea typeface="ＭＳ Ｐゴシック" charset="0"/>
+                <a:cs typeface="ＭＳ Ｐゴシック" charset="0"/>
+              </a:rPr>
+              <a:t>[ ]</a:t>
+            </a:r>
+          </a:p>
+        </p:txBody>
+      </p:sp>
+      <p:sp>
+        <p:nvSpPr>
+          <p:cNvPr id="11269" name="Text Box 5"/>
+          <p:cNvSpPr txBox="1">
+            <a:spLocks noChangeArrowheads="1"/>
+          </p:cNvSpPr>
+          <p:nvPr/>
+        </p:nvSpPr>
+        <p:spPr bwMode="auto">
+          <a:xfrm>
+            <a:off x="2727325" y="4784725"/>
+            <a:ext cx="815975" cy="581025"/>
+          </a:xfrm>
+          <a:prstGeom prst="rect">
+            <a:avLst/>
+          </a:prstGeom>
+          <a:noFill/>
+          <a:ln>
+            <a:noFill/>
+          </a:ln>
+          <a:effectLst/>
+          <a:extLst>
+            <a:ext uri="{909E8E84-426E-40dd-AFC4-6F175D3DCCD1}">
+              <a14:hiddenFill xmlns:a14="http://schemas.microsoft.com/office/drawing/2010/main" xmlns="">
+                <a:solidFill>
+                  <a:schemeClr val="accent1"/>
+                </a:solidFill>
+              </a14:hiddenFill>
+            </a:ext>
+            <a:ext uri="{91240B29-F687-4f45-9708-019B960494DF}">
+              <a14:hiddenLine xmlns:a14="http://schemas.microsoft.com/office/drawing/2010/main" xmlns="" w="9525">
+                <a:solidFill>
+                  <a:schemeClr val="tx1"/>
+                </a:solidFill>
+                <a:miter lim="800000"/>
+                <a:headEnd/>
+                <a:tailEnd/>
+              </a14:hiddenLine>
+            </a:ext>
+            <a:ext uri="{AF507438-7753-43e0-B8FC-AC1667EBCBE1}">
+              <a14:hiddenEffects xmlns:a14="http://schemas.microsoft.com/office/drawing/2010/main" xmlns="">
+                <a:effectLst>
+                  <a:outerShdw blurRad="63500" dist="38099" dir="2700000" algn="ctr" rotWithShape="0">
+                    <a:schemeClr val="bg2">
+                      <a:alpha val="74998"/>
+                    </a:schemeClr>
+                  </a:outerShdw>
+                </a:effectLst>
+              </a14:hiddenEffects>
+            </a:ext>
+          </a:extLst>
+        </p:spPr>
+        <p:txBody>
+          <a:bodyPr wrap="none">
+            <a:spAutoFit/>
+          </a:bodyPr>
+          <a:lstStyle/>
+          <a:p>
+            <a:pPr>
+              <a:defRPr/>
+            </a:pPr>
+            <a:r>
+              <a:rPr lang="en-US" sz="1600" u="none">
+                <a:ea typeface="ＭＳ Ｐゴシック" charset="0"/>
+                <a:cs typeface="ＭＳ Ｐゴシック" charset="0"/>
+              </a:rPr>
+              <a:t>Empty </a:t>
+            </a:r>
+          </a:p>
+          <a:p>
+            <a:pPr>
+              <a:defRPr/>
+            </a:pPr>
+            <a:r>
+              <a:rPr lang="en-US" sz="1600" u="none">
+                <a:ea typeface="ＭＳ Ｐゴシック" charset="0"/>
+                <a:cs typeface="ＭＳ Ｐゴシック" charset="0"/>
+              </a:rPr>
+              <a:t>List</a:t>
+            </a:r>
+          </a:p>
+        </p:txBody>
+      </p:sp>
+      <p:sp>
+        <p:nvSpPr>
+          <p:cNvPr id="11270" name="Line 6"/>
+          <p:cNvSpPr>
+            <a:spLocks noChangeShapeType="1"/>
+          </p:cNvSpPr>
+          <p:nvPr/>
+        </p:nvSpPr>
+        <p:spPr bwMode="auto">
+          <a:xfrm flipH="1" flipV="1">
+            <a:off x="2286000" y="4724400"/>
+            <a:ext cx="381000" cy="304800"/>
+          </a:xfrm>
+          <a:prstGeom prst="line">
+            <a:avLst/>
+          </a:prstGeom>
+          <a:noFill/>
+          <a:ln w="9525">
+            <a:solidFill>
+              <a:schemeClr val="tx1"/>
+            </a:solidFill>
+            <a:round/>
+            <a:headEnd/>
+            <a:tailEnd type="triangle" w="med" len="med"/>
+          </a:ln>
+          <a:effectLst/>
+          <a:extLst>
+            <a:ext uri="{909E8E84-426E-40dd-AFC4-6F175D3DCCD1}">
+              <a14:hiddenFill xmlns:a14="http://schemas.microsoft.com/office/drawing/2010/main" xmlns="">
+                <a:noFill/>
+              </a14:hiddenFill>
+            </a:ext>
+            <a:ext uri="{AF507438-7753-43e0-B8FC-AC1667EBCBE1}">
+              <a14:hiddenEffects xmlns:a14="http://schemas.microsoft.com/office/drawing/2010/main" xmlns="">
+                <a:effectLst>
+                  <a:outerShdw blurRad="63500" dist="38099" dir="2700000" algn="ctr" rotWithShape="0">
+                    <a:schemeClr val="bg2">
+                      <a:alpha val="74998"/>
+                    </a:schemeClr>
+                  </a:outerShdw>
+                </a:effectLst>
+              </a14:hiddenEffects>
+            </a:ext>
+          </a:extLst>
+        </p:spPr>
+        <p:txBody>
+          <a:bodyPr/>
+          <a:lstStyle/>
+          <a:p>
+            <a:pPr>
+              <a:defRPr/>
+            </a:pPr>
+            <a:endParaRPr lang="en-US" sz="1800">
+              <a:ea typeface="ＭＳ Ｐゴシック" charset="0"/>
+              <a:cs typeface="ＭＳ Ｐゴシック" charset="0"/>
+            </a:endParaRPr>
+          </a:p>
+        </p:txBody>
+      </p:sp>
+      <p:sp>
+        <p:nvSpPr>
+          <p:cNvPr id="11271" name="Text Box 7"/>
+          <p:cNvSpPr txBox="1">
+            <a:spLocks noChangeArrowheads="1"/>
+          </p:cNvSpPr>
+          <p:nvPr/>
+        </p:nvSpPr>
+        <p:spPr bwMode="auto">
+          <a:xfrm>
+            <a:off x="4937125" y="3641725"/>
+            <a:ext cx="2432050" cy="581025"/>
+          </a:xfrm>
+          <a:prstGeom prst="rect">
+            <a:avLst/>
+          </a:prstGeom>
+          <a:noFill/>
+          <a:ln>
+            <a:noFill/>
+          </a:ln>
+          <a:effectLst/>
+          <a:extLst>
+            <a:ext uri="{909E8E84-426E-40dd-AFC4-6F175D3DCCD1}">
+              <a14:hiddenFill xmlns:a14="http://schemas.microsoft.com/office/drawing/2010/main" xmlns="">
+                <a:solidFill>
+                  <a:schemeClr val="accent1"/>
+                </a:solidFill>
+              </a14:hiddenFill>
+            </a:ext>
+            <a:ext uri="{91240B29-F687-4f45-9708-019B960494DF}">
+              <a14:hiddenLine xmlns:a14="http://schemas.microsoft.com/office/drawing/2010/main" xmlns="" w="9525">
+                <a:solidFill>
+                  <a:schemeClr val="tx1"/>
+                </a:solidFill>
+                <a:miter lim="800000"/>
+                <a:headEnd/>
+                <a:tailEnd/>
+              </a14:hiddenLine>
+            </a:ext>
+            <a:ext uri="{AF507438-7753-43e0-B8FC-AC1667EBCBE1}">
+              <a14:hiddenEffects xmlns:a14="http://schemas.microsoft.com/office/drawing/2010/main" xmlns="">
+                <a:effectLst>
+                  <a:outerShdw blurRad="63500" dist="38099" dir="2700000" algn="ctr" rotWithShape="0">
+                    <a:schemeClr val="bg2">
+                      <a:alpha val="74998"/>
+                    </a:schemeClr>
+                  </a:outerShdw>
+                </a:effectLst>
+              </a14:hiddenEffects>
+            </a:ext>
+          </a:extLst>
+        </p:spPr>
+        <p:txBody>
+          <a:bodyPr wrap="none">
+            <a:spAutoFit/>
+          </a:bodyPr>
+          <a:lstStyle/>
+          <a:p>
+            <a:pPr>
+              <a:defRPr/>
+            </a:pPr>
+            <a:r>
+              <a:rPr lang="en-US" sz="1600" u="none">
+                <a:ea typeface="ＭＳ Ｐゴシック" charset="0"/>
+                <a:cs typeface="ＭＳ Ｐゴシック" charset="0"/>
+              </a:rPr>
+              <a:t>[ bmw, vw, mercedes ] </a:t>
+            </a:r>
+          </a:p>
+          <a:p>
+            <a:pPr>
+              <a:defRPr/>
+            </a:pPr>
+            <a:r>
+              <a:rPr lang="en-US" sz="1600" u="none">
+                <a:ea typeface="ＭＳ Ｐゴシック" charset="0"/>
+                <a:cs typeface="ＭＳ Ｐゴシック" charset="0"/>
+              </a:rPr>
+              <a:t>[ chicken, turkey, goose ]</a:t>
+            </a:r>
+          </a:p>
+        </p:txBody>
+      </p:sp>
+    </p:spTree>
+    <p:extLst>
+      <p:ext uri="{BB962C8B-B14F-4D97-AF65-F5344CB8AC3E}">
+        <p14:creationId xmlns:p14="http://schemas.microsoft.com/office/powerpoint/2010/main" val="800098877"/>
+      </p:ext>
+    </p:extLst>
+  </p:cSld>
+  <p:clrMapOvr>
+    <a:masterClrMapping/>
+  </p:clrMapOvr>
+  <p:timing>
+    <p:tnLst>
+      <p:par>
+        <p:cTn id="1" dur="indefinite" restart="never" nodeType="tmRoot"/>
+      </p:par>
+    </p:tnLst>
+  </p:timing>
+</p:sld>
+</file>
+
+<file path=ppt/slides/slide25.xml><?xml version="1.0" encoding="utf-8"?>
+<p:sld xmlns:a="http://schemas.openxmlformats.org/drawingml/2006/main" xmlns:r="http://schemas.openxmlformats.org/officeDocument/2006/relationships" xmlns:p="http://schemas.openxmlformats.org/presentationml/2006/main">
+  <p:cSld>
+    <p:spTree>
+      <p:nvGrpSpPr>
+        <p:cNvPr id="1" name=""/>
+        <p:cNvGrpSpPr/>
+        <p:nvPr/>
+      </p:nvGrpSpPr>
+      <p:grpSpPr>
+        <a:xfrm>
+          <a:off x="0" y="0"/>
+          <a:ext cx="0" cy="0"/>
+          <a:chOff x="0" y="0"/>
+          <a:chExt cx="0" cy="0"/>
+        </a:xfrm>
+      </p:grpSpPr>
+      <p:sp>
+        <p:nvSpPr>
           <p:cNvPr id="12290" name="Rectangle 2"/>
           <p:cNvSpPr>
             <a:spLocks noGrp="1" noChangeArrowheads="1"/>
@@ -22498,7 +22748,7 @@
 </p:sld>
 </file>
 
-<file path=ppt/slides/slide25.xml><?xml version="1.0" encoding="utf-8"?>
+<file path=ppt/slides/slide26.xml><?xml version="1.0" encoding="utf-8"?>
 <p:sld xmlns:a="http://schemas.openxmlformats.org/drawingml/2006/main" xmlns:r="http://schemas.openxmlformats.org/officeDocument/2006/relationships" xmlns:p="http://schemas.openxmlformats.org/presentationml/2006/main">
   <p:cSld>
     <p:spTree>
@@ -23162,7 +23412,7 @@
 </p:sld>
 </file>
 
-<file path=ppt/slides/slide26.xml><?xml version="1.0" encoding="utf-8"?>
+<file path=ppt/slides/slide27.xml><?xml version="1.0" encoding="utf-8"?>
 <p:sld xmlns:a="http://schemas.openxmlformats.org/drawingml/2006/main" xmlns:r="http://schemas.openxmlformats.org/officeDocument/2006/relationships" xmlns:p="http://schemas.openxmlformats.org/presentationml/2006/main">
   <p:cSld>
     <p:spTree>
@@ -23502,7 +23752,7 @@
 </p:sld>
 </file>
 
-<file path=ppt/slides/slide27.xml><?xml version="1.0" encoding="utf-8"?>
+<file path=ppt/slides/slide28.xml><?xml version="1.0" encoding="utf-8"?>
 <p:sld xmlns:a="http://schemas.openxmlformats.org/drawingml/2006/main" xmlns:r="http://schemas.openxmlformats.org/officeDocument/2006/relationships" xmlns:p="http://schemas.openxmlformats.org/presentationml/2006/main">
   <p:cSld>
     <p:spTree>
@@ -23991,7 +24241,7 @@
 </p:sld>
 </file>
 
-<file path=ppt/slides/slide28.xml><?xml version="1.0" encoding="utf-8"?>
+<file path=ppt/slides/slide29.xml><?xml version="1.0" encoding="utf-8"?>
 <p:sld xmlns:a="http://schemas.openxmlformats.org/drawingml/2006/main" xmlns:r="http://schemas.openxmlformats.org/officeDocument/2006/relationships" xmlns:p="http://schemas.openxmlformats.org/presentationml/2006/main">
   <p:cSld>
     <p:spTree>
@@ -24066,379 +24316,6 @@
     <p:extLst>
       <p:ext uri="{BB962C8B-B14F-4D97-AF65-F5344CB8AC3E}">
         <p14:creationId xmlns:p14="http://schemas.microsoft.com/office/powerpoint/2010/main" val="2119533320"/>
-      </p:ext>
-    </p:extLst>
-  </p:cSld>
-  <p:clrMapOvr>
-    <a:masterClrMapping/>
-  </p:clrMapOvr>
-  <p:timing>
-    <p:tnLst>
-      <p:par>
-        <p:cTn id="1" dur="indefinite" restart="never" nodeType="tmRoot"/>
-      </p:par>
-    </p:tnLst>
-  </p:timing>
-</p:sld>
-</file>
-
-<file path=ppt/slides/slide29.xml><?xml version="1.0" encoding="utf-8"?>
-<p:sld xmlns:a="http://schemas.openxmlformats.org/drawingml/2006/main" xmlns:r="http://schemas.openxmlformats.org/officeDocument/2006/relationships" xmlns:p="http://schemas.openxmlformats.org/presentationml/2006/main">
-  <p:cSld>
-    <p:spTree>
-      <p:nvGrpSpPr>
-        <p:cNvPr id="1" name=""/>
-        <p:cNvGrpSpPr/>
-        <p:nvPr/>
-      </p:nvGrpSpPr>
-      <p:grpSpPr>
-        <a:xfrm>
-          <a:off x="0" y="0"/>
-          <a:ext cx="0" cy="0"/>
-          <a:chOff x="0" y="0"/>
-          <a:chExt cx="0" cy="0"/>
-        </a:xfrm>
-      </p:grpSpPr>
-      <p:sp>
-        <p:nvSpPr>
-          <p:cNvPr id="3074" name="Rectangle 2"/>
-          <p:cNvSpPr>
-            <a:spLocks noGrp="1" noChangeArrowheads="1"/>
-          </p:cNvSpPr>
-          <p:nvPr>
-            <p:ph type="title"/>
-          </p:nvPr>
-        </p:nvSpPr>
-        <p:spPr/>
-        <p:txBody>
-          <a:bodyPr/>
-          <a:lstStyle/>
-          <a:p>
-            <a:pPr eaLnBrk="1" hangingPunct="1">
-              <a:defRPr/>
-            </a:pPr>
-            <a:r>
-              <a:rPr lang="en-US" altLang="en-US" smtClean="0"/>
-              <a:t>Prolog – Arithmetic </a:t>
-            </a:r>
-          </a:p>
-        </p:txBody>
-      </p:sp>
-      <p:sp>
-        <p:nvSpPr>
-          <p:cNvPr id="3075" name="Rectangle 3"/>
-          <p:cNvSpPr>
-            <a:spLocks noGrp="1" noChangeArrowheads="1"/>
-          </p:cNvSpPr>
-          <p:nvPr>
-            <p:ph type="body" idx="1"/>
-          </p:nvPr>
-        </p:nvSpPr>
-        <p:spPr>
-          <a:xfrm>
-            <a:off x="609600" y="1600200"/>
-            <a:ext cx="7924800" cy="2127250"/>
-          </a:xfrm>
-        </p:spPr>
-        <p:txBody>
-          <a:bodyPr/>
-          <a:lstStyle/>
-          <a:p>
-            <a:pPr eaLnBrk="1" hangingPunct="1">
-              <a:lnSpc>
-                <a:spcPct val="90000"/>
-              </a:lnSpc>
-              <a:defRPr/>
-            </a:pPr>
-            <a:r>
-              <a:rPr lang="en-US" altLang="en-US" sz="2000" dirty="0" smtClean="0"/>
-              <a:t>Prolog is a programming language, therefore, arithmetic is implemented as expected.</a:t>
-            </a:r>
-          </a:p>
-          <a:p>
-            <a:pPr eaLnBrk="1" hangingPunct="1">
-              <a:lnSpc>
-                <a:spcPct val="90000"/>
-              </a:lnSpc>
-              <a:defRPr/>
-            </a:pPr>
-            <a:r>
-              <a:rPr lang="en-US" altLang="en-US" sz="2000" dirty="0" smtClean="0"/>
-              <a:t>The only difference to other programming languages is that assignment is done via the predicate </a:t>
-            </a:r>
-            <a:r>
-              <a:rPr lang="en-US" altLang="en-US" sz="2000" u="sng" dirty="0" smtClean="0"/>
-              <a:t>is</a:t>
-            </a:r>
-            <a:r>
-              <a:rPr lang="en-US" altLang="en-US" sz="2000" dirty="0" smtClean="0"/>
-              <a:t> rather than the equal sign, since the equal sign has been used for the unification operator.</a:t>
-            </a:r>
-          </a:p>
-        </p:txBody>
-      </p:sp>
-      <p:sp>
-        <p:nvSpPr>
-          <p:cNvPr id="3076" name="Text Box 4"/>
-          <p:cNvSpPr txBox="1">
-            <a:spLocks noChangeArrowheads="1"/>
-          </p:cNvSpPr>
-          <p:nvPr/>
-        </p:nvSpPr>
-        <p:spPr bwMode="auto">
-          <a:xfrm>
-            <a:off x="1660525" y="4267200"/>
-            <a:ext cx="2281394" cy="2031325"/>
-          </a:xfrm>
-          <a:prstGeom prst="rect">
-            <a:avLst/>
-          </a:prstGeom>
-          <a:noFill/>
-          <a:ln>
-            <a:noFill/>
-          </a:ln>
-          <a:effectLst/>
-          <a:extLst>
-            <a:ext uri="{909E8E84-426E-40DD-AFC4-6F175D3DCCD1}">
-              <a14:hiddenFill xmlns:a14="http://schemas.microsoft.com/office/drawing/2010/main">
-                <a:solidFill>
-                  <a:schemeClr val="accent1"/>
-                </a:solidFill>
-              </a14:hiddenFill>
-            </a:ext>
-            <a:ext uri="{91240B29-F687-4F45-9708-019B960494DF}">
-              <a14:hiddenLine xmlns:a14="http://schemas.microsoft.com/office/drawing/2010/main" w="9525">
-                <a:solidFill>
-                  <a:schemeClr val="tx1"/>
-                </a:solidFill>
-                <a:miter lim="800000"/>
-                <a:headEnd/>
-                <a:tailEnd/>
-              </a14:hiddenLine>
-            </a:ext>
-            <a:ext uri="{AF507438-7753-43E0-B8FC-AC1667EBCBE1}">
-              <a14:hiddenEffects xmlns:a14="http://schemas.microsoft.com/office/drawing/2010/main">
-                <a:effectLst>
-                  <a:outerShdw blurRad="63500" dist="38099" dir="2700000" algn="ctr" rotWithShape="0">
-                    <a:schemeClr val="bg2">
-                      <a:alpha val="74998"/>
-                    </a:schemeClr>
-                  </a:outerShdw>
-                </a:effectLst>
-              </a14:hiddenEffects>
-            </a:ext>
-          </a:extLst>
-        </p:spPr>
-        <p:txBody>
-          <a:bodyPr wrap="none">
-            <a:spAutoFit/>
-          </a:bodyPr>
-          <a:lstStyle/>
-          <a:p>
-            <a:pPr>
-              <a:defRPr/>
-            </a:pPr>
-            <a:r>
-              <a:rPr lang="en-US" altLang="en-US" sz="1800" u="sng" dirty="0"/>
-              <a:t>Examples:</a:t>
-            </a:r>
-            <a:r>
-              <a:rPr lang="en-US" altLang="en-US" sz="1800" dirty="0"/>
-              <a:t> </a:t>
-            </a:r>
-          </a:p>
-          <a:p>
-            <a:pPr>
-              <a:defRPr/>
-            </a:pPr>
-            <a:r>
-              <a:rPr lang="en-US" altLang="en-US" sz="1800" dirty="0"/>
-              <a:t>    </a:t>
-            </a:r>
-          </a:p>
-          <a:p>
-            <a:pPr>
-              <a:defRPr/>
-            </a:pPr>
-            <a:r>
-              <a:rPr lang="en-US" altLang="en-US" sz="1800" dirty="0"/>
-              <a:t>?- X is 10 + 5;</a:t>
-            </a:r>
-          </a:p>
-          <a:p>
-            <a:pPr>
-              <a:defRPr/>
-            </a:pPr>
-            <a:r>
-              <a:rPr lang="en-US" altLang="en-US" sz="1800" dirty="0"/>
-              <a:t>X = </a:t>
-            </a:r>
-            <a:r>
-              <a:rPr lang="en-US" altLang="en-US" sz="1800" dirty="0" smtClean="0"/>
-              <a:t>15</a:t>
-            </a:r>
-          </a:p>
-          <a:p>
-            <a:pPr>
-              <a:defRPr/>
-            </a:pPr>
-            <a:endParaRPr lang="en-US" altLang="en-US" sz="1800" dirty="0"/>
-          </a:p>
-          <a:p>
-            <a:pPr>
-              <a:defRPr/>
-            </a:pPr>
-            <a:r>
-              <a:rPr lang="en-US" altLang="en-US" sz="1800" dirty="0"/>
-              <a:t>?- X is 10 + 5 * 6 / 3;</a:t>
-            </a:r>
-          </a:p>
-          <a:p>
-            <a:pPr>
-              <a:defRPr/>
-            </a:pPr>
-            <a:r>
-              <a:rPr lang="en-US" altLang="en-US" sz="1800" dirty="0"/>
-              <a:t>X = 20</a:t>
-            </a:r>
-          </a:p>
-        </p:txBody>
-      </p:sp>
-      <p:sp>
-        <p:nvSpPr>
-          <p:cNvPr id="3077" name="Text Box 5"/>
-          <p:cNvSpPr txBox="1">
-            <a:spLocks noChangeArrowheads="1"/>
-          </p:cNvSpPr>
-          <p:nvPr/>
-        </p:nvSpPr>
-        <p:spPr bwMode="auto">
-          <a:xfrm>
-            <a:off x="5241925" y="5345113"/>
-            <a:ext cx="2487613" cy="517525"/>
-          </a:xfrm>
-          <a:prstGeom prst="rect">
-            <a:avLst/>
-          </a:prstGeom>
-          <a:noFill/>
-          <a:ln>
-            <a:noFill/>
-          </a:ln>
-          <a:effectLst/>
-          <a:extLst>
-            <a:ext uri="{909E8E84-426E-40DD-AFC4-6F175D3DCCD1}">
-              <a14:hiddenFill xmlns:a14="http://schemas.microsoft.com/office/drawing/2010/main">
-                <a:solidFill>
-                  <a:schemeClr val="accent1"/>
-                </a:solidFill>
-              </a14:hiddenFill>
-            </a:ext>
-            <a:ext uri="{91240B29-F687-4F45-9708-019B960494DF}">
-              <a14:hiddenLine xmlns:a14="http://schemas.microsoft.com/office/drawing/2010/main" w="9525">
-                <a:solidFill>
-                  <a:schemeClr val="tx1"/>
-                </a:solidFill>
-                <a:miter lim="800000"/>
-                <a:headEnd/>
-                <a:tailEnd/>
-              </a14:hiddenLine>
-            </a:ext>
-            <a:ext uri="{AF507438-7753-43E0-B8FC-AC1667EBCBE1}">
-              <a14:hiddenEffects xmlns:a14="http://schemas.microsoft.com/office/drawing/2010/main">
-                <a:effectLst>
-                  <a:outerShdw blurRad="63500" dist="38099" dir="2700000" algn="ctr" rotWithShape="0">
-                    <a:schemeClr val="bg2">
-                      <a:alpha val="74998"/>
-                    </a:schemeClr>
-                  </a:outerShdw>
-                </a:effectLst>
-              </a14:hiddenEffects>
-            </a:ext>
-          </a:extLst>
-        </p:spPr>
-        <p:txBody>
-          <a:bodyPr wrap="none">
-            <a:spAutoFit/>
-          </a:bodyPr>
-          <a:lstStyle/>
-          <a:p>
-            <a:pPr>
-              <a:defRPr/>
-            </a:pPr>
-            <a:r>
-              <a:rPr lang="en-US" altLang="en-US" sz="1400"/>
-              <a:t>Precedence and associativity</a:t>
-            </a:r>
-            <a:br>
-              <a:rPr lang="en-US" altLang="en-US" sz="1400"/>
-            </a:br>
-            <a:r>
-              <a:rPr lang="en-US" altLang="en-US" sz="1400"/>
-              <a:t>of operators are respected.</a:t>
-            </a:r>
-          </a:p>
-        </p:txBody>
-      </p:sp>
-      <p:sp>
-        <p:nvSpPr>
-          <p:cNvPr id="3078" name="Line 6"/>
-          <p:cNvSpPr>
-            <a:spLocks noChangeShapeType="1"/>
-          </p:cNvSpPr>
-          <p:nvPr/>
-        </p:nvSpPr>
-        <p:spPr bwMode="auto">
-          <a:xfrm flipH="1">
-            <a:off x="4038600" y="5562600"/>
-            <a:ext cx="1066800" cy="228600"/>
-          </a:xfrm>
-          <a:prstGeom prst="line">
-            <a:avLst/>
-          </a:prstGeom>
-          <a:noFill/>
-          <a:ln w="9525">
-            <a:solidFill>
-              <a:schemeClr val="tx1"/>
-            </a:solidFill>
-            <a:round/>
-            <a:headEnd/>
-            <a:tailEnd type="triangle" w="med" len="med"/>
-          </a:ln>
-          <a:effectLst/>
-          <a:extLst>
-            <a:ext uri="{909E8E84-426E-40DD-AFC4-6F175D3DCCD1}">
-              <a14:hiddenFill xmlns:a14="http://schemas.microsoft.com/office/drawing/2010/main">
-                <a:noFill/>
-              </a14:hiddenFill>
-            </a:ext>
-            <a:ext uri="{AF507438-7753-43E0-B8FC-AC1667EBCBE1}">
-              <a14:hiddenEffects xmlns:a14="http://schemas.microsoft.com/office/drawing/2010/main">
-                <a:effectLst>
-                  <a:outerShdw blurRad="63500" dist="38099" dir="2700000" algn="ctr" rotWithShape="0">
-                    <a:schemeClr val="bg2">
-                      <a:alpha val="74998"/>
-                    </a:schemeClr>
-                  </a:outerShdw>
-                </a:effectLst>
-              </a14:hiddenEffects>
-            </a:ext>
-          </a:extLst>
-        </p:spPr>
-        <p:txBody>
-          <a:bodyPr/>
-          <a:lstStyle/>
-          <a:p>
-            <a:pPr>
-              <a:defRPr/>
-            </a:pPr>
-            <a:endParaRPr lang="en-US"/>
-          </a:p>
-        </p:txBody>
-      </p:sp>
-    </p:spTree>
-    <p:extLst>
-      <p:ext uri="{BB962C8B-B14F-4D97-AF65-F5344CB8AC3E}">
-        <p14:creationId xmlns:p14="http://schemas.microsoft.com/office/powerpoint/2010/main" val="1296961037"/>
       </p:ext>
     </p:extLst>
   </p:cSld>
@@ -24850,6 +24727,379 @@
 </file>
 
 <file path=ppt/slides/slide30.xml><?xml version="1.0" encoding="utf-8"?>
+<p:sld xmlns:a="http://schemas.openxmlformats.org/drawingml/2006/main" xmlns:r="http://schemas.openxmlformats.org/officeDocument/2006/relationships" xmlns:p="http://schemas.openxmlformats.org/presentationml/2006/main">
+  <p:cSld>
+    <p:spTree>
+      <p:nvGrpSpPr>
+        <p:cNvPr id="1" name=""/>
+        <p:cNvGrpSpPr/>
+        <p:nvPr/>
+      </p:nvGrpSpPr>
+      <p:grpSpPr>
+        <a:xfrm>
+          <a:off x="0" y="0"/>
+          <a:ext cx="0" cy="0"/>
+          <a:chOff x="0" y="0"/>
+          <a:chExt cx="0" cy="0"/>
+        </a:xfrm>
+      </p:grpSpPr>
+      <p:sp>
+        <p:nvSpPr>
+          <p:cNvPr id="3074" name="Rectangle 2"/>
+          <p:cNvSpPr>
+            <a:spLocks noGrp="1" noChangeArrowheads="1"/>
+          </p:cNvSpPr>
+          <p:nvPr>
+            <p:ph type="title"/>
+          </p:nvPr>
+        </p:nvSpPr>
+        <p:spPr/>
+        <p:txBody>
+          <a:bodyPr/>
+          <a:lstStyle/>
+          <a:p>
+            <a:pPr eaLnBrk="1" hangingPunct="1">
+              <a:defRPr/>
+            </a:pPr>
+            <a:r>
+              <a:rPr lang="en-US" altLang="en-US" smtClean="0"/>
+              <a:t>Prolog – Arithmetic </a:t>
+            </a:r>
+          </a:p>
+        </p:txBody>
+      </p:sp>
+      <p:sp>
+        <p:nvSpPr>
+          <p:cNvPr id="3075" name="Rectangle 3"/>
+          <p:cNvSpPr>
+            <a:spLocks noGrp="1" noChangeArrowheads="1"/>
+          </p:cNvSpPr>
+          <p:nvPr>
+            <p:ph type="body" idx="1"/>
+          </p:nvPr>
+        </p:nvSpPr>
+        <p:spPr>
+          <a:xfrm>
+            <a:off x="609600" y="1600200"/>
+            <a:ext cx="7924800" cy="2127250"/>
+          </a:xfrm>
+        </p:spPr>
+        <p:txBody>
+          <a:bodyPr/>
+          <a:lstStyle/>
+          <a:p>
+            <a:pPr eaLnBrk="1" hangingPunct="1">
+              <a:lnSpc>
+                <a:spcPct val="90000"/>
+              </a:lnSpc>
+              <a:defRPr/>
+            </a:pPr>
+            <a:r>
+              <a:rPr lang="en-US" altLang="en-US" sz="2000" dirty="0" smtClean="0"/>
+              <a:t>Prolog is a programming language, therefore, arithmetic is implemented as expected.</a:t>
+            </a:r>
+          </a:p>
+          <a:p>
+            <a:pPr eaLnBrk="1" hangingPunct="1">
+              <a:lnSpc>
+                <a:spcPct val="90000"/>
+              </a:lnSpc>
+              <a:defRPr/>
+            </a:pPr>
+            <a:r>
+              <a:rPr lang="en-US" altLang="en-US" sz="2000" dirty="0" smtClean="0"/>
+              <a:t>The only difference to other programming languages is that assignment is done via the predicate </a:t>
+            </a:r>
+            <a:r>
+              <a:rPr lang="en-US" altLang="en-US" sz="2000" u="sng" dirty="0" smtClean="0"/>
+              <a:t>is</a:t>
+            </a:r>
+            <a:r>
+              <a:rPr lang="en-US" altLang="en-US" sz="2000" dirty="0" smtClean="0"/>
+              <a:t> rather than the equal sign, since the equal sign has been used for the unification operator.</a:t>
+            </a:r>
+          </a:p>
+        </p:txBody>
+      </p:sp>
+      <p:sp>
+        <p:nvSpPr>
+          <p:cNvPr id="3076" name="Text Box 4"/>
+          <p:cNvSpPr txBox="1">
+            <a:spLocks noChangeArrowheads="1"/>
+          </p:cNvSpPr>
+          <p:nvPr/>
+        </p:nvSpPr>
+        <p:spPr bwMode="auto">
+          <a:xfrm>
+            <a:off x="1660525" y="4267200"/>
+            <a:ext cx="2281394" cy="2031325"/>
+          </a:xfrm>
+          <a:prstGeom prst="rect">
+            <a:avLst/>
+          </a:prstGeom>
+          <a:noFill/>
+          <a:ln>
+            <a:noFill/>
+          </a:ln>
+          <a:effectLst/>
+          <a:extLst>
+            <a:ext uri="{909E8E84-426E-40DD-AFC4-6F175D3DCCD1}">
+              <a14:hiddenFill xmlns:a14="http://schemas.microsoft.com/office/drawing/2010/main">
+                <a:solidFill>
+                  <a:schemeClr val="accent1"/>
+                </a:solidFill>
+              </a14:hiddenFill>
+            </a:ext>
+            <a:ext uri="{91240B29-F687-4F45-9708-019B960494DF}">
+              <a14:hiddenLine xmlns:a14="http://schemas.microsoft.com/office/drawing/2010/main" w="9525">
+                <a:solidFill>
+                  <a:schemeClr val="tx1"/>
+                </a:solidFill>
+                <a:miter lim="800000"/>
+                <a:headEnd/>
+                <a:tailEnd/>
+              </a14:hiddenLine>
+            </a:ext>
+            <a:ext uri="{AF507438-7753-43E0-B8FC-AC1667EBCBE1}">
+              <a14:hiddenEffects xmlns:a14="http://schemas.microsoft.com/office/drawing/2010/main">
+                <a:effectLst>
+                  <a:outerShdw blurRad="63500" dist="38099" dir="2700000" algn="ctr" rotWithShape="0">
+                    <a:schemeClr val="bg2">
+                      <a:alpha val="74998"/>
+                    </a:schemeClr>
+                  </a:outerShdw>
+                </a:effectLst>
+              </a14:hiddenEffects>
+            </a:ext>
+          </a:extLst>
+        </p:spPr>
+        <p:txBody>
+          <a:bodyPr wrap="none">
+            <a:spAutoFit/>
+          </a:bodyPr>
+          <a:lstStyle/>
+          <a:p>
+            <a:pPr>
+              <a:defRPr/>
+            </a:pPr>
+            <a:r>
+              <a:rPr lang="en-US" altLang="en-US" sz="1800" u="sng" dirty="0"/>
+              <a:t>Examples:</a:t>
+            </a:r>
+            <a:r>
+              <a:rPr lang="en-US" altLang="en-US" sz="1800" dirty="0"/>
+              <a:t> </a:t>
+            </a:r>
+          </a:p>
+          <a:p>
+            <a:pPr>
+              <a:defRPr/>
+            </a:pPr>
+            <a:r>
+              <a:rPr lang="en-US" altLang="en-US" sz="1800" dirty="0"/>
+              <a:t>    </a:t>
+            </a:r>
+          </a:p>
+          <a:p>
+            <a:pPr>
+              <a:defRPr/>
+            </a:pPr>
+            <a:r>
+              <a:rPr lang="en-US" altLang="en-US" sz="1800" dirty="0"/>
+              <a:t>?- X is 10 + 5;</a:t>
+            </a:r>
+          </a:p>
+          <a:p>
+            <a:pPr>
+              <a:defRPr/>
+            </a:pPr>
+            <a:r>
+              <a:rPr lang="en-US" altLang="en-US" sz="1800" dirty="0"/>
+              <a:t>X = </a:t>
+            </a:r>
+            <a:r>
+              <a:rPr lang="en-US" altLang="en-US" sz="1800" dirty="0" smtClean="0"/>
+              <a:t>15</a:t>
+            </a:r>
+          </a:p>
+          <a:p>
+            <a:pPr>
+              <a:defRPr/>
+            </a:pPr>
+            <a:endParaRPr lang="en-US" altLang="en-US" sz="1800" dirty="0"/>
+          </a:p>
+          <a:p>
+            <a:pPr>
+              <a:defRPr/>
+            </a:pPr>
+            <a:r>
+              <a:rPr lang="en-US" altLang="en-US" sz="1800" dirty="0"/>
+              <a:t>?- X is 10 + 5 * 6 / 3;</a:t>
+            </a:r>
+          </a:p>
+          <a:p>
+            <a:pPr>
+              <a:defRPr/>
+            </a:pPr>
+            <a:r>
+              <a:rPr lang="en-US" altLang="en-US" sz="1800" dirty="0"/>
+              <a:t>X = 20</a:t>
+            </a:r>
+          </a:p>
+        </p:txBody>
+      </p:sp>
+      <p:sp>
+        <p:nvSpPr>
+          <p:cNvPr id="3077" name="Text Box 5"/>
+          <p:cNvSpPr txBox="1">
+            <a:spLocks noChangeArrowheads="1"/>
+          </p:cNvSpPr>
+          <p:nvPr/>
+        </p:nvSpPr>
+        <p:spPr bwMode="auto">
+          <a:xfrm>
+            <a:off x="5241925" y="5345113"/>
+            <a:ext cx="2487613" cy="517525"/>
+          </a:xfrm>
+          <a:prstGeom prst="rect">
+            <a:avLst/>
+          </a:prstGeom>
+          <a:noFill/>
+          <a:ln>
+            <a:noFill/>
+          </a:ln>
+          <a:effectLst/>
+          <a:extLst>
+            <a:ext uri="{909E8E84-426E-40DD-AFC4-6F175D3DCCD1}">
+              <a14:hiddenFill xmlns:a14="http://schemas.microsoft.com/office/drawing/2010/main">
+                <a:solidFill>
+                  <a:schemeClr val="accent1"/>
+                </a:solidFill>
+              </a14:hiddenFill>
+            </a:ext>
+            <a:ext uri="{91240B29-F687-4F45-9708-019B960494DF}">
+              <a14:hiddenLine xmlns:a14="http://schemas.microsoft.com/office/drawing/2010/main" w="9525">
+                <a:solidFill>
+                  <a:schemeClr val="tx1"/>
+                </a:solidFill>
+                <a:miter lim="800000"/>
+                <a:headEnd/>
+                <a:tailEnd/>
+              </a14:hiddenLine>
+            </a:ext>
+            <a:ext uri="{AF507438-7753-43E0-B8FC-AC1667EBCBE1}">
+              <a14:hiddenEffects xmlns:a14="http://schemas.microsoft.com/office/drawing/2010/main">
+                <a:effectLst>
+                  <a:outerShdw blurRad="63500" dist="38099" dir="2700000" algn="ctr" rotWithShape="0">
+                    <a:schemeClr val="bg2">
+                      <a:alpha val="74998"/>
+                    </a:schemeClr>
+                  </a:outerShdw>
+                </a:effectLst>
+              </a14:hiddenEffects>
+            </a:ext>
+          </a:extLst>
+        </p:spPr>
+        <p:txBody>
+          <a:bodyPr wrap="none">
+            <a:spAutoFit/>
+          </a:bodyPr>
+          <a:lstStyle/>
+          <a:p>
+            <a:pPr>
+              <a:defRPr/>
+            </a:pPr>
+            <a:r>
+              <a:rPr lang="en-US" altLang="en-US" sz="1400"/>
+              <a:t>Precedence and associativity</a:t>
+            </a:r>
+            <a:br>
+              <a:rPr lang="en-US" altLang="en-US" sz="1400"/>
+            </a:br>
+            <a:r>
+              <a:rPr lang="en-US" altLang="en-US" sz="1400"/>
+              <a:t>of operators are respected.</a:t>
+            </a:r>
+          </a:p>
+        </p:txBody>
+      </p:sp>
+      <p:sp>
+        <p:nvSpPr>
+          <p:cNvPr id="3078" name="Line 6"/>
+          <p:cNvSpPr>
+            <a:spLocks noChangeShapeType="1"/>
+          </p:cNvSpPr>
+          <p:nvPr/>
+        </p:nvSpPr>
+        <p:spPr bwMode="auto">
+          <a:xfrm flipH="1">
+            <a:off x="4038600" y="5562600"/>
+            <a:ext cx="1066800" cy="228600"/>
+          </a:xfrm>
+          <a:prstGeom prst="line">
+            <a:avLst/>
+          </a:prstGeom>
+          <a:noFill/>
+          <a:ln w="9525">
+            <a:solidFill>
+              <a:schemeClr val="tx1"/>
+            </a:solidFill>
+            <a:round/>
+            <a:headEnd/>
+            <a:tailEnd type="triangle" w="med" len="med"/>
+          </a:ln>
+          <a:effectLst/>
+          <a:extLst>
+            <a:ext uri="{909E8E84-426E-40DD-AFC4-6F175D3DCCD1}">
+              <a14:hiddenFill xmlns:a14="http://schemas.microsoft.com/office/drawing/2010/main">
+                <a:noFill/>
+              </a14:hiddenFill>
+            </a:ext>
+            <a:ext uri="{AF507438-7753-43E0-B8FC-AC1667EBCBE1}">
+              <a14:hiddenEffects xmlns:a14="http://schemas.microsoft.com/office/drawing/2010/main">
+                <a:effectLst>
+                  <a:outerShdw blurRad="63500" dist="38099" dir="2700000" algn="ctr" rotWithShape="0">
+                    <a:schemeClr val="bg2">
+                      <a:alpha val="74998"/>
+                    </a:schemeClr>
+                  </a:outerShdw>
+                </a:effectLst>
+              </a14:hiddenEffects>
+            </a:ext>
+          </a:extLst>
+        </p:spPr>
+        <p:txBody>
+          <a:bodyPr/>
+          <a:lstStyle/>
+          <a:p>
+            <a:pPr>
+              <a:defRPr/>
+            </a:pPr>
+            <a:endParaRPr lang="en-US"/>
+          </a:p>
+        </p:txBody>
+      </p:sp>
+    </p:spTree>
+    <p:extLst>
+      <p:ext uri="{BB962C8B-B14F-4D97-AF65-F5344CB8AC3E}">
+        <p14:creationId xmlns:p14="http://schemas.microsoft.com/office/powerpoint/2010/main" val="1296961037"/>
+      </p:ext>
+    </p:extLst>
+  </p:cSld>
+  <p:clrMapOvr>
+    <a:masterClrMapping/>
+  </p:clrMapOvr>
+  <p:timing>
+    <p:tnLst>
+      <p:par>
+        <p:cTn id="1" dur="indefinite" restart="never" nodeType="tmRoot"/>
+      </p:par>
+    </p:tnLst>
+  </p:timing>
+</p:sld>
+</file>
+
+<file path=ppt/slides/slide31.xml><?xml version="1.0" encoding="utf-8"?>
 <p:sld xmlns:a="http://schemas.openxmlformats.org/drawingml/2006/main" xmlns:r="http://schemas.openxmlformats.org/officeDocument/2006/relationships" xmlns:p="http://schemas.openxmlformats.org/presentationml/2006/main">
   <p:cSld>
     <p:spTree>
@@ -25213,7 +25463,7 @@
 </p:sld>
 </file>
 
-<file path=ppt/slides/slide31.xml><?xml version="1.0" encoding="utf-8"?>
+<file path=ppt/slides/slide32.xml><?xml version="1.0" encoding="utf-8"?>
 <p:sld xmlns:a="http://schemas.openxmlformats.org/drawingml/2006/main" xmlns:r="http://schemas.openxmlformats.org/officeDocument/2006/relationships" xmlns:p="http://schemas.openxmlformats.org/presentationml/2006/main">
   <p:cSld>
     <p:spTree>
@@ -25432,257 +25682,6 @@
     <p:extLst>
       <p:ext uri="{BB962C8B-B14F-4D97-AF65-F5344CB8AC3E}">
         <p14:creationId xmlns:p14="http://schemas.microsoft.com/office/powerpoint/2010/main" val="1545379896"/>
-      </p:ext>
-    </p:extLst>
-  </p:cSld>
-  <p:clrMapOvr>
-    <a:masterClrMapping/>
-  </p:clrMapOvr>
-  <p:timing>
-    <p:tnLst>
-      <p:par>
-        <p:cTn id="1" dur="indefinite" restart="never" nodeType="tmRoot"/>
-      </p:par>
-    </p:tnLst>
-  </p:timing>
-</p:sld>
-</file>
-
-<file path=ppt/slides/slide32.xml><?xml version="1.0" encoding="utf-8"?>
-<p:sld xmlns:a="http://schemas.openxmlformats.org/drawingml/2006/main" xmlns:r="http://schemas.openxmlformats.org/officeDocument/2006/relationships" xmlns:p="http://schemas.openxmlformats.org/presentationml/2006/main">
-  <p:cSld>
-    <p:spTree>
-      <p:nvGrpSpPr>
-        <p:cNvPr id="1" name=""/>
-        <p:cNvGrpSpPr/>
-        <p:nvPr/>
-      </p:nvGrpSpPr>
-      <p:grpSpPr>
-        <a:xfrm>
-          <a:off x="0" y="0"/>
-          <a:ext cx="0" cy="0"/>
-          <a:chOff x="0" y="0"/>
-          <a:chExt cx="0" cy="0"/>
-        </a:xfrm>
-      </p:grpSpPr>
-      <p:sp>
-        <p:nvSpPr>
-          <p:cNvPr id="10242" name="Rectangle 2"/>
-          <p:cNvSpPr>
-            <a:spLocks noGrp="1" noChangeArrowheads="1"/>
-          </p:cNvSpPr>
-          <p:nvPr>
-            <p:ph type="title"/>
-          </p:nvPr>
-        </p:nvSpPr>
-        <p:spPr/>
-        <p:txBody>
-          <a:bodyPr/>
-          <a:lstStyle/>
-          <a:p>
-            <a:pPr eaLnBrk="1" hangingPunct="1">
-              <a:defRPr/>
-            </a:pPr>
-            <a:r>
-              <a:rPr lang="en-US" altLang="en-US" smtClean="0"/>
-              <a:t>Prolog – I/O </a:t>
-            </a:r>
-          </a:p>
-        </p:txBody>
-      </p:sp>
-      <p:sp>
-        <p:nvSpPr>
-          <p:cNvPr id="10243" name="Rectangle 3"/>
-          <p:cNvSpPr>
-            <a:spLocks noGrp="1" noChangeArrowheads="1"/>
-          </p:cNvSpPr>
-          <p:nvPr>
-            <p:ph type="body" idx="1"/>
-          </p:nvPr>
-        </p:nvSpPr>
-        <p:spPr>
-          <a:xfrm>
-            <a:off x="609600" y="1600200"/>
-            <a:ext cx="7924800" cy="3355975"/>
-          </a:xfrm>
-        </p:spPr>
-        <p:txBody>
-          <a:bodyPr/>
-          <a:lstStyle/>
-          <a:p>
-            <a:pPr eaLnBrk="1" hangingPunct="1">
-              <a:lnSpc>
-                <a:spcPct val="90000"/>
-              </a:lnSpc>
-              <a:defRPr/>
-            </a:pPr>
-            <a:r>
-              <a:rPr lang="en-US" altLang="en-US" sz="2400" smtClean="0"/>
-              <a:t>write(term)</a:t>
-            </a:r>
-          </a:p>
-          <a:p>
-            <a:pPr lvl="1" eaLnBrk="1" hangingPunct="1">
-              <a:lnSpc>
-                <a:spcPct val="90000"/>
-              </a:lnSpc>
-              <a:defRPr/>
-            </a:pPr>
-            <a:r>
-              <a:rPr lang="en-US" altLang="en-US" sz="2000" smtClean="0"/>
-              <a:t>is true if term is a Prolog term, writes term to the terminal.</a:t>
-            </a:r>
-          </a:p>
-          <a:p>
-            <a:pPr eaLnBrk="1" hangingPunct="1">
-              <a:lnSpc>
-                <a:spcPct val="90000"/>
-              </a:lnSpc>
-              <a:defRPr/>
-            </a:pPr>
-            <a:r>
-              <a:rPr lang="en-US" altLang="en-US" sz="2400" smtClean="0"/>
-              <a:t>read(X)</a:t>
-            </a:r>
-          </a:p>
-          <a:p>
-            <a:pPr lvl="1" eaLnBrk="1" hangingPunct="1">
-              <a:lnSpc>
-                <a:spcPct val="90000"/>
-              </a:lnSpc>
-              <a:defRPr/>
-            </a:pPr>
-            <a:r>
-              <a:rPr lang="en-US" altLang="en-US" sz="2000" smtClean="0"/>
-              <a:t>is true if the user types a term followed by a period, X becomes unified to the term.</a:t>
-            </a:r>
-          </a:p>
-          <a:p>
-            <a:pPr eaLnBrk="1" hangingPunct="1">
-              <a:lnSpc>
-                <a:spcPct val="90000"/>
-              </a:lnSpc>
-              <a:defRPr/>
-            </a:pPr>
-            <a:r>
-              <a:rPr lang="en-US" altLang="en-US" sz="2400" smtClean="0"/>
-              <a:t>nl</a:t>
-            </a:r>
-          </a:p>
-          <a:p>
-            <a:pPr lvl="1" eaLnBrk="1" hangingPunct="1">
-              <a:lnSpc>
-                <a:spcPct val="90000"/>
-              </a:lnSpc>
-              <a:defRPr/>
-            </a:pPr>
-            <a:r>
-              <a:rPr lang="en-US" altLang="en-US" sz="2000" smtClean="0"/>
-              <a:t>is always true and writes a newline character on the terminal.</a:t>
-            </a:r>
-          </a:p>
-        </p:txBody>
-      </p:sp>
-      <p:sp>
-        <p:nvSpPr>
-          <p:cNvPr id="10244" name="Text Box 4"/>
-          <p:cNvSpPr txBox="1">
-            <a:spLocks noChangeArrowheads="1"/>
-          </p:cNvSpPr>
-          <p:nvPr/>
-        </p:nvSpPr>
-        <p:spPr bwMode="auto">
-          <a:xfrm>
-            <a:off x="1295400" y="5257800"/>
-            <a:ext cx="6823791" cy="800219"/>
-          </a:xfrm>
-          <a:prstGeom prst="rect">
-            <a:avLst/>
-          </a:prstGeom>
-          <a:noFill/>
-          <a:ln w="9525">
-            <a:solidFill>
-              <a:schemeClr val="tx1"/>
-            </a:solidFill>
-            <a:miter lim="800000"/>
-            <a:headEnd/>
-            <a:tailEnd/>
-          </a:ln>
-          <a:effectLst/>
-          <a:extLst>
-            <a:ext uri="{909E8E84-426E-40DD-AFC4-6F175D3DCCD1}">
-              <a14:hiddenFill xmlns:a14="http://schemas.microsoft.com/office/drawing/2010/main">
-                <a:solidFill>
-                  <a:schemeClr val="accent1"/>
-                </a:solidFill>
-              </a14:hiddenFill>
-            </a:ext>
-            <a:ext uri="{AF507438-7753-43E0-B8FC-AC1667EBCBE1}">
-              <a14:hiddenEffects xmlns:a14="http://schemas.microsoft.com/office/drawing/2010/main">
-                <a:effectLst>
-                  <a:outerShdw blurRad="63500" dist="38099" dir="2700000" algn="ctr" rotWithShape="0">
-                    <a:schemeClr val="bg2">
-                      <a:alpha val="74998"/>
-                    </a:schemeClr>
-                  </a:outerShdw>
-                </a:effectLst>
-              </a14:hiddenEffects>
-            </a:ext>
-          </a:extLst>
-        </p:spPr>
-        <p:txBody>
-          <a:bodyPr wrap="none">
-            <a:spAutoFit/>
-          </a:bodyPr>
-          <a:lstStyle/>
-          <a:p>
-            <a:pPr marL="342900" indent="-342900">
-              <a:buFont typeface="Wingdings" charset="2"/>
-              <a:buChar char="F"/>
-              <a:defRPr/>
-            </a:pPr>
-            <a:r>
-              <a:rPr lang="en-US" altLang="en-US" dirty="0" smtClean="0">
-                <a:sym typeface="Wingdings" charset="2"/>
-              </a:rPr>
-              <a:t>Extra-logical </a:t>
-            </a:r>
-            <a:r>
-              <a:rPr lang="en-US" altLang="en-US" dirty="0">
-                <a:sym typeface="Wingdings" charset="2"/>
-              </a:rPr>
-              <a:t>predicates due to the side-effect of </a:t>
-            </a:r>
-            <a:r>
-              <a:rPr lang="en-US" altLang="en-US" dirty="0">
-                <a:sym typeface="Wingdings" charset="2"/>
-              </a:rPr>
-              <a:t/>
-            </a:r>
-            <a:br>
-              <a:rPr lang="en-US" altLang="en-US" dirty="0">
-                <a:sym typeface="Wingdings" charset="2"/>
-              </a:rPr>
-            </a:br>
-            <a:r>
-              <a:rPr lang="en-US" altLang="en-US" dirty="0" smtClean="0">
-                <a:sym typeface="Wingdings" charset="2"/>
-              </a:rPr>
-              <a:t>writing/reading to/from </a:t>
-            </a:r>
-            <a:r>
-              <a:rPr lang="en-US" altLang="en-US" dirty="0">
-                <a:sym typeface="Wingdings" charset="2"/>
-              </a:rPr>
-              <a:t>the terminal.</a:t>
-            </a:r>
-          </a:p>
-        </p:txBody>
-      </p:sp>
-    </p:spTree>
-    <p:extLst>
-      <p:ext uri="{BB962C8B-B14F-4D97-AF65-F5344CB8AC3E}">
-        <p14:creationId xmlns:p14="http://schemas.microsoft.com/office/powerpoint/2010/main" val="774718213"/>
       </p:ext>
     </p:extLst>
   </p:cSld>
@@ -25718,6 +25717,257 @@
       </p:grpSpPr>
       <p:sp>
         <p:nvSpPr>
+          <p:cNvPr id="10242" name="Rectangle 2"/>
+          <p:cNvSpPr>
+            <a:spLocks noGrp="1" noChangeArrowheads="1"/>
+          </p:cNvSpPr>
+          <p:nvPr>
+            <p:ph type="title"/>
+          </p:nvPr>
+        </p:nvSpPr>
+        <p:spPr/>
+        <p:txBody>
+          <a:bodyPr/>
+          <a:lstStyle/>
+          <a:p>
+            <a:pPr eaLnBrk="1" hangingPunct="1">
+              <a:defRPr/>
+            </a:pPr>
+            <a:r>
+              <a:rPr lang="en-US" altLang="en-US" smtClean="0"/>
+              <a:t>Prolog – I/O </a:t>
+            </a:r>
+          </a:p>
+        </p:txBody>
+      </p:sp>
+      <p:sp>
+        <p:nvSpPr>
+          <p:cNvPr id="10243" name="Rectangle 3"/>
+          <p:cNvSpPr>
+            <a:spLocks noGrp="1" noChangeArrowheads="1"/>
+          </p:cNvSpPr>
+          <p:nvPr>
+            <p:ph type="body" idx="1"/>
+          </p:nvPr>
+        </p:nvSpPr>
+        <p:spPr>
+          <a:xfrm>
+            <a:off x="609600" y="1600200"/>
+            <a:ext cx="7924800" cy="3355975"/>
+          </a:xfrm>
+        </p:spPr>
+        <p:txBody>
+          <a:bodyPr/>
+          <a:lstStyle/>
+          <a:p>
+            <a:pPr eaLnBrk="1" hangingPunct="1">
+              <a:lnSpc>
+                <a:spcPct val="90000"/>
+              </a:lnSpc>
+              <a:defRPr/>
+            </a:pPr>
+            <a:r>
+              <a:rPr lang="en-US" altLang="en-US" sz="2400" smtClean="0"/>
+              <a:t>write(term)</a:t>
+            </a:r>
+          </a:p>
+          <a:p>
+            <a:pPr lvl="1" eaLnBrk="1" hangingPunct="1">
+              <a:lnSpc>
+                <a:spcPct val="90000"/>
+              </a:lnSpc>
+              <a:defRPr/>
+            </a:pPr>
+            <a:r>
+              <a:rPr lang="en-US" altLang="en-US" sz="2000" smtClean="0"/>
+              <a:t>is true if term is a Prolog term, writes term to the terminal.</a:t>
+            </a:r>
+          </a:p>
+          <a:p>
+            <a:pPr eaLnBrk="1" hangingPunct="1">
+              <a:lnSpc>
+                <a:spcPct val="90000"/>
+              </a:lnSpc>
+              <a:defRPr/>
+            </a:pPr>
+            <a:r>
+              <a:rPr lang="en-US" altLang="en-US" sz="2400" smtClean="0"/>
+              <a:t>read(X)</a:t>
+            </a:r>
+          </a:p>
+          <a:p>
+            <a:pPr lvl="1" eaLnBrk="1" hangingPunct="1">
+              <a:lnSpc>
+                <a:spcPct val="90000"/>
+              </a:lnSpc>
+              <a:defRPr/>
+            </a:pPr>
+            <a:r>
+              <a:rPr lang="en-US" altLang="en-US" sz="2000" smtClean="0"/>
+              <a:t>is true if the user types a term followed by a period, X becomes unified to the term.</a:t>
+            </a:r>
+          </a:p>
+          <a:p>
+            <a:pPr eaLnBrk="1" hangingPunct="1">
+              <a:lnSpc>
+                <a:spcPct val="90000"/>
+              </a:lnSpc>
+              <a:defRPr/>
+            </a:pPr>
+            <a:r>
+              <a:rPr lang="en-US" altLang="en-US" sz="2400" smtClean="0"/>
+              <a:t>nl</a:t>
+            </a:r>
+          </a:p>
+          <a:p>
+            <a:pPr lvl="1" eaLnBrk="1" hangingPunct="1">
+              <a:lnSpc>
+                <a:spcPct val="90000"/>
+              </a:lnSpc>
+              <a:defRPr/>
+            </a:pPr>
+            <a:r>
+              <a:rPr lang="en-US" altLang="en-US" sz="2000" smtClean="0"/>
+              <a:t>is always true and writes a newline character on the terminal.</a:t>
+            </a:r>
+          </a:p>
+        </p:txBody>
+      </p:sp>
+      <p:sp>
+        <p:nvSpPr>
+          <p:cNvPr id="10244" name="Text Box 4"/>
+          <p:cNvSpPr txBox="1">
+            <a:spLocks noChangeArrowheads="1"/>
+          </p:cNvSpPr>
+          <p:nvPr/>
+        </p:nvSpPr>
+        <p:spPr bwMode="auto">
+          <a:xfrm>
+            <a:off x="1295400" y="5257800"/>
+            <a:ext cx="6823791" cy="800219"/>
+          </a:xfrm>
+          <a:prstGeom prst="rect">
+            <a:avLst/>
+          </a:prstGeom>
+          <a:noFill/>
+          <a:ln w="9525">
+            <a:solidFill>
+              <a:schemeClr val="tx1"/>
+            </a:solidFill>
+            <a:miter lim="800000"/>
+            <a:headEnd/>
+            <a:tailEnd/>
+          </a:ln>
+          <a:effectLst/>
+          <a:extLst>
+            <a:ext uri="{909E8E84-426E-40DD-AFC4-6F175D3DCCD1}">
+              <a14:hiddenFill xmlns:a14="http://schemas.microsoft.com/office/drawing/2010/main">
+                <a:solidFill>
+                  <a:schemeClr val="accent1"/>
+                </a:solidFill>
+              </a14:hiddenFill>
+            </a:ext>
+            <a:ext uri="{AF507438-7753-43E0-B8FC-AC1667EBCBE1}">
+              <a14:hiddenEffects xmlns:a14="http://schemas.microsoft.com/office/drawing/2010/main">
+                <a:effectLst>
+                  <a:outerShdw blurRad="63500" dist="38099" dir="2700000" algn="ctr" rotWithShape="0">
+                    <a:schemeClr val="bg2">
+                      <a:alpha val="74998"/>
+                    </a:schemeClr>
+                  </a:outerShdw>
+                </a:effectLst>
+              </a14:hiddenEffects>
+            </a:ext>
+          </a:extLst>
+        </p:spPr>
+        <p:txBody>
+          <a:bodyPr wrap="none">
+            <a:spAutoFit/>
+          </a:bodyPr>
+          <a:lstStyle/>
+          <a:p>
+            <a:pPr marL="342900" indent="-342900">
+              <a:buFont typeface="Wingdings" charset="2"/>
+              <a:buChar char="F"/>
+              <a:defRPr/>
+            </a:pPr>
+            <a:r>
+              <a:rPr lang="en-US" altLang="en-US" dirty="0" smtClean="0">
+                <a:sym typeface="Wingdings" charset="2"/>
+              </a:rPr>
+              <a:t>Extra-logical </a:t>
+            </a:r>
+            <a:r>
+              <a:rPr lang="en-US" altLang="en-US" dirty="0">
+                <a:sym typeface="Wingdings" charset="2"/>
+              </a:rPr>
+              <a:t>predicates due to the side-effect of </a:t>
+            </a:r>
+            <a:r>
+              <a:rPr lang="en-US" altLang="en-US" dirty="0">
+                <a:sym typeface="Wingdings" charset="2"/>
+              </a:rPr>
+              <a:t/>
+            </a:r>
+            <a:br>
+              <a:rPr lang="en-US" altLang="en-US" dirty="0">
+                <a:sym typeface="Wingdings" charset="2"/>
+              </a:rPr>
+            </a:br>
+            <a:r>
+              <a:rPr lang="en-US" altLang="en-US" dirty="0" smtClean="0">
+                <a:sym typeface="Wingdings" charset="2"/>
+              </a:rPr>
+              <a:t>writing/reading to/from </a:t>
+            </a:r>
+            <a:r>
+              <a:rPr lang="en-US" altLang="en-US" dirty="0">
+                <a:sym typeface="Wingdings" charset="2"/>
+              </a:rPr>
+              <a:t>the terminal.</a:t>
+            </a:r>
+          </a:p>
+        </p:txBody>
+      </p:sp>
+    </p:spTree>
+    <p:extLst>
+      <p:ext uri="{BB962C8B-B14F-4D97-AF65-F5344CB8AC3E}">
+        <p14:creationId xmlns:p14="http://schemas.microsoft.com/office/powerpoint/2010/main" val="774718213"/>
+      </p:ext>
+    </p:extLst>
+  </p:cSld>
+  <p:clrMapOvr>
+    <a:masterClrMapping/>
+  </p:clrMapOvr>
+  <p:timing>
+    <p:tnLst>
+      <p:par>
+        <p:cTn id="1" dur="indefinite" restart="never" nodeType="tmRoot"/>
+      </p:par>
+    </p:tnLst>
+  </p:timing>
+</p:sld>
+</file>
+
+<file path=ppt/slides/slide34.xml><?xml version="1.0" encoding="utf-8"?>
+<p:sld xmlns:a="http://schemas.openxmlformats.org/drawingml/2006/main" xmlns:r="http://schemas.openxmlformats.org/officeDocument/2006/relationships" xmlns:p="http://schemas.openxmlformats.org/presentationml/2006/main">
+  <p:cSld>
+    <p:spTree>
+      <p:nvGrpSpPr>
+        <p:cNvPr id="1" name=""/>
+        <p:cNvGrpSpPr/>
+        <p:nvPr/>
+      </p:nvGrpSpPr>
+      <p:grpSpPr>
+        <a:xfrm>
+          <a:off x="0" y="0"/>
+          <a:ext cx="0" cy="0"/>
+          <a:chOff x="0" y="0"/>
+          <a:chExt cx="0" cy="0"/>
+        </a:xfrm>
+      </p:grpSpPr>
+      <p:sp>
+        <p:nvSpPr>
           <p:cNvPr id="12290" name="Rectangle 2"/>
           <p:cNvSpPr>
             <a:spLocks noGrp="1" noChangeArrowheads="1"/>
@@ -26070,7 +26320,7 @@
 </p:sld>
 </file>
 
-<file path=ppt/slides/slide34.xml><?xml version="1.0" encoding="utf-8"?>
+<file path=ppt/slides/slide35.xml><?xml version="1.0" encoding="utf-8"?>
 <p:sld xmlns:a="http://schemas.openxmlformats.org/drawingml/2006/main" xmlns:r="http://schemas.openxmlformats.org/officeDocument/2006/relationships" xmlns:p="http://schemas.openxmlformats.org/presentationml/2006/main">
   <p:cSld>
     <p:spTree>
@@ -26451,7 +26701,7 @@
 </p:sld>
 </file>
 
-<file path=ppt/slides/slide35.xml><?xml version="1.0" encoding="utf-8"?>
+<file path=ppt/slides/slide36.xml><?xml version="1.0" encoding="utf-8"?>
 <p:sld xmlns:a="http://schemas.openxmlformats.org/drawingml/2006/main" xmlns:r="http://schemas.openxmlformats.org/officeDocument/2006/relationships" xmlns:p="http://schemas.openxmlformats.org/presentationml/2006/main">
   <p:cSld>
     <p:spTree>
@@ -26747,7 +26997,7 @@
 </p:sld>
 </file>
 
-<file path=ppt/slides/slide36.xml><?xml version="1.0" encoding="utf-8"?>
+<file path=ppt/slides/slide37.xml><?xml version="1.0" encoding="utf-8"?>
 <p:sld xmlns:a="http://schemas.openxmlformats.org/drawingml/2006/main" xmlns:r="http://schemas.openxmlformats.org/officeDocument/2006/relationships" xmlns:p="http://schemas.openxmlformats.org/presentationml/2006/main">
   <p:cSld>
     <p:spTree>
@@ -27572,7 +27822,7 @@
 </p:sld>
 </file>
 
-<file path=ppt/slides/slide37.xml><?xml version="1.0" encoding="utf-8"?>
+<file path=ppt/slides/slide38.xml><?xml version="1.0" encoding="utf-8"?>
 <p:sld xmlns:a="http://schemas.openxmlformats.org/drawingml/2006/main" xmlns:r="http://schemas.openxmlformats.org/officeDocument/2006/relationships" xmlns:p="http://schemas.openxmlformats.org/presentationml/2006/main">
   <p:cSld>
     <p:spTree>
@@ -28735,7 +28985,7 @@
 </p:sld>
 </file>
 
-<file path=ppt/slides/slide38.xml><?xml version="1.0" encoding="utf-8"?>
+<file path=ppt/slides/slide39.xml><?xml version="1.0" encoding="utf-8"?>
 <p:sld xmlns:a="http://schemas.openxmlformats.org/drawingml/2006/main" xmlns:r="http://schemas.openxmlformats.org/officeDocument/2006/relationships" xmlns:p="http://schemas.openxmlformats.org/presentationml/2006/main">
   <p:cSld>
     <p:spTree>

--- a/philosophy-prolog.pptx
+++ b/philosophy-prolog.pptx
@@ -5,10 +5,10 @@
     <p:sldMasterId id="2147483649" r:id="rId1"/>
   </p:sldMasterIdLst>
   <p:notesMasterIdLst>
-    <p:notesMasterId r:id="rId42"/>
+    <p:notesMasterId r:id="rId40"/>
   </p:notesMasterIdLst>
   <p:handoutMasterIdLst>
-    <p:handoutMasterId r:id="rId43"/>
+    <p:handoutMasterId r:id="rId41"/>
   </p:handoutMasterIdLst>
   <p:sldIdLst>
     <p:sldId id="303" r:id="rId2"/>
@@ -43,14 +43,12 @@
     <p:sldId id="285" r:id="rId31"/>
     <p:sldId id="286" r:id="rId32"/>
     <p:sldId id="287" r:id="rId33"/>
-    <p:sldId id="288" r:id="rId34"/>
-    <p:sldId id="289" r:id="rId35"/>
-    <p:sldId id="290" r:id="rId36"/>
-    <p:sldId id="291" r:id="rId37"/>
-    <p:sldId id="293" r:id="rId38"/>
-    <p:sldId id="296" r:id="rId39"/>
-    <p:sldId id="295" r:id="rId40"/>
-    <p:sldId id="298" r:id="rId41"/>
+    <p:sldId id="289" r:id="rId34"/>
+    <p:sldId id="290" r:id="rId35"/>
+    <p:sldId id="293" r:id="rId36"/>
+    <p:sldId id="296" r:id="rId37"/>
+    <p:sldId id="295" r:id="rId38"/>
+    <p:sldId id="298" r:id="rId39"/>
   </p:sldIdLst>
   <p:sldSz cx="9144000" cy="6858000" type="screen4x3"/>
   <p:notesSz cx="6858000" cy="9144000"/>
@@ -247,17 +245,17 @@
           </a:ln>
           <a:extLst>
             <a:ext uri="{FAA26D3D-D897-4be2-8F04-BA451C77F1D7}">
-              <ma14:placeholderFlag xmlns:ma14="http://schemas.microsoft.com/office/mac/drawingml/2011/main" val="1"/>
+              <ma14:placeholderFlag xmlns:ma14="http://schemas.microsoft.com/office/mac/drawingml/2011/main" xmlns="" val="1"/>
             </a:ext>
             <a:ext uri="{909E8E84-426E-40dd-AFC4-6F175D3DCCD1}">
-              <a14:hiddenFill xmlns:a14="http://schemas.microsoft.com/office/drawing/2010/main" xmlns="">
+              <a14:hiddenFill xmlns="" xmlns:a14="http://schemas.microsoft.com/office/drawing/2010/main">
                 <a:solidFill>
                   <a:schemeClr val="accent1"/>
                 </a:solidFill>
               </a14:hiddenFill>
             </a:ext>
             <a:ext uri="{91240B29-F687-4f45-9708-019B960494DF}">
-              <a14:hiddenLine xmlns:a14="http://schemas.microsoft.com/office/drawing/2010/main" xmlns="" w="9525">
+              <a14:hiddenLine xmlns="" xmlns:a14="http://schemas.microsoft.com/office/drawing/2010/main" w="9525">
                 <a:solidFill>
                   <a:schemeClr val="tx1"/>
                 </a:solidFill>
@@ -314,17 +312,17 @@
           </a:ln>
           <a:extLst>
             <a:ext uri="{FAA26D3D-D897-4be2-8F04-BA451C77F1D7}">
-              <ma14:placeholderFlag xmlns:ma14="http://schemas.microsoft.com/office/mac/drawingml/2011/main" val="1"/>
+              <ma14:placeholderFlag xmlns:ma14="http://schemas.microsoft.com/office/mac/drawingml/2011/main" xmlns="" val="1"/>
             </a:ext>
             <a:ext uri="{909E8E84-426E-40dd-AFC4-6F175D3DCCD1}">
-              <a14:hiddenFill xmlns:a14="http://schemas.microsoft.com/office/drawing/2010/main" xmlns="">
+              <a14:hiddenFill xmlns="" xmlns:a14="http://schemas.microsoft.com/office/drawing/2010/main">
                 <a:solidFill>
                   <a:schemeClr val="accent1"/>
                 </a:solidFill>
               </a14:hiddenFill>
             </a:ext>
             <a:ext uri="{91240B29-F687-4f45-9708-019B960494DF}">
-              <a14:hiddenLine xmlns:a14="http://schemas.microsoft.com/office/drawing/2010/main" xmlns="" w="9525">
+              <a14:hiddenLine xmlns="" xmlns:a14="http://schemas.microsoft.com/office/drawing/2010/main" w="9525">
                 <a:solidFill>
                   <a:schemeClr val="tx1"/>
                 </a:solidFill>
@@ -381,17 +379,17 @@
           </a:ln>
           <a:extLst>
             <a:ext uri="{FAA26D3D-D897-4be2-8F04-BA451C77F1D7}">
-              <ma14:placeholderFlag xmlns:ma14="http://schemas.microsoft.com/office/mac/drawingml/2011/main" val="1"/>
+              <ma14:placeholderFlag xmlns:ma14="http://schemas.microsoft.com/office/mac/drawingml/2011/main" xmlns="" val="1"/>
             </a:ext>
             <a:ext uri="{909E8E84-426E-40dd-AFC4-6F175D3DCCD1}">
-              <a14:hiddenFill xmlns:a14="http://schemas.microsoft.com/office/drawing/2010/main" xmlns="">
+              <a14:hiddenFill xmlns="" xmlns:a14="http://schemas.microsoft.com/office/drawing/2010/main">
                 <a:solidFill>
                   <a:schemeClr val="accent1"/>
                 </a:solidFill>
               </a14:hiddenFill>
             </a:ext>
             <a:ext uri="{91240B29-F687-4f45-9708-019B960494DF}">
-              <a14:hiddenLine xmlns:a14="http://schemas.microsoft.com/office/drawing/2010/main" xmlns="" w="9525">
+              <a14:hiddenLine xmlns="" xmlns:a14="http://schemas.microsoft.com/office/drawing/2010/main" w="9525">
                 <a:solidFill>
                   <a:schemeClr val="tx1"/>
                 </a:solidFill>
@@ -448,17 +446,17 @@
           </a:ln>
           <a:extLst>
             <a:ext uri="{FAA26D3D-D897-4be2-8F04-BA451C77F1D7}">
-              <ma14:placeholderFlag xmlns:ma14="http://schemas.microsoft.com/office/mac/drawingml/2011/main" val="1"/>
+              <ma14:placeholderFlag xmlns:ma14="http://schemas.microsoft.com/office/mac/drawingml/2011/main" xmlns="" val="1"/>
             </a:ext>
             <a:ext uri="{909E8E84-426E-40dd-AFC4-6F175D3DCCD1}">
-              <a14:hiddenFill xmlns:a14="http://schemas.microsoft.com/office/drawing/2010/main" xmlns="">
+              <a14:hiddenFill xmlns="" xmlns:a14="http://schemas.microsoft.com/office/drawing/2010/main">
                 <a:solidFill>
                   <a:schemeClr val="accent1"/>
                 </a:solidFill>
               </a14:hiddenFill>
             </a:ext>
             <a:ext uri="{91240B29-F687-4f45-9708-019B960494DF}">
-              <a14:hiddenLine xmlns:a14="http://schemas.microsoft.com/office/drawing/2010/main" xmlns="" w="9525">
+              <a14:hiddenLine xmlns="" xmlns:a14="http://schemas.microsoft.com/office/drawing/2010/main" w="9525">
                 <a:solidFill>
                   <a:schemeClr val="tx1"/>
                 </a:solidFill>
@@ -545,17 +543,17 @@
           </a:ln>
           <a:extLst>
             <a:ext uri="{FAA26D3D-D897-4be2-8F04-BA451C77F1D7}">
-              <ma14:placeholderFlag xmlns:ma14="http://schemas.microsoft.com/office/mac/drawingml/2011/main" val="1"/>
+              <ma14:placeholderFlag xmlns:ma14="http://schemas.microsoft.com/office/mac/drawingml/2011/main" xmlns="" val="1"/>
             </a:ext>
             <a:ext uri="{909E8E84-426E-40dd-AFC4-6F175D3DCCD1}">
-              <a14:hiddenFill xmlns:a14="http://schemas.microsoft.com/office/drawing/2010/main" xmlns="">
+              <a14:hiddenFill xmlns="" xmlns:a14="http://schemas.microsoft.com/office/drawing/2010/main">
                 <a:solidFill>
                   <a:schemeClr val="accent1"/>
                 </a:solidFill>
               </a14:hiddenFill>
             </a:ext>
             <a:ext uri="{91240B29-F687-4f45-9708-019B960494DF}">
-              <a14:hiddenLine xmlns:a14="http://schemas.microsoft.com/office/drawing/2010/main" xmlns="" w="9525">
+              <a14:hiddenLine xmlns="" xmlns:a14="http://schemas.microsoft.com/office/drawing/2010/main" w="9525">
                 <a:solidFill>
                   <a:schemeClr val="tx1"/>
                 </a:solidFill>
@@ -612,17 +610,17 @@
           </a:ln>
           <a:extLst>
             <a:ext uri="{FAA26D3D-D897-4be2-8F04-BA451C77F1D7}">
-              <ma14:placeholderFlag xmlns:ma14="http://schemas.microsoft.com/office/mac/drawingml/2011/main" val="1"/>
+              <ma14:placeholderFlag xmlns:ma14="http://schemas.microsoft.com/office/mac/drawingml/2011/main" xmlns="" val="1"/>
             </a:ext>
             <a:ext uri="{909E8E84-426E-40dd-AFC4-6F175D3DCCD1}">
-              <a14:hiddenFill xmlns:a14="http://schemas.microsoft.com/office/drawing/2010/main" xmlns="">
+              <a14:hiddenFill xmlns="" xmlns:a14="http://schemas.microsoft.com/office/drawing/2010/main">
                 <a:solidFill>
                   <a:schemeClr val="accent1"/>
                 </a:solidFill>
               </a14:hiddenFill>
             </a:ext>
             <a:ext uri="{91240B29-F687-4f45-9708-019B960494DF}">
-              <a14:hiddenLine xmlns:a14="http://schemas.microsoft.com/office/drawing/2010/main" xmlns="" w="9525">
+              <a14:hiddenLine xmlns="" xmlns:a14="http://schemas.microsoft.com/office/drawing/2010/main" w="9525">
                 <a:solidFill>
                   <a:schemeClr val="tx1"/>
                 </a:solidFill>
@@ -685,7 +683,7 @@
           <a:effectLst/>
           <a:extLst>
             <a:ext uri="{AF507438-7753-43e0-B8FC-AC1667EBCBE1}">
-              <a14:hiddenEffects xmlns:a14="http://schemas.microsoft.com/office/drawing/2010/main" xmlns="">
+              <a14:hiddenEffects xmlns="" xmlns:a14="http://schemas.microsoft.com/office/drawing/2010/main">
                 <a:effectLst>
                   <a:outerShdw blurRad="63500" dist="38099" dir="2700000" algn="ctr" rotWithShape="0">
                     <a:srgbClr val="000000">
@@ -696,7 +694,7 @@
               </a14:hiddenEffects>
             </a:ext>
             <a:ext uri="{53640926-AAD7-44d8-BBD7-CCE9431645EC}">
-              <a14:shadowObscured xmlns:a14="http://schemas.microsoft.com/office/drawing/2010/main" xmlns="" val="1"/>
+              <a14:shadowObscured xmlns="" xmlns:a14="http://schemas.microsoft.com/office/drawing/2010/main" val="1"/>
             </a:ext>
           </a:extLst>
         </p:spPr>
@@ -725,17 +723,17 @@
           </a:ln>
           <a:extLst>
             <a:ext uri="{FAA26D3D-D897-4be2-8F04-BA451C77F1D7}">
-              <ma14:placeholderFlag xmlns:ma14="http://schemas.microsoft.com/office/mac/drawingml/2011/main" val="1"/>
+              <ma14:placeholderFlag xmlns:ma14="http://schemas.microsoft.com/office/mac/drawingml/2011/main" xmlns="" val="1"/>
             </a:ext>
             <a:ext uri="{909E8E84-426E-40dd-AFC4-6F175D3DCCD1}">
-              <a14:hiddenFill xmlns:a14="http://schemas.microsoft.com/office/drawing/2010/main" xmlns="">
+              <a14:hiddenFill xmlns="" xmlns:a14="http://schemas.microsoft.com/office/drawing/2010/main">
                 <a:solidFill>
                   <a:schemeClr val="accent1"/>
                 </a:solidFill>
               </a14:hiddenFill>
             </a:ext>
             <a:ext uri="{91240B29-F687-4f45-9708-019B960494DF}">
-              <a14:hiddenLine xmlns:a14="http://schemas.microsoft.com/office/drawing/2010/main" xmlns="" w="9525">
+              <a14:hiddenLine xmlns="" xmlns:a14="http://schemas.microsoft.com/office/drawing/2010/main" w="9525">
                 <a:solidFill>
                   <a:schemeClr val="tx1"/>
                 </a:solidFill>
@@ -756,35 +754,35 @@
           <a:p>
             <a:pPr lvl="0"/>
             <a:r>
-              <a:rPr lang="en-US" noProof="0" smtClean="0"/>
+              <a:rPr lang="en-US" noProof="0"/>
               <a:t>Click to edit Master text styles</a:t>
             </a:r>
           </a:p>
           <a:p>
             <a:pPr lvl="1"/>
             <a:r>
-              <a:rPr lang="en-US" noProof="0" smtClean="0"/>
+              <a:rPr lang="en-US" noProof="0"/>
               <a:t>Second level</a:t>
             </a:r>
           </a:p>
           <a:p>
             <a:pPr lvl="2"/>
             <a:r>
-              <a:rPr lang="en-US" noProof="0" smtClean="0"/>
+              <a:rPr lang="en-US" noProof="0"/>
               <a:t>Third level</a:t>
             </a:r>
           </a:p>
           <a:p>
             <a:pPr lvl="3"/>
             <a:r>
-              <a:rPr lang="en-US" noProof="0" smtClean="0"/>
+              <a:rPr lang="en-US" noProof="0"/>
               <a:t>Fourth level</a:t>
             </a:r>
           </a:p>
           <a:p>
             <a:pPr lvl="4"/>
             <a:r>
-              <a:rPr lang="en-US" noProof="0" smtClean="0"/>
+              <a:rPr lang="en-US" noProof="0"/>
               <a:t>Fifth level</a:t>
             </a:r>
           </a:p>
@@ -814,17 +812,17 @@
           </a:ln>
           <a:extLst>
             <a:ext uri="{FAA26D3D-D897-4be2-8F04-BA451C77F1D7}">
-              <ma14:placeholderFlag xmlns:ma14="http://schemas.microsoft.com/office/mac/drawingml/2011/main" val="1"/>
+              <ma14:placeholderFlag xmlns:ma14="http://schemas.microsoft.com/office/mac/drawingml/2011/main" xmlns="" val="1"/>
             </a:ext>
             <a:ext uri="{909E8E84-426E-40dd-AFC4-6F175D3DCCD1}">
-              <a14:hiddenFill xmlns:a14="http://schemas.microsoft.com/office/drawing/2010/main" xmlns="">
+              <a14:hiddenFill xmlns="" xmlns:a14="http://schemas.microsoft.com/office/drawing/2010/main">
                 <a:solidFill>
                   <a:schemeClr val="accent1"/>
                 </a:solidFill>
               </a14:hiddenFill>
             </a:ext>
             <a:ext uri="{91240B29-F687-4f45-9708-019B960494DF}">
-              <a14:hiddenLine xmlns:a14="http://schemas.microsoft.com/office/drawing/2010/main" xmlns="" w="9525">
+              <a14:hiddenLine xmlns="" xmlns:a14="http://schemas.microsoft.com/office/drawing/2010/main" w="9525">
                 <a:solidFill>
                   <a:schemeClr val="tx1"/>
                 </a:solidFill>
@@ -881,17 +879,17 @@
           </a:ln>
           <a:extLst>
             <a:ext uri="{FAA26D3D-D897-4be2-8F04-BA451C77F1D7}">
-              <ma14:placeholderFlag xmlns:ma14="http://schemas.microsoft.com/office/mac/drawingml/2011/main" val="1"/>
+              <ma14:placeholderFlag xmlns:ma14="http://schemas.microsoft.com/office/mac/drawingml/2011/main" xmlns="" val="1"/>
             </a:ext>
             <a:ext uri="{909E8E84-426E-40dd-AFC4-6F175D3DCCD1}">
-              <a14:hiddenFill xmlns:a14="http://schemas.microsoft.com/office/drawing/2010/main" xmlns="">
+              <a14:hiddenFill xmlns="" xmlns:a14="http://schemas.microsoft.com/office/drawing/2010/main">
                 <a:solidFill>
                   <a:schemeClr val="accent1"/>
                 </a:solidFill>
               </a14:hiddenFill>
             </a:ext>
             <a:ext uri="{91240B29-F687-4f45-9708-019B960494DF}">
-              <a14:hiddenLine xmlns:a14="http://schemas.microsoft.com/office/drawing/2010/main" xmlns="" w="9525">
+              <a14:hiddenLine xmlns="" xmlns:a14="http://schemas.microsoft.com/office/drawing/2010/main" w="9525">
                 <a:solidFill>
                   <a:schemeClr val="tx1"/>
                 </a:solidFill>
@@ -1233,7 +1231,7 @@
           <a:ln/>
           <a:extLst>
             <a:ext uri="{FAA26D3D-D897-4be2-8F04-BA451C77F1D7}">
-              <ma14:placeholderFlag xmlns:ma14="http://schemas.microsoft.com/office/mac/drawingml/2011/main" val="1"/>
+              <ma14:placeholderFlag xmlns:ma14="http://schemas.microsoft.com/office/mac/drawingml/2011/main" xmlns="" val="1"/>
             </a:ext>
           </a:extLst>
         </p:spPr>
@@ -1474,7 +1472,7 @@
           <a:ln/>
           <a:extLst>
             <a:ext uri="{FAA26D3D-D897-4be2-8F04-BA451C77F1D7}">
-              <ma14:placeholderFlag xmlns:ma14="http://schemas.microsoft.com/office/mac/drawingml/2011/main" val="1"/>
+              <ma14:placeholderFlag xmlns:ma14="http://schemas.microsoft.com/office/mac/drawingml/2011/main" xmlns="" val="1"/>
             </a:ext>
           </a:extLst>
         </p:spPr>
@@ -1706,7 +1704,7 @@
           <a:ln/>
           <a:extLst>
             <a:ext uri="{FAA26D3D-D897-4be2-8F04-BA451C77F1D7}">
-              <ma14:placeholderFlag xmlns:ma14="http://schemas.microsoft.com/office/mac/drawingml/2011/main" val="1"/>
+              <ma14:placeholderFlag xmlns:ma14="http://schemas.microsoft.com/office/mac/drawingml/2011/main" xmlns="" val="1"/>
             </a:ext>
           </a:extLst>
         </p:spPr>
@@ -1938,7 +1936,7 @@
           <a:ln/>
           <a:extLst>
             <a:ext uri="{FAA26D3D-D897-4be2-8F04-BA451C77F1D7}">
-              <ma14:placeholderFlag xmlns:ma14="http://schemas.microsoft.com/office/mac/drawingml/2011/main" val="1"/>
+              <ma14:placeholderFlag xmlns:ma14="http://schemas.microsoft.com/office/mac/drawingml/2011/main" xmlns="" val="1"/>
             </a:ext>
           </a:extLst>
         </p:spPr>
@@ -2167,7 +2165,7 @@
           <a:ln/>
           <a:extLst>
             <a:ext uri="{FAA26D3D-D897-4be2-8F04-BA451C77F1D7}">
-              <ma14:placeholderFlag xmlns:ma14="http://schemas.microsoft.com/office/mac/drawingml/2011/main" val="1"/>
+              <ma14:placeholderFlag xmlns:ma14="http://schemas.microsoft.com/office/mac/drawingml/2011/main" xmlns="" val="1"/>
             </a:ext>
           </a:extLst>
         </p:spPr>
@@ -2410,7 +2408,7 @@
           <a:ln/>
           <a:extLst>
             <a:ext uri="{FAA26D3D-D897-4be2-8F04-BA451C77F1D7}">
-              <ma14:placeholderFlag xmlns:ma14="http://schemas.microsoft.com/office/mac/drawingml/2011/main" val="1"/>
+              <ma14:placeholderFlag xmlns:ma14="http://schemas.microsoft.com/office/mac/drawingml/2011/main" xmlns="" val="1"/>
             </a:ext>
           </a:extLst>
         </p:spPr>
@@ -2653,7 +2651,7 @@
           <a:ln/>
           <a:extLst>
             <a:ext uri="{FAA26D3D-D897-4be2-8F04-BA451C77F1D7}">
-              <ma14:placeholderFlag xmlns:ma14="http://schemas.microsoft.com/office/mac/drawingml/2011/main" val="1"/>
+              <ma14:placeholderFlag xmlns:ma14="http://schemas.microsoft.com/office/mac/drawingml/2011/main" xmlns="" val="1"/>
             </a:ext>
           </a:extLst>
         </p:spPr>
@@ -2896,7 +2894,7 @@
           <a:ln/>
           <a:extLst>
             <a:ext uri="{FAA26D3D-D897-4be2-8F04-BA451C77F1D7}">
-              <ma14:placeholderFlag xmlns:ma14="http://schemas.microsoft.com/office/mac/drawingml/2011/main" val="1"/>
+              <ma14:placeholderFlag xmlns:ma14="http://schemas.microsoft.com/office/mac/drawingml/2011/main" xmlns="" val="1"/>
             </a:ext>
           </a:extLst>
         </p:spPr>
@@ -3139,7 +3137,7 @@
           <a:ln/>
           <a:extLst>
             <a:ext uri="{FAA26D3D-D897-4be2-8F04-BA451C77F1D7}">
-              <ma14:placeholderFlag xmlns:ma14="http://schemas.microsoft.com/office/mac/drawingml/2011/main" val="1"/>
+              <ma14:placeholderFlag xmlns:ma14="http://schemas.microsoft.com/office/mac/drawingml/2011/main" xmlns="" val="1"/>
             </a:ext>
           </a:extLst>
         </p:spPr>
@@ -3377,7 +3375,7 @@
           <a:ln/>
           <a:extLst>
             <a:ext uri="{FAA26D3D-D897-4be2-8F04-BA451C77F1D7}">
-              <ma14:placeholderFlag xmlns:ma14="http://schemas.microsoft.com/office/mac/drawingml/2011/main" val="1"/>
+              <ma14:placeholderFlag xmlns:ma14="http://schemas.microsoft.com/office/mac/drawingml/2011/main" xmlns="" val="1"/>
             </a:ext>
           </a:extLst>
         </p:spPr>
@@ -3620,7 +3618,7 @@
           <a:ln/>
           <a:extLst>
             <a:ext uri="{FAA26D3D-D897-4be2-8F04-BA451C77F1D7}">
-              <ma14:placeholderFlag xmlns:ma14="http://schemas.microsoft.com/office/mac/drawingml/2011/main" val="1"/>
+              <ma14:placeholderFlag xmlns:ma14="http://schemas.microsoft.com/office/mac/drawingml/2011/main" xmlns="" val="1"/>
             </a:ext>
           </a:extLst>
         </p:spPr>
@@ -3863,7 +3861,7 @@
           <a:ln/>
           <a:extLst>
             <a:ext uri="{FAA26D3D-D897-4be2-8F04-BA451C77F1D7}">
-              <ma14:placeholderFlag xmlns:ma14="http://schemas.microsoft.com/office/mac/drawingml/2011/main" val="1"/>
+              <ma14:placeholderFlag xmlns:ma14="http://schemas.microsoft.com/office/mac/drawingml/2011/main" xmlns="" val="1"/>
             </a:ext>
           </a:extLst>
         </p:spPr>
@@ -4101,7 +4099,7 @@
           <a:ln/>
           <a:extLst>
             <a:ext uri="{FAA26D3D-D897-4be2-8F04-BA451C77F1D7}">
-              <ma14:placeholderFlag xmlns:ma14="http://schemas.microsoft.com/office/mac/drawingml/2011/main" val="1"/>
+              <ma14:placeholderFlag xmlns:ma14="http://schemas.microsoft.com/office/mac/drawingml/2011/main" xmlns="" val="1"/>
             </a:ext>
           </a:extLst>
         </p:spPr>
@@ -4344,7 +4342,7 @@
           <a:ln/>
           <a:extLst>
             <a:ext uri="{FAA26D3D-D897-4be2-8F04-BA451C77F1D7}">
-              <ma14:placeholderFlag xmlns:ma14="http://schemas.microsoft.com/office/mac/drawingml/2011/main" val="1"/>
+              <ma14:placeholderFlag xmlns:ma14="http://schemas.microsoft.com/office/mac/drawingml/2011/main" xmlns="" val="1"/>
             </a:ext>
           </a:extLst>
         </p:spPr>
@@ -4587,7 +4585,7 @@
           <a:ln/>
           <a:extLst>
             <a:ext uri="{FAA26D3D-D897-4be2-8F04-BA451C77F1D7}">
-              <ma14:placeholderFlag xmlns:ma14="http://schemas.microsoft.com/office/mac/drawingml/2011/main" val="1"/>
+              <ma14:placeholderFlag xmlns:ma14="http://schemas.microsoft.com/office/mac/drawingml/2011/main" xmlns="" val="1"/>
             </a:ext>
           </a:extLst>
         </p:spPr>
@@ -4830,7 +4828,7 @@
           <a:ln/>
           <a:extLst>
             <a:ext uri="{FAA26D3D-D897-4be2-8F04-BA451C77F1D7}">
-              <ma14:placeholderFlag xmlns:ma14="http://schemas.microsoft.com/office/mac/drawingml/2011/main" val="1"/>
+              <ma14:placeholderFlag xmlns:ma14="http://schemas.microsoft.com/office/mac/drawingml/2011/main" xmlns="" val="1"/>
             </a:ext>
           </a:extLst>
         </p:spPr>
@@ -5073,7 +5071,7 @@
           <a:ln/>
           <a:extLst>
             <a:ext uri="{FAA26D3D-D897-4be2-8F04-BA451C77F1D7}">
-              <ma14:placeholderFlag xmlns:ma14="http://schemas.microsoft.com/office/mac/drawingml/2011/main" val="1"/>
+              <ma14:placeholderFlag xmlns:ma14="http://schemas.microsoft.com/office/mac/drawingml/2011/main" xmlns="" val="1"/>
             </a:ext>
           </a:extLst>
         </p:spPr>
@@ -5115,16 +5113,7 @@
           <a:lstStyle/>
           <a:p>
             <a:pPr eaLnBrk="1" hangingPunct="1"/>
-            <a:r>
-              <a:rPr lang="en-US" altLang="en-US">
-                <a:ea typeface="ＭＳ Ｐゴシック" charset="-128"/>
-              </a:rPr>
-              <a:t>Quiz #2 Friday 11/14 chapter 10-20, plus Prolog tutorial (see website)</a:t>
-            </a:r>
-          </a:p>
-          <a:p>
-            <a:pPr eaLnBrk="1" hangingPunct="1"/>
-            <a:endParaRPr lang="en-US" altLang="en-US">
+            <a:endParaRPr lang="en-US" altLang="en-US" dirty="0">
               <a:ea typeface="ＭＳ Ｐゴシック" charset="-128"/>
             </a:endParaRPr>
           </a:p>
@@ -5600,225 +5589,6 @@
       </p:grpSpPr>
       <p:sp>
         <p:nvSpPr>
-          <p:cNvPr id="20481" name="Rectangle 7"/>
-          <p:cNvSpPr>
-            <a:spLocks noGrp="1" noChangeArrowheads="1"/>
-          </p:cNvSpPr>
-          <p:nvPr>
-            <p:ph type="sldNum" sz="quarter" idx="5"/>
-          </p:nvPr>
-        </p:nvSpPr>
-        <p:spPr>
-          <a:noFill/>
-        </p:spPr>
-        <p:txBody>
-          <a:bodyPr/>
-          <a:lstStyle>
-            <a:lvl1pPr>
-              <a:defRPr>
-                <a:solidFill>
-                  <a:schemeClr val="tx1"/>
-                </a:solidFill>
-                <a:latin typeface="Arial" charset="0"/>
-                <a:ea typeface="ＭＳ Ｐゴシック" charset="-128"/>
-              </a:defRPr>
-            </a:lvl1pPr>
-            <a:lvl2pPr marL="742950" indent="-285750">
-              <a:defRPr>
-                <a:solidFill>
-                  <a:schemeClr val="tx1"/>
-                </a:solidFill>
-                <a:latin typeface="Arial" charset="0"/>
-                <a:ea typeface="ＭＳ Ｐゴシック" charset="-128"/>
-              </a:defRPr>
-            </a:lvl2pPr>
-            <a:lvl3pPr marL="1143000" indent="-228600">
-              <a:defRPr>
-                <a:solidFill>
-                  <a:schemeClr val="tx1"/>
-                </a:solidFill>
-                <a:latin typeface="Arial" charset="0"/>
-                <a:ea typeface="ＭＳ Ｐゴシック" charset="-128"/>
-              </a:defRPr>
-            </a:lvl3pPr>
-            <a:lvl4pPr marL="1600200" indent="-228600">
-              <a:defRPr>
-                <a:solidFill>
-                  <a:schemeClr val="tx1"/>
-                </a:solidFill>
-                <a:latin typeface="Arial" charset="0"/>
-                <a:ea typeface="ＭＳ Ｐゴシック" charset="-128"/>
-              </a:defRPr>
-            </a:lvl4pPr>
-            <a:lvl5pPr marL="2057400" indent="-228600">
-              <a:defRPr>
-                <a:solidFill>
-                  <a:schemeClr val="tx1"/>
-                </a:solidFill>
-                <a:latin typeface="Arial" charset="0"/>
-                <a:ea typeface="ＭＳ Ｐゴシック" charset="-128"/>
-              </a:defRPr>
-            </a:lvl5pPr>
-            <a:lvl6pPr marL="2514600" indent="-228600" eaLnBrk="0" fontAlgn="base" hangingPunct="0">
-              <a:spcBef>
-                <a:spcPct val="0"/>
-              </a:spcBef>
-              <a:spcAft>
-                <a:spcPct val="0"/>
-              </a:spcAft>
-              <a:defRPr>
-                <a:solidFill>
-                  <a:schemeClr val="tx1"/>
-                </a:solidFill>
-                <a:latin typeface="Arial" charset="0"/>
-                <a:ea typeface="ＭＳ Ｐゴシック" charset="-128"/>
-              </a:defRPr>
-            </a:lvl6pPr>
-            <a:lvl7pPr marL="2971800" indent="-228600" eaLnBrk="0" fontAlgn="base" hangingPunct="0">
-              <a:spcBef>
-                <a:spcPct val="0"/>
-              </a:spcBef>
-              <a:spcAft>
-                <a:spcPct val="0"/>
-              </a:spcAft>
-              <a:defRPr>
-                <a:solidFill>
-                  <a:schemeClr val="tx1"/>
-                </a:solidFill>
-                <a:latin typeface="Arial" charset="0"/>
-                <a:ea typeface="ＭＳ Ｐゴシック" charset="-128"/>
-              </a:defRPr>
-            </a:lvl7pPr>
-            <a:lvl8pPr marL="3429000" indent="-228600" eaLnBrk="0" fontAlgn="base" hangingPunct="0">
-              <a:spcBef>
-                <a:spcPct val="0"/>
-              </a:spcBef>
-              <a:spcAft>
-                <a:spcPct val="0"/>
-              </a:spcAft>
-              <a:defRPr>
-                <a:solidFill>
-                  <a:schemeClr val="tx1"/>
-                </a:solidFill>
-                <a:latin typeface="Arial" charset="0"/>
-                <a:ea typeface="ＭＳ Ｐゴシック" charset="-128"/>
-              </a:defRPr>
-            </a:lvl8pPr>
-            <a:lvl9pPr marL="3886200" indent="-228600" eaLnBrk="0" fontAlgn="base" hangingPunct="0">
-              <a:spcBef>
-                <a:spcPct val="0"/>
-              </a:spcBef>
-              <a:spcAft>
-                <a:spcPct val="0"/>
-              </a:spcAft>
-              <a:defRPr>
-                <a:solidFill>
-                  <a:schemeClr val="tx1"/>
-                </a:solidFill>
-                <a:latin typeface="Arial" charset="0"/>
-                <a:ea typeface="ＭＳ Ｐゴシック" charset="-128"/>
-              </a:defRPr>
-            </a:lvl9pPr>
-          </a:lstStyle>
-          <a:p>
-            <a:fld id="{5D995F65-C4DC-0E4C-9632-243D30B9954A}" type="slidenum">
-              <a:rPr lang="en-US" altLang="en-US"/>
-              <a:pPr/>
-              <a:t>33</a:t>
-            </a:fld>
-            <a:endParaRPr lang="en-US" altLang="en-US"/>
-          </a:p>
-        </p:txBody>
-      </p:sp>
-      <p:sp>
-        <p:nvSpPr>
-          <p:cNvPr id="9218" name="Rectangle 2"/>
-          <p:cNvSpPr>
-            <a:spLocks noGrp="1" noRot="1" noChangeAspect="1" noChangeArrowheads="1"/>
-          </p:cNvSpPr>
-          <p:nvPr>
-            <p:ph type="sldImg"/>
-          </p:nvPr>
-        </p:nvSpPr>
-        <p:spPr>
-          <a:xfrm>
-            <a:off x="1104900" y="652463"/>
-            <a:ext cx="4646613" cy="3484562"/>
-          </a:xfrm>
-          <a:solidFill>
-            <a:srgbClr val="FFFFFF"/>
-          </a:solidFill>
-          <a:ln/>
-        </p:spPr>
-      </p:sp>
-      <p:sp>
-        <p:nvSpPr>
-          <p:cNvPr id="20483" name="Rectangle 3"/>
-          <p:cNvSpPr>
-            <a:spLocks noGrp="1" noChangeArrowheads="1"/>
-          </p:cNvSpPr>
-          <p:nvPr>
-            <p:ph type="body" idx="1"/>
-          </p:nvPr>
-        </p:nvSpPr>
-        <p:spPr>
-          <a:xfrm>
-            <a:off x="928688" y="4354513"/>
-            <a:ext cx="5000625" cy="4137025"/>
-          </a:xfrm>
-          <a:solidFill>
-            <a:srgbClr val="FFFFFF"/>
-          </a:solidFill>
-          <a:ln>
-            <a:solidFill>
-              <a:srgbClr val="000000"/>
-            </a:solidFill>
-            <a:miter lim="800000"/>
-            <a:headEnd/>
-            <a:tailEnd/>
-          </a:ln>
-        </p:spPr>
-        <p:txBody>
-          <a:bodyPr lIns="86493" tIns="43247" rIns="86493" bIns="43247"/>
-          <a:lstStyle/>
-          <a:p>
-            <a:pPr eaLnBrk="1" hangingPunct="1"/>
-            <a:endParaRPr lang="en-US" altLang="en-US"/>
-          </a:p>
-        </p:txBody>
-      </p:sp>
-    </p:spTree>
-    <p:extLst>
-      <p:ext uri="{BB962C8B-B14F-4D97-AF65-F5344CB8AC3E}">
-        <p14:creationId xmlns:p14="http://schemas.microsoft.com/office/powerpoint/2010/main" val="1532685254"/>
-      </p:ext>
-    </p:extLst>
-  </p:cSld>
-  <p:clrMapOvr>
-    <a:masterClrMapping/>
-  </p:clrMapOvr>
-</p:notes>
-</file>
-
-<file path=ppt/notesSlides/notesSlide28.xml><?xml version="1.0" encoding="utf-8"?>
-<p:notes xmlns:a="http://schemas.openxmlformats.org/drawingml/2006/main" xmlns:r="http://schemas.openxmlformats.org/officeDocument/2006/relationships" xmlns:p="http://schemas.openxmlformats.org/presentationml/2006/main">
-  <p:cSld>
-    <p:spTree>
-      <p:nvGrpSpPr>
-        <p:cNvPr id="1" name=""/>
-        <p:cNvGrpSpPr/>
-        <p:nvPr/>
-      </p:nvGrpSpPr>
-      <p:grpSpPr>
-        <a:xfrm>
-          <a:off x="0" y="0"/>
-          <a:ext cx="0" cy="0"/>
-          <a:chOff x="0" y="0"/>
-          <a:chExt cx="0" cy="0"/>
-        </a:xfrm>
-      </p:grpSpPr>
-      <p:sp>
-        <p:nvSpPr>
           <p:cNvPr id="22529" name="Rectangle 7"/>
           <p:cNvSpPr>
             <a:spLocks noGrp="1" noChangeArrowheads="1"/>
@@ -5943,7 +5713,7 @@
             <a:fld id="{C113A868-E617-D54C-844D-330C21D6B16F}" type="slidenum">
               <a:rPr lang="en-US" altLang="en-US"/>
               <a:pPr/>
-              <a:t>34</a:t>
+              <a:t>33</a:t>
             </a:fld>
             <a:endParaRPr lang="en-US" altLang="en-US"/>
           </a:p>
@@ -6019,7 +5789,7 @@
 </p:notes>
 </file>
 
-<file path=ppt/notesSlides/notesSlide29.xml><?xml version="1.0" encoding="utf-8"?>
+<file path=ppt/notesSlides/notesSlide28.xml><?xml version="1.0" encoding="utf-8"?>
 <p:notes xmlns:a="http://schemas.openxmlformats.org/drawingml/2006/main" xmlns:r="http://schemas.openxmlformats.org/officeDocument/2006/relationships" xmlns:p="http://schemas.openxmlformats.org/presentationml/2006/main">
   <p:cSld>
     <p:spTree>
@@ -6162,7 +5932,7 @@
             <a:fld id="{0BE56660-78A9-434E-BF56-05A696A8D54D}" type="slidenum">
               <a:rPr lang="en-US" altLang="en-US"/>
               <a:pPr/>
-              <a:t>35</a:t>
+              <a:t>34</a:t>
             </a:fld>
             <a:endParaRPr lang="en-US" altLang="en-US"/>
           </a:p>
@@ -6238,464 +6008,7 @@
 </p:notes>
 </file>
 
-<file path=ppt/notesSlides/notesSlide3.xml><?xml version="1.0" encoding="utf-8"?>
-<p:notes xmlns:a="http://schemas.openxmlformats.org/drawingml/2006/main" xmlns:r="http://schemas.openxmlformats.org/officeDocument/2006/relationships" xmlns:p="http://schemas.openxmlformats.org/presentationml/2006/main">
-  <p:cSld>
-    <p:spTree>
-      <p:nvGrpSpPr>
-        <p:cNvPr id="1" name=""/>
-        <p:cNvGrpSpPr/>
-        <p:nvPr/>
-      </p:nvGrpSpPr>
-      <p:grpSpPr>
-        <a:xfrm>
-          <a:off x="0" y="0"/>
-          <a:ext cx="0" cy="0"/>
-          <a:chOff x="0" y="0"/>
-          <a:chExt cx="0" cy="0"/>
-        </a:xfrm>
-      </p:grpSpPr>
-      <p:sp>
-        <p:nvSpPr>
-          <p:cNvPr id="25601" name="Rectangle 1031"/>
-          <p:cNvSpPr>
-            <a:spLocks noGrp="1" noChangeArrowheads="1"/>
-          </p:cNvSpPr>
-          <p:nvPr>
-            <p:ph type="sldNum" sz="quarter" idx="5"/>
-          </p:nvPr>
-        </p:nvSpPr>
-        <p:spPr>
-          <a:noFill/>
-          <a:extLst>
-            <a:ext uri="{909E8E84-426E-40DD-AFC4-6F175D3DCCD1}">
-              <a14:hiddenFill xmlns:a14="http://schemas.microsoft.com/office/drawing/2010/main">
-                <a:solidFill>
-                  <a:schemeClr val="accent1"/>
-                </a:solidFill>
-              </a14:hiddenFill>
-            </a:ext>
-            <a:ext uri="{91240B29-F687-4F45-9708-019B960494DF}">
-              <a14:hiddenLine xmlns:a14="http://schemas.microsoft.com/office/drawing/2010/main" w="9525">
-                <a:solidFill>
-                  <a:schemeClr val="tx1"/>
-                </a:solidFill>
-                <a:miter lim="800000"/>
-                <a:headEnd/>
-                <a:tailEnd/>
-              </a14:hiddenLine>
-            </a:ext>
-          </a:extLst>
-        </p:spPr>
-        <p:txBody>
-          <a:bodyPr/>
-          <a:lstStyle>
-            <a:lvl1pPr>
-              <a:defRPr sz="2300">
-                <a:solidFill>
-                  <a:schemeClr val="tx1"/>
-                </a:solidFill>
-                <a:latin typeface="Arial" charset="0"/>
-                <a:ea typeface="ＭＳ Ｐゴシック" charset="-128"/>
-              </a:defRPr>
-            </a:lvl1pPr>
-            <a:lvl2pPr marL="742950" indent="-285750">
-              <a:defRPr sz="2300">
-                <a:solidFill>
-                  <a:schemeClr val="tx1"/>
-                </a:solidFill>
-                <a:latin typeface="Arial" charset="0"/>
-                <a:ea typeface="ＭＳ Ｐゴシック" charset="-128"/>
-              </a:defRPr>
-            </a:lvl2pPr>
-            <a:lvl3pPr marL="1143000" indent="-228600">
-              <a:defRPr sz="2300">
-                <a:solidFill>
-                  <a:schemeClr val="tx1"/>
-                </a:solidFill>
-                <a:latin typeface="Arial" charset="0"/>
-                <a:ea typeface="ＭＳ Ｐゴシック" charset="-128"/>
-              </a:defRPr>
-            </a:lvl3pPr>
-            <a:lvl4pPr marL="1600200" indent="-228600">
-              <a:defRPr sz="2300">
-                <a:solidFill>
-                  <a:schemeClr val="tx1"/>
-                </a:solidFill>
-                <a:latin typeface="Arial" charset="0"/>
-                <a:ea typeface="ＭＳ Ｐゴシック" charset="-128"/>
-              </a:defRPr>
-            </a:lvl4pPr>
-            <a:lvl5pPr marL="2057400" indent="-228600">
-              <a:defRPr sz="2300">
-                <a:solidFill>
-                  <a:schemeClr val="tx1"/>
-                </a:solidFill>
-                <a:latin typeface="Arial" charset="0"/>
-                <a:ea typeface="ＭＳ Ｐゴシック" charset="-128"/>
-              </a:defRPr>
-            </a:lvl5pPr>
-            <a:lvl6pPr marL="2514600" indent="-228600" eaLnBrk="0" fontAlgn="base" hangingPunct="0">
-              <a:spcBef>
-                <a:spcPct val="0"/>
-              </a:spcBef>
-              <a:spcAft>
-                <a:spcPct val="0"/>
-              </a:spcAft>
-              <a:defRPr sz="2300">
-                <a:solidFill>
-                  <a:schemeClr val="tx1"/>
-                </a:solidFill>
-                <a:latin typeface="Arial" charset="0"/>
-                <a:ea typeface="ＭＳ Ｐゴシック" charset="-128"/>
-              </a:defRPr>
-            </a:lvl6pPr>
-            <a:lvl7pPr marL="2971800" indent="-228600" eaLnBrk="0" fontAlgn="base" hangingPunct="0">
-              <a:spcBef>
-                <a:spcPct val="0"/>
-              </a:spcBef>
-              <a:spcAft>
-                <a:spcPct val="0"/>
-              </a:spcAft>
-              <a:defRPr sz="2300">
-                <a:solidFill>
-                  <a:schemeClr val="tx1"/>
-                </a:solidFill>
-                <a:latin typeface="Arial" charset="0"/>
-                <a:ea typeface="ＭＳ Ｐゴシック" charset="-128"/>
-              </a:defRPr>
-            </a:lvl7pPr>
-            <a:lvl8pPr marL="3429000" indent="-228600" eaLnBrk="0" fontAlgn="base" hangingPunct="0">
-              <a:spcBef>
-                <a:spcPct val="0"/>
-              </a:spcBef>
-              <a:spcAft>
-                <a:spcPct val="0"/>
-              </a:spcAft>
-              <a:defRPr sz="2300">
-                <a:solidFill>
-                  <a:schemeClr val="tx1"/>
-                </a:solidFill>
-                <a:latin typeface="Arial" charset="0"/>
-                <a:ea typeface="ＭＳ Ｐゴシック" charset="-128"/>
-              </a:defRPr>
-            </a:lvl8pPr>
-            <a:lvl9pPr marL="3886200" indent="-228600" eaLnBrk="0" fontAlgn="base" hangingPunct="0">
-              <a:spcBef>
-                <a:spcPct val="0"/>
-              </a:spcBef>
-              <a:spcAft>
-                <a:spcPct val="0"/>
-              </a:spcAft>
-              <a:defRPr sz="2300">
-                <a:solidFill>
-                  <a:schemeClr val="tx1"/>
-                </a:solidFill>
-                <a:latin typeface="Arial" charset="0"/>
-                <a:ea typeface="ＭＳ Ｐゴシック" charset="-128"/>
-              </a:defRPr>
-            </a:lvl9pPr>
-          </a:lstStyle>
-          <a:p>
-            <a:fld id="{01A177B3-DECC-154F-B7F3-FF4F7E49E105}" type="slidenum">
-              <a:rPr lang="en-US" altLang="en-US" sz="1200"/>
-              <a:pPr/>
-              <a:t>6</a:t>
-            </a:fld>
-            <a:endParaRPr lang="en-US" altLang="en-US" sz="1200"/>
-          </a:p>
-        </p:txBody>
-      </p:sp>
-      <p:sp>
-        <p:nvSpPr>
-          <p:cNvPr id="39938" name="Rectangle 1026"/>
-          <p:cNvSpPr>
-            <a:spLocks noGrp="1" noRot="1" noChangeAspect="1" noChangeArrowheads="1" noTextEdit="1"/>
-          </p:cNvSpPr>
-          <p:nvPr>
-            <p:ph type="sldImg"/>
-          </p:nvPr>
-        </p:nvSpPr>
-        <p:spPr>
-          <a:ln/>
-          <a:extLst>
-            <a:ext uri="{FAA26D3D-D897-4be2-8F04-BA451C77F1D7}">
-              <ma14:placeholderFlag xmlns:ma14="http://schemas.microsoft.com/office/mac/drawingml/2011/main" val="1"/>
-            </a:ext>
-          </a:extLst>
-        </p:spPr>
-      </p:sp>
-      <p:sp>
-        <p:nvSpPr>
-          <p:cNvPr id="25603" name="Rectangle 1027"/>
-          <p:cNvSpPr>
-            <a:spLocks noGrp="1" noChangeArrowheads="1"/>
-          </p:cNvSpPr>
-          <p:nvPr>
-            <p:ph type="body" idx="1"/>
-          </p:nvPr>
-        </p:nvSpPr>
-        <p:spPr>
-          <a:noFill/>
-          <a:extLst>
-            <a:ext uri="{909E8E84-426E-40DD-AFC4-6F175D3DCCD1}">
-              <a14:hiddenFill xmlns:a14="http://schemas.microsoft.com/office/drawing/2010/main">
-                <a:solidFill>
-                  <a:schemeClr val="accent1"/>
-                </a:solidFill>
-              </a14:hiddenFill>
-            </a:ext>
-            <a:ext uri="{91240B29-F687-4F45-9708-019B960494DF}">
-              <a14:hiddenLine xmlns:a14="http://schemas.microsoft.com/office/drawing/2010/main" w="9525">
-                <a:solidFill>
-                  <a:schemeClr val="tx1"/>
-                </a:solidFill>
-                <a:miter lim="800000"/>
-                <a:headEnd/>
-                <a:tailEnd/>
-              </a14:hiddenLine>
-            </a:ext>
-          </a:extLst>
-        </p:spPr>
-        <p:txBody>
-          <a:bodyPr/>
-          <a:lstStyle/>
-          <a:p>
-            <a:pPr eaLnBrk="1" hangingPunct="1"/>
-            <a:endParaRPr lang="en-US" altLang="en-US">
-              <a:ea typeface="ＭＳ Ｐゴシック" charset="-128"/>
-            </a:endParaRPr>
-          </a:p>
-        </p:txBody>
-      </p:sp>
-    </p:spTree>
-  </p:cSld>
-  <p:clrMapOvr>
-    <a:masterClrMapping/>
-  </p:clrMapOvr>
-</p:notes>
-</file>
-
-<file path=ppt/notesSlides/notesSlide30.xml><?xml version="1.0" encoding="utf-8"?>
-<p:notes xmlns:a="http://schemas.openxmlformats.org/drawingml/2006/main" xmlns:r="http://schemas.openxmlformats.org/officeDocument/2006/relationships" xmlns:p="http://schemas.openxmlformats.org/presentationml/2006/main">
-  <p:cSld>
-    <p:spTree>
-      <p:nvGrpSpPr>
-        <p:cNvPr id="1" name=""/>
-        <p:cNvGrpSpPr/>
-        <p:nvPr/>
-      </p:nvGrpSpPr>
-      <p:grpSpPr>
-        <a:xfrm>
-          <a:off x="0" y="0"/>
-          <a:ext cx="0" cy="0"/>
-          <a:chOff x="0" y="0"/>
-          <a:chExt cx="0" cy="0"/>
-        </a:xfrm>
-      </p:grpSpPr>
-      <p:sp>
-        <p:nvSpPr>
-          <p:cNvPr id="26625" name="Rectangle 7"/>
-          <p:cNvSpPr>
-            <a:spLocks noGrp="1" noChangeArrowheads="1"/>
-          </p:cNvSpPr>
-          <p:nvPr>
-            <p:ph type="sldNum" sz="quarter" idx="5"/>
-          </p:nvPr>
-        </p:nvSpPr>
-        <p:spPr>
-          <a:noFill/>
-        </p:spPr>
-        <p:txBody>
-          <a:bodyPr/>
-          <a:lstStyle>
-            <a:lvl1pPr>
-              <a:defRPr>
-                <a:solidFill>
-                  <a:schemeClr val="tx1"/>
-                </a:solidFill>
-                <a:latin typeface="Arial" charset="0"/>
-                <a:ea typeface="ＭＳ Ｐゴシック" charset="-128"/>
-              </a:defRPr>
-            </a:lvl1pPr>
-            <a:lvl2pPr marL="742950" indent="-285750">
-              <a:defRPr>
-                <a:solidFill>
-                  <a:schemeClr val="tx1"/>
-                </a:solidFill>
-                <a:latin typeface="Arial" charset="0"/>
-                <a:ea typeface="ＭＳ Ｐゴシック" charset="-128"/>
-              </a:defRPr>
-            </a:lvl2pPr>
-            <a:lvl3pPr marL="1143000" indent="-228600">
-              <a:defRPr>
-                <a:solidFill>
-                  <a:schemeClr val="tx1"/>
-                </a:solidFill>
-                <a:latin typeface="Arial" charset="0"/>
-                <a:ea typeface="ＭＳ Ｐゴシック" charset="-128"/>
-              </a:defRPr>
-            </a:lvl3pPr>
-            <a:lvl4pPr marL="1600200" indent="-228600">
-              <a:defRPr>
-                <a:solidFill>
-                  <a:schemeClr val="tx1"/>
-                </a:solidFill>
-                <a:latin typeface="Arial" charset="0"/>
-                <a:ea typeface="ＭＳ Ｐゴシック" charset="-128"/>
-              </a:defRPr>
-            </a:lvl4pPr>
-            <a:lvl5pPr marL="2057400" indent="-228600">
-              <a:defRPr>
-                <a:solidFill>
-                  <a:schemeClr val="tx1"/>
-                </a:solidFill>
-                <a:latin typeface="Arial" charset="0"/>
-                <a:ea typeface="ＭＳ Ｐゴシック" charset="-128"/>
-              </a:defRPr>
-            </a:lvl5pPr>
-            <a:lvl6pPr marL="2514600" indent="-228600" eaLnBrk="0" fontAlgn="base" hangingPunct="0">
-              <a:spcBef>
-                <a:spcPct val="0"/>
-              </a:spcBef>
-              <a:spcAft>
-                <a:spcPct val="0"/>
-              </a:spcAft>
-              <a:defRPr>
-                <a:solidFill>
-                  <a:schemeClr val="tx1"/>
-                </a:solidFill>
-                <a:latin typeface="Arial" charset="0"/>
-                <a:ea typeface="ＭＳ Ｐゴシック" charset="-128"/>
-              </a:defRPr>
-            </a:lvl6pPr>
-            <a:lvl7pPr marL="2971800" indent="-228600" eaLnBrk="0" fontAlgn="base" hangingPunct="0">
-              <a:spcBef>
-                <a:spcPct val="0"/>
-              </a:spcBef>
-              <a:spcAft>
-                <a:spcPct val="0"/>
-              </a:spcAft>
-              <a:defRPr>
-                <a:solidFill>
-                  <a:schemeClr val="tx1"/>
-                </a:solidFill>
-                <a:latin typeface="Arial" charset="0"/>
-                <a:ea typeface="ＭＳ Ｐゴシック" charset="-128"/>
-              </a:defRPr>
-            </a:lvl7pPr>
-            <a:lvl8pPr marL="3429000" indent="-228600" eaLnBrk="0" fontAlgn="base" hangingPunct="0">
-              <a:spcBef>
-                <a:spcPct val="0"/>
-              </a:spcBef>
-              <a:spcAft>
-                <a:spcPct val="0"/>
-              </a:spcAft>
-              <a:defRPr>
-                <a:solidFill>
-                  <a:schemeClr val="tx1"/>
-                </a:solidFill>
-                <a:latin typeface="Arial" charset="0"/>
-                <a:ea typeface="ＭＳ Ｐゴシック" charset="-128"/>
-              </a:defRPr>
-            </a:lvl8pPr>
-            <a:lvl9pPr marL="3886200" indent="-228600" eaLnBrk="0" fontAlgn="base" hangingPunct="0">
-              <a:spcBef>
-                <a:spcPct val="0"/>
-              </a:spcBef>
-              <a:spcAft>
-                <a:spcPct val="0"/>
-              </a:spcAft>
-              <a:defRPr>
-                <a:solidFill>
-                  <a:schemeClr val="tx1"/>
-                </a:solidFill>
-                <a:latin typeface="Arial" charset="0"/>
-                <a:ea typeface="ＭＳ Ｐゴシック" charset="-128"/>
-              </a:defRPr>
-            </a:lvl9pPr>
-          </a:lstStyle>
-          <a:p>
-            <a:fld id="{B7547CA0-EA5B-9A4B-9722-9ACFA76C49CD}" type="slidenum">
-              <a:rPr lang="en-US" altLang="en-US"/>
-              <a:pPr/>
-              <a:t>36</a:t>
-            </a:fld>
-            <a:endParaRPr lang="en-US" altLang="en-US"/>
-          </a:p>
-        </p:txBody>
-      </p:sp>
-      <p:sp>
-        <p:nvSpPr>
-          <p:cNvPr id="15362" name="Rectangle 2"/>
-          <p:cNvSpPr>
-            <a:spLocks noGrp="1" noRot="1" noChangeAspect="1" noChangeArrowheads="1"/>
-          </p:cNvSpPr>
-          <p:nvPr>
-            <p:ph type="sldImg"/>
-          </p:nvPr>
-        </p:nvSpPr>
-        <p:spPr>
-          <a:xfrm>
-            <a:off x="1104900" y="652463"/>
-            <a:ext cx="4646613" cy="3484562"/>
-          </a:xfrm>
-          <a:solidFill>
-            <a:srgbClr val="FFFFFF"/>
-          </a:solidFill>
-          <a:ln/>
-        </p:spPr>
-      </p:sp>
-      <p:sp>
-        <p:nvSpPr>
-          <p:cNvPr id="26627" name="Rectangle 3"/>
-          <p:cNvSpPr>
-            <a:spLocks noGrp="1" noChangeArrowheads="1"/>
-          </p:cNvSpPr>
-          <p:nvPr>
-            <p:ph type="body" idx="1"/>
-          </p:nvPr>
-        </p:nvSpPr>
-        <p:spPr>
-          <a:xfrm>
-            <a:off x="928688" y="4354513"/>
-            <a:ext cx="5000625" cy="4137025"/>
-          </a:xfrm>
-          <a:solidFill>
-            <a:srgbClr val="FFFFFF"/>
-          </a:solidFill>
-          <a:ln>
-            <a:solidFill>
-              <a:srgbClr val="000000"/>
-            </a:solidFill>
-            <a:miter lim="800000"/>
-            <a:headEnd/>
-            <a:tailEnd/>
-          </a:ln>
-        </p:spPr>
-        <p:txBody>
-          <a:bodyPr lIns="86493" tIns="43247" rIns="86493" bIns="43247"/>
-          <a:lstStyle/>
-          <a:p>
-            <a:pPr eaLnBrk="1" hangingPunct="1"/>
-            <a:endParaRPr lang="en-US" altLang="en-US"/>
-          </a:p>
-        </p:txBody>
-      </p:sp>
-    </p:spTree>
-    <p:extLst>
-      <p:ext uri="{BB962C8B-B14F-4D97-AF65-F5344CB8AC3E}">
-        <p14:creationId xmlns:p14="http://schemas.microsoft.com/office/powerpoint/2010/main" val="242456236"/>
-      </p:ext>
-    </p:extLst>
-  </p:cSld>
-  <p:clrMapOvr>
-    <a:masterClrMapping/>
-  </p:clrMapOvr>
-</p:notes>
-</file>
-
-<file path=ppt/notesSlides/notesSlide31.xml><?xml version="1.0" encoding="utf-8"?>
+<file path=ppt/notesSlides/notesSlide29.xml><?xml version="1.0" encoding="utf-8"?>
 <p:notes xmlns:a="http://schemas.openxmlformats.org/drawingml/2006/main" xmlns:r="http://schemas.openxmlformats.org/officeDocument/2006/relationships" xmlns:p="http://schemas.openxmlformats.org/presentationml/2006/main">
   <p:cSld>
     <p:spTree>
@@ -6838,7 +6151,7 @@
             <a:fld id="{9857B778-E499-5A41-B90C-729C4FA8EFDC}" type="slidenum">
               <a:rPr lang="en-US" altLang="en-US"/>
               <a:pPr/>
-              <a:t>37</a:t>
+              <a:t>35</a:t>
             </a:fld>
             <a:endParaRPr lang="en-US" altLang="en-US"/>
           </a:p>
@@ -7281,6 +6594,244 @@
         <p14:creationId xmlns:p14="http://schemas.microsoft.com/office/powerpoint/2010/main" val="689288594"/>
       </p:ext>
     </p:extLst>
+  </p:cSld>
+  <p:clrMapOvr>
+    <a:masterClrMapping/>
+  </p:clrMapOvr>
+</p:notes>
+</file>
+
+<file path=ppt/notesSlides/notesSlide3.xml><?xml version="1.0" encoding="utf-8"?>
+<p:notes xmlns:a="http://schemas.openxmlformats.org/drawingml/2006/main" xmlns:r="http://schemas.openxmlformats.org/officeDocument/2006/relationships" xmlns:p="http://schemas.openxmlformats.org/presentationml/2006/main">
+  <p:cSld>
+    <p:spTree>
+      <p:nvGrpSpPr>
+        <p:cNvPr id="1" name=""/>
+        <p:cNvGrpSpPr/>
+        <p:nvPr/>
+      </p:nvGrpSpPr>
+      <p:grpSpPr>
+        <a:xfrm>
+          <a:off x="0" y="0"/>
+          <a:ext cx="0" cy="0"/>
+          <a:chOff x="0" y="0"/>
+          <a:chExt cx="0" cy="0"/>
+        </a:xfrm>
+      </p:grpSpPr>
+      <p:sp>
+        <p:nvSpPr>
+          <p:cNvPr id="25601" name="Rectangle 1031"/>
+          <p:cNvSpPr>
+            <a:spLocks noGrp="1" noChangeArrowheads="1"/>
+          </p:cNvSpPr>
+          <p:nvPr>
+            <p:ph type="sldNum" sz="quarter" idx="5"/>
+          </p:nvPr>
+        </p:nvSpPr>
+        <p:spPr>
+          <a:noFill/>
+          <a:extLst>
+            <a:ext uri="{909E8E84-426E-40DD-AFC4-6F175D3DCCD1}">
+              <a14:hiddenFill xmlns:a14="http://schemas.microsoft.com/office/drawing/2010/main">
+                <a:solidFill>
+                  <a:schemeClr val="accent1"/>
+                </a:solidFill>
+              </a14:hiddenFill>
+            </a:ext>
+            <a:ext uri="{91240B29-F687-4F45-9708-019B960494DF}">
+              <a14:hiddenLine xmlns:a14="http://schemas.microsoft.com/office/drawing/2010/main" w="9525">
+                <a:solidFill>
+                  <a:schemeClr val="tx1"/>
+                </a:solidFill>
+                <a:miter lim="800000"/>
+                <a:headEnd/>
+                <a:tailEnd/>
+              </a14:hiddenLine>
+            </a:ext>
+          </a:extLst>
+        </p:spPr>
+        <p:txBody>
+          <a:bodyPr/>
+          <a:lstStyle>
+            <a:lvl1pPr>
+              <a:defRPr sz="2300">
+                <a:solidFill>
+                  <a:schemeClr val="tx1"/>
+                </a:solidFill>
+                <a:latin typeface="Arial" charset="0"/>
+                <a:ea typeface="ＭＳ Ｐゴシック" charset="-128"/>
+              </a:defRPr>
+            </a:lvl1pPr>
+            <a:lvl2pPr marL="742950" indent="-285750">
+              <a:defRPr sz="2300">
+                <a:solidFill>
+                  <a:schemeClr val="tx1"/>
+                </a:solidFill>
+                <a:latin typeface="Arial" charset="0"/>
+                <a:ea typeface="ＭＳ Ｐゴシック" charset="-128"/>
+              </a:defRPr>
+            </a:lvl2pPr>
+            <a:lvl3pPr marL="1143000" indent="-228600">
+              <a:defRPr sz="2300">
+                <a:solidFill>
+                  <a:schemeClr val="tx1"/>
+                </a:solidFill>
+                <a:latin typeface="Arial" charset="0"/>
+                <a:ea typeface="ＭＳ Ｐゴシック" charset="-128"/>
+              </a:defRPr>
+            </a:lvl3pPr>
+            <a:lvl4pPr marL="1600200" indent="-228600">
+              <a:defRPr sz="2300">
+                <a:solidFill>
+                  <a:schemeClr val="tx1"/>
+                </a:solidFill>
+                <a:latin typeface="Arial" charset="0"/>
+                <a:ea typeface="ＭＳ Ｐゴシック" charset="-128"/>
+              </a:defRPr>
+            </a:lvl4pPr>
+            <a:lvl5pPr marL="2057400" indent="-228600">
+              <a:defRPr sz="2300">
+                <a:solidFill>
+                  <a:schemeClr val="tx1"/>
+                </a:solidFill>
+                <a:latin typeface="Arial" charset="0"/>
+                <a:ea typeface="ＭＳ Ｐゴシック" charset="-128"/>
+              </a:defRPr>
+            </a:lvl5pPr>
+            <a:lvl6pPr marL="2514600" indent="-228600" eaLnBrk="0" fontAlgn="base" hangingPunct="0">
+              <a:spcBef>
+                <a:spcPct val="0"/>
+              </a:spcBef>
+              <a:spcAft>
+                <a:spcPct val="0"/>
+              </a:spcAft>
+              <a:defRPr sz="2300">
+                <a:solidFill>
+                  <a:schemeClr val="tx1"/>
+                </a:solidFill>
+                <a:latin typeface="Arial" charset="0"/>
+                <a:ea typeface="ＭＳ Ｐゴシック" charset="-128"/>
+              </a:defRPr>
+            </a:lvl6pPr>
+            <a:lvl7pPr marL="2971800" indent="-228600" eaLnBrk="0" fontAlgn="base" hangingPunct="0">
+              <a:spcBef>
+                <a:spcPct val="0"/>
+              </a:spcBef>
+              <a:spcAft>
+                <a:spcPct val="0"/>
+              </a:spcAft>
+              <a:defRPr sz="2300">
+                <a:solidFill>
+                  <a:schemeClr val="tx1"/>
+                </a:solidFill>
+                <a:latin typeface="Arial" charset="0"/>
+                <a:ea typeface="ＭＳ Ｐゴシック" charset="-128"/>
+              </a:defRPr>
+            </a:lvl7pPr>
+            <a:lvl8pPr marL="3429000" indent="-228600" eaLnBrk="0" fontAlgn="base" hangingPunct="0">
+              <a:spcBef>
+                <a:spcPct val="0"/>
+              </a:spcBef>
+              <a:spcAft>
+                <a:spcPct val="0"/>
+              </a:spcAft>
+              <a:defRPr sz="2300">
+                <a:solidFill>
+                  <a:schemeClr val="tx1"/>
+                </a:solidFill>
+                <a:latin typeface="Arial" charset="0"/>
+                <a:ea typeface="ＭＳ Ｐゴシック" charset="-128"/>
+              </a:defRPr>
+            </a:lvl8pPr>
+            <a:lvl9pPr marL="3886200" indent="-228600" eaLnBrk="0" fontAlgn="base" hangingPunct="0">
+              <a:spcBef>
+                <a:spcPct val="0"/>
+              </a:spcBef>
+              <a:spcAft>
+                <a:spcPct val="0"/>
+              </a:spcAft>
+              <a:defRPr sz="2300">
+                <a:solidFill>
+                  <a:schemeClr val="tx1"/>
+                </a:solidFill>
+                <a:latin typeface="Arial" charset="0"/>
+                <a:ea typeface="ＭＳ Ｐゴシック" charset="-128"/>
+              </a:defRPr>
+            </a:lvl9pPr>
+          </a:lstStyle>
+          <a:p>
+            <a:fld id="{01A177B3-DECC-154F-B7F3-FF4F7E49E105}" type="slidenum">
+              <a:rPr lang="en-US" altLang="en-US" sz="1200"/>
+              <a:pPr/>
+              <a:t>6</a:t>
+            </a:fld>
+            <a:endParaRPr lang="en-US" altLang="en-US" sz="1200"/>
+          </a:p>
+        </p:txBody>
+      </p:sp>
+      <p:sp>
+        <p:nvSpPr>
+          <p:cNvPr id="39938" name="Rectangle 1026"/>
+          <p:cNvSpPr>
+            <a:spLocks noGrp="1" noRot="1" noChangeAspect="1" noChangeArrowheads="1" noTextEdit="1"/>
+          </p:cNvSpPr>
+          <p:nvPr>
+            <p:ph type="sldImg"/>
+          </p:nvPr>
+        </p:nvSpPr>
+        <p:spPr>
+          <a:ln/>
+          <a:extLst>
+            <a:ext uri="{FAA26D3D-D897-4be2-8F04-BA451C77F1D7}">
+              <ma14:placeholderFlag xmlns:ma14="http://schemas.microsoft.com/office/mac/drawingml/2011/main" xmlns="" val="1"/>
+            </a:ext>
+          </a:extLst>
+        </p:spPr>
+      </p:sp>
+      <p:sp>
+        <p:nvSpPr>
+          <p:cNvPr id="25603" name="Rectangle 1027"/>
+          <p:cNvSpPr>
+            <a:spLocks noGrp="1" noChangeArrowheads="1"/>
+          </p:cNvSpPr>
+          <p:nvPr>
+            <p:ph type="body" idx="1"/>
+          </p:nvPr>
+        </p:nvSpPr>
+        <p:spPr>
+          <a:noFill/>
+          <a:extLst>
+            <a:ext uri="{909E8E84-426E-40DD-AFC4-6F175D3DCCD1}">
+              <a14:hiddenFill xmlns:a14="http://schemas.microsoft.com/office/drawing/2010/main">
+                <a:solidFill>
+                  <a:schemeClr val="accent1"/>
+                </a:solidFill>
+              </a14:hiddenFill>
+            </a:ext>
+            <a:ext uri="{91240B29-F687-4F45-9708-019B960494DF}">
+              <a14:hiddenLine xmlns:a14="http://schemas.microsoft.com/office/drawing/2010/main" w="9525">
+                <a:solidFill>
+                  <a:schemeClr val="tx1"/>
+                </a:solidFill>
+                <a:miter lim="800000"/>
+                <a:headEnd/>
+                <a:tailEnd/>
+              </a14:hiddenLine>
+            </a:ext>
+          </a:extLst>
+        </p:spPr>
+        <p:txBody>
+          <a:bodyPr/>
+          <a:lstStyle/>
+          <a:p>
+            <a:pPr eaLnBrk="1" hangingPunct="1"/>
+            <a:endParaRPr lang="en-US" altLang="en-US">
+              <a:ea typeface="ＭＳ Ｐゴシック" charset="-128"/>
+            </a:endParaRPr>
+          </a:p>
+        </p:txBody>
+      </p:sp>
+    </p:spTree>
   </p:cSld>
   <p:clrMapOvr>
     <a:masterClrMapping/>
@@ -7470,7 +7021,7 @@
           <a:ln/>
           <a:extLst>
             <a:ext uri="{FAA26D3D-D897-4be2-8F04-BA451C77F1D7}">
-              <ma14:placeholderFlag xmlns:ma14="http://schemas.microsoft.com/office/mac/drawingml/2011/main" val="1"/>
+              <ma14:placeholderFlag xmlns:ma14="http://schemas.microsoft.com/office/mac/drawingml/2011/main" xmlns="" val="1"/>
             </a:ext>
           </a:extLst>
         </p:spPr>
@@ -7708,7 +7259,7 @@
           <a:ln/>
           <a:extLst>
             <a:ext uri="{FAA26D3D-D897-4be2-8F04-BA451C77F1D7}">
-              <ma14:placeholderFlag xmlns:ma14="http://schemas.microsoft.com/office/mac/drawingml/2011/main" val="1"/>
+              <ma14:placeholderFlag xmlns:ma14="http://schemas.microsoft.com/office/mac/drawingml/2011/main" xmlns="" val="1"/>
             </a:ext>
           </a:extLst>
         </p:spPr>
@@ -7946,7 +7497,7 @@
           <a:ln/>
           <a:extLst>
             <a:ext uri="{FAA26D3D-D897-4be2-8F04-BA451C77F1D7}">
-              <ma14:placeholderFlag xmlns:ma14="http://schemas.microsoft.com/office/mac/drawingml/2011/main" val="1"/>
+              <ma14:placeholderFlag xmlns:ma14="http://schemas.microsoft.com/office/mac/drawingml/2011/main" xmlns="" val="1"/>
             </a:ext>
           </a:extLst>
         </p:spPr>
@@ -8184,7 +7735,7 @@
           <a:ln/>
           <a:extLst>
             <a:ext uri="{FAA26D3D-D897-4be2-8F04-BA451C77F1D7}">
-              <ma14:placeholderFlag xmlns:ma14="http://schemas.microsoft.com/office/mac/drawingml/2011/main" val="1"/>
+              <ma14:placeholderFlag xmlns:ma14="http://schemas.microsoft.com/office/mac/drawingml/2011/main" xmlns="" val="1"/>
             </a:ext>
           </a:extLst>
         </p:spPr>
@@ -8422,7 +7973,7 @@
           <a:ln/>
           <a:extLst>
             <a:ext uri="{FAA26D3D-D897-4be2-8F04-BA451C77F1D7}">
-              <ma14:placeholderFlag xmlns:ma14="http://schemas.microsoft.com/office/mac/drawingml/2011/main" val="1"/>
+              <ma14:placeholderFlag xmlns:ma14="http://schemas.microsoft.com/office/mac/drawingml/2011/main" xmlns="" val="1"/>
             </a:ext>
           </a:extLst>
         </p:spPr>
@@ -8660,7 +8211,7 @@
           <a:ln/>
           <a:extLst>
             <a:ext uri="{FAA26D3D-D897-4be2-8F04-BA451C77F1D7}">
-              <ma14:placeholderFlag xmlns:ma14="http://schemas.microsoft.com/office/mac/drawingml/2011/main" val="1"/>
+              <ma14:placeholderFlag xmlns:ma14="http://schemas.microsoft.com/office/mac/drawingml/2011/main" xmlns="" val="1"/>
             </a:ext>
           </a:extLst>
         </p:spPr>
@@ -8779,14 +8330,14 @@
             <a:effectLst/>
             <a:extLst>
               <a:ext uri="{909E8E84-426E-40dd-AFC4-6F175D3DCCD1}">
-                <a14:hiddenFill xmlns:a14="http://schemas.microsoft.com/office/drawing/2010/main" xmlns="">
+                <a14:hiddenFill xmlns="" xmlns:a14="http://schemas.microsoft.com/office/drawing/2010/main">
                   <a:solidFill>
                     <a:schemeClr val="accent1"/>
                   </a:solidFill>
                 </a14:hiddenFill>
               </a:ext>
               <a:ext uri="{AF507438-7753-43e0-B8FC-AC1667EBCBE1}">
-                <a14:hiddenEffects xmlns:a14="http://schemas.microsoft.com/office/drawing/2010/main" xmlns="">
+                <a14:hiddenEffects xmlns="" xmlns:a14="http://schemas.microsoft.com/office/drawing/2010/main">
                   <a:effectLst>
                     <a:outerShdw blurRad="63500" dist="38099" dir="2700000" algn="ctr" rotWithShape="0">
                       <a:schemeClr val="bg2">
@@ -8843,7 +8394,7 @@
             <a:effectLst/>
             <a:extLst>
               <a:ext uri="{AF507438-7753-43e0-B8FC-AC1667EBCBE1}">
-                <a14:hiddenEffects xmlns:a14="http://schemas.microsoft.com/office/drawing/2010/main" xmlns="">
+                <a14:hiddenEffects xmlns="" xmlns:a14="http://schemas.microsoft.com/office/drawing/2010/main">
                   <a:effectLst>
                     <a:outerShdw blurRad="63500" dist="38099" dir="2700000" algn="ctr" rotWithShape="0">
                       <a:schemeClr val="bg2">
@@ -9008,12 +8559,12 @@
             <a:effectLst/>
             <a:extLst>
               <a:ext uri="{909E8E84-426E-40dd-AFC4-6F175D3DCCD1}">
-                <a14:hiddenFill xmlns:a14="http://schemas.microsoft.com/office/drawing/2010/main" xmlns="">
+                <a14:hiddenFill xmlns="" xmlns:a14="http://schemas.microsoft.com/office/drawing/2010/main">
                   <a:noFill/>
                 </a14:hiddenFill>
               </a:ext>
               <a:ext uri="{AF507438-7753-43e0-B8FC-AC1667EBCBE1}">
-                <a14:hiddenEffects xmlns:a14="http://schemas.microsoft.com/office/drawing/2010/main" xmlns="">
+                <a14:hiddenEffects xmlns="" xmlns:a14="http://schemas.microsoft.com/office/drawing/2010/main">
                   <a:effectLst>
                     <a:outerShdw blurRad="63500" dist="38099" dir="2700000" algn="ctr" rotWithShape="0">
                       <a:schemeClr val="bg2">
@@ -9066,7 +8617,7 @@
           <a:p>
             <a:pPr lvl="0"/>
             <a:r>
-              <a:rPr lang="en-US" noProof="0" smtClean="0"/>
+              <a:rPr lang="en-US" noProof="0"/>
               <a:t>Click to edit Master title style</a:t>
             </a:r>
           </a:p>
@@ -9100,7 +8651,7 @@
           <a:p>
             <a:pPr lvl="0"/>
             <a:r>
-              <a:rPr lang="en-US" noProof="0" smtClean="0"/>
+              <a:rPr lang="en-US" noProof="0"/>
               <a:t>Click to edit Master subtitle style</a:t>
             </a:r>
           </a:p>
@@ -9123,14 +8674,14 @@
           </a:xfrm>
           <a:extLst>
             <a:ext uri="{909E8E84-426E-40dd-AFC4-6F175D3DCCD1}">
-              <a14:hiddenFill xmlns:a14="http://schemas.microsoft.com/office/drawing/2010/main" xmlns="">
+              <a14:hiddenFill xmlns="" xmlns:a14="http://schemas.microsoft.com/office/drawing/2010/main">
                 <a:solidFill>
                   <a:schemeClr val="accent1"/>
                 </a:solidFill>
               </a14:hiddenFill>
             </a:ext>
             <a:ext uri="{91240B29-F687-4f45-9708-019B960494DF}">
-              <a14:hiddenLine xmlns:a14="http://schemas.microsoft.com/office/drawing/2010/main" xmlns="" w="9525">
+              <a14:hiddenLine xmlns="" xmlns:a14="http://schemas.microsoft.com/office/drawing/2010/main" w="9525">
                 <a:solidFill>
                   <a:schemeClr val="tx1"/>
                 </a:solidFill>
@@ -9140,7 +8691,7 @@
               </a14:hiddenLine>
             </a:ext>
             <a:ext uri="{AF507438-7753-43e0-B8FC-AC1667EBCBE1}">
-              <a14:hiddenEffects xmlns:a14="http://schemas.microsoft.com/office/drawing/2010/main" xmlns="">
+              <a14:hiddenEffects xmlns="" xmlns:a14="http://schemas.microsoft.com/office/drawing/2010/main">
                 <a:effectLst>
                   <a:outerShdw blurRad="63500" dist="38099" dir="2700000" algn="ctr" rotWithShape="0">
                     <a:schemeClr val="bg2">
@@ -9184,14 +8735,14 @@
           </a:xfrm>
           <a:extLst>
             <a:ext uri="{909E8E84-426E-40dd-AFC4-6F175D3DCCD1}">
-              <a14:hiddenFill xmlns:a14="http://schemas.microsoft.com/office/drawing/2010/main" xmlns="">
+              <a14:hiddenFill xmlns="" xmlns:a14="http://schemas.microsoft.com/office/drawing/2010/main">
                 <a:solidFill>
                   <a:schemeClr val="accent1"/>
                 </a:solidFill>
               </a14:hiddenFill>
             </a:ext>
             <a:ext uri="{91240B29-F687-4f45-9708-019B960494DF}">
-              <a14:hiddenLine xmlns:a14="http://schemas.microsoft.com/office/drawing/2010/main" xmlns="" w="9525">
+              <a14:hiddenLine xmlns="" xmlns:a14="http://schemas.microsoft.com/office/drawing/2010/main" w="9525">
                 <a:solidFill>
                   <a:schemeClr val="tx1"/>
                 </a:solidFill>
@@ -9201,7 +8752,7 @@
               </a14:hiddenLine>
             </a:ext>
             <a:ext uri="{AF507438-7753-43e0-B8FC-AC1667EBCBE1}">
-              <a14:hiddenEffects xmlns:a14="http://schemas.microsoft.com/office/drawing/2010/main" xmlns="">
+              <a14:hiddenEffects xmlns="" xmlns:a14="http://schemas.microsoft.com/office/drawing/2010/main">
                 <a:effectLst>
                   <a:outerShdw blurRad="63500" dist="38099" dir="2700000" algn="ctr" rotWithShape="0">
                     <a:schemeClr val="bg2">
@@ -9245,14 +8796,14 @@
           </a:xfrm>
           <a:extLst>
             <a:ext uri="{909E8E84-426E-40dd-AFC4-6F175D3DCCD1}">
-              <a14:hiddenFill xmlns:a14="http://schemas.microsoft.com/office/drawing/2010/main" xmlns="">
+              <a14:hiddenFill xmlns="" xmlns:a14="http://schemas.microsoft.com/office/drawing/2010/main">
                 <a:solidFill>
                   <a:schemeClr val="accent1"/>
                 </a:solidFill>
               </a14:hiddenFill>
             </a:ext>
             <a:ext uri="{91240B29-F687-4f45-9708-019B960494DF}">
-              <a14:hiddenLine xmlns:a14="http://schemas.microsoft.com/office/drawing/2010/main" xmlns="" w="9525">
+              <a14:hiddenLine xmlns="" xmlns:a14="http://schemas.microsoft.com/office/drawing/2010/main" w="9525">
                 <a:solidFill>
                   <a:schemeClr val="tx1"/>
                 </a:solidFill>
@@ -9262,7 +8813,7 @@
               </a14:hiddenLine>
             </a:ext>
             <a:ext uri="{AF507438-7753-43e0-B8FC-AC1667EBCBE1}">
-              <a14:hiddenEffects xmlns:a14="http://schemas.microsoft.com/office/drawing/2010/main" xmlns="">
+              <a14:hiddenEffects xmlns="" xmlns:a14="http://schemas.microsoft.com/office/drawing/2010/main">
                 <a:effectLst>
                   <a:outerShdw blurRad="63500" dist="38099" dir="2700000" algn="ctr" rotWithShape="0">
                     <a:schemeClr val="bg2">
@@ -9813,7 +9364,7 @@
           <a:lstStyle/>
           <a:p>
             <a:pPr lvl="0"/>
-            <a:endParaRPr lang="en-US" noProof="0" smtClean="0"/>
+            <a:endParaRPr lang="en-US" noProof="0"/>
           </a:p>
         </p:txBody>
       </p:sp>
@@ -11724,7 +11275,7 @@
           </a:lstStyle>
           <a:p>
             <a:pPr lvl="0"/>
-            <a:endParaRPr lang="en-US" noProof="0" smtClean="0"/>
+            <a:endParaRPr lang="en-US" noProof="0"/>
           </a:p>
         </p:txBody>
       </p:sp>
@@ -11963,14 +11514,14 @@
             <a:effectLst/>
             <a:extLst>
               <a:ext uri="{909E8E84-426E-40dd-AFC4-6F175D3DCCD1}">
-                <a14:hiddenFill xmlns:a14="http://schemas.microsoft.com/office/drawing/2010/main" xmlns="">
+                <a14:hiddenFill xmlns="" xmlns:a14="http://schemas.microsoft.com/office/drawing/2010/main">
                   <a:solidFill>
                     <a:schemeClr val="accent1"/>
                   </a:solidFill>
                 </a14:hiddenFill>
               </a:ext>
               <a:ext uri="{AF507438-7753-43e0-B8FC-AC1667EBCBE1}">
-                <a14:hiddenEffects xmlns:a14="http://schemas.microsoft.com/office/drawing/2010/main" xmlns="">
+                <a14:hiddenEffects xmlns="" xmlns:a14="http://schemas.microsoft.com/office/drawing/2010/main">
                   <a:effectLst>
                     <a:outerShdw blurRad="63500" dist="38099" dir="2700000" algn="ctr" rotWithShape="0">
                       <a:schemeClr val="bg2">
@@ -12135,12 +11686,12 @@
             <a:effectLst/>
             <a:extLst>
               <a:ext uri="{909E8E84-426E-40dd-AFC4-6F175D3DCCD1}">
-                <a14:hiddenFill xmlns:a14="http://schemas.microsoft.com/office/drawing/2010/main" xmlns="">
+                <a14:hiddenFill xmlns="" xmlns:a14="http://schemas.microsoft.com/office/drawing/2010/main">
                   <a:noFill/>
                 </a14:hiddenFill>
               </a:ext>
               <a:ext uri="{AF507438-7753-43e0-B8FC-AC1667EBCBE1}">
-                <a14:hiddenEffects xmlns:a14="http://schemas.microsoft.com/office/drawing/2010/main" xmlns="">
+                <a14:hiddenEffects xmlns="" xmlns:a14="http://schemas.microsoft.com/office/drawing/2010/main">
                   <a:effectLst>
                     <a:outerShdw blurRad="63500" dist="38099" dir="2700000" algn="ctr" rotWithShape="0">
                       <a:schemeClr val="bg2">
@@ -12192,17 +11743,17 @@
           <a:effectLst/>
           <a:extLst>
             <a:ext uri="{FAA26D3D-D897-4be2-8F04-BA451C77F1D7}">
-              <ma14:placeholderFlag xmlns:ma14="http://schemas.microsoft.com/office/mac/drawingml/2011/main" val="1"/>
+              <ma14:placeholderFlag xmlns:ma14="http://schemas.microsoft.com/office/mac/drawingml/2011/main" xmlns="" val="1"/>
             </a:ext>
             <a:ext uri="{909E8E84-426E-40dd-AFC4-6F175D3DCCD1}">
-              <a14:hiddenFill xmlns:a14="http://schemas.microsoft.com/office/drawing/2010/main" xmlns="">
+              <a14:hiddenFill xmlns="" xmlns:a14="http://schemas.microsoft.com/office/drawing/2010/main">
                 <a:solidFill>
                   <a:schemeClr val="accent1"/>
                 </a:solidFill>
               </a14:hiddenFill>
             </a:ext>
             <a:ext uri="{91240B29-F687-4f45-9708-019B960494DF}">
-              <a14:hiddenLine xmlns:a14="http://schemas.microsoft.com/office/drawing/2010/main" xmlns="" w="9525">
+              <a14:hiddenLine xmlns="" xmlns:a14="http://schemas.microsoft.com/office/drawing/2010/main" w="9525">
                 <a:solidFill>
                   <a:schemeClr val="tx1"/>
                 </a:solidFill>
@@ -12212,7 +11763,7 @@
               </a14:hiddenLine>
             </a:ext>
             <a:ext uri="{AF507438-7753-43e0-B8FC-AC1667EBCBE1}">
-              <a14:hiddenEffects xmlns:a14="http://schemas.microsoft.com/office/drawing/2010/main" xmlns="">
+              <a14:hiddenEffects xmlns="" xmlns:a14="http://schemas.microsoft.com/office/drawing/2010/main">
                 <a:effectLst>
                   <a:outerShdw blurRad="63500" dist="38099" dir="2700000" algn="ctr" rotWithShape="0">
                     <a:schemeClr val="bg2">
@@ -12265,17 +11816,17 @@
           <a:effectLst/>
           <a:extLst>
             <a:ext uri="{FAA26D3D-D897-4be2-8F04-BA451C77F1D7}">
-              <ma14:placeholderFlag xmlns:ma14="http://schemas.microsoft.com/office/mac/drawingml/2011/main" val="1"/>
+              <ma14:placeholderFlag xmlns:ma14="http://schemas.microsoft.com/office/mac/drawingml/2011/main" xmlns="" val="1"/>
             </a:ext>
             <a:ext uri="{909E8E84-426E-40dd-AFC4-6F175D3DCCD1}">
-              <a14:hiddenFill xmlns:a14="http://schemas.microsoft.com/office/drawing/2010/main" xmlns="">
+              <a14:hiddenFill xmlns="" xmlns:a14="http://schemas.microsoft.com/office/drawing/2010/main">
                 <a:solidFill>
                   <a:schemeClr val="accent1"/>
                 </a:solidFill>
               </a14:hiddenFill>
             </a:ext>
             <a:ext uri="{91240B29-F687-4f45-9708-019B960494DF}">
-              <a14:hiddenLine xmlns:a14="http://schemas.microsoft.com/office/drawing/2010/main" xmlns="" w="9525">
+              <a14:hiddenLine xmlns="" xmlns:a14="http://schemas.microsoft.com/office/drawing/2010/main" w="9525">
                 <a:solidFill>
                   <a:schemeClr val="tx1"/>
                 </a:solidFill>
@@ -12285,7 +11836,7 @@
               </a14:hiddenLine>
             </a:ext>
             <a:ext uri="{AF507438-7753-43e0-B8FC-AC1667EBCBE1}">
-              <a14:hiddenEffects xmlns:a14="http://schemas.microsoft.com/office/drawing/2010/main" xmlns="">
+              <a14:hiddenEffects xmlns="" xmlns:a14="http://schemas.microsoft.com/office/drawing/2010/main">
                 <a:effectLst>
                   <a:outerShdw blurRad="63500" dist="38099" dir="2700000" algn="ctr" rotWithShape="0">
                     <a:schemeClr val="bg2">
@@ -12366,17 +11917,17 @@
           <a:effectLst/>
           <a:extLst>
             <a:ext uri="{FAA26D3D-D897-4be2-8F04-BA451C77F1D7}">
-              <ma14:placeholderFlag xmlns:ma14="http://schemas.microsoft.com/office/mac/drawingml/2011/main" val="1"/>
+              <ma14:placeholderFlag xmlns:ma14="http://schemas.microsoft.com/office/mac/drawingml/2011/main" xmlns="" val="1"/>
             </a:ext>
             <a:ext uri="{909E8E84-426E-40dd-AFC4-6F175D3DCCD1}">
-              <a14:hiddenFill xmlns:a14="http://schemas.microsoft.com/office/drawing/2010/main" xmlns="">
+              <a14:hiddenFill xmlns="" xmlns:a14="http://schemas.microsoft.com/office/drawing/2010/main">
                 <a:solidFill>
                   <a:schemeClr val="accent1"/>
                 </a:solidFill>
               </a14:hiddenFill>
             </a:ext>
             <a:ext uri="{91240B29-F687-4f45-9708-019B960494DF}">
-              <a14:hiddenLine xmlns:a14="http://schemas.microsoft.com/office/drawing/2010/main" xmlns="" w="9525">
+              <a14:hiddenLine xmlns="" xmlns:a14="http://schemas.microsoft.com/office/drawing/2010/main" w="9525">
                 <a:solidFill>
                   <a:schemeClr val="tx1"/>
                 </a:solidFill>
@@ -12386,7 +11937,7 @@
               </a14:hiddenLine>
             </a:ext>
             <a:ext uri="{AF507438-7753-43e0-B8FC-AC1667EBCBE1}">
-              <a14:hiddenEffects xmlns:a14="http://schemas.microsoft.com/office/drawing/2010/main" xmlns="">
+              <a14:hiddenEffects xmlns="" xmlns:a14="http://schemas.microsoft.com/office/drawing/2010/main">
                 <a:effectLst>
                   <a:outerShdw blurRad="63500" dist="38099" dir="2700000" algn="ctr" rotWithShape="0">
                     <a:schemeClr val="bg2">
@@ -12445,17 +11996,17 @@
           <a:effectLst/>
           <a:extLst>
             <a:ext uri="{FAA26D3D-D897-4be2-8F04-BA451C77F1D7}">
-              <ma14:placeholderFlag xmlns:ma14="http://schemas.microsoft.com/office/mac/drawingml/2011/main" val="1"/>
+              <ma14:placeholderFlag xmlns:ma14="http://schemas.microsoft.com/office/mac/drawingml/2011/main" xmlns="" val="1"/>
             </a:ext>
             <a:ext uri="{909E8E84-426E-40dd-AFC4-6F175D3DCCD1}">
-              <a14:hiddenFill xmlns:a14="http://schemas.microsoft.com/office/drawing/2010/main" xmlns="">
+              <a14:hiddenFill xmlns="" xmlns:a14="http://schemas.microsoft.com/office/drawing/2010/main">
                 <a:solidFill>
                   <a:schemeClr val="accent1"/>
                 </a:solidFill>
               </a14:hiddenFill>
             </a:ext>
             <a:ext uri="{91240B29-F687-4f45-9708-019B960494DF}">
-              <a14:hiddenLine xmlns:a14="http://schemas.microsoft.com/office/drawing/2010/main" xmlns="" w="9525">
+              <a14:hiddenLine xmlns="" xmlns:a14="http://schemas.microsoft.com/office/drawing/2010/main" w="9525">
                 <a:solidFill>
                   <a:schemeClr val="tx1"/>
                 </a:solidFill>
@@ -12465,7 +12016,7 @@
               </a14:hiddenLine>
             </a:ext>
             <a:ext uri="{AF507438-7753-43e0-B8FC-AC1667EBCBE1}">
-              <a14:hiddenEffects xmlns:a14="http://schemas.microsoft.com/office/drawing/2010/main" xmlns="">
+              <a14:hiddenEffects xmlns="" xmlns:a14="http://schemas.microsoft.com/office/drawing/2010/main">
                 <a:effectLst>
                   <a:outerShdw blurRad="63500" dist="38099" dir="2700000" algn="ctr" rotWithShape="0">
                     <a:schemeClr val="bg2">
@@ -12524,17 +12075,17 @@
           <a:effectLst/>
           <a:extLst>
             <a:ext uri="{FAA26D3D-D897-4be2-8F04-BA451C77F1D7}">
-              <ma14:placeholderFlag xmlns:ma14="http://schemas.microsoft.com/office/mac/drawingml/2011/main" val="1"/>
+              <ma14:placeholderFlag xmlns:ma14="http://schemas.microsoft.com/office/mac/drawingml/2011/main" xmlns="" val="1"/>
             </a:ext>
             <a:ext uri="{909E8E84-426E-40dd-AFC4-6F175D3DCCD1}">
-              <a14:hiddenFill xmlns:a14="http://schemas.microsoft.com/office/drawing/2010/main" xmlns="">
+              <a14:hiddenFill xmlns="" xmlns:a14="http://schemas.microsoft.com/office/drawing/2010/main">
                 <a:solidFill>
                   <a:schemeClr val="accent1"/>
                 </a:solidFill>
               </a14:hiddenFill>
             </a:ext>
             <a:ext uri="{91240B29-F687-4f45-9708-019B960494DF}">
-              <a14:hiddenLine xmlns:a14="http://schemas.microsoft.com/office/drawing/2010/main" xmlns="" w="9525">
+              <a14:hiddenLine xmlns="" xmlns:a14="http://schemas.microsoft.com/office/drawing/2010/main" w="9525">
                 <a:solidFill>
                   <a:schemeClr val="tx1"/>
                 </a:solidFill>
@@ -12544,7 +12095,7 @@
               </a14:hiddenLine>
             </a:ext>
             <a:ext uri="{AF507438-7753-43e0-B8FC-AC1667EBCBE1}">
-              <a14:hiddenEffects xmlns:a14="http://schemas.microsoft.com/office/drawing/2010/main" xmlns="">
+              <a14:hiddenEffects xmlns="" xmlns:a14="http://schemas.microsoft.com/office/drawing/2010/main">
                 <a:effectLst>
                   <a:outerShdw blurRad="63500" dist="38099" dir="2700000" algn="ctr" rotWithShape="0">
                     <a:schemeClr val="bg2">
@@ -12596,13 +12147,6 @@
     <p:sldLayoutId id="2147483685" r:id="rId11"/>
     <p:sldLayoutId id="2147483686" r:id="rId12"/>
   </p:sldLayoutIdLst>
-  <p:timing>
-    <p:tnLst>
-      <p:par>
-        <p:cTn id="1" dur="indefinite" restart="never" nodeType="tmRoot"/>
-      </p:par>
-    </p:tnLst>
-  </p:timing>
   <p:txStyles>
     <p:titleStyle>
       <a:lvl1pPr algn="l" rtl="0" eaLnBrk="0" fontAlgn="base" hangingPunct="0">
@@ -13070,10 +12614,9 @@
           <a:lstStyle/>
           <a:p>
             <a:r>
-              <a:rPr lang="en-US" dirty="0" smtClean="0"/>
+              <a:rPr lang="en-US" dirty="0"/>
               <a:t>Logic as a Programming Language</a:t>
             </a:r>
-            <a:endParaRPr lang="en-US" dirty="0"/>
           </a:p>
         </p:txBody>
       </p:sp>
@@ -13093,20 +12636,19 @@
           <a:lstStyle/>
           <a:p>
             <a:r>
-              <a:rPr lang="en-US" dirty="0" err="1" smtClean="0"/>
+              <a:rPr lang="en-US" dirty="0" err="1"/>
               <a:t>Dr</a:t>
             </a:r>
             <a:r>
-              <a:rPr lang="en-US" dirty="0" smtClean="0"/>
+              <a:rPr lang="en-US" dirty="0"/>
               <a:t> Lutz Hamel</a:t>
             </a:r>
           </a:p>
           <a:p>
             <a:r>
-              <a:rPr lang="en-US" dirty="0" smtClean="0"/>
+              <a:rPr lang="en-US" dirty="0"/>
               <a:t>Dept. of Computer Science &amp; Statistics</a:t>
             </a:r>
-            <a:endParaRPr lang="en-US" dirty="0"/>
           </a:p>
         </p:txBody>
       </p:sp>
@@ -13120,13 +12662,6 @@
   <p:clrMapOvr>
     <a:masterClrMapping/>
   </p:clrMapOvr>
-  <p:timing>
-    <p:tnLst>
-      <p:par>
-        <p:cTn id="1" dur="indefinite" restart="never" nodeType="tmRoot"/>
-      </p:par>
-    </p:tnLst>
-  </p:timing>
 </p:sld>
 </file>
 
@@ -13166,7 +12701,7 @@
               <a:defRPr/>
             </a:pPr>
             <a:r>
-              <a:rPr lang="en-US" smtClean="0">
+              <a:rPr lang="en-US">
                 <a:cs typeface="+mj-cs"/>
               </a:rPr>
               <a:t>Horn Clause Logic</a:t>
@@ -13328,15 +12863,7 @@
           <a:p>
             <a:r>
               <a:rPr lang="en-US" altLang="en-US" sz="1800" dirty="0"/>
-              <a:t>In </a:t>
-            </a:r>
-            <a:r>
-              <a:rPr lang="en-US" altLang="en-US" sz="1800" dirty="0" smtClean="0"/>
-              <a:t>Horn </a:t>
-            </a:r>
-            <a:r>
-              <a:rPr lang="en-US" altLang="en-US" sz="1800" dirty="0"/>
-              <a:t>clause logic the form of the WFF</a:t>
+              <a:t>In Horn clause logic the form of the WFF</a:t>
             </a:r>
             <a:r>
               <a:rPr lang="ja-JP" altLang="en-US" sz="1800" dirty="0"/>
@@ -13349,10 +12876,6 @@
             <a:br>
               <a:rPr lang="en-US" altLang="ja-JP" sz="1800" dirty="0"/>
             </a:br>
-            <a:r>
-              <a:rPr lang="en-US" altLang="ja-JP" sz="1800" dirty="0"/>
-              <a:t/>
-            </a:r>
             <a:br>
               <a:rPr lang="en-US" altLang="ja-JP" sz="1800" dirty="0"/>
             </a:br>
@@ -14286,22 +13809,17 @@
           <a:lstStyle/>
           <a:p>
             <a:r>
-              <a:rPr lang="en-US" sz="1800" dirty="0" smtClean="0"/>
+              <a:rPr lang="en-US" sz="1800" dirty="0"/>
               <a:t>Horn Clause Logic is a </a:t>
             </a:r>
             <a:r>
               <a:rPr lang="en-US" sz="1800" i="1" dirty="0"/>
-              <a:t>T</a:t>
-            </a:r>
-            <a:r>
-              <a:rPr lang="en-US" sz="1800" i="1" dirty="0" smtClean="0"/>
-              <a:t>uring complete </a:t>
-            </a:r>
-            <a:r>
-              <a:rPr lang="en-US" sz="1800" dirty="0" smtClean="0"/>
+              <a:t>Turing complete </a:t>
+            </a:r>
+            <a:r>
+              <a:rPr lang="en-US" sz="1800" dirty="0"/>
               <a:t>subset of First Order Logic.</a:t>
             </a:r>
-            <a:endParaRPr lang="en-US" sz="1800" dirty="0"/>
           </a:p>
         </p:txBody>
       </p:sp>
@@ -14558,15 +14076,14 @@
           <a:lstStyle/>
           <a:p>
             <a:r>
-              <a:rPr lang="en-US" dirty="0" smtClean="0"/>
+              <a:rPr lang="en-US" dirty="0"/>
               <a:t>Horn Clause Logic</a:t>
             </a:r>
-            <a:endParaRPr lang="en-US" dirty="0"/>
           </a:p>
         </p:txBody>
       </p:sp>
-      <mc:AlternateContent xmlns:mc="http://schemas.openxmlformats.org/markup-compatibility/2006">
-        <mc:Choice xmlns:a14="http://schemas.microsoft.com/office/drawing/2010/main" Requires="a14">
+      <mc:AlternateContent xmlns:mc="http://schemas.openxmlformats.org/markup-compatibility/2006" xmlns:a14="http://schemas.microsoft.com/office/drawing/2010/main">
+        <mc:Choice Requires="a14">
           <p:sp>
             <p:nvSpPr>
               <p:cNvPr id="3" name="Content Placeholder 2"/>
@@ -14584,11 +14101,7 @@
               <a:p>
                 <a:r>
                   <a:rPr lang="en-US" dirty="0"/>
-                  <a:t>P</a:t>
-                </a:r>
-                <a:r>
-                  <a:rPr lang="en-US" dirty="0" smtClean="0"/>
-                  <a:t>roof outline that Horn Clause Logic (HCL) is Turing complete:</a:t>
+                  <a:t>Proof outline that Horn Clause Logic (HCL) is Turing complete:</a:t>
                 </a:r>
               </a:p>
               <a:p>
@@ -14632,7 +14145,7 @@
                         <a:ea typeface="Cambria Math" charset="0"/>
                         <a:cs typeface="Cambria Math" charset="0"/>
                       </a:rPr>
-                      <m:t>-</m:t>
+                      <m:t>−</m:t>
                     </m:r>
                     <m:r>
                       <m:rPr>
@@ -14721,12 +14234,12 @@
                     </m:r>
                   </m:oMath>
                 </a14:m>
-                <a:endParaRPr lang="en-US" dirty="0" smtClean="0"/>
+                <a:endParaRPr lang="en-US" dirty="0"/>
               </a:p>
             </p:txBody>
           </p:sp>
         </mc:Choice>
-        <mc:Fallback>
+        <mc:Fallback xmlns="">
           <p:sp>
             <p:nvSpPr>
               <p:cNvPr id="3" name="Content Placeholder 2"/>
@@ -14770,13 +14283,6 @@
   <p:clrMapOvr>
     <a:masterClrMapping/>
   </p:clrMapOvr>
-  <p:timing>
-    <p:tnLst>
-      <p:par>
-        <p:cTn id="1" dur="indefinite" restart="never" nodeType="tmRoot"/>
-      </p:par>
-    </p:tnLst>
-  </p:timing>
 </p:sld>
 </file>
 
@@ -14813,10 +14319,9 @@
           <a:lstStyle/>
           <a:p>
             <a:r>
-              <a:rPr lang="en-US" dirty="0" smtClean="0"/>
+              <a:rPr lang="en-US" dirty="0"/>
               <a:t>Computational Logic</a:t>
             </a:r>
-            <a:endParaRPr lang="en-US" dirty="0"/>
           </a:p>
         </p:txBody>
       </p:sp>
@@ -14833,59 +14338,59 @@
         <p:spPr/>
         <p:txBody>
           <a:bodyPr>
-            <a:normAutofit fontScale="77500" lnSpcReduction="20000"/>
+            <a:normAutofit fontScale="70000" lnSpcReduction="20000"/>
           </a:bodyPr>
           <a:lstStyle/>
           <a:p>
             <a:r>
-              <a:rPr lang="en-US" dirty="0" smtClean="0"/>
+              <a:rPr lang="en-US" dirty="0"/>
               <a:t>Horn Clauses</a:t>
             </a:r>
           </a:p>
           <a:p>
             <a:pPr lvl="1"/>
             <a:r>
-              <a:rPr lang="en-US" dirty="0" smtClean="0"/>
+              <a:rPr lang="en-US" dirty="0"/>
               <a:t>Restricted FOL</a:t>
             </a:r>
           </a:p>
           <a:p>
             <a:r>
-              <a:rPr lang="en-US" dirty="0" smtClean="0"/>
+              <a:rPr lang="en-US" dirty="0"/>
               <a:t>Unification</a:t>
             </a:r>
           </a:p>
           <a:p>
             <a:pPr lvl="1"/>
             <a:r>
-              <a:rPr lang="en-US" i="1" dirty="0" smtClean="0"/>
+              <a:rPr lang="en-US" i="1" dirty="0"/>
               <a:t>Pattern matching </a:t>
             </a:r>
             <a:r>
-              <a:rPr lang="en-US" dirty="0" smtClean="0"/>
+              <a:rPr lang="en-US" dirty="0"/>
               <a:t>where both pattern and subject term can have variables.</a:t>
             </a:r>
           </a:p>
           <a:p>
             <a:pPr lvl="1"/>
             <a:r>
-              <a:rPr lang="en-US" i="1" dirty="0" smtClean="0"/>
+              <a:rPr lang="en-US" i="1" dirty="0"/>
               <a:t>E.g. </a:t>
             </a:r>
             <a:r>
-              <a:rPr lang="mr-IN" dirty="0" err="1" smtClean="0"/>
+              <a:rPr lang="mr-IN" dirty="0" err="1"/>
               <a:t>f</a:t>
             </a:r>
             <a:r>
-              <a:rPr lang="mr-IN" dirty="0" smtClean="0"/>
+              <a:rPr lang="mr-IN" dirty="0"/>
               <a:t>(</a:t>
             </a:r>
             <a:r>
-              <a:rPr lang="mr-IN" dirty="0" err="1" smtClean="0"/>
+              <a:rPr lang="mr-IN" dirty="0" err="1"/>
               <a:t>X,g</a:t>
             </a:r>
             <a:r>
-              <a:rPr lang="mr-IN" dirty="0" smtClean="0"/>
+              <a:rPr lang="mr-IN" dirty="0"/>
               <a:t>(</a:t>
             </a:r>
             <a:r>
@@ -14893,27 +14398,27 @@
               <a:t>b</a:t>
             </a:r>
             <a:r>
-              <a:rPr lang="mr-IN" dirty="0" smtClean="0"/>
+              <a:rPr lang="mr-IN" dirty="0"/>
               <a:t>))</a:t>
             </a:r>
             <a:r>
-              <a:rPr lang="en-US" dirty="0" smtClean="0"/>
+              <a:rPr lang="en-US" dirty="0"/>
               <a:t> ~ </a:t>
             </a:r>
             <a:r>
-              <a:rPr lang="mr-IN" dirty="0" err="1" smtClean="0"/>
+              <a:rPr lang="mr-IN" dirty="0" err="1"/>
               <a:t>f</a:t>
             </a:r>
             <a:r>
-              <a:rPr lang="mr-IN" dirty="0" smtClean="0"/>
+              <a:rPr lang="mr-IN" dirty="0"/>
               <a:t>(</a:t>
             </a:r>
             <a:r>
-              <a:rPr lang="mr-IN" dirty="0" err="1" smtClean="0"/>
+              <a:rPr lang="mr-IN" dirty="0" err="1"/>
               <a:t>a,g</a:t>
             </a:r>
             <a:r>
-              <a:rPr lang="mr-IN" dirty="0" smtClean="0"/>
+              <a:rPr lang="mr-IN" dirty="0"/>
               <a:t>(</a:t>
             </a:r>
             <a:r>
@@ -14921,52 +14426,63 @@
               <a:t>Y</a:t>
             </a:r>
             <a:r>
-              <a:rPr lang="mr-IN" dirty="0" smtClean="0"/>
+              <a:rPr lang="mr-IN" dirty="0"/>
               <a:t>)) </a:t>
             </a:r>
             <a:r>
-              <a:rPr lang="en-US" dirty="0" smtClean="0"/>
+              <a:rPr lang="en-US" dirty="0"/>
               <a:t>: { X = a, Y = b }</a:t>
             </a:r>
           </a:p>
           <a:p>
             <a:r>
-              <a:rPr lang="en-US" dirty="0" smtClean="0"/>
+              <a:rPr lang="en-US" dirty="0"/>
               <a:t>(SLD) Resolution</a:t>
             </a:r>
           </a:p>
           <a:p>
             <a:pPr lvl="1"/>
             <a:r>
-              <a:rPr lang="en-US" dirty="0" smtClean="0"/>
+              <a:rPr lang="en-US" dirty="0"/>
               <a:t>Modus Ponens kind of reasoning. </a:t>
             </a:r>
           </a:p>
           <a:p>
             <a:pPr lvl="1"/>
             <a:r>
-              <a:rPr lang="en-US" dirty="0" smtClean="0"/>
+              <a:rPr lang="en-US" dirty="0"/>
               <a:t>Think: search top to bottom, left to right, </a:t>
             </a:r>
             <a:r>
-              <a:rPr lang="en-US" i="1" dirty="0" smtClean="0"/>
+              <a:rPr lang="en-US" i="1" dirty="0"/>
               <a:t>backtrack </a:t>
             </a:r>
             <a:r>
-              <a:rPr lang="en-US" dirty="0" smtClean="0"/>
+              <a:rPr lang="en-US" dirty="0"/>
               <a:t>if you can’t find what you are looking for.</a:t>
             </a:r>
-            <a:endParaRPr lang="en-US" i="1" dirty="0" smtClean="0"/>
-          </a:p>
-          <a:p>
-            <a:endParaRPr lang="en-US" dirty="0" smtClean="0"/>
+          </a:p>
+          <a:p>
+            <a:pPr lvl="1"/>
+            <a:r>
+              <a:rPr lang="en-US" b="1" dirty="0"/>
+              <a:t>Closed World Assumption: </a:t>
+            </a:r>
+            <a:r>
+              <a:rPr lang="en-US" dirty="0"/>
+              <a:t>assumes false if the entity Prolog is searching for cannot be found/deduced.</a:t>
+            </a:r>
+            <a:endParaRPr lang="en-US" b="1" dirty="0"/>
+          </a:p>
+          <a:p>
+            <a:endParaRPr lang="en-US" dirty="0"/>
           </a:p>
           <a:p>
             <a:pPr marL="0" indent="0">
               <a:buNone/>
             </a:pPr>
             <a:r>
-              <a:rPr lang="en-US" dirty="0" smtClean="0"/>
+              <a:rPr lang="en-US" dirty="0"/>
               <a:t>→ Prolog</a:t>
             </a:r>
           </a:p>
@@ -14982,13 +14498,6 @@
   <p:clrMapOvr>
     <a:masterClrMapping/>
   </p:clrMapOvr>
-  <p:timing>
-    <p:tnLst>
-      <p:par>
-        <p:cTn id="1" dur="indefinite" restart="never" nodeType="tmRoot"/>
-      </p:par>
-    </p:tnLst>
-  </p:timing>
 </p:sld>
 </file>
 
@@ -15028,7 +14537,7 @@
               <a:defRPr/>
             </a:pPr>
             <a:r>
-              <a:rPr lang="en-US" smtClean="0">
+              <a:rPr lang="en-US">
                 <a:cs typeface="+mj-cs"/>
               </a:rPr>
               <a:t>Proving things is computation!</a:t>
@@ -15197,15 +14706,7 @@
             </a:r>
             <a:r>
               <a:rPr lang="en-US" altLang="en-US" sz="1800" dirty="0"/>
-              <a:t>: </a:t>
-            </a:r>
-            <a:r>
-              <a:rPr lang="en-US" altLang="en-US" sz="1800" dirty="0" smtClean="0"/>
-              <a:t>All this </a:t>
-            </a:r>
-            <a:r>
-              <a:rPr lang="en-US" altLang="en-US" sz="1800" dirty="0"/>
-              <a:t>can be done mechanically (Alan Robinson, 1965)</a:t>
+              <a:t>: All this can be done mechanically (Alan Robinson, 1965)</a:t>
             </a:r>
           </a:p>
         </p:txBody>
@@ -15537,13 +15038,6 @@
   <p:clrMapOvr>
     <a:masterClrMapping/>
   </p:clrMapOvr>
-  <p:timing>
-    <p:tnLst>
-      <p:par>
-        <p:cTn id="1" dur="indefinite" restart="never" nodeType="tmRoot"/>
-      </p:par>
-    </p:tnLst>
-  </p:timing>
 </p:sld>
 </file>
 
@@ -15583,7 +15077,7 @@
               <a:defRPr/>
             </a:pPr>
             <a:r>
-              <a:rPr lang="en-US" smtClean="0">
+              <a:rPr lang="en-US">
                 <a:cs typeface="+mj-cs"/>
               </a:rPr>
               <a:t>Basic Prolog Programs</a:t>
@@ -17177,13 +16671,6 @@
   <p:clrMapOvr>
     <a:masterClrMapping/>
   </p:clrMapOvr>
-  <p:timing>
-    <p:tnLst>
-      <p:par>
-        <p:cTn id="1" dur="indefinite" restart="never" nodeType="tmRoot"/>
-      </p:par>
-    </p:tnLst>
-  </p:timing>
 </p:sld>
 </file>
 
@@ -17223,7 +16710,7 @@
               <a:defRPr/>
             </a:pPr>
             <a:r>
-              <a:rPr lang="en-US" smtClean="0">
+              <a:rPr lang="en-US">
                 <a:cs typeface="+mj-cs"/>
               </a:rPr>
               <a:t>Prolog - Queries &amp; Goals</a:t>
@@ -17528,13 +17015,6 @@
   <p:clrMapOvr>
     <a:masterClrMapping/>
   </p:clrMapOvr>
-  <p:timing>
-    <p:tnLst>
-      <p:par>
-        <p:cTn id="1" dur="indefinite" restart="never" nodeType="tmRoot"/>
-      </p:par>
-    </p:tnLst>
-  </p:timing>
 </p:sld>
 </file>
 
@@ -17574,7 +17054,7 @@
               <a:defRPr/>
             </a:pPr>
             <a:r>
-              <a:rPr lang="en-US" smtClean="0">
+              <a:rPr lang="en-US">
                 <a:cs typeface="+mj-cs"/>
               </a:rPr>
               <a:t>A Prolog Program</a:t>
@@ -17618,14 +17098,14 @@
           <a:effectLst/>
           <a:extLst>
             <a:ext uri="{909E8E84-426E-40dd-AFC4-6F175D3DCCD1}">
-              <a14:hiddenFill xmlns:a14="http://schemas.microsoft.com/office/drawing/2010/main" xmlns="">
+              <a14:hiddenFill xmlns="" xmlns:a14="http://schemas.microsoft.com/office/drawing/2010/main">
                 <a:solidFill>
                   <a:schemeClr val="accent1"/>
                 </a:solidFill>
               </a14:hiddenFill>
             </a:ext>
             <a:ext uri="{91240B29-F687-4f45-9708-019B960494DF}">
-              <a14:hiddenLine xmlns:a14="http://schemas.microsoft.com/office/drawing/2010/main" xmlns="" w="9525">
+              <a14:hiddenLine xmlns="" xmlns:a14="http://schemas.microsoft.com/office/drawing/2010/main" w="9525">
                 <a:solidFill>
                   <a:schemeClr val="tx1"/>
                 </a:solidFill>
@@ -17635,7 +17115,7 @@
               </a14:hiddenLine>
             </a:ext>
             <a:ext uri="{AF507438-7753-43e0-B8FC-AC1667EBCBE1}">
-              <a14:hiddenEffects xmlns:a14="http://schemas.microsoft.com/office/drawing/2010/main" xmlns="">
+              <a14:hiddenEffects xmlns="" xmlns:a14="http://schemas.microsoft.com/office/drawing/2010/main">
                 <a:effectLst>
                   <a:outerShdw blurRad="63500" dist="38099" dir="2700000" algn="ctr" rotWithShape="0">
                     <a:schemeClr val="bg2">
@@ -17830,14 +17310,14 @@
           <a:effectLst/>
           <a:extLst>
             <a:ext uri="{909E8E84-426E-40dd-AFC4-6F175D3DCCD1}">
-              <a14:hiddenFill xmlns:a14="http://schemas.microsoft.com/office/drawing/2010/main" xmlns="">
+              <a14:hiddenFill xmlns="" xmlns:a14="http://schemas.microsoft.com/office/drawing/2010/main">
                 <a:solidFill>
                   <a:schemeClr val="accent1"/>
                 </a:solidFill>
               </a14:hiddenFill>
             </a:ext>
             <a:ext uri="{91240B29-F687-4f45-9708-019B960494DF}">
-              <a14:hiddenLine xmlns:a14="http://schemas.microsoft.com/office/drawing/2010/main" xmlns="" w="9525">
+              <a14:hiddenLine xmlns="" xmlns:a14="http://schemas.microsoft.com/office/drawing/2010/main" w="9525">
                 <a:solidFill>
                   <a:schemeClr val="tx1"/>
                 </a:solidFill>
@@ -17847,7 +17327,7 @@
               </a14:hiddenLine>
             </a:ext>
             <a:ext uri="{AF507438-7753-43e0-B8FC-AC1667EBCBE1}">
-              <a14:hiddenEffects xmlns:a14="http://schemas.microsoft.com/office/drawing/2010/main" xmlns="">
+              <a14:hiddenEffects xmlns="" xmlns:a14="http://schemas.microsoft.com/office/drawing/2010/main">
                 <a:effectLst>
                   <a:outerShdw blurRad="63500" dist="38099" dir="2700000" algn="ctr" rotWithShape="0">
                     <a:schemeClr val="bg2">
@@ -18542,13 +18022,6 @@
   <p:clrMapOvr>
     <a:masterClrMapping/>
   </p:clrMapOvr>
-  <p:timing>
-    <p:tnLst>
-      <p:par>
-        <p:cTn id="1" dur="indefinite" restart="never" nodeType="tmRoot"/>
-      </p:par>
-    </p:tnLst>
-  </p:timing>
 </p:sld>
 </file>
 
@@ -18588,7 +18061,7 @@
               <a:defRPr/>
             </a:pPr>
             <a:r>
-              <a:rPr lang="en-US" smtClean="0">
+              <a:rPr lang="en-US">
                 <a:cs typeface="+mj-cs"/>
               </a:rPr>
               <a:t>Compound Queries</a:t>
@@ -18864,13 +18337,6 @@
   <p:clrMapOvr>
     <a:masterClrMapping/>
   </p:clrMapOvr>
-  <p:timing>
-    <p:tnLst>
-      <p:par>
-        <p:cTn id="1" dur="indefinite" restart="never" nodeType="tmRoot"/>
-      </p:par>
-    </p:tnLst>
-  </p:timing>
 </p:sld>
 </file>
 
@@ -18910,7 +18376,7 @@
               <a:defRPr/>
             </a:pPr>
             <a:r>
-              <a:rPr lang="en-US" smtClean="0"/>
+              <a:rPr lang="en-US"/>
               <a:t>Prolog Rules</a:t>
             </a:r>
           </a:p>
@@ -20871,13 +20337,6 @@
   <p:clrMapOvr>
     <a:masterClrMapping/>
   </p:clrMapOvr>
-  <p:timing>
-    <p:tnLst>
-      <p:par>
-        <p:cTn id="1" dur="indefinite" restart="never" nodeType="tmRoot"/>
-      </p:par>
-    </p:tnLst>
-  </p:timing>
 </p:sld>
 </file>
 
@@ -20917,7 +20376,7 @@
               <a:defRPr/>
             </a:pPr>
             <a:r>
-              <a:rPr lang="en-US" smtClean="0"/>
+              <a:rPr lang="en-US"/>
               <a:t>Prolog Rules</a:t>
             </a:r>
           </a:p>
@@ -20946,14 +20405,14 @@
           <a:effectLst/>
           <a:extLst>
             <a:ext uri="{909E8E84-426E-40dd-AFC4-6F175D3DCCD1}">
-              <a14:hiddenFill xmlns:a14="http://schemas.microsoft.com/office/drawing/2010/main" xmlns="">
+              <a14:hiddenFill xmlns="" xmlns:a14="http://schemas.microsoft.com/office/drawing/2010/main">
                 <a:solidFill>
                   <a:schemeClr val="accent1"/>
                 </a:solidFill>
               </a14:hiddenFill>
             </a:ext>
             <a:ext uri="{91240B29-F687-4f45-9708-019B960494DF}">
-              <a14:hiddenLine xmlns:a14="http://schemas.microsoft.com/office/drawing/2010/main" xmlns="" w="9525">
+              <a14:hiddenLine xmlns="" xmlns:a14="http://schemas.microsoft.com/office/drawing/2010/main" w="9525">
                 <a:solidFill>
                   <a:schemeClr val="tx1"/>
                 </a:solidFill>
@@ -20963,7 +20422,7 @@
               </a14:hiddenLine>
             </a:ext>
             <a:ext uri="{AF507438-7753-43e0-B8FC-AC1667EBCBE1}">
-              <a14:hiddenEffects xmlns:a14="http://schemas.microsoft.com/office/drawing/2010/main" xmlns="">
+              <a14:hiddenEffects xmlns="" xmlns:a14="http://schemas.microsoft.com/office/drawing/2010/main">
                 <a:effectLst>
                   <a:outerShdw blurRad="63500" dist="38099" dir="2700000" algn="ctr" rotWithShape="0">
                     <a:schemeClr val="bg2">
@@ -21580,13 +21039,6 @@
   <p:clrMapOvr>
     <a:masterClrMapping/>
   </p:clrMapOvr>
-  <p:timing>
-    <p:tnLst>
-      <p:par>
-        <p:cTn id="1" dur="indefinite" restart="never" nodeType="tmRoot"/>
-      </p:par>
-    </p:tnLst>
-  </p:timing>
 </p:sld>
 </file>
 
@@ -21625,10 +21077,9 @@
           <a:lstStyle/>
           <a:p>
             <a:r>
-              <a:rPr lang="en-US" dirty="0" smtClean="0"/>
+              <a:rPr lang="en-US" dirty="0"/>
               <a:t>Logic as a Programming Language</a:t>
             </a:r>
-            <a:endParaRPr lang="en-US" dirty="0"/>
           </a:p>
         </p:txBody>
       </p:sp>
@@ -21648,21 +21099,13 @@
           <a:lstStyle/>
           <a:p>
             <a:r>
-              <a:rPr lang="en-US" dirty="0" smtClean="0"/>
-              <a:t>Here we take a look at First Order Logic  as </a:t>
-            </a:r>
-            <a:r>
-              <a:rPr lang="en-US" dirty="0" smtClean="0"/>
-              <a:t>a computational </a:t>
-            </a:r>
-            <a:r>
-              <a:rPr lang="en-US" dirty="0" smtClean="0"/>
-              <a:t>model.</a:t>
-            </a:r>
-          </a:p>
-          <a:p>
-            <a:r>
-              <a:rPr lang="en-US" dirty="0" smtClean="0"/>
+              <a:rPr lang="en-US" dirty="0"/>
+              <a:t>Here we take a look at First Order Logic  as a computational model.</a:t>
+            </a:r>
+          </a:p>
+          <a:p>
+            <a:r>
+              <a:rPr lang="en-US" dirty="0"/>
               <a:t>Resources:</a:t>
             </a:r>
           </a:p>
@@ -21672,15 +21115,9 @@
               <a:rPr lang="en-US" dirty="0">
                 <a:hlinkClick r:id="rId2"/>
               </a:rPr>
-              <a:t>https://</a:t>
-            </a:r>
-            <a:r>
-              <a:rPr lang="en-US" dirty="0" smtClean="0">
-                <a:hlinkClick r:id="rId2"/>
-              </a:rPr>
-              <a:t>github.com/lutzhamel/phl-prolog</a:t>
-            </a:r>
-            <a:endParaRPr lang="en-US" dirty="0" smtClean="0"/>
+              <a:t>https://github.com/lutzhamel/phl-prolog</a:t>
+            </a:r>
+            <a:endParaRPr lang="en-US" dirty="0"/>
           </a:p>
           <a:p>
             <a:pPr lvl="1"/>
@@ -21688,15 +21125,9 @@
               <a:rPr lang="en-US" dirty="0">
                 <a:hlinkClick r:id="rId3"/>
               </a:rPr>
-              <a:t>https://www.ida.liu.se/~ulfni53/lpp</a:t>
-            </a:r>
-            <a:r>
-              <a:rPr lang="en-US" dirty="0" smtClean="0">
-                <a:hlinkClick r:id="rId3"/>
-              </a:rPr>
-              <a:t>/</a:t>
-            </a:r>
-            <a:endParaRPr lang="en-US" dirty="0" smtClean="0"/>
+              <a:t>https://www.ida.liu.se/~ulfni53/lpp/</a:t>
+            </a:r>
+            <a:endParaRPr lang="en-US" dirty="0"/>
           </a:p>
           <a:p>
             <a:pPr lvl="1"/>
@@ -21704,15 +21135,9 @@
               <a:rPr lang="en-US" dirty="0">
                 <a:hlinkClick r:id="rId4"/>
               </a:rPr>
-              <a:t>http://www.doc.ic.ac.uk/~</a:t>
-            </a:r>
-            <a:r>
-              <a:rPr lang="en-US" dirty="0" smtClean="0">
-                <a:hlinkClick r:id="rId4"/>
-              </a:rPr>
-              <a:t>rak/papers/LogicForProblemSolving.pdf</a:t>
-            </a:r>
-            <a:endParaRPr lang="en-US" dirty="0" smtClean="0"/>
+              <a:t>http://www.doc.ic.ac.uk/~rak/papers/LogicForProblemSolving.pdf</a:t>
+            </a:r>
+            <a:endParaRPr lang="en-US" dirty="0"/>
           </a:p>
           <a:p>
             <a:pPr lvl="1"/>
@@ -21720,19 +21145,13 @@
               <a:rPr lang="en-US" dirty="0">
                 <a:hlinkClick r:id="rId5"/>
               </a:rPr>
-              <a:t>http://</a:t>
-            </a:r>
-            <a:r>
-              <a:rPr lang="en-US" dirty="0" smtClean="0">
-                <a:hlinkClick r:id="rId5"/>
-              </a:rPr>
-              <a:t>www.swi-prolog.org</a:t>
-            </a:r>
-            <a:endParaRPr lang="en-US" dirty="0" smtClean="0"/>
+              <a:t>http://www.swi-prolog.org</a:t>
+            </a:r>
+            <a:endParaRPr lang="en-US" dirty="0"/>
           </a:p>
           <a:p>
             <a:pPr lvl="1"/>
-            <a:endParaRPr lang="en-US" dirty="0" smtClean="0"/>
+            <a:endParaRPr lang="en-US" dirty="0"/>
           </a:p>
           <a:p>
             <a:pPr lvl="1"/>
@@ -21750,13 +21169,6 @@
   <p:clrMapOvr>
     <a:masterClrMapping/>
   </p:clrMapOvr>
-  <p:timing>
-    <p:tnLst>
-      <p:par>
-        <p:cTn id="1" dur="indefinite" restart="never" nodeType="tmRoot"/>
-      </p:par>
-    </p:tnLst>
-  </p:timing>
 </p:sld>
 </file>
 
@@ -21796,7 +21208,7 @@
               <a:defRPr/>
             </a:pPr>
             <a:r>
-              <a:rPr lang="en-US" smtClean="0"/>
+              <a:rPr lang="en-US"/>
               <a:t>Prolog Rules</a:t>
             </a:r>
           </a:p>
@@ -21971,11 +21383,7 @@
           <a:p>
             <a:r>
               <a:rPr lang="en-US" altLang="en-US" sz="1800" u="none" dirty="0"/>
-              <a:t>	sibling(X,Y) :- brother(X,Y</a:t>
-            </a:r>
-            <a:r>
-              <a:rPr lang="en-US" altLang="en-US" sz="1800" u="none" dirty="0" smtClean="0"/>
-              <a:t>).</a:t>
+              <a:t>	sibling(X,Y) :- brother(X,Y).</a:t>
             </a:r>
           </a:p>
           <a:p>
@@ -21983,10 +21391,9 @@
           </a:p>
           <a:p>
             <a:r>
-              <a:rPr lang="en-US" altLang="en-US" sz="1800" u="none" dirty="0" smtClean="0"/>
+              <a:rPr lang="en-US" altLang="en-US" sz="1800" u="none" dirty="0"/>
               <a:t>Use backtracking to find alternative definitions.</a:t>
             </a:r>
-            <a:endParaRPr lang="en-US" altLang="en-US" sz="1800" u="none" dirty="0"/>
           </a:p>
         </p:txBody>
       </p:sp>
@@ -22000,13 +21407,6 @@
   <p:clrMapOvr>
     <a:masterClrMapping/>
   </p:clrMapOvr>
-  <p:timing>
-    <p:tnLst>
-      <p:par>
-        <p:cTn id="1" dur="indefinite" restart="never" nodeType="tmRoot"/>
-      </p:par>
-    </p:tnLst>
-  </p:timing>
 </p:sld>
 </file>
 
@@ -22046,7 +21446,7 @@
               <a:defRPr/>
             </a:pPr>
             <a:r>
-              <a:rPr lang="en-US" smtClean="0"/>
+              <a:rPr lang="en-US"/>
               <a:t>Another Simple Prolog Program</a:t>
             </a:r>
           </a:p>
@@ -22263,13 +21663,6 @@
   <p:clrMapOvr>
     <a:masterClrMapping/>
   </p:clrMapOvr>
-  <p:timing>
-    <p:tnLst>
-      <p:par>
-        <p:cTn id="1" dur="indefinite" restart="never" nodeType="tmRoot"/>
-      </p:par>
-    </p:tnLst>
-  </p:timing>
 </p:sld>
 </file>
 
@@ -22309,14 +21702,11 @@
               <a:defRPr/>
             </a:pPr>
             <a:r>
-              <a:rPr lang="en-US" dirty="0" smtClean="0">
+              <a:rPr lang="en-US" dirty="0">
                 <a:cs typeface="+mj-cs"/>
               </a:rPr>
               <a:t>Exercise</a:t>
             </a:r>
-            <a:endParaRPr lang="en-US" dirty="0" smtClean="0">
-              <a:cs typeface="+mj-cs"/>
-            </a:endParaRPr>
           </a:p>
         </p:txBody>
       </p:sp>
@@ -22341,14 +21731,11 @@
               <a:defRPr/>
             </a:pPr>
             <a:r>
-              <a:rPr lang="en-US" dirty="0" smtClean="0">
+              <a:rPr lang="en-US" dirty="0">
                 <a:cs typeface="+mn-cs"/>
               </a:rPr>
               <a:t>See GitHub Exercise #1</a:t>
             </a:r>
-            <a:endParaRPr lang="en-US" dirty="0" smtClean="0">
-              <a:cs typeface="+mn-cs"/>
-            </a:endParaRPr>
           </a:p>
         </p:txBody>
       </p:sp>
@@ -22357,13 +21744,6 @@
   <p:clrMapOvr>
     <a:masterClrMapping/>
   </p:clrMapOvr>
-  <p:timing>
-    <p:tnLst>
-      <p:par>
-        <p:cTn id="1" dur="indefinite" restart="never" nodeType="tmRoot"/>
-      </p:par>
-    </p:tnLst>
-  </p:timing>
 </p:sld>
 </file>
 
@@ -22403,7 +21783,7 @@
               <a:defRPr/>
             </a:pPr>
             <a:r>
-              <a:rPr lang="en-US" smtClean="0"/>
+              <a:rPr lang="en-US"/>
               <a:t>Declarative vs. Procedural Meaning</a:t>
             </a:r>
           </a:p>
@@ -22690,13 +22070,6 @@
   <p:clrMapOvr>
     <a:masterClrMapping/>
   </p:clrMapOvr>
-  <p:timing>
-    <p:tnLst>
-      <p:par>
-        <p:cTn id="1" dur="indefinite" restart="never" nodeType="tmRoot"/>
-      </p:par>
-    </p:tnLst>
-  </p:timing>
 </p:sld>
 </file>
 
@@ -22736,7 +22109,7 @@
               <a:defRPr/>
             </a:pPr>
             <a:r>
-              <a:rPr lang="en-US" smtClean="0"/>
+              <a:rPr lang="en-US"/>
               <a:t>Lists &amp; Pattern Matching</a:t>
             </a:r>
           </a:p>
@@ -22771,15 +22144,15 @@
               <a:defRPr/>
             </a:pPr>
             <a:r>
-              <a:rPr lang="en-US" sz="2800" smtClean="0"/>
+              <a:rPr lang="en-US" sz="2800"/>
               <a:t>The </a:t>
             </a:r>
             <a:r>
-              <a:rPr lang="en-US" sz="2800" u="sng" smtClean="0"/>
+              <a:rPr lang="en-US" sz="2800" u="sng"/>
               <a:t>unification</a:t>
             </a:r>
             <a:r>
-              <a:rPr lang="en-US" sz="2800" smtClean="0"/>
+              <a:rPr lang="en-US" sz="2800"/>
               <a:t> operator: =/2</a:t>
             </a:r>
           </a:p>
@@ -22793,15 +22166,15 @@
               <a:defRPr/>
             </a:pPr>
             <a:r>
-              <a:rPr lang="en-US" sz="2400" smtClean="0"/>
+              <a:rPr lang="en-US" sz="2400"/>
               <a:t>The expression A=B is true if A and B are terms and </a:t>
             </a:r>
             <a:r>
-              <a:rPr lang="en-US" sz="2400" u="sng" smtClean="0"/>
+              <a:rPr lang="en-US" sz="2400" u="sng"/>
               <a:t>unify</a:t>
             </a:r>
             <a:r>
-              <a:rPr lang="en-US" sz="2400" smtClean="0"/>
+              <a:rPr lang="en-US" sz="2400"/>
               <a:t> (look identical)</a:t>
             </a:r>
           </a:p>
@@ -22830,14 +22203,14 @@
           <a:effectLst/>
           <a:extLst>
             <a:ext uri="{909E8E84-426E-40dd-AFC4-6F175D3DCCD1}">
-              <a14:hiddenFill xmlns:a14="http://schemas.microsoft.com/office/drawing/2010/main" xmlns="">
+              <a14:hiddenFill xmlns="" xmlns:a14="http://schemas.microsoft.com/office/drawing/2010/main">
                 <a:solidFill>
                   <a:schemeClr val="accent1"/>
                 </a:solidFill>
               </a14:hiddenFill>
             </a:ext>
             <a:ext uri="{91240B29-F687-4f45-9708-019B960494DF}">
-              <a14:hiddenLine xmlns:a14="http://schemas.microsoft.com/office/drawing/2010/main" xmlns="" w="9525">
+              <a14:hiddenLine xmlns="" xmlns:a14="http://schemas.microsoft.com/office/drawing/2010/main" w="9525">
                 <a:solidFill>
                   <a:schemeClr val="tx1"/>
                 </a:solidFill>
@@ -22847,7 +22220,7 @@
               </a14:hiddenLine>
             </a:ext>
             <a:ext uri="{AF507438-7753-43e0-B8FC-AC1667EBCBE1}">
-              <a14:hiddenEffects xmlns:a14="http://schemas.microsoft.com/office/drawing/2010/main" xmlns="">
+              <a14:hiddenEffects xmlns="" xmlns:a14="http://schemas.microsoft.com/office/drawing/2010/main">
                 <a:effectLst>
                   <a:outerShdw blurRad="63500" dist="38099" dir="2700000" algn="ctr" rotWithShape="0">
                     <a:schemeClr val="bg2">
@@ -22906,12 +22279,12 @@
           <a:effectLst/>
           <a:extLst>
             <a:ext uri="{909E8E84-426E-40dd-AFC4-6F175D3DCCD1}">
-              <a14:hiddenFill xmlns:a14="http://schemas.microsoft.com/office/drawing/2010/main" xmlns="">
+              <a14:hiddenFill xmlns="" xmlns:a14="http://schemas.microsoft.com/office/drawing/2010/main">
                 <a:noFill/>
               </a14:hiddenFill>
             </a:ext>
             <a:ext uri="{AF507438-7753-43e0-B8FC-AC1667EBCBE1}">
-              <a14:hiddenEffects xmlns:a14="http://schemas.microsoft.com/office/drawing/2010/main" xmlns="">
+              <a14:hiddenEffects xmlns="" xmlns:a14="http://schemas.microsoft.com/office/drawing/2010/main">
                 <a:effectLst>
                   <a:outerShdw blurRad="63500" dist="38099" dir="2700000" algn="ctr" rotWithShape="0">
                     <a:schemeClr val="bg2">
@@ -22960,14 +22333,14 @@
           <a:effectLst/>
           <a:extLst>
             <a:ext uri="{909E8E84-426E-40dd-AFC4-6F175D3DCCD1}">
-              <a14:hiddenFill xmlns:a14="http://schemas.microsoft.com/office/drawing/2010/main" xmlns="">
+              <a14:hiddenFill xmlns="" xmlns:a14="http://schemas.microsoft.com/office/drawing/2010/main">
                 <a:solidFill>
                   <a:schemeClr val="accent1"/>
                 </a:solidFill>
               </a14:hiddenFill>
             </a:ext>
             <a:ext uri="{91240B29-F687-4f45-9708-019B960494DF}">
-              <a14:hiddenLine xmlns:a14="http://schemas.microsoft.com/office/drawing/2010/main" xmlns="" w="9525">
+              <a14:hiddenLine xmlns="" xmlns:a14="http://schemas.microsoft.com/office/drawing/2010/main" w="9525">
                 <a:solidFill>
                   <a:schemeClr val="tx1"/>
                 </a:solidFill>
@@ -22977,7 +22350,7 @@
               </a14:hiddenLine>
             </a:ext>
             <a:ext uri="{AF507438-7753-43e0-B8FC-AC1667EBCBE1}">
-              <a14:hiddenEffects xmlns:a14="http://schemas.microsoft.com/office/drawing/2010/main" xmlns="">
+              <a14:hiddenEffects xmlns="" xmlns:a14="http://schemas.microsoft.com/office/drawing/2010/main">
                 <a:effectLst>
                   <a:outerShdw blurRad="63500" dist="38099" dir="2700000" algn="ctr" rotWithShape="0">
                     <a:schemeClr val="bg2">
@@ -23102,13 +22475,6 @@
   <p:clrMapOvr>
     <a:masterClrMapping/>
   </p:clrMapOvr>
-  <p:timing>
-    <p:tnLst>
-      <p:par>
-        <p:cTn id="1" dur="indefinite" restart="never" nodeType="tmRoot"/>
-      </p:par>
-    </p:tnLst>
-  </p:timing>
 </p:sld>
 </file>
 
@@ -23148,7 +22514,7 @@
               <a:defRPr/>
             </a:pPr>
             <a:r>
-              <a:rPr lang="en-US" smtClean="0"/>
+              <a:rPr lang="en-US"/>
               <a:t>Lists &amp; Pattern Matching</a:t>
             </a:r>
           </a:p>
@@ -23220,14 +22586,14 @@
           <a:effectLst/>
           <a:extLst>
             <a:ext uri="{909E8E84-426E-40dd-AFC4-6F175D3DCCD1}">
-              <a14:hiddenFill xmlns:a14="http://schemas.microsoft.com/office/drawing/2010/main" xmlns="">
+              <a14:hiddenFill xmlns="" xmlns:a14="http://schemas.microsoft.com/office/drawing/2010/main">
                 <a:solidFill>
                   <a:schemeClr val="accent1"/>
                 </a:solidFill>
               </a14:hiddenFill>
             </a:ext>
             <a:ext uri="{91240B29-F687-4f45-9708-019B960494DF}">
-              <a14:hiddenLine xmlns:a14="http://schemas.microsoft.com/office/drawing/2010/main" xmlns="" w="9525">
+              <a14:hiddenLine xmlns="" xmlns:a14="http://schemas.microsoft.com/office/drawing/2010/main" w="9525">
                 <a:solidFill>
                   <a:schemeClr val="tx1"/>
                 </a:solidFill>
@@ -23237,7 +22603,7 @@
               </a14:hiddenLine>
             </a:ext>
             <a:ext uri="{AF507438-7753-43e0-B8FC-AC1667EBCBE1}">
-              <a14:hiddenEffects xmlns:a14="http://schemas.microsoft.com/office/drawing/2010/main" xmlns="">
+              <a14:hiddenEffects xmlns="" xmlns:a14="http://schemas.microsoft.com/office/drawing/2010/main">
                 <a:effectLst>
                   <a:outerShdw blurRad="63500" dist="38099" dir="2700000" algn="ctr" rotWithShape="0">
                     <a:schemeClr val="bg2">
@@ -23315,14 +22681,14 @@
           <a:effectLst/>
           <a:extLst>
             <a:ext uri="{909E8E84-426E-40dd-AFC4-6F175D3DCCD1}">
-              <a14:hiddenFill xmlns:a14="http://schemas.microsoft.com/office/drawing/2010/main" xmlns="">
+              <a14:hiddenFill xmlns="" xmlns:a14="http://schemas.microsoft.com/office/drawing/2010/main">
                 <a:solidFill>
                   <a:schemeClr val="accent1"/>
                 </a:solidFill>
               </a14:hiddenFill>
             </a:ext>
             <a:ext uri="{91240B29-F687-4f45-9708-019B960494DF}">
-              <a14:hiddenLine xmlns:a14="http://schemas.microsoft.com/office/drawing/2010/main" xmlns="" w="9525">
+              <a14:hiddenLine xmlns="" xmlns:a14="http://schemas.microsoft.com/office/drawing/2010/main" w="9525">
                 <a:solidFill>
                   <a:schemeClr val="tx1"/>
                 </a:solidFill>
@@ -23332,7 +22698,7 @@
               </a14:hiddenLine>
             </a:ext>
             <a:ext uri="{AF507438-7753-43e0-B8FC-AC1667EBCBE1}">
-              <a14:hiddenEffects xmlns:a14="http://schemas.microsoft.com/office/drawing/2010/main" xmlns="">
+              <a14:hiddenEffects xmlns="" xmlns:a14="http://schemas.microsoft.com/office/drawing/2010/main">
                 <a:effectLst>
                   <a:outerShdw blurRad="63500" dist="38099" dir="2700000" algn="ctr" rotWithShape="0">
                     <a:schemeClr val="bg2">
@@ -23403,12 +22769,12 @@
           <a:effectLst/>
           <a:extLst>
             <a:ext uri="{909E8E84-426E-40dd-AFC4-6F175D3DCCD1}">
-              <a14:hiddenFill xmlns:a14="http://schemas.microsoft.com/office/drawing/2010/main" xmlns="">
+              <a14:hiddenFill xmlns="" xmlns:a14="http://schemas.microsoft.com/office/drawing/2010/main">
                 <a:noFill/>
               </a14:hiddenFill>
             </a:ext>
             <a:ext uri="{AF507438-7753-43e0-B8FC-AC1667EBCBE1}">
-              <a14:hiddenEffects xmlns:a14="http://schemas.microsoft.com/office/drawing/2010/main" xmlns="">
+              <a14:hiddenEffects xmlns="" xmlns:a14="http://schemas.microsoft.com/office/drawing/2010/main">
                 <a:effectLst>
                   <a:outerShdw blurRad="63500" dist="38099" dir="2700000" algn="ctr" rotWithShape="0">
                     <a:schemeClr val="bg2">
@@ -23457,14 +22823,14 @@
           <a:effectLst/>
           <a:extLst>
             <a:ext uri="{909E8E84-426E-40dd-AFC4-6F175D3DCCD1}">
-              <a14:hiddenFill xmlns:a14="http://schemas.microsoft.com/office/drawing/2010/main" xmlns="">
+              <a14:hiddenFill xmlns="" xmlns:a14="http://schemas.microsoft.com/office/drawing/2010/main">
                 <a:solidFill>
                   <a:schemeClr val="accent1"/>
                 </a:solidFill>
               </a14:hiddenFill>
             </a:ext>
             <a:ext uri="{91240B29-F687-4f45-9708-019B960494DF}">
-              <a14:hiddenLine xmlns:a14="http://schemas.microsoft.com/office/drawing/2010/main" xmlns="" w="9525">
+              <a14:hiddenLine xmlns="" xmlns:a14="http://schemas.microsoft.com/office/drawing/2010/main" w="9525">
                 <a:solidFill>
                   <a:schemeClr val="tx1"/>
                 </a:solidFill>
@@ -23474,7 +22840,7 @@
               </a14:hiddenLine>
             </a:ext>
             <a:ext uri="{AF507438-7753-43e0-B8FC-AC1667EBCBE1}">
-              <a14:hiddenEffects xmlns:a14="http://schemas.microsoft.com/office/drawing/2010/main" xmlns="">
+              <a14:hiddenEffects xmlns="" xmlns:a14="http://schemas.microsoft.com/office/drawing/2010/main">
                 <a:effectLst>
                   <a:outerShdw blurRad="63500" dist="38099" dir="2700000" algn="ctr" rotWithShape="0">
                     <a:schemeClr val="bg2">
@@ -23527,13 +22893,6 @@
   <p:clrMapOvr>
     <a:masterClrMapping/>
   </p:clrMapOvr>
-  <p:timing>
-    <p:tnLst>
-      <p:par>
-        <p:cTn id="1" dur="indefinite" restart="never" nodeType="tmRoot"/>
-      </p:par>
-    </p:tnLst>
-  </p:timing>
 </p:sld>
 </file>
 
@@ -23573,7 +22932,7 @@
               <a:defRPr/>
             </a:pPr>
             <a:r>
-              <a:rPr lang="en-US" smtClean="0"/>
+              <a:rPr lang="en-US"/>
               <a:t>Lists &amp; Pattern Matching</a:t>
             </a:r>
           </a:p>
@@ -23605,7 +22964,7 @@
               <a:defRPr/>
             </a:pPr>
             <a:r>
-              <a:rPr lang="en-US" sz="1900" smtClean="0"/>
+              <a:rPr lang="en-US" sz="1900"/>
               <a:t>Pattern Matching in Lists</a:t>
             </a:r>
           </a:p>
@@ -23634,14 +22993,14 @@
           <a:effectLst/>
           <a:extLst>
             <a:ext uri="{909E8E84-426E-40dd-AFC4-6F175D3DCCD1}">
-              <a14:hiddenFill xmlns:a14="http://schemas.microsoft.com/office/drawing/2010/main" xmlns="">
+              <a14:hiddenFill xmlns="" xmlns:a14="http://schemas.microsoft.com/office/drawing/2010/main">
                 <a:solidFill>
                   <a:schemeClr val="accent1"/>
                 </a:solidFill>
               </a14:hiddenFill>
             </a:ext>
             <a:ext uri="{91240B29-F687-4f45-9708-019B960494DF}">
-              <a14:hiddenLine xmlns:a14="http://schemas.microsoft.com/office/drawing/2010/main" xmlns="" w="9525">
+              <a14:hiddenLine xmlns="" xmlns:a14="http://schemas.microsoft.com/office/drawing/2010/main" w="9525">
                 <a:solidFill>
                   <a:schemeClr val="tx1"/>
                 </a:solidFill>
@@ -23651,7 +23010,7 @@
               </a14:hiddenLine>
             </a:ext>
             <a:ext uri="{AF507438-7753-43e0-B8FC-AC1667EBCBE1}">
-              <a14:hiddenEffects xmlns:a14="http://schemas.microsoft.com/office/drawing/2010/main" xmlns="">
+              <a14:hiddenEffects xmlns="" xmlns:a14="http://schemas.microsoft.com/office/drawing/2010/main">
                 <a:effectLst>
                   <a:outerShdw blurRad="63500" dist="38099" dir="2700000" algn="ctr" rotWithShape="0">
                     <a:schemeClr val="bg2">
@@ -23750,14 +23109,14 @@
           <a:effectLst/>
           <a:extLst>
             <a:ext uri="{909E8E84-426E-40dd-AFC4-6F175D3DCCD1}">
-              <a14:hiddenFill xmlns:a14="http://schemas.microsoft.com/office/drawing/2010/main" xmlns="">
+              <a14:hiddenFill xmlns="" xmlns:a14="http://schemas.microsoft.com/office/drawing/2010/main">
                 <a:solidFill>
                   <a:schemeClr val="accent1"/>
                 </a:solidFill>
               </a14:hiddenFill>
             </a:ext>
             <a:ext uri="{91240B29-F687-4f45-9708-019B960494DF}">
-              <a14:hiddenLine xmlns:a14="http://schemas.microsoft.com/office/drawing/2010/main" xmlns="" w="9525">
+              <a14:hiddenLine xmlns="" xmlns:a14="http://schemas.microsoft.com/office/drawing/2010/main" w="9525">
                 <a:solidFill>
                   <a:schemeClr val="tx1"/>
                 </a:solidFill>
@@ -23767,7 +23126,7 @@
               </a14:hiddenLine>
             </a:ext>
             <a:ext uri="{AF507438-7753-43e0-B8FC-AC1667EBCBE1}">
-              <a14:hiddenEffects xmlns:a14="http://schemas.microsoft.com/office/drawing/2010/main" xmlns="">
+              <a14:hiddenEffects xmlns="" xmlns:a14="http://schemas.microsoft.com/office/drawing/2010/main">
                 <a:effectLst>
                   <a:outerShdw blurRad="63500" dist="38099" dir="2700000" algn="ctr" rotWithShape="0">
                     <a:schemeClr val="bg2">
@@ -23857,14 +23216,14 @@
           <a:effectLst/>
           <a:extLst>
             <a:ext uri="{909E8E84-426E-40dd-AFC4-6F175D3DCCD1}">
-              <a14:hiddenFill xmlns:a14="http://schemas.microsoft.com/office/drawing/2010/main" xmlns="">
+              <a14:hiddenFill xmlns="" xmlns:a14="http://schemas.microsoft.com/office/drawing/2010/main">
                 <a:solidFill>
                   <a:schemeClr val="accent1"/>
                 </a:solidFill>
               </a14:hiddenFill>
             </a:ext>
             <a:ext uri="{91240B29-F687-4f45-9708-019B960494DF}">
-              <a14:hiddenLine xmlns:a14="http://schemas.microsoft.com/office/drawing/2010/main" xmlns="" w="9525">
+              <a14:hiddenLine xmlns="" xmlns:a14="http://schemas.microsoft.com/office/drawing/2010/main" w="9525">
                 <a:solidFill>
                   <a:schemeClr val="tx1"/>
                 </a:solidFill>
@@ -23874,7 +23233,7 @@
               </a14:hiddenLine>
             </a:ext>
             <a:ext uri="{AF507438-7753-43e0-B8FC-AC1667EBCBE1}">
-              <a14:hiddenEffects xmlns:a14="http://schemas.microsoft.com/office/drawing/2010/main" xmlns="">
+              <a14:hiddenEffects xmlns="" xmlns:a14="http://schemas.microsoft.com/office/drawing/2010/main">
                 <a:effectLst>
                   <a:outerShdw blurRad="63500" dist="38099" dir="2700000" algn="ctr" rotWithShape="0">
                     <a:schemeClr val="bg2">
@@ -23935,14 +23294,14 @@
           <a:effectLst/>
           <a:extLst>
             <a:ext uri="{909E8E84-426E-40dd-AFC4-6F175D3DCCD1}">
-              <a14:hiddenFill xmlns:a14="http://schemas.microsoft.com/office/drawing/2010/main" xmlns="">
+              <a14:hiddenFill xmlns="" xmlns:a14="http://schemas.microsoft.com/office/drawing/2010/main">
                 <a:solidFill>
                   <a:schemeClr val="accent1"/>
                 </a:solidFill>
               </a14:hiddenFill>
             </a:ext>
             <a:ext uri="{91240B29-F687-4f45-9708-019B960494DF}">
-              <a14:hiddenLine xmlns:a14="http://schemas.microsoft.com/office/drawing/2010/main" xmlns="" w="9525">
+              <a14:hiddenLine xmlns="" xmlns:a14="http://schemas.microsoft.com/office/drawing/2010/main" w="9525">
                 <a:solidFill>
                   <a:schemeClr val="tx1"/>
                 </a:solidFill>
@@ -23952,7 +23311,7 @@
               </a14:hiddenLine>
             </a:ext>
             <a:ext uri="{AF507438-7753-43e0-B8FC-AC1667EBCBE1}">
-              <a14:hiddenEffects xmlns:a14="http://schemas.microsoft.com/office/drawing/2010/main" xmlns="">
+              <a14:hiddenEffects xmlns="" xmlns:a14="http://schemas.microsoft.com/office/drawing/2010/main">
                 <a:effectLst>
                   <a:outerShdw blurRad="63500" dist="38099" dir="2700000" algn="ctr" rotWithShape="0">
                     <a:schemeClr val="bg2">
@@ -24025,16 +23384,6 @@
                 <a:cs typeface="ＭＳ Ｐゴシック" charset="0"/>
               </a:rPr>
             </a:br>
-            <a:r>
-              <a:rPr lang="en-US" sz="1600" u="none">
-                <a:solidFill>
-                  <a:srgbClr val="FF3300"/>
-                </a:solidFill>
-                <a:ea typeface="ＭＳ Ｐゴシック" charset="0"/>
-                <a:cs typeface="ＭＳ Ｐゴシック" charset="0"/>
-              </a:rPr>
-              <a:t/>
-            </a:r>
             <a:br>
               <a:rPr lang="en-US" sz="1600" u="none">
                 <a:solidFill>
@@ -24088,13 +23437,6 @@
   <p:clrMapOvr>
     <a:masterClrMapping/>
   </p:clrMapOvr>
-  <p:timing>
-    <p:tnLst>
-      <p:par>
-        <p:cTn id="1" dur="indefinite" restart="never" nodeType="tmRoot"/>
-      </p:par>
-    </p:tnLst>
-  </p:timing>
 </p:sld>
 </file>
 
@@ -24134,7 +23476,7 @@
               <a:defRPr/>
             </a:pPr>
             <a:r>
-              <a:rPr lang="en-US" smtClean="0"/>
+              <a:rPr lang="en-US"/>
               <a:t>Lists - the First Predicate</a:t>
             </a:r>
           </a:p>
@@ -24163,14 +23505,14 @@
           <a:effectLst/>
           <a:extLst>
             <a:ext uri="{909E8E84-426E-40dd-AFC4-6F175D3DCCD1}">
-              <a14:hiddenFill xmlns:a14="http://schemas.microsoft.com/office/drawing/2010/main" xmlns="">
+              <a14:hiddenFill xmlns="" xmlns:a14="http://schemas.microsoft.com/office/drawing/2010/main">
                 <a:solidFill>
                   <a:schemeClr val="accent1"/>
                 </a:solidFill>
               </a14:hiddenFill>
             </a:ext>
             <a:ext uri="{91240B29-F687-4f45-9708-019B960494DF}">
-              <a14:hiddenLine xmlns:a14="http://schemas.microsoft.com/office/drawing/2010/main" xmlns="" w="9525">
+              <a14:hiddenLine xmlns="" xmlns:a14="http://schemas.microsoft.com/office/drawing/2010/main" w="9525">
                 <a:solidFill>
                   <a:schemeClr val="tx1"/>
                 </a:solidFill>
@@ -24180,7 +23522,7 @@
               </a14:hiddenLine>
             </a:ext>
             <a:ext uri="{AF507438-7753-43e0-B8FC-AC1667EBCBE1}">
-              <a14:hiddenEffects xmlns:a14="http://schemas.microsoft.com/office/drawing/2010/main" xmlns="">
+              <a14:hiddenEffects xmlns="" xmlns:a14="http://schemas.microsoft.com/office/drawing/2010/main">
                 <a:effectLst>
                   <a:outerShdw blurRad="63500" dist="38099" dir="2700000" algn="ctr" rotWithShape="0">
                     <a:schemeClr val="bg2">
@@ -24253,14 +23595,14 @@
           <a:effectLst/>
           <a:extLst>
             <a:ext uri="{909E8E84-426E-40dd-AFC4-6F175D3DCCD1}">
-              <a14:hiddenFill xmlns:a14="http://schemas.microsoft.com/office/drawing/2010/main" xmlns="">
+              <a14:hiddenFill xmlns="" xmlns:a14="http://schemas.microsoft.com/office/drawing/2010/main">
                 <a:solidFill>
                   <a:schemeClr val="accent1"/>
                 </a:solidFill>
               </a14:hiddenFill>
             </a:ext>
             <a:ext uri="{91240B29-F687-4f45-9708-019B960494DF}">
-              <a14:hiddenLine xmlns:a14="http://schemas.microsoft.com/office/drawing/2010/main" xmlns="" w="9525">
+              <a14:hiddenLine xmlns="" xmlns:a14="http://schemas.microsoft.com/office/drawing/2010/main" w="9525">
                 <a:solidFill>
                   <a:schemeClr val="tx1"/>
                 </a:solidFill>
@@ -24270,7 +23612,7 @@
               </a14:hiddenLine>
             </a:ext>
             <a:ext uri="{AF507438-7753-43e0-B8FC-AC1667EBCBE1}">
-              <a14:hiddenEffects xmlns:a14="http://schemas.microsoft.com/office/drawing/2010/main" xmlns="">
+              <a14:hiddenEffects xmlns="" xmlns:a14="http://schemas.microsoft.com/office/drawing/2010/main">
                 <a:effectLst>
                   <a:outerShdw blurRad="63500" dist="38099" dir="2700000" algn="ctr" rotWithShape="0">
                     <a:schemeClr val="bg2">
@@ -24310,19 +23652,8 @@
                 <a:ea typeface="ＭＳ Ｐゴシック" charset="0"/>
                 <a:cs typeface="ＭＳ Ｐゴシック" charset="0"/>
               </a:rPr>
-              <a:t>) :- List = [H|T], E = </a:t>
-            </a:r>
-            <a:r>
-              <a:rPr lang="en-US" sz="1800" u="none" dirty="0" smtClean="0">
-                <a:ea typeface="ＭＳ Ｐゴシック" charset="0"/>
-                <a:cs typeface="ＭＳ Ｐゴシック" charset="0"/>
-              </a:rPr>
-              <a:t>H.</a:t>
-            </a:r>
-            <a:endParaRPr lang="en-US" sz="1800" u="none" dirty="0">
-              <a:ea typeface="ＭＳ Ｐゴシック" charset="0"/>
-              <a:cs typeface="ＭＳ Ｐゴシック" charset="0"/>
-            </a:endParaRPr>
+              <a:t>) :- List = [H|T], E = H.</a:t>
+            </a:r>
           </a:p>
         </p:txBody>
       </p:sp>
@@ -24349,14 +23680,14 @@
           <a:effectLst/>
           <a:extLst>
             <a:ext uri="{909E8E84-426E-40dd-AFC4-6F175D3DCCD1}">
-              <a14:hiddenFill xmlns:a14="http://schemas.microsoft.com/office/drawing/2010/main" xmlns="">
+              <a14:hiddenFill xmlns="" xmlns:a14="http://schemas.microsoft.com/office/drawing/2010/main">
                 <a:solidFill>
                   <a:schemeClr val="accent1"/>
                 </a:solidFill>
               </a14:hiddenFill>
             </a:ext>
             <a:ext uri="{91240B29-F687-4f45-9708-019B960494DF}">
-              <a14:hiddenLine xmlns:a14="http://schemas.microsoft.com/office/drawing/2010/main" xmlns="" w="9525">
+              <a14:hiddenLine xmlns="" xmlns:a14="http://schemas.microsoft.com/office/drawing/2010/main" w="9525">
                 <a:solidFill>
                   <a:schemeClr val="tx1"/>
                 </a:solidFill>
@@ -24366,7 +23697,7 @@
               </a14:hiddenLine>
             </a:ext>
             <a:ext uri="{AF507438-7753-43e0-B8FC-AC1667EBCBE1}">
-              <a14:hiddenEffects xmlns:a14="http://schemas.microsoft.com/office/drawing/2010/main" xmlns="">
+              <a14:hiddenEffects xmlns="" xmlns:a14="http://schemas.microsoft.com/office/drawing/2010/main">
                 <a:effectLst>
                   <a:outerShdw blurRad="63500" dist="38099" dir="2700000" algn="ctr" rotWithShape="0">
                     <a:schemeClr val="bg2">
@@ -24388,16 +23719,12 @@
               <a:defRPr/>
             </a:pPr>
             <a:r>
-              <a:rPr lang="en-US" sz="1800" u="none" dirty="0" smtClean="0">
+              <a:rPr lang="en-US" sz="1800" u="none" dirty="0">
                 <a:ea typeface="ＭＳ Ｐゴシック" charset="0"/>
                 <a:cs typeface="ＭＳ Ｐゴシック" charset="0"/>
               </a:rPr>
               <a:t>first([H|_],H).</a:t>
             </a:r>
-            <a:endParaRPr lang="en-US" sz="1800" u="none" dirty="0">
-              <a:ea typeface="ＭＳ Ｐゴシック" charset="0"/>
-              <a:cs typeface="ＭＳ Ｐゴシック" charset="0"/>
-            </a:endParaRPr>
           </a:p>
         </p:txBody>
       </p:sp>
@@ -24424,10 +23751,9 @@
           <a:lstStyle/>
           <a:p>
             <a:r>
-              <a:rPr lang="en-US" smtClean="0"/>
+              <a:rPr lang="en-US"/>
               <a:t>or</a:t>
             </a:r>
-            <a:endParaRPr lang="en-US"/>
           </a:p>
         </p:txBody>
       </p:sp>
@@ -24696,7 +24022,7 @@
               <a:defRPr/>
             </a:pPr>
             <a:r>
-              <a:rPr lang="en-US" smtClean="0"/>
+              <a:rPr lang="en-US"/>
               <a:t>Lists - the Last Predicate</a:t>
             </a:r>
           </a:p>
@@ -24725,14 +24051,14 @@
           <a:effectLst/>
           <a:extLst>
             <a:ext uri="{909E8E84-426E-40dd-AFC4-6F175D3DCCD1}">
-              <a14:hiddenFill xmlns:a14="http://schemas.microsoft.com/office/drawing/2010/main" xmlns="">
+              <a14:hiddenFill xmlns="" xmlns:a14="http://schemas.microsoft.com/office/drawing/2010/main">
                 <a:solidFill>
                   <a:schemeClr val="accent1"/>
                 </a:solidFill>
               </a14:hiddenFill>
             </a:ext>
             <a:ext uri="{91240B29-F687-4f45-9708-019B960494DF}">
-              <a14:hiddenLine xmlns:a14="http://schemas.microsoft.com/office/drawing/2010/main" xmlns="" w="9525">
+              <a14:hiddenLine xmlns="" xmlns:a14="http://schemas.microsoft.com/office/drawing/2010/main" w="9525">
                 <a:solidFill>
                   <a:schemeClr val="tx1"/>
                 </a:solidFill>
@@ -24742,7 +24068,7 @@
               </a14:hiddenLine>
             </a:ext>
             <a:ext uri="{AF507438-7753-43e0-B8FC-AC1667EBCBE1}">
-              <a14:hiddenEffects xmlns:a14="http://schemas.microsoft.com/office/drawing/2010/main" xmlns="">
+              <a14:hiddenEffects xmlns="" xmlns:a14="http://schemas.microsoft.com/office/drawing/2010/main">
                 <a:effectLst>
                   <a:outerShdw blurRad="63500" dist="38099" dir="2700000" algn="ctr" rotWithShape="0">
                     <a:schemeClr val="bg2">
@@ -24815,14 +24141,14 @@
           <a:effectLst/>
           <a:extLst>
             <a:ext uri="{909E8E84-426E-40dd-AFC4-6F175D3DCCD1}">
-              <a14:hiddenFill xmlns:a14="http://schemas.microsoft.com/office/drawing/2010/main" xmlns="">
+              <a14:hiddenFill xmlns="" xmlns:a14="http://schemas.microsoft.com/office/drawing/2010/main">
                 <a:solidFill>
                   <a:schemeClr val="accent1"/>
                 </a:solidFill>
               </a14:hiddenFill>
             </a:ext>
             <a:ext uri="{91240B29-F687-4f45-9708-019B960494DF}">
-              <a14:hiddenLine xmlns:a14="http://schemas.microsoft.com/office/drawing/2010/main" xmlns="" w="9525">
+              <a14:hiddenLine xmlns="" xmlns:a14="http://schemas.microsoft.com/office/drawing/2010/main" w="9525">
                 <a:solidFill>
                   <a:schemeClr val="tx1"/>
                 </a:solidFill>
@@ -24832,7 +24158,7 @@
               </a14:hiddenLine>
             </a:ext>
             <a:ext uri="{AF507438-7753-43e0-B8FC-AC1667EBCBE1}">
-              <a14:hiddenEffects xmlns:a14="http://schemas.microsoft.com/office/drawing/2010/main" xmlns="">
+              <a14:hiddenEffects xmlns="" xmlns:a14="http://schemas.microsoft.com/office/drawing/2010/main">
                 <a:effectLst>
                   <a:outerShdw blurRad="63500" dist="38099" dir="2700000" algn="ctr" rotWithShape="0">
                     <a:schemeClr val="bg2">
@@ -24938,14 +24264,14 @@
           <a:effectLst/>
           <a:extLst>
             <a:ext uri="{909E8E84-426E-40dd-AFC4-6F175D3DCCD1}">
-              <a14:hiddenFill xmlns:a14="http://schemas.microsoft.com/office/drawing/2010/main" xmlns="">
+              <a14:hiddenFill xmlns="" xmlns:a14="http://schemas.microsoft.com/office/drawing/2010/main">
                 <a:solidFill>
                   <a:schemeClr val="accent1"/>
                 </a:solidFill>
               </a14:hiddenFill>
             </a:ext>
             <a:ext uri="{91240B29-F687-4f45-9708-019B960494DF}">
-              <a14:hiddenLine xmlns:a14="http://schemas.microsoft.com/office/drawing/2010/main" xmlns="" w="9525">
+              <a14:hiddenLine xmlns="" xmlns:a14="http://schemas.microsoft.com/office/drawing/2010/main" w="9525">
                 <a:solidFill>
                   <a:schemeClr val="tx1"/>
                 </a:solidFill>
@@ -24955,7 +24281,7 @@
               </a14:hiddenLine>
             </a:ext>
             <a:ext uri="{AF507438-7753-43e0-B8FC-AC1667EBCBE1}">
-              <a14:hiddenEffects xmlns:a14="http://schemas.microsoft.com/office/drawing/2010/main" xmlns="">
+              <a14:hiddenEffects xmlns="" xmlns:a14="http://schemas.microsoft.com/office/drawing/2010/main">
                 <a:effectLst>
                   <a:outerShdw blurRad="63500" dist="38099" dir="2700000" algn="ctr" rotWithShape="0">
                     <a:schemeClr val="bg2">
@@ -24993,21 +24319,7 @@
                 <a:ea typeface="ＭＳ Ｐゴシック" charset="0"/>
                 <a:cs typeface="ＭＳ Ｐゴシック" charset="0"/>
               </a:rPr>
-              <a:t>last</a:t>
-            </a:r>
-            <a:r>
-              <a:rPr lang="en-US" sz="1800" u="none" dirty="0" smtClean="0">
-                <a:ea typeface="ＭＳ Ｐゴシック" charset="0"/>
-                <a:cs typeface="ＭＳ Ｐゴシック" charset="0"/>
-              </a:rPr>
-              <a:t>([ _ |</a:t>
-            </a:r>
-            <a:r>
-              <a:rPr lang="en-US" sz="1800" u="none" dirty="0">
-                <a:ea typeface="ＭＳ Ｐゴシック" charset="0"/>
-                <a:cs typeface="ＭＳ Ｐゴシック" charset="0"/>
-              </a:rPr>
-              <a:t>L],E) :- last(L,E).</a:t>
+              <a:t>last([ _ |L],E) :- last(L,E).</a:t>
             </a:r>
           </a:p>
         </p:txBody>
@@ -25185,7 +24497,7 @@
               <a:defRPr/>
             </a:pPr>
             <a:r>
-              <a:rPr lang="en-US" smtClean="0"/>
+              <a:rPr lang="en-US"/>
               <a:t>Member Predicate</a:t>
             </a:r>
           </a:p>
@@ -25413,22 +24725,22 @@
               <a:buNone/>
             </a:pPr>
             <a:r>
-              <a:rPr lang="en-US" altLang="en-US" sz="1800"/>
+              <a:rPr lang="en-US" altLang="en-US" sz="1800" dirty="0"/>
               <a:t>Write a predicate member/2 that takes a list as its first argument and</a:t>
             </a:r>
             <a:br>
-              <a:rPr lang="en-US" altLang="en-US" sz="1800"/>
+              <a:rPr lang="en-US" altLang="en-US" sz="1800" dirty="0"/>
             </a:br>
             <a:r>
-              <a:rPr lang="en-US" altLang="en-US" sz="1800"/>
+              <a:rPr lang="en-US" altLang="en-US" sz="1800" dirty="0"/>
               <a:t>an element as its second element.  This predicate is to return true if</a:t>
             </a:r>
             <a:br>
-              <a:rPr lang="en-US" altLang="en-US" sz="1800"/>
+              <a:rPr lang="en-US" altLang="en-US" sz="1800" dirty="0"/>
             </a:br>
             <a:r>
-              <a:rPr lang="en-US" altLang="en-US" sz="1800"/>
-              <a:t>the element appears in the list.</a:t>
+              <a:rPr lang="en-US" altLang="en-US" sz="1800" dirty="0"/>
+              <a:t>the element appears in the list otherwise it returns false.</a:t>
             </a:r>
           </a:p>
         </p:txBody>
@@ -25848,10 +25160,9 @@
           <a:lstStyle/>
           <a:p>
             <a:r>
-              <a:rPr lang="en-US" dirty="0" smtClean="0"/>
+              <a:rPr lang="en-US" dirty="0"/>
               <a:t>Logic as a Programming Language</a:t>
             </a:r>
-            <a:endParaRPr lang="en-US" dirty="0"/>
           </a:p>
         </p:txBody>
       </p:sp>
@@ -25878,39 +25189,31 @@
           <a:lstStyle/>
           <a:p>
             <a:r>
-              <a:rPr lang="en-US" dirty="0" smtClean="0"/>
+              <a:rPr lang="en-US" dirty="0"/>
               <a:t>Fundamental Question: </a:t>
             </a:r>
           </a:p>
           <a:p>
             <a:pPr lvl="1"/>
             <a:r>
-              <a:rPr lang="en-US" dirty="0" smtClean="0"/>
+              <a:rPr lang="en-US" dirty="0"/>
               <a:t>Can First Order Logic be considered a computational model?</a:t>
             </a:r>
           </a:p>
           <a:p>
             <a:r>
-              <a:rPr lang="en-US" dirty="0" smtClean="0"/>
+              <a:rPr lang="en-US" dirty="0"/>
               <a:t>Another way of asking the same question:</a:t>
             </a:r>
           </a:p>
           <a:p>
             <a:pPr lvl="1"/>
             <a:r>
-              <a:rPr lang="en-US" dirty="0" smtClean="0"/>
-              <a:t> </a:t>
-            </a:r>
-            <a:r>
               <a:rPr lang="en-US" dirty="0"/>
-              <a:t>I</a:t>
-            </a:r>
-            <a:r>
-              <a:rPr lang="en-US" dirty="0" smtClean="0"/>
-              <a:t>s First Order Logic </a:t>
-            </a:r>
-            <a:r>
-              <a:rPr lang="en-US" i="1" dirty="0" smtClean="0"/>
+              <a:t> Is First Order Logic </a:t>
+            </a:r>
+            <a:r>
+              <a:rPr lang="en-US" i="1" dirty="0"/>
               <a:t>Turing Complete?</a:t>
             </a:r>
             <a:endParaRPr lang="en-US" dirty="0"/>
@@ -25950,85 +25253,46 @@
             </a:r>
             <a:r>
               <a:rPr lang="en-US" dirty="0"/>
-              <a:t>A</a:t>
-            </a:r>
-            <a:r>
-              <a:rPr lang="en-US" dirty="0" smtClean="0"/>
-              <a:t> </a:t>
-            </a:r>
+              <a:t>A system of data-manipulation </a:t>
+            </a:r>
+          </a:p>
+          <a:p>
             <a:r>
               <a:rPr lang="en-US" dirty="0"/>
-              <a:t>system of data-manipulation </a:t>
-            </a:r>
-            <a:endParaRPr lang="en-US" dirty="0" smtClean="0"/>
-          </a:p>
-          <a:p>
-            <a:r>
-              <a:rPr lang="en-US" dirty="0" smtClean="0"/>
-              <a:t>rules is </a:t>
+              <a:t>rules is said to be </a:t>
+            </a:r>
+            <a:r>
+              <a:rPr lang="en-US" i="1" dirty="0"/>
+              <a:t>Turing complete</a:t>
             </a:r>
             <a:r>
               <a:rPr lang="en-US" dirty="0"/>
-              <a:t>said to be </a:t>
+              <a:t> if it can be used to </a:t>
+            </a:r>
+          </a:p>
+          <a:p>
+            <a:r>
+              <a:rPr lang="en-US" dirty="0"/>
+              <a:t>simulate any Turing machine (</a:t>
             </a:r>
             <a:r>
               <a:rPr lang="en-US" i="1" dirty="0"/>
-              <a:t>Turing </a:t>
-            </a:r>
-            <a:r>
-              <a:rPr lang="en-US" i="1" dirty="0" smtClean="0"/>
-              <a:t>complete</a:t>
-            </a:r>
-            <a:r>
-              <a:rPr lang="en-US" dirty="0" smtClean="0"/>
-              <a:t> if </a:t>
+              <a:t>i.e. </a:t>
             </a:r>
             <a:r>
               <a:rPr lang="en-US" dirty="0"/>
-              <a:t>it can be </a:t>
-            </a:r>
-            <a:r>
-              <a:rPr lang="en-US" dirty="0" smtClean="0"/>
-              <a:t>used </a:t>
-            </a:r>
+              <a:t>compute any algorithm).</a:t>
+            </a:r>
+          </a:p>
+          <a:p>
+            <a:endParaRPr lang="en-US" dirty="0"/>
+          </a:p>
+          <a:p>
+            <a:pPr algn="r"/>
             <a:r>
               <a:rPr lang="en-US" dirty="0"/>
-              <a:t>to </a:t>
-            </a:r>
-            <a:endParaRPr lang="en-US" dirty="0" smtClean="0"/>
-          </a:p>
-          <a:p>
-            <a:r>
-              <a:rPr lang="en-US" dirty="0" smtClean="0"/>
-              <a:t>simulate </a:t>
-            </a:r>
-            <a:r>
-              <a:rPr lang="en-US" dirty="0"/>
-              <a:t>any Turing </a:t>
-            </a:r>
-            <a:r>
-              <a:rPr lang="en-US" dirty="0" smtClean="0"/>
-              <a:t>machine (</a:t>
-            </a:r>
-            <a:r>
-              <a:rPr lang="en-US" i="1" dirty="0" smtClean="0"/>
-              <a:t>i.e. </a:t>
-            </a:r>
-            <a:r>
-              <a:rPr lang="en-US" dirty="0" smtClean="0"/>
-              <a:t>compute any algorithm).</a:t>
-            </a:r>
-          </a:p>
-          <a:p>
-            <a:endParaRPr lang="en-US" dirty="0" smtClean="0"/>
-          </a:p>
-          <a:p>
-            <a:pPr algn="r"/>
-            <a:r>
-              <a:rPr lang="en-US" dirty="0" smtClean="0"/>
               <a:t>-- Wikipedia</a:t>
             </a:r>
-            <a:endParaRPr lang="en-US" dirty="0"/>
           </a:p>
         </p:txBody>
       </p:sp>
@@ -26042,13 +25306,6 @@
   <p:clrMapOvr>
     <a:masterClrMapping/>
   </p:clrMapOvr>
-  <p:timing>
-    <p:tnLst>
-      <p:par>
-        <p:cTn id="1" dur="indefinite" restart="never" nodeType="tmRoot"/>
-      </p:par>
-    </p:tnLst>
-  </p:timing>
 </p:sld>
 </file>
 
@@ -26088,10 +25345,9 @@
               <a:defRPr/>
             </a:pPr>
             <a:r>
-              <a:rPr lang="en-US" dirty="0" smtClean="0"/>
+              <a:rPr lang="en-US" dirty="0"/>
               <a:t>Exercise</a:t>
             </a:r>
-            <a:endParaRPr lang="en-US" dirty="0" smtClean="0"/>
           </a:p>
         </p:txBody>
       </p:sp>
@@ -26116,10 +25372,9 @@
               <a:defRPr/>
             </a:pPr>
             <a:r>
-              <a:rPr lang="en-US" dirty="0" smtClean="0"/>
+              <a:rPr lang="en-US" dirty="0"/>
               <a:t>Write a predicate that compares two lists and returns true if the lists are the same and false otherwise.</a:t>
             </a:r>
-            <a:endParaRPr lang="en-US" dirty="0" smtClean="0"/>
           </a:p>
         </p:txBody>
       </p:sp>
@@ -26133,13 +25388,6 @@
   <p:clrMapOvr>
     <a:masterClrMapping/>
   </p:clrMapOvr>
-  <p:timing>
-    <p:tnLst>
-      <p:par>
-        <p:cTn id="1" dur="indefinite" restart="never" nodeType="tmRoot"/>
-      </p:par>
-    </p:tnLst>
-  </p:timing>
 </p:sld>
 </file>
 
@@ -26179,7 +25427,7 @@
               <a:defRPr/>
             </a:pPr>
             <a:r>
-              <a:rPr lang="en-US" altLang="en-US" smtClean="0"/>
+              <a:rPr lang="en-US" altLang="en-US"/>
               <a:t>Prolog – Arithmetic </a:t>
             </a:r>
           </a:p>
@@ -26212,7 +25460,7 @@
               <a:defRPr/>
             </a:pPr>
             <a:r>
-              <a:rPr lang="en-US" altLang="en-US" sz="2000" dirty="0" smtClean="0"/>
+              <a:rPr lang="en-US" altLang="en-US" sz="2000" dirty="0"/>
               <a:t>Prolog is a programming language, therefore, arithmetic is implemented as expected.</a:t>
             </a:r>
           </a:p>
@@ -26224,15 +25472,15 @@
               <a:defRPr/>
             </a:pPr>
             <a:r>
-              <a:rPr lang="en-US" altLang="en-US" sz="2000" dirty="0" smtClean="0"/>
+              <a:rPr lang="en-US" altLang="en-US" sz="2000" dirty="0"/>
               <a:t>The only difference to other programming languages is that assignment is done via the predicate </a:t>
             </a:r>
             <a:r>
-              <a:rPr lang="en-US" altLang="en-US" sz="2000" u="sng" dirty="0" smtClean="0"/>
+              <a:rPr lang="en-US" altLang="en-US" sz="2000" u="sng" dirty="0"/>
               <a:t>is</a:t>
             </a:r>
             <a:r>
-              <a:rPr lang="en-US" altLang="en-US" sz="2000" dirty="0" smtClean="0"/>
+              <a:rPr lang="en-US" altLang="en-US" sz="2000" dirty="0"/>
               <a:t> rather than the equal sign, since the equal sign has been used for the unification operator.</a:t>
             </a:r>
           </a:p>
@@ -26332,11 +25580,7 @@
             </a:pPr>
             <a:r>
               <a:rPr lang="en-US" altLang="en-US" sz="1800" dirty="0"/>
-              <a:t>X = </a:t>
-            </a:r>
-            <a:r>
-              <a:rPr lang="en-US" altLang="en-US" sz="1800" dirty="0" smtClean="0"/>
-              <a:t>15</a:t>
+              <a:t>X = 15</a:t>
             </a:r>
           </a:p>
           <a:p>
@@ -26506,13 +25750,6 @@
   <p:clrMapOvr>
     <a:masterClrMapping/>
   </p:clrMapOvr>
-  <p:timing>
-    <p:tnLst>
-      <p:par>
-        <p:cTn id="1" dur="indefinite" restart="never" nodeType="tmRoot"/>
-      </p:par>
-    </p:tnLst>
-  </p:timing>
 </p:sld>
 </file>
 
@@ -26552,7 +25789,7 @@
               <a:defRPr/>
             </a:pPr>
             <a:r>
-              <a:rPr lang="en-US" altLang="en-US" smtClean="0"/>
+              <a:rPr lang="en-US" altLang="en-US"/>
               <a:t>Prolog – Arithmetic </a:t>
             </a:r>
           </a:p>
@@ -26627,41 +25864,23 @@
               <a:rPr lang="en-US" altLang="en-US" dirty="0"/>
               <a:t>: write a predicate definition for length/2 that takes </a:t>
             </a:r>
-            <a:endParaRPr lang="en-US" altLang="en-US" dirty="0" smtClean="0"/>
           </a:p>
           <a:p>
             <a:pPr>
               <a:defRPr/>
             </a:pPr>
             <a:r>
-              <a:rPr lang="en-US" altLang="en-US" dirty="0" smtClean="0"/>
-              <a:t>a list in </a:t>
-            </a:r>
-            <a:r>
               <a:rPr lang="en-US" altLang="en-US" dirty="0"/>
-              <a:t>its first argument and returns the length of the list </a:t>
-            </a:r>
-            <a:endParaRPr lang="en-US" altLang="en-US" dirty="0" smtClean="0"/>
+              <a:t>a list in its first argument and returns the length of the list </a:t>
+            </a:r>
           </a:p>
           <a:p>
             <a:pPr>
               <a:defRPr/>
             </a:pPr>
             <a:r>
-              <a:rPr lang="en-US" altLang="en-US" dirty="0" smtClean="0"/>
-              <a:t>in </a:t>
-            </a:r>
-            <a:r>
               <a:rPr lang="en-US" altLang="en-US" dirty="0"/>
-              <a:t>its </a:t>
-            </a:r>
-            <a:r>
-              <a:rPr lang="en-US" altLang="en-US" dirty="0" smtClean="0"/>
-              <a:t>second argument</a:t>
-            </a:r>
-            <a:r>
-              <a:rPr lang="en-US" altLang="en-US" dirty="0"/>
-              <a:t>.</a:t>
+              <a:t>in its second argument.</a:t>
             </a:r>
           </a:p>
         </p:txBody>
@@ -26899,241 +26118,6 @@
       </p:grpSpPr>
       <p:sp>
         <p:nvSpPr>
-          <p:cNvPr id="8194" name="Rectangle 2"/>
-          <p:cNvSpPr>
-            <a:spLocks noGrp="1" noChangeArrowheads="1"/>
-          </p:cNvSpPr>
-          <p:nvPr>
-            <p:ph type="title"/>
-          </p:nvPr>
-        </p:nvSpPr>
-        <p:spPr/>
-        <p:txBody>
-          <a:bodyPr/>
-          <a:lstStyle/>
-          <a:p>
-            <a:pPr eaLnBrk="1" hangingPunct="1">
-              <a:defRPr/>
-            </a:pPr>
-            <a:r>
-              <a:rPr lang="en-US" altLang="en-US" smtClean="0"/>
-              <a:t>Prolog – Arithmetic </a:t>
-            </a:r>
-          </a:p>
-        </p:txBody>
-      </p:sp>
-      <p:sp>
-        <p:nvSpPr>
-          <p:cNvPr id="8195" name="Text Box 3"/>
-          <p:cNvSpPr txBox="1">
-            <a:spLocks noChangeArrowheads="1"/>
-          </p:cNvSpPr>
-          <p:nvPr/>
-        </p:nvSpPr>
-        <p:spPr bwMode="auto">
-          <a:xfrm>
-            <a:off x="1279525" y="2322513"/>
-            <a:ext cx="6811480" cy="800219"/>
-          </a:xfrm>
-          <a:prstGeom prst="rect">
-            <a:avLst/>
-          </a:prstGeom>
-          <a:noFill/>
-          <a:ln>
-            <a:noFill/>
-          </a:ln>
-          <a:effectLst/>
-          <a:extLst>
-            <a:ext uri="{909E8E84-426E-40DD-AFC4-6F175D3DCCD1}">
-              <a14:hiddenFill xmlns:a14="http://schemas.microsoft.com/office/drawing/2010/main">
-                <a:solidFill>
-                  <a:schemeClr val="accent1"/>
-                </a:solidFill>
-              </a14:hiddenFill>
-            </a:ext>
-            <a:ext uri="{91240B29-F687-4F45-9708-019B960494DF}">
-              <a14:hiddenLine xmlns:a14="http://schemas.microsoft.com/office/drawing/2010/main" w="9525">
-                <a:solidFill>
-                  <a:schemeClr val="tx1"/>
-                </a:solidFill>
-                <a:miter lim="800000"/>
-                <a:headEnd/>
-                <a:tailEnd/>
-              </a14:hiddenLine>
-            </a:ext>
-            <a:ext uri="{AF507438-7753-43E0-B8FC-AC1667EBCBE1}">
-              <a14:hiddenEffects xmlns:a14="http://schemas.microsoft.com/office/drawing/2010/main">
-                <a:effectLst>
-                  <a:outerShdw blurRad="63500" dist="38099" dir="2700000" algn="ctr" rotWithShape="0">
-                    <a:schemeClr val="bg2">
-                      <a:alpha val="74998"/>
-                    </a:schemeClr>
-                  </a:outerShdw>
-                </a:effectLst>
-              </a14:hiddenEffects>
-            </a:ext>
-          </a:extLst>
-        </p:spPr>
-        <p:txBody>
-          <a:bodyPr wrap="none">
-            <a:spAutoFit/>
-          </a:bodyPr>
-          <a:lstStyle/>
-          <a:p>
-            <a:pPr>
-              <a:defRPr/>
-            </a:pPr>
-            <a:r>
-              <a:rPr lang="en-US" altLang="en-US" u="sng" dirty="0"/>
-              <a:t>Example</a:t>
-            </a:r>
-            <a:r>
-              <a:rPr lang="en-US" altLang="en-US" dirty="0"/>
-              <a:t>: we can also use arithmetic in compound </a:t>
-            </a:r>
-            <a:endParaRPr lang="en-US" altLang="en-US" dirty="0" smtClean="0"/>
-          </a:p>
-          <a:p>
-            <a:pPr>
-              <a:defRPr/>
-            </a:pPr>
-            <a:r>
-              <a:rPr lang="en-US" altLang="en-US" dirty="0" smtClean="0"/>
-              <a:t>statements</a:t>
-            </a:r>
-            <a:r>
-              <a:rPr lang="en-US" altLang="en-US" dirty="0"/>
-              <a:t>.</a:t>
-            </a:r>
-            <a:endParaRPr lang="en-US" altLang="en-US" u="sng" dirty="0"/>
-          </a:p>
-        </p:txBody>
-      </p:sp>
-      <p:sp>
-        <p:nvSpPr>
-          <p:cNvPr id="8196" name="Text Box 4"/>
-          <p:cNvSpPr txBox="1">
-            <a:spLocks noChangeArrowheads="1"/>
-          </p:cNvSpPr>
-          <p:nvPr/>
-        </p:nvSpPr>
-        <p:spPr bwMode="auto">
-          <a:xfrm>
-            <a:off x="1355725" y="3236913"/>
-            <a:ext cx="2152650" cy="915987"/>
-          </a:xfrm>
-          <a:prstGeom prst="rect">
-            <a:avLst/>
-          </a:prstGeom>
-          <a:noFill/>
-          <a:ln>
-            <a:noFill/>
-          </a:ln>
-          <a:effectLst/>
-          <a:extLst>
-            <a:ext uri="{909E8E84-426E-40DD-AFC4-6F175D3DCCD1}">
-              <a14:hiddenFill xmlns:a14="http://schemas.microsoft.com/office/drawing/2010/main">
-                <a:solidFill>
-                  <a:schemeClr val="accent1"/>
-                </a:solidFill>
-              </a14:hiddenFill>
-            </a:ext>
-            <a:ext uri="{91240B29-F687-4F45-9708-019B960494DF}">
-              <a14:hiddenLine xmlns:a14="http://schemas.microsoft.com/office/drawing/2010/main" w="9525">
-                <a:solidFill>
-                  <a:schemeClr val="tx1"/>
-                </a:solidFill>
-                <a:miter lim="800000"/>
-                <a:headEnd/>
-                <a:tailEnd/>
-              </a14:hiddenLine>
-            </a:ext>
-            <a:ext uri="{AF507438-7753-43E0-B8FC-AC1667EBCBE1}">
-              <a14:hiddenEffects xmlns:a14="http://schemas.microsoft.com/office/drawing/2010/main">
-                <a:effectLst>
-                  <a:outerShdw blurRad="63500" dist="38099" dir="2700000" algn="ctr" rotWithShape="0">
-                    <a:schemeClr val="bg2">
-                      <a:alpha val="74998"/>
-                    </a:schemeClr>
-                  </a:outerShdw>
-                </a:effectLst>
-              </a14:hiddenEffects>
-            </a:ext>
-          </a:extLst>
-        </p:spPr>
-        <p:txBody>
-          <a:bodyPr wrap="none">
-            <a:spAutoFit/>
-          </a:bodyPr>
-          <a:lstStyle/>
-          <a:p>
-            <a:pPr>
-              <a:defRPr/>
-            </a:pPr>
-            <a:r>
-              <a:rPr lang="en-US" altLang="en-US"/>
-              <a:t>?- X is 5, Y is 2 * X.</a:t>
-            </a:r>
-          </a:p>
-          <a:p>
-            <a:pPr>
-              <a:defRPr/>
-            </a:pPr>
-            <a:r>
-              <a:rPr lang="en-US" altLang="en-US"/>
-              <a:t>X = 5</a:t>
-            </a:r>
-          </a:p>
-          <a:p>
-            <a:pPr>
-              <a:defRPr/>
-            </a:pPr>
-            <a:r>
-              <a:rPr lang="en-US" altLang="en-US"/>
-              <a:t>Y = 10</a:t>
-            </a:r>
-          </a:p>
-        </p:txBody>
-      </p:sp>
-    </p:spTree>
-    <p:extLst>
-      <p:ext uri="{BB962C8B-B14F-4D97-AF65-F5344CB8AC3E}">
-        <p14:creationId xmlns:p14="http://schemas.microsoft.com/office/powerpoint/2010/main" val="1545379896"/>
-      </p:ext>
-    </p:extLst>
-  </p:cSld>
-  <p:clrMapOvr>
-    <a:masterClrMapping/>
-  </p:clrMapOvr>
-  <p:timing>
-    <p:tnLst>
-      <p:par>
-        <p:cTn id="1" dur="indefinite" restart="never" nodeType="tmRoot"/>
-      </p:par>
-    </p:tnLst>
-  </p:timing>
-</p:sld>
-</file>
-
-<file path=ppt/slides/slide34.xml><?xml version="1.0" encoding="utf-8"?>
-<p:sld xmlns:a="http://schemas.openxmlformats.org/drawingml/2006/main" xmlns:r="http://schemas.openxmlformats.org/officeDocument/2006/relationships" xmlns:p="http://schemas.openxmlformats.org/presentationml/2006/main">
-  <p:cSld>
-    <p:spTree>
-      <p:nvGrpSpPr>
-        <p:cNvPr id="1" name=""/>
-        <p:cNvGrpSpPr/>
-        <p:nvPr/>
-      </p:nvGrpSpPr>
-      <p:grpSpPr>
-        <a:xfrm>
-          <a:off x="0" y="0"/>
-          <a:ext cx="0" cy="0"/>
-          <a:chOff x="0" y="0"/>
-          <a:chExt cx="0" cy="0"/>
-        </a:xfrm>
-      </p:grpSpPr>
-      <p:sp>
-        <p:nvSpPr>
           <p:cNvPr id="10242" name="Rectangle 2"/>
           <p:cNvSpPr>
             <a:spLocks noGrp="1" noChangeArrowheads="1"/>
@@ -27151,7 +26135,7 @@
               <a:defRPr/>
             </a:pPr>
             <a:r>
-              <a:rPr lang="en-US" altLang="en-US" smtClean="0"/>
+              <a:rPr lang="en-US" altLang="en-US"/>
               <a:t>Prolog – I/O </a:t>
             </a:r>
           </a:p>
@@ -27184,7 +26168,7 @@
               <a:defRPr/>
             </a:pPr>
             <a:r>
-              <a:rPr lang="en-US" altLang="en-US" sz="2400" smtClean="0"/>
+              <a:rPr lang="en-US" altLang="en-US" sz="2400"/>
               <a:t>write(term)</a:t>
             </a:r>
           </a:p>
@@ -27196,7 +26180,7 @@
               <a:defRPr/>
             </a:pPr>
             <a:r>
-              <a:rPr lang="en-US" altLang="en-US" sz="2000" smtClean="0"/>
+              <a:rPr lang="en-US" altLang="en-US" sz="2000"/>
               <a:t>is true if term is a Prolog term, writes term to the terminal.</a:t>
             </a:r>
           </a:p>
@@ -27208,7 +26192,7 @@
               <a:defRPr/>
             </a:pPr>
             <a:r>
-              <a:rPr lang="en-US" altLang="en-US" sz="2400" smtClean="0"/>
+              <a:rPr lang="en-US" altLang="en-US" sz="2400"/>
               <a:t>read(X)</a:t>
             </a:r>
           </a:p>
@@ -27220,7 +26204,7 @@
               <a:defRPr/>
             </a:pPr>
             <a:r>
-              <a:rPr lang="en-US" altLang="en-US" sz="2000" smtClean="0"/>
+              <a:rPr lang="en-US" altLang="en-US" sz="2000"/>
               <a:t>is true if the user types a term followed by a period, X becomes unified to the term.</a:t>
             </a:r>
           </a:p>
@@ -27232,7 +26216,7 @@
               <a:defRPr/>
             </a:pPr>
             <a:r>
-              <a:rPr lang="en-US" altLang="en-US" sz="2400" smtClean="0"/>
+              <a:rPr lang="en-US" altLang="en-US" sz="2400"/>
               <a:t>nl</a:t>
             </a:r>
           </a:p>
@@ -27244,7 +26228,7 @@
               <a:defRPr/>
             </a:pPr>
             <a:r>
-              <a:rPr lang="en-US" altLang="en-US" sz="2000" smtClean="0"/>
+              <a:rPr lang="en-US" altLang="en-US" sz="2000"/>
               <a:t>is always true and writes a newline character on the terminal.</a:t>
             </a:r>
           </a:p>
@@ -27309,22 +26293,10 @@
               <a:defRPr/>
             </a:pPr>
             <a:r>
-              <a:rPr lang="en-US" altLang="en-US" dirty="0" smtClean="0">
-                <a:sym typeface="Wingdings" charset="2"/>
-              </a:rPr>
-              <a:t>Extra-logical </a:t>
-            </a:r>
-            <a:r>
               <a:rPr lang="en-US" altLang="en-US" dirty="0">
                 <a:sym typeface="Wingdings" charset="2"/>
               </a:rPr>
-              <a:t>predicates due to the side-effect of </a:t>
-            </a:r>
-            <a:r>
-              <a:rPr lang="en-US" altLang="en-US" dirty="0">
-                <a:sym typeface="Wingdings" charset="2"/>
-              </a:rPr>
-              <a:t/>
+              <a:t>Extra-logical predicates due to the side-effect of </a:t>
             </a:r>
             <a:br>
               <a:rPr lang="en-US" altLang="en-US" dirty="0">
@@ -27332,16 +26304,10 @@
               </a:rPr>
             </a:br>
             <a:r>
-              <a:rPr lang="en-US" altLang="en-US" dirty="0" smtClean="0">
-                <a:sym typeface="Wingdings" charset="2"/>
-              </a:rPr>
-              <a:t>writing/reading to/from </a:t>
-            </a:r>
-            <a:r>
               <a:rPr lang="en-US" altLang="en-US" dirty="0">
                 <a:sym typeface="Wingdings" charset="2"/>
               </a:rPr>
-              <a:t>the terminal.</a:t>
+              <a:t>writing/reading to/from the terminal.</a:t>
             </a:r>
           </a:p>
         </p:txBody>
@@ -27356,17 +26322,10 @@
   <p:clrMapOvr>
     <a:masterClrMapping/>
   </p:clrMapOvr>
-  <p:timing>
-    <p:tnLst>
-      <p:par>
-        <p:cTn id="1" dur="indefinite" restart="never" nodeType="tmRoot"/>
-      </p:par>
-    </p:tnLst>
-  </p:timing>
 </p:sld>
 </file>
 
-<file path=ppt/slides/slide35.xml><?xml version="1.0" encoding="utf-8"?>
+<file path=ppt/slides/slide34.xml><?xml version="1.0" encoding="utf-8"?>
 <p:sld xmlns:a="http://schemas.openxmlformats.org/drawingml/2006/main" xmlns:r="http://schemas.openxmlformats.org/officeDocument/2006/relationships" xmlns:p="http://schemas.openxmlformats.org/presentationml/2006/main">
   <p:cSld>
     <p:spTree>
@@ -27402,7 +26361,7 @@
               <a:defRPr/>
             </a:pPr>
             <a:r>
-              <a:rPr lang="en-US" altLang="en-US" smtClean="0"/>
+              <a:rPr lang="en-US" altLang="en-US"/>
               <a:t>Prolog – I/O </a:t>
             </a:r>
           </a:p>
@@ -27727,398 +26686,10 @@
   <p:clrMapOvr>
     <a:masterClrMapping/>
   </p:clrMapOvr>
-  <p:timing>
-    <p:tnLst>
-      <p:par>
-        <p:cTn id="1" dur="indefinite" restart="never" nodeType="tmRoot"/>
-      </p:par>
-    </p:tnLst>
-  </p:timing>
 </p:sld>
 </file>
 
-<file path=ppt/slides/slide36.xml><?xml version="1.0" encoding="utf-8"?>
-<p:sld xmlns:a="http://schemas.openxmlformats.org/drawingml/2006/main" xmlns:r="http://schemas.openxmlformats.org/officeDocument/2006/relationships" xmlns:p="http://schemas.openxmlformats.org/presentationml/2006/main">
-  <p:cSld>
-    <p:spTree>
-      <p:nvGrpSpPr>
-        <p:cNvPr id="1" name=""/>
-        <p:cNvGrpSpPr/>
-        <p:nvPr/>
-      </p:nvGrpSpPr>
-      <p:grpSpPr>
-        <a:xfrm>
-          <a:off x="0" y="0"/>
-          <a:ext cx="0" cy="0"/>
-          <a:chOff x="0" y="0"/>
-          <a:chExt cx="0" cy="0"/>
-        </a:xfrm>
-      </p:grpSpPr>
-      <p:sp>
-        <p:nvSpPr>
-          <p:cNvPr id="14338" name="Rectangle 2"/>
-          <p:cNvSpPr>
-            <a:spLocks noGrp="1" noChangeArrowheads="1"/>
-          </p:cNvSpPr>
-          <p:nvPr>
-            <p:ph type="title"/>
-          </p:nvPr>
-        </p:nvSpPr>
-        <p:spPr/>
-        <p:txBody>
-          <a:bodyPr/>
-          <a:lstStyle/>
-          <a:p>
-            <a:pPr eaLnBrk="1" hangingPunct="1">
-              <a:defRPr/>
-            </a:pPr>
-            <a:r>
-              <a:rPr lang="en-US" altLang="en-US" smtClean="0"/>
-              <a:t>Prolog – I/O </a:t>
-            </a:r>
-          </a:p>
-        </p:txBody>
-      </p:sp>
-      <p:sp>
-        <p:nvSpPr>
-          <p:cNvPr id="14339" name="Text Box 3"/>
-          <p:cNvSpPr txBox="1">
-            <a:spLocks noChangeArrowheads="1"/>
-          </p:cNvSpPr>
-          <p:nvPr/>
-        </p:nvSpPr>
-        <p:spPr bwMode="auto">
-          <a:xfrm>
-            <a:off x="1203325" y="2170113"/>
-            <a:ext cx="7513595" cy="1154162"/>
-          </a:xfrm>
-          <a:prstGeom prst="rect">
-            <a:avLst/>
-          </a:prstGeom>
-          <a:noFill/>
-          <a:ln>
-            <a:noFill/>
-          </a:ln>
-          <a:effectLst/>
-          <a:extLst>
-            <a:ext uri="{909E8E84-426E-40DD-AFC4-6F175D3DCCD1}">
-              <a14:hiddenFill xmlns:a14="http://schemas.microsoft.com/office/drawing/2010/main">
-                <a:solidFill>
-                  <a:schemeClr val="accent1"/>
-                </a:solidFill>
-              </a14:hiddenFill>
-            </a:ext>
-            <a:ext uri="{91240B29-F687-4F45-9708-019B960494DF}">
-              <a14:hiddenLine xmlns:a14="http://schemas.microsoft.com/office/drawing/2010/main" w="9525">
-                <a:solidFill>
-                  <a:schemeClr val="tx1"/>
-                </a:solidFill>
-                <a:miter lim="800000"/>
-                <a:headEnd/>
-                <a:tailEnd/>
-              </a14:hiddenLine>
-            </a:ext>
-            <a:ext uri="{AF507438-7753-43E0-B8FC-AC1667EBCBE1}">
-              <a14:hiddenEffects xmlns:a14="http://schemas.microsoft.com/office/drawing/2010/main">
-                <a:effectLst>
-                  <a:outerShdw blurRad="63500" dist="38099" dir="2700000" algn="ctr" rotWithShape="0">
-                    <a:schemeClr val="bg2">
-                      <a:alpha val="74998"/>
-                    </a:schemeClr>
-                  </a:outerShdw>
-                </a:effectLst>
-              </a14:hiddenEffects>
-            </a:ext>
-          </a:extLst>
-        </p:spPr>
-        <p:txBody>
-          <a:bodyPr wrap="none">
-            <a:spAutoFit/>
-          </a:bodyPr>
-          <a:lstStyle/>
-          <a:p>
-            <a:pPr>
-              <a:defRPr/>
-            </a:pPr>
-            <a:r>
-              <a:rPr lang="en-US" altLang="en-US" u="sng" dirty="0"/>
-              <a:t>Example:</a:t>
-            </a:r>
-            <a:r>
-              <a:rPr lang="en-US" altLang="en-US" dirty="0"/>
-              <a:t> write a predicate definition for </a:t>
-            </a:r>
-            <a:r>
-              <a:rPr lang="en-US" altLang="en-US" dirty="0" err="1"/>
-              <a:t>fadd</a:t>
-            </a:r>
-            <a:r>
-              <a:rPr lang="en-US" altLang="en-US" dirty="0"/>
-              <a:t>/1 that </a:t>
-            </a:r>
-            <a:endParaRPr lang="en-US" altLang="en-US" dirty="0" smtClean="0"/>
-          </a:p>
-          <a:p>
-            <a:pPr>
-              <a:defRPr/>
-            </a:pPr>
-            <a:r>
-              <a:rPr lang="en-US" altLang="en-US" dirty="0" smtClean="0"/>
-              <a:t>takes </a:t>
-            </a:r>
-            <a:r>
-              <a:rPr lang="en-US" altLang="en-US" dirty="0"/>
-              <a:t>a list of </a:t>
-            </a:r>
-            <a:r>
-              <a:rPr lang="en-US" altLang="en-US" dirty="0" smtClean="0"/>
-              <a:t>integers</a:t>
-            </a:r>
-            <a:r>
-              <a:rPr lang="en-US" altLang="en-US" dirty="0"/>
-              <a:t>, adds 1 to each integer in the list, </a:t>
-            </a:r>
-            <a:endParaRPr lang="en-US" altLang="en-US" dirty="0" smtClean="0"/>
-          </a:p>
-          <a:p>
-            <a:pPr>
-              <a:defRPr/>
-            </a:pPr>
-            <a:r>
-              <a:rPr lang="en-US" altLang="en-US" dirty="0" smtClean="0"/>
-              <a:t>and </a:t>
-            </a:r>
-            <a:r>
-              <a:rPr lang="en-US" altLang="en-US" dirty="0"/>
-              <a:t>prints each integer </a:t>
-            </a:r>
-            <a:r>
-              <a:rPr lang="en-US" altLang="en-US" dirty="0" smtClean="0"/>
-              <a:t> onto </a:t>
-            </a:r>
-            <a:r>
-              <a:rPr lang="en-US" altLang="en-US" dirty="0"/>
-              <a:t>the terminal screen.</a:t>
-            </a:r>
-            <a:endParaRPr lang="en-US" altLang="en-US" u="sng" dirty="0"/>
-          </a:p>
-        </p:txBody>
-      </p:sp>
-      <p:sp>
-        <p:nvSpPr>
-          <p:cNvPr id="14340" name="Text Box 4"/>
-          <p:cNvSpPr txBox="1">
-            <a:spLocks noChangeArrowheads="1"/>
-          </p:cNvSpPr>
-          <p:nvPr/>
-        </p:nvSpPr>
-        <p:spPr bwMode="auto">
-          <a:xfrm>
-            <a:off x="1279525" y="3617913"/>
-            <a:ext cx="4759325" cy="641350"/>
-          </a:xfrm>
-          <a:prstGeom prst="rect">
-            <a:avLst/>
-          </a:prstGeom>
-          <a:noFill/>
-          <a:ln>
-            <a:noFill/>
-          </a:ln>
-          <a:effectLst/>
-          <a:extLst>
-            <a:ext uri="{909E8E84-426E-40DD-AFC4-6F175D3DCCD1}">
-              <a14:hiddenFill xmlns:a14="http://schemas.microsoft.com/office/drawing/2010/main">
-                <a:solidFill>
-                  <a:schemeClr val="accent1"/>
-                </a:solidFill>
-              </a14:hiddenFill>
-            </a:ext>
-            <a:ext uri="{91240B29-F687-4F45-9708-019B960494DF}">
-              <a14:hiddenLine xmlns:a14="http://schemas.microsoft.com/office/drawing/2010/main" w="9525">
-                <a:solidFill>
-                  <a:schemeClr val="tx1"/>
-                </a:solidFill>
-                <a:miter lim="800000"/>
-                <a:headEnd/>
-                <a:tailEnd/>
-              </a14:hiddenLine>
-            </a:ext>
-            <a:ext uri="{AF507438-7753-43E0-B8FC-AC1667EBCBE1}">
-              <a14:hiddenEffects xmlns:a14="http://schemas.microsoft.com/office/drawing/2010/main">
-                <a:effectLst>
-                  <a:outerShdw blurRad="63500" dist="38099" dir="2700000" algn="ctr" rotWithShape="0">
-                    <a:schemeClr val="bg2">
-                      <a:alpha val="74998"/>
-                    </a:schemeClr>
-                  </a:outerShdw>
-                </a:effectLst>
-              </a14:hiddenEffects>
-            </a:ext>
-          </a:extLst>
-        </p:spPr>
-        <p:txBody>
-          <a:bodyPr wrap="none">
-            <a:spAutoFit/>
-          </a:bodyPr>
-          <a:lstStyle/>
-          <a:p>
-            <a:pPr>
-              <a:defRPr/>
-            </a:pPr>
-            <a:r>
-              <a:rPr lang="en-US" altLang="en-US"/>
-              <a:t>fadd([ ]).</a:t>
-            </a:r>
-          </a:p>
-          <a:p>
-            <a:pPr>
-              <a:defRPr/>
-            </a:pPr>
-            <a:r>
-              <a:rPr lang="en-US" altLang="en-US"/>
-              <a:t>fadd([ H | T ]) :- I is H + 1, write(I), nl, fadd(T).</a:t>
-            </a:r>
-          </a:p>
-        </p:txBody>
-      </p:sp>
-    </p:spTree>
-    <p:extLst>
-      <p:ext uri="{BB962C8B-B14F-4D97-AF65-F5344CB8AC3E}">
-        <p14:creationId xmlns:p14="http://schemas.microsoft.com/office/powerpoint/2010/main" val="1279790484"/>
-      </p:ext>
-    </p:extLst>
-  </p:cSld>
-  <p:clrMapOvr>
-    <a:masterClrMapping/>
-  </p:clrMapOvr>
-  <p:timing>
-    <p:tnLst>
-      <p:par>
-        <p:cTn id="1" dur="indefinite" restart="never" nodeType="tmRoot">
-          <p:childTnLst>
-            <p:seq concurrent="1" nextAc="seek">
-              <p:cTn id="2" dur="indefinite" nodeType="mainSeq">
-                <p:childTnLst>
-                  <p:par>
-                    <p:cTn id="3" fill="hold" nodeType="clickPar">
-                      <p:stCondLst>
-                        <p:cond delay="indefinite"/>
-                      </p:stCondLst>
-                      <p:childTnLst>
-                        <p:par>
-                          <p:cTn id="4" fill="hold" nodeType="withGroup">
-                            <p:stCondLst>
-                              <p:cond delay="0"/>
-                            </p:stCondLst>
-                            <p:childTnLst>
-                              <p:par>
-                                <p:cTn id="5" presetID="2" presetClass="entr" presetSubtype="4" fill="hold" grpId="0" nodeType="clickEffect">
-                                  <p:stCondLst>
-                                    <p:cond delay="0"/>
-                                  </p:stCondLst>
-                                  <p:childTnLst>
-                                    <p:set>
-                                      <p:cBhvr>
-                                        <p:cTn id="6" dur="1" fill="hold">
-                                          <p:stCondLst>
-                                            <p:cond delay="0"/>
-                                          </p:stCondLst>
-                                        </p:cTn>
-                                        <p:tgtEl>
-                                          <p:spTgt spid="14340"/>
-                                        </p:tgtEl>
-                                        <p:attrNameLst>
-                                          <p:attrName>style.visibility</p:attrName>
-                                        </p:attrNameLst>
-                                      </p:cBhvr>
-                                      <p:to>
-                                        <p:strVal val="visible"/>
-                                      </p:to>
-                                    </p:set>
-                                    <p:anim calcmode="lin" valueType="num">
-                                      <p:cBhvr additive="base">
-                                        <p:cTn id="7" dur="500" fill="hold"/>
-                                        <p:tgtEl>
-                                          <p:spTgt spid="14340"/>
-                                        </p:tgtEl>
-                                        <p:attrNameLst>
-                                          <p:attrName>ppt_x</p:attrName>
-                                        </p:attrNameLst>
-                                      </p:cBhvr>
-                                      <p:tavLst>
-                                        <p:tav tm="0">
-                                          <p:val>
-                                            <p:strVal val="#ppt_x"/>
-                                          </p:val>
-                                        </p:tav>
-                                        <p:tav tm="100000">
-                                          <p:val>
-                                            <p:strVal val="#ppt_x"/>
-                                          </p:val>
-                                        </p:tav>
-                                      </p:tavLst>
-                                    </p:anim>
-                                    <p:anim calcmode="lin" valueType="num">
-                                      <p:cBhvr additive="base">
-                                        <p:cTn id="8" dur="500" fill="hold"/>
-                                        <p:tgtEl>
-                                          <p:spTgt spid="14340"/>
-                                        </p:tgtEl>
-                                        <p:attrNameLst>
-                                          <p:attrName>ppt_y</p:attrName>
-                                        </p:attrNameLst>
-                                      </p:cBhvr>
-                                      <p:tavLst>
-                                        <p:tav tm="0">
-                                          <p:val>
-                                            <p:strVal val="1+#ppt_h/2"/>
-                                          </p:val>
-                                        </p:tav>
-                                        <p:tav tm="100000">
-                                          <p:val>
-                                            <p:strVal val="#ppt_y"/>
-                                          </p:val>
-                                        </p:tav>
-                                      </p:tavLst>
-                                    </p:anim>
-                                  </p:childTnLst>
-                                </p:cTn>
-                              </p:par>
-                            </p:childTnLst>
-                          </p:cTn>
-                        </p:par>
-                      </p:childTnLst>
-                    </p:cTn>
-                  </p:par>
-                </p:childTnLst>
-              </p:cTn>
-              <p:prevCondLst>
-                <p:cond evt="onPrev" delay="0">
-                  <p:tgtEl>
-                    <p:sldTgt/>
-                  </p:tgtEl>
-                </p:cond>
-              </p:prevCondLst>
-              <p:nextCondLst>
-                <p:cond evt="onNext" delay="0">
-                  <p:tgtEl>
-                    <p:sldTgt/>
-                  </p:tgtEl>
-                </p:cond>
-              </p:nextCondLst>
-            </p:seq>
-          </p:childTnLst>
-        </p:cTn>
-      </p:par>
-    </p:tnLst>
-    <p:bldLst>
-      <p:bldP spid="14340" grpId="0"/>
-    </p:bldLst>
-  </p:timing>
-</p:sld>
-</file>
-
-<file path=ppt/slides/slide37.xml><?xml version="1.0" encoding="utf-8"?>
+<file path=ppt/slides/slide35.xml><?xml version="1.0" encoding="utf-8"?>
 <p:sld xmlns:a="http://schemas.openxmlformats.org/drawingml/2006/main" xmlns:r="http://schemas.openxmlformats.org/officeDocument/2006/relationships" xmlns:p="http://schemas.openxmlformats.org/presentationml/2006/main">
   <p:cSld>
     <p:spTree>
@@ -28154,7 +26725,7 @@
               <a:defRPr/>
             </a:pPr>
             <a:r>
-              <a:rPr lang="en-US" altLang="en-US" smtClean="0"/>
+              <a:rPr lang="en-US" altLang="en-US"/>
               <a:t>Exercises</a:t>
             </a:r>
           </a:p>
@@ -28404,17 +26975,10 @@
     <a:masterClrMapping/>
   </p:clrMapOvr>
   <p:transition spd="slow"/>
-  <p:timing>
-    <p:tnLst>
-      <p:par>
-        <p:cTn id="1" dur="indefinite" restart="never" nodeType="tmRoot"/>
-      </p:par>
-    </p:tnLst>
-  </p:timing>
 </p:sld>
 </file>
 
-<file path=ppt/slides/slide38.xml><?xml version="1.0" encoding="utf-8"?>
+<file path=ppt/slides/slide36.xml><?xml version="1.0" encoding="utf-8"?>
 <p:sld xmlns:a="http://schemas.openxmlformats.org/drawingml/2006/main" xmlns:r="http://schemas.openxmlformats.org/officeDocument/2006/relationships" xmlns:p="http://schemas.openxmlformats.org/presentationml/2006/main">
   <p:cSld>
     <p:spTree>
@@ -28450,7 +27014,7 @@
               <a:defRPr/>
             </a:pPr>
             <a:r>
-              <a:rPr lang="en-US" smtClean="0">
+              <a:rPr lang="en-US">
                 <a:cs typeface="+mj-cs"/>
               </a:rPr>
               <a:t>A Translation Program</a:t>
@@ -28941,7 +27505,7 @@
               <a:buNone/>
             </a:pPr>
             <a:r>
-              <a:rPr lang="en-US" altLang="en-US" sz="1400">
+              <a:rPr lang="en-US" altLang="en-US" sz="1400" dirty="0">
                 <a:latin typeface="Courier New" charset="0"/>
               </a:rPr>
               <a:t>% the dictionary</a:t>
@@ -28958,10 +27522,22 @@
               <a:buNone/>
             </a:pPr>
             <a:r>
-              <a:rPr lang="en-US" altLang="en-US" sz="1400">
+              <a:rPr lang="en-US" altLang="en-US" sz="1400" dirty="0">
                 <a:latin typeface="Courier New" charset="0"/>
               </a:rPr>
-              <a:t>lookup(logic,logik).</a:t>
+              <a:t>lookup(</a:t>
+            </a:r>
+            <a:r>
+              <a:rPr lang="en-US" altLang="en-US" sz="1400" dirty="0" err="1">
+                <a:latin typeface="Courier New" charset="0"/>
+              </a:rPr>
+              <a:t>logic,logik</a:t>
+            </a:r>
+            <a:r>
+              <a:rPr lang="en-US" altLang="en-US" sz="1400" dirty="0">
+                <a:latin typeface="Courier New" charset="0"/>
+              </a:rPr>
+              <a:t>).</a:t>
             </a:r>
           </a:p>
           <a:p>
@@ -28975,10 +27551,22 @@
               <a:buNone/>
             </a:pPr>
             <a:r>
-              <a:rPr lang="en-US" altLang="en-US" sz="1400">
+              <a:rPr lang="en-US" altLang="en-US" sz="1400" dirty="0">
                 <a:latin typeface="Courier New" charset="0"/>
               </a:rPr>
-              <a:t>lookup(is,macht).</a:t>
+              <a:t>lookup(</a:t>
+            </a:r>
+            <a:r>
+              <a:rPr lang="en-US" altLang="en-US" sz="1400" dirty="0" err="1">
+                <a:latin typeface="Courier New" charset="0"/>
+              </a:rPr>
+              <a:t>is,macht</a:t>
+            </a:r>
+            <a:r>
+              <a:rPr lang="en-US" altLang="en-US" sz="1400" dirty="0">
+                <a:latin typeface="Courier New" charset="0"/>
+              </a:rPr>
+              <a:t>).</a:t>
             </a:r>
           </a:p>
           <a:p>
@@ -28992,10 +27580,22 @@
               <a:buNone/>
             </a:pPr>
             <a:r>
-              <a:rPr lang="en-US" altLang="en-US" sz="1400">
+              <a:rPr lang="en-US" altLang="en-US" sz="1400" dirty="0">
                 <a:latin typeface="Courier New" charset="0"/>
               </a:rPr>
-              <a:t>lookup(fun,spass).</a:t>
+              <a:t>lookup(</a:t>
+            </a:r>
+            <a:r>
+              <a:rPr lang="en-US" altLang="en-US" sz="1400" dirty="0" err="1">
+                <a:latin typeface="Courier New" charset="0"/>
+              </a:rPr>
+              <a:t>fun,spass</a:t>
+            </a:r>
+            <a:r>
+              <a:rPr lang="en-US" altLang="en-US" sz="1400" dirty="0">
+                <a:latin typeface="Courier New" charset="0"/>
+              </a:rPr>
+              <a:t>).</a:t>
             </a:r>
           </a:p>
         </p:txBody>
@@ -29268,17 +27868,8 @@
               <a:rPr lang="en-US" altLang="en-US" sz="1400" dirty="0">
                 <a:latin typeface="Courier New" charset="0"/>
               </a:rPr>
-              <a:t>translate([</a:t>
-            </a:r>
-            <a:r>
-              <a:rPr lang="en-US" altLang="en-US" sz="1400" dirty="0" smtClean="0">
-                <a:latin typeface="Courier New" charset="0"/>
-              </a:rPr>
-              <a:t>W|S],G):- </a:t>
-            </a:r>
-            <a:endParaRPr lang="en-US" altLang="en-US" sz="1400" dirty="0">
-              <a:latin typeface="Courier New" charset="0"/>
-            </a:endParaRPr>
+              <a:t>translate([W|S],G):- </a:t>
+            </a:r>
           </a:p>
           <a:p>
             <a:pPr>
@@ -29294,17 +27885,8 @@
               <a:rPr lang="en-US" altLang="en-US" sz="1400" dirty="0">
                 <a:latin typeface="Courier New" charset="0"/>
               </a:rPr>
-              <a:t> 	</a:t>
-            </a:r>
-            <a:r>
-              <a:rPr lang="en-US" altLang="en-US" sz="1400" dirty="0" smtClean="0">
-                <a:latin typeface="Courier New" charset="0"/>
-              </a:rPr>
-              <a:t>lookup(W,GW),</a:t>
-            </a:r>
-            <a:endParaRPr lang="en-US" altLang="en-US" sz="1400" dirty="0">
-              <a:latin typeface="Courier New" charset="0"/>
-            </a:endParaRPr>
+              <a:t> 	lookup(W,GW),</a:t>
+            </a:r>
           </a:p>
           <a:p>
             <a:pPr>
@@ -29320,17 +27902,8 @@
               <a:rPr lang="en-US" altLang="en-US" sz="1400" dirty="0">
                 <a:latin typeface="Courier New" charset="0"/>
               </a:rPr>
-              <a:t>    	</a:t>
-            </a:r>
-            <a:r>
-              <a:rPr lang="en-US" altLang="en-US" sz="1400" dirty="0" smtClean="0">
-                <a:latin typeface="Courier New" charset="0"/>
-              </a:rPr>
-              <a:t>translate(S,GS),</a:t>
-            </a:r>
-            <a:endParaRPr lang="en-US" altLang="en-US" sz="1400" dirty="0">
-              <a:latin typeface="Courier New" charset="0"/>
-            </a:endParaRPr>
+              <a:t>    	translate(S,GS),</a:t>
+            </a:r>
           </a:p>
           <a:p>
             <a:pPr>
@@ -29346,17 +27919,8 @@
               <a:rPr lang="en-US" altLang="en-US" sz="1400" dirty="0">
                 <a:latin typeface="Courier New" charset="0"/>
               </a:rPr>
-              <a:t>	</a:t>
-            </a:r>
-            <a:r>
-              <a:rPr lang="en-US" altLang="en-US" sz="1400" dirty="0" smtClean="0">
-                <a:latin typeface="Courier New" charset="0"/>
-              </a:rPr>
-              <a:t>G=[GW|GS].</a:t>
-            </a:r>
-            <a:endParaRPr lang="en-US" altLang="en-US" sz="1400" dirty="0">
-              <a:latin typeface="Courier New" charset="0"/>
-            </a:endParaRPr>
+              <a:t>	G=[GW|GS].</a:t>
+            </a:r>
           </a:p>
           <a:p>
             <a:pPr>
@@ -29613,7 +28177,7 @@
 </p:sld>
 </file>
 
-<file path=ppt/slides/slide39.xml><?xml version="1.0" encoding="utf-8"?>
+<file path=ppt/slides/slide37.xml><?xml version="1.0" encoding="utf-8"?>
 <p:sld xmlns:a="http://schemas.openxmlformats.org/drawingml/2006/main" xmlns:r="http://schemas.openxmlformats.org/officeDocument/2006/relationships" xmlns:p="http://schemas.openxmlformats.org/presentationml/2006/main">
   <p:cSld>
     <p:spTree>
@@ -29649,7 +28213,7 @@
               <a:defRPr/>
             </a:pPr>
             <a:r>
-              <a:rPr lang="en-US" smtClean="0">
+              <a:rPr lang="en-US">
                 <a:cs typeface="+mj-cs"/>
               </a:rPr>
               <a:t>Interaction Loops</a:t>
@@ -30314,13 +28878,7 @@
               <a:rPr lang="en-US" altLang="en-US" sz="1400" dirty="0">
                 <a:latin typeface="Courier New" charset="0"/>
               </a:rPr>
-              <a:t>    </a:t>
-            </a:r>
-            <a:r>
-              <a:rPr lang="en-US" altLang="en-US" sz="1400" dirty="0" smtClean="0">
-                <a:latin typeface="Courier New" charset="0"/>
-              </a:rPr>
-              <a:t>!,interact</a:t>
+              <a:t>    !,interact</a:t>
             </a:r>
             <a:r>
               <a:rPr lang="en-US" altLang="en-US" sz="1400" dirty="0"/>
@@ -30372,7 +28930,7 @@
           <a:effectLst/>
           <a:extLst>
             <a:ext uri="{AF507438-7753-43e0-B8FC-AC1667EBCBE1}">
-              <a14:hiddenEffects xmlns:a14="http://schemas.microsoft.com/office/drawing/2010/main" xmlns="">
+              <a14:hiddenEffects xmlns="" xmlns:a14="http://schemas.microsoft.com/office/drawing/2010/main">
                 <a:effectLst>
                   <a:outerShdw blurRad="63500" dist="38099" dir="2700000" algn="ctr" rotWithShape="0">
                     <a:schemeClr val="bg2">
@@ -30446,10 +29004,9 @@
           <a:lstStyle/>
           <a:p>
             <a:r>
-              <a:rPr lang="en-US" sz="1400" dirty="0" smtClean="0"/>
+              <a:rPr lang="en-US" sz="1400" dirty="0"/>
               <a:t>A Cut</a:t>
             </a:r>
-            <a:endParaRPr lang="en-US" sz="1400" dirty="0"/>
           </a:p>
         </p:txBody>
       </p:sp>
@@ -30590,6 +29147,98 @@
 </p:sld>
 </file>
 
+<file path=ppt/slides/slide38.xml><?xml version="1.0" encoding="utf-8"?>
+<p:sld xmlns:a="http://schemas.openxmlformats.org/drawingml/2006/main" xmlns:r="http://schemas.openxmlformats.org/officeDocument/2006/relationships" xmlns:p="http://schemas.openxmlformats.org/presentationml/2006/main">
+  <p:cSld>
+    <p:spTree>
+      <p:nvGrpSpPr>
+        <p:cNvPr id="1" name=""/>
+        <p:cNvGrpSpPr/>
+        <p:nvPr/>
+      </p:nvGrpSpPr>
+      <p:grpSpPr>
+        <a:xfrm>
+          <a:off x="0" y="0"/>
+          <a:ext cx="0" cy="0"/>
+          <a:chOff x="0" y="0"/>
+          <a:chExt cx="0" cy="0"/>
+        </a:xfrm>
+      </p:grpSpPr>
+      <p:sp>
+        <p:nvSpPr>
+          <p:cNvPr id="2" name="Title 1"/>
+          <p:cNvSpPr>
+            <a:spLocks noGrp="1"/>
+          </p:cNvSpPr>
+          <p:nvPr>
+            <p:ph type="title"/>
+          </p:nvPr>
+        </p:nvSpPr>
+        <p:spPr/>
+        <p:txBody>
+          <a:bodyPr/>
+          <a:lstStyle/>
+          <a:p>
+            <a:pPr eaLnBrk="1" hangingPunct="1">
+              <a:defRPr/>
+            </a:pPr>
+            <a:r>
+              <a:rPr lang="en-US" dirty="0">
+                <a:cs typeface="+mj-cs"/>
+              </a:rPr>
+              <a:t>Exercise	</a:t>
+            </a:r>
+          </a:p>
+        </p:txBody>
+      </p:sp>
+      <p:sp>
+        <p:nvSpPr>
+          <p:cNvPr id="19458" name="Content Placeholder 2"/>
+          <p:cNvSpPr>
+            <a:spLocks noGrp="1"/>
+          </p:cNvSpPr>
+          <p:nvPr>
+            <p:ph idx="1"/>
+          </p:nvPr>
+        </p:nvSpPr>
+        <p:spPr/>
+        <p:txBody>
+          <a:bodyPr/>
+          <a:lstStyle/>
+          <a:p>
+            <a:pPr eaLnBrk="1" hangingPunct="1"/>
+            <a:r>
+              <a:rPr lang="en-US" altLang="en-US" dirty="0"/>
+              <a:t>Prolog Exercise 2</a:t>
+            </a:r>
+          </a:p>
+          <a:p>
+            <a:pPr lvl="1" eaLnBrk="1" hangingPunct="1"/>
+            <a:r>
+              <a:rPr lang="en-US" altLang="en-US" dirty="0"/>
+              <a:t>Prolog excels at natural language processing.  This exercise lets </a:t>
+            </a:r>
+            <a:r>
+              <a:rPr lang="en-US" altLang="en-US"/>
+              <a:t>you explore this a bit.</a:t>
+            </a:r>
+            <a:endParaRPr lang="en-US" altLang="en-US" dirty="0"/>
+          </a:p>
+        </p:txBody>
+      </p:sp>
+    </p:spTree>
+    <p:extLst>
+      <p:ext uri="{BB962C8B-B14F-4D97-AF65-F5344CB8AC3E}">
+        <p14:creationId xmlns:p14="http://schemas.microsoft.com/office/powerpoint/2010/main" val="1085601035"/>
+      </p:ext>
+    </p:extLst>
+  </p:cSld>
+  <p:clrMapOvr>
+    <a:masterClrMapping/>
+  </p:clrMapOvr>
+</p:sld>
+</file>
+
 <file path=ppt/slides/slide4.xml><?xml version="1.0" encoding="utf-8"?>
 <p:sld xmlns:a="http://schemas.openxmlformats.org/drawingml/2006/main" xmlns:r="http://schemas.openxmlformats.org/officeDocument/2006/relationships" xmlns:p="http://schemas.openxmlformats.org/presentationml/2006/main">
   <p:cSld>
@@ -30626,7 +29275,7 @@
               <a:defRPr/>
             </a:pPr>
             <a:r>
-              <a:rPr lang="en-US" smtClean="0">
+              <a:rPr lang="en-US">
                 <a:cs typeface="+mj-cs"/>
               </a:rPr>
               <a:t>Quantification</a:t>
@@ -30670,14 +29319,14 @@
           <a:effectLst/>
           <a:extLst>
             <a:ext uri="{909E8E84-426E-40dd-AFC4-6F175D3DCCD1}">
-              <a14:hiddenFill xmlns:a14="http://schemas.microsoft.com/office/drawing/2010/main" xmlns="">
+              <a14:hiddenFill xmlns="" xmlns:a14="http://schemas.microsoft.com/office/drawing/2010/main">
                 <a:solidFill>
                   <a:schemeClr val="accent1"/>
                 </a:solidFill>
               </a14:hiddenFill>
             </a:ext>
             <a:ext uri="{91240B29-F687-4f45-9708-019B960494DF}">
-              <a14:hiddenLine xmlns:a14="http://schemas.microsoft.com/office/drawing/2010/main" xmlns="" w="9525">
+              <a14:hiddenLine xmlns="" xmlns:a14="http://schemas.microsoft.com/office/drawing/2010/main" w="9525">
                 <a:solidFill>
                   <a:schemeClr val="tx1"/>
                 </a:solidFill>
@@ -30687,7 +29336,7 @@
               </a14:hiddenLine>
             </a:ext>
             <a:ext uri="{AF507438-7753-43e0-B8FC-AC1667EBCBE1}">
-              <a14:hiddenEffects xmlns:a14="http://schemas.microsoft.com/office/drawing/2010/main" xmlns="">
+              <a14:hiddenEffects xmlns="" xmlns:a14="http://schemas.microsoft.com/office/drawing/2010/main">
                 <a:effectLst>
                   <a:outerShdw blurRad="63500" dist="38099" dir="2700000" algn="ctr" rotWithShape="0">
                     <a:srgbClr val="000000">
@@ -30921,26 +29570,13 @@
           <a:p>
             <a:r>
               <a:rPr lang="en-US" dirty="0"/>
-              <a:t>Today predicate calculus is more commonly known as First Order </a:t>
-            </a:r>
-            <a:r>
-              <a:rPr lang="en-US" dirty="0" smtClean="0"/>
-              <a:t>Logic (FOL). </a:t>
-            </a:r>
-            <a:endParaRPr lang="en-US" dirty="0"/>
+              <a:t>Today predicate calculus is more commonly known as First Order Logic (FOL). </a:t>
+            </a:r>
           </a:p>
           <a:p>
             <a:r>
               <a:rPr lang="en-US" dirty="0"/>
-              <a:t>This logic </a:t>
-            </a:r>
-            <a:r>
-              <a:rPr lang="en-US" dirty="0" smtClean="0"/>
-              <a:t>is characterized by three structures</a:t>
-            </a:r>
-            <a:r>
-              <a:rPr lang="en-US" dirty="0"/>
-              <a:t>: </a:t>
+              <a:t>This logic is characterized by three structures: </a:t>
             </a:r>
           </a:p>
           <a:p>
@@ -30974,107 +29610,6 @@
   <p:clrMapOvr>
     <a:masterClrMapping/>
   </p:clrMapOvr>
-  <p:timing>
-    <p:tnLst>
-      <p:par>
-        <p:cTn id="1" dur="indefinite" restart="never" nodeType="tmRoot"/>
-      </p:par>
-    </p:tnLst>
-  </p:timing>
-</p:sld>
-</file>
-
-<file path=ppt/slides/slide40.xml><?xml version="1.0" encoding="utf-8"?>
-<p:sld xmlns:a="http://schemas.openxmlformats.org/drawingml/2006/main" xmlns:r="http://schemas.openxmlformats.org/officeDocument/2006/relationships" xmlns:p="http://schemas.openxmlformats.org/presentationml/2006/main">
-  <p:cSld>
-    <p:spTree>
-      <p:nvGrpSpPr>
-        <p:cNvPr id="1" name=""/>
-        <p:cNvGrpSpPr/>
-        <p:nvPr/>
-      </p:nvGrpSpPr>
-      <p:grpSpPr>
-        <a:xfrm>
-          <a:off x="0" y="0"/>
-          <a:ext cx="0" cy="0"/>
-          <a:chOff x="0" y="0"/>
-          <a:chExt cx="0" cy="0"/>
-        </a:xfrm>
-      </p:grpSpPr>
-      <p:sp>
-        <p:nvSpPr>
-          <p:cNvPr id="2" name="Title 1"/>
-          <p:cNvSpPr>
-            <a:spLocks noGrp="1"/>
-          </p:cNvSpPr>
-          <p:nvPr>
-            <p:ph type="title"/>
-          </p:nvPr>
-        </p:nvSpPr>
-        <p:spPr/>
-        <p:txBody>
-          <a:bodyPr/>
-          <a:lstStyle/>
-          <a:p>
-            <a:pPr eaLnBrk="1" hangingPunct="1">
-              <a:defRPr/>
-            </a:pPr>
-            <a:r>
-              <a:rPr lang="en-US" dirty="0" smtClean="0">
-                <a:cs typeface="+mj-cs"/>
-              </a:rPr>
-              <a:t>Exercise</a:t>
-            </a:r>
-            <a:r>
-              <a:rPr lang="en-US" dirty="0" smtClean="0">
-                <a:cs typeface="+mj-cs"/>
-              </a:rPr>
-              <a:t>	</a:t>
-            </a:r>
-          </a:p>
-        </p:txBody>
-      </p:sp>
-      <p:sp>
-        <p:nvSpPr>
-          <p:cNvPr id="19458" name="Content Placeholder 2"/>
-          <p:cNvSpPr>
-            <a:spLocks noGrp="1"/>
-          </p:cNvSpPr>
-          <p:nvPr>
-            <p:ph idx="1"/>
-          </p:nvPr>
-        </p:nvSpPr>
-        <p:spPr/>
-        <p:txBody>
-          <a:bodyPr/>
-          <a:lstStyle/>
-          <a:p>
-            <a:pPr eaLnBrk="1" hangingPunct="1"/>
-            <a:r>
-              <a:rPr lang="en-US" altLang="en-US" dirty="0" smtClean="0"/>
-              <a:t>Prolog Exercise 2</a:t>
-            </a:r>
-            <a:endParaRPr lang="en-US" altLang="en-US" dirty="0"/>
-          </a:p>
-        </p:txBody>
-      </p:sp>
-    </p:spTree>
-    <p:extLst>
-      <p:ext uri="{BB962C8B-B14F-4D97-AF65-F5344CB8AC3E}">
-        <p14:creationId xmlns:p14="http://schemas.microsoft.com/office/powerpoint/2010/main" val="1085601035"/>
-      </p:ext>
-    </p:extLst>
-  </p:cSld>
-  <p:clrMapOvr>
-    <a:masterClrMapping/>
-  </p:clrMapOvr>
-  <p:timing>
-    <p:tnLst>
-      <p:par>
-        <p:cTn id="1" dur="indefinite" restart="never" nodeType="tmRoot"/>
-      </p:par>
-    </p:tnLst>
-  </p:timing>
 </p:sld>
 </file>
 
@@ -31114,7 +29649,7 @@
               <a:defRPr/>
             </a:pPr>
             <a:r>
-              <a:rPr lang="en-US" smtClean="0">
+              <a:rPr lang="en-US">
                 <a:cs typeface="+mj-cs"/>
               </a:rPr>
               <a:t>First-Order Logic</a:t>
@@ -31156,10 +29691,6 @@
             <a:br>
               <a:rPr lang="en-US" altLang="en-US"/>
             </a:br>
-            <a:r>
-              <a:rPr lang="en-US" altLang="en-US"/>
-              <a:t/>
-            </a:r>
             <a:br>
               <a:rPr lang="en-US" altLang="en-US"/>
             </a:br>
@@ -31233,12 +29764,6 @@
                 <a:sym typeface="Symbol" charset="2"/>
               </a:rPr>
             </a:br>
-            <a:r>
-              <a:rPr lang="en-US" altLang="en-US">
-                <a:sym typeface="Symbol" charset="2"/>
-              </a:rPr>
-              <a:t/>
-            </a:r>
             <a:br>
               <a:rPr lang="en-US" altLang="en-US">
                 <a:sym typeface="Symbol" charset="2"/>
@@ -31294,13 +29819,6 @@
   <p:clrMapOvr>
     <a:masterClrMapping/>
   </p:clrMapOvr>
-  <p:timing>
-    <p:tnLst>
-      <p:par>
-        <p:cTn id="1" dur="indefinite" restart="never" nodeType="tmRoot"/>
-      </p:par>
-    </p:tnLst>
-  </p:timing>
 </p:sld>
 </file>
 
@@ -31340,7 +29858,7 @@
               <a:defRPr/>
             </a:pPr>
             <a:r>
-              <a:rPr lang="en-US" smtClean="0">
+              <a:rPr lang="en-US">
                 <a:cs typeface="+mj-cs"/>
               </a:rPr>
               <a:t>First-Order Logic</a:t>
@@ -31403,10 +29921,6 @@
               <a:buFont typeface="Wingdings" charset="2"/>
               <a:buNone/>
             </a:pPr>
-            <a:r>
-              <a:rPr lang="en-US" altLang="en-US" sz="1600"/>
-              <a:t/>
-            </a:r>
             <a:br>
               <a:rPr lang="en-US" altLang="en-US" sz="1600"/>
             </a:br>
@@ -31540,13 +30054,6 @@
   <p:clrMapOvr>
     <a:masterClrMapping/>
   </p:clrMapOvr>
-  <p:timing>
-    <p:tnLst>
-      <p:par>
-        <p:cTn id="1" dur="indefinite" restart="never" nodeType="tmRoot"/>
-      </p:par>
-    </p:tnLst>
-  </p:timing>
 </p:sld>
 </file>
 
@@ -31586,7 +30093,7 @@
               <a:defRPr/>
             </a:pPr>
             <a:r>
-              <a:rPr lang="en-US" smtClean="0">
+              <a:rPr lang="en-US">
                 <a:cs typeface="+mj-cs"/>
               </a:rPr>
               <a:t>First-Order Logic</a:t>
@@ -31615,7 +30122,7 @@
               <a:defRPr/>
             </a:pPr>
             <a:r>
-              <a:rPr lang="en-US" smtClean="0">
+              <a:rPr lang="en-US">
                 <a:cs typeface="+mn-cs"/>
               </a:rPr>
               <a:t>We can combine predicates and quantified variables to make statements on sets of objects</a:t>
@@ -31628,7 +30135,7 @@
               <a:defRPr/>
             </a:pPr>
             <a:r>
-              <a:rPr lang="en-US" smtClean="0">
+              <a:rPr lang="en-US">
                 <a:sym typeface="Symbol" charset="0"/>
               </a:rPr>
               <a:t>X[mother(X,paul)]</a:t>
@@ -31641,7 +30148,7 @@
               <a:defRPr/>
             </a:pPr>
             <a:r>
-              <a:rPr lang="en-US" smtClean="0">
+              <a:rPr lang="en-US">
                 <a:sym typeface="Symbol" charset="0"/>
               </a:rPr>
               <a:t>there exists an object X such that X is the mother of Paul</a:t>
@@ -31654,7 +30161,7 @@
               <a:defRPr/>
             </a:pPr>
             <a:r>
-              <a:rPr lang="en-US" smtClean="0">
+              <a:rPr lang="en-US">
                 <a:sym typeface="Symbol" charset="0"/>
               </a:rPr>
               <a:t>Y[human(Y)]</a:t>
@@ -31667,7 +30174,7 @@
               <a:defRPr/>
             </a:pPr>
             <a:r>
-              <a:rPr lang="en-US" smtClean="0">
+              <a:rPr lang="en-US">
                 <a:sym typeface="Symbol" charset="0"/>
               </a:rPr>
               <a:t>for all objects Y such that Y is human</a:t>
@@ -31680,13 +30187,6 @@
   <p:clrMapOvr>
     <a:masterClrMapping/>
   </p:clrMapOvr>
-  <p:timing>
-    <p:tnLst>
-      <p:par>
-        <p:cTn id="1" dur="indefinite" restart="never" nodeType="tmRoot"/>
-      </p:par>
-    </p:tnLst>
-  </p:timing>
 </p:sld>
 </file>
 
@@ -31726,7 +30226,7 @@
               <a:defRPr/>
             </a:pPr>
             <a:r>
-              <a:rPr lang="en-US" smtClean="0">
+              <a:rPr lang="en-US">
                 <a:cs typeface="+mj-cs"/>
               </a:rPr>
               <a:t>First-Order Logic</a:t>
@@ -31755,7 +30255,7 @@
               <a:defRPr/>
             </a:pPr>
             <a:r>
-              <a:rPr lang="en-US" smtClean="0">
+              <a:rPr lang="en-US">
                 <a:cs typeface="+mn-cs"/>
               </a:rPr>
               <a:t>Logical Connectives: and, or, not</a:t>
@@ -31768,7 +30268,7 @@
               <a:defRPr/>
             </a:pPr>
             <a:r>
-              <a:rPr lang="en-US" smtClean="0">
+              <a:rPr lang="en-US">
                 <a:sym typeface="Symbol" charset="0"/>
               </a:rPr>
               <a:t>FC[parent(F,C) and male(F)]</a:t>
@@ -31781,7 +30281,7 @@
               <a:defRPr/>
             </a:pPr>
             <a:r>
-              <a:rPr lang="en-US" smtClean="0">
+              <a:rPr lang="en-US">
                 <a:sym typeface="Symbol" charset="0"/>
               </a:rPr>
               <a:t>There exists an object F for all object C such that F is a parent of C and F is male.</a:t>
@@ -31794,7 +30294,7 @@
               <a:defRPr/>
             </a:pPr>
             <a:r>
-              <a:rPr lang="en-US" smtClean="0">
+              <a:rPr lang="en-US">
                 <a:sym typeface="Symbol" charset="0"/>
               </a:rPr>
               <a:t>X[day(X) and (wet(X) or dry(X))]</a:t>
@@ -31807,7 +30307,7 @@
               <a:defRPr/>
             </a:pPr>
             <a:r>
-              <a:rPr lang="en-US" smtClean="0">
+              <a:rPr lang="en-US">
                 <a:sym typeface="Symbol" charset="0"/>
               </a:rPr>
               <a:t>For all objects X such that X is a day and X is either wet or dry.</a:t>
@@ -31820,13 +30320,6 @@
   <p:clrMapOvr>
     <a:masterClrMapping/>
   </p:clrMapOvr>
-  <p:timing>
-    <p:tnLst>
-      <p:par>
-        <p:cTn id="1" dur="indefinite" restart="never" nodeType="tmRoot"/>
-      </p:par>
-    </p:tnLst>
-  </p:timing>
 </p:sld>
 </file>
 
@@ -31866,7 +30359,7 @@
               <a:defRPr/>
             </a:pPr>
             <a:r>
-              <a:rPr lang="en-US" smtClean="0">
+              <a:rPr lang="en-US">
                 <a:cs typeface="+mj-cs"/>
               </a:rPr>
               <a:t>First-Order Logic</a:t>
@@ -31900,13 +30393,13 @@
               <a:defRPr/>
             </a:pPr>
             <a:r>
-              <a:rPr lang="en-US" smtClean="0">
+              <a:rPr lang="en-US">
                 <a:cs typeface="+mn-cs"/>
               </a:rPr>
               <a:t>If-then rules: A </a:t>
             </a:r>
             <a:r>
-              <a:rPr lang="en-US" smtClean="0">
+              <a:rPr lang="en-US">
                 <a:cs typeface="+mn-cs"/>
                 <a:sym typeface="Symbol" charset="0"/>
               </a:rPr>
@@ -31920,7 +30413,7 @@
               <a:defRPr/>
             </a:pPr>
             <a:r>
-              <a:rPr lang="en-US" sz="2400" smtClean="0">
+              <a:rPr lang="en-US" sz="2400">
                 <a:sym typeface="Symbol" charset="0"/>
               </a:rPr>
               <a:t>XY[parent(X,Y) and female(X)  mother(X,Y)]</a:t>
@@ -31933,7 +30426,7 @@
               <a:defRPr/>
             </a:pPr>
             <a:r>
-              <a:rPr lang="en-US" sz="2000" smtClean="0">
+              <a:rPr lang="en-US" sz="2000">
                 <a:sym typeface="Symbol" charset="0"/>
               </a:rPr>
               <a:t>For all objects X and for all objects Y such that if X is a parent of Y and X is female then X is a mother.</a:t>
@@ -31946,7 +30439,7 @@
               <a:defRPr/>
             </a:pPr>
             <a:r>
-              <a:rPr lang="en-US" sz="2400" smtClean="0">
+              <a:rPr lang="en-US" sz="2400">
                 <a:sym typeface="Symbol" charset="0"/>
               </a:rPr>
               <a:t>Q[human(Q)  mortal(Q)]</a:t>
@@ -31959,7 +30452,7 @@
               <a:defRPr/>
             </a:pPr>
             <a:r>
-              <a:rPr lang="en-US" sz="2000" smtClean="0">
+              <a:rPr lang="en-US" sz="2000">
                 <a:sym typeface="Symbol" charset="0"/>
               </a:rPr>
               <a:t>For all objects Q such that if Q is human then Q is mortal.</a:t>
@@ -31971,7 +30464,7 @@
               <a:buChar char="l"/>
               <a:defRPr/>
             </a:pPr>
-            <a:endParaRPr lang="en-US" sz="2400" smtClean="0"/>
+            <a:endParaRPr lang="en-US" sz="2400"/>
           </a:p>
         </p:txBody>
       </p:sp>
@@ -31980,13 +30473,6 @@
   <p:clrMapOvr>
     <a:masterClrMapping/>
   </p:clrMapOvr>
-  <p:timing>
-    <p:tnLst>
-      <p:par>
-        <p:cTn id="1" dur="indefinite" restart="never" nodeType="tmRoot"/>
-      </p:par>
-    </p:tnLst>
-  </p:timing>
 </p:sld>
 </file>
 
@@ -32236,7 +30722,7 @@
         <a:effectLst/>
         <a:extLst>
           <a:ext uri="{AF507438-7753-43e0-B8FC-AC1667EBCBE1}">
-            <a14:hiddenEffects xmlns:a14="http://schemas.microsoft.com/office/drawing/2010/main" xmlns="">
+            <a14:hiddenEffects xmlns="" xmlns:a14="http://schemas.microsoft.com/office/drawing/2010/main">
               <a:effectLst>
                 <a:outerShdw blurRad="63500" dist="38099" dir="2700000" algn="ctr" rotWithShape="0">
                   <a:schemeClr val="bg2">
@@ -32313,7 +30799,7 @@
         <a:effectLst/>
         <a:extLst>
           <a:ext uri="{AF507438-7753-43e0-B8FC-AC1667EBCBE1}">
-            <a14:hiddenEffects xmlns:a14="http://schemas.microsoft.com/office/drawing/2010/main" xmlns="">
+            <a14:hiddenEffects xmlns="" xmlns:a14="http://schemas.microsoft.com/office/drawing/2010/main">
               <a:effectLst>
                 <a:outerShdw blurRad="63500" dist="38099" dir="2700000" algn="ctr" rotWithShape="0">
                   <a:schemeClr val="bg2">

--- a/philosophy-prolog.pptx
+++ b/philosophy-prolog.pptx
@@ -245,17 +245,17 @@
           </a:ln>
           <a:extLst>
             <a:ext uri="{FAA26D3D-D897-4be2-8F04-BA451C77F1D7}">
-              <ma14:placeholderFlag xmlns:ma14="http://schemas.microsoft.com/office/mac/drawingml/2011/main" xmlns="" val="1"/>
+              <ma14:placeholderFlag xmlns="" xmlns:ma14="http://schemas.microsoft.com/office/mac/drawingml/2011/main" val="1"/>
             </a:ext>
             <a:ext uri="{909E8E84-426E-40dd-AFC4-6F175D3DCCD1}">
-              <a14:hiddenFill xmlns="" xmlns:a14="http://schemas.microsoft.com/office/drawing/2010/main">
+              <a14:hiddenFill xmlns:a14="http://schemas.microsoft.com/office/drawing/2010/main" xmlns="">
                 <a:solidFill>
                   <a:schemeClr val="accent1"/>
                 </a:solidFill>
               </a14:hiddenFill>
             </a:ext>
             <a:ext uri="{91240B29-F687-4f45-9708-019B960494DF}">
-              <a14:hiddenLine xmlns="" xmlns:a14="http://schemas.microsoft.com/office/drawing/2010/main" w="9525">
+              <a14:hiddenLine xmlns:a14="http://schemas.microsoft.com/office/drawing/2010/main" xmlns="" w="9525">
                 <a:solidFill>
                   <a:schemeClr val="tx1"/>
                 </a:solidFill>
@@ -312,17 +312,17 @@
           </a:ln>
           <a:extLst>
             <a:ext uri="{FAA26D3D-D897-4be2-8F04-BA451C77F1D7}">
-              <ma14:placeholderFlag xmlns:ma14="http://schemas.microsoft.com/office/mac/drawingml/2011/main" xmlns="" val="1"/>
+              <ma14:placeholderFlag xmlns="" xmlns:ma14="http://schemas.microsoft.com/office/mac/drawingml/2011/main" val="1"/>
             </a:ext>
             <a:ext uri="{909E8E84-426E-40dd-AFC4-6F175D3DCCD1}">
-              <a14:hiddenFill xmlns="" xmlns:a14="http://schemas.microsoft.com/office/drawing/2010/main">
+              <a14:hiddenFill xmlns:a14="http://schemas.microsoft.com/office/drawing/2010/main" xmlns="">
                 <a:solidFill>
                   <a:schemeClr val="accent1"/>
                 </a:solidFill>
               </a14:hiddenFill>
             </a:ext>
             <a:ext uri="{91240B29-F687-4f45-9708-019B960494DF}">
-              <a14:hiddenLine xmlns="" xmlns:a14="http://schemas.microsoft.com/office/drawing/2010/main" w="9525">
+              <a14:hiddenLine xmlns:a14="http://schemas.microsoft.com/office/drawing/2010/main" xmlns="" w="9525">
                 <a:solidFill>
                   <a:schemeClr val="tx1"/>
                 </a:solidFill>
@@ -379,17 +379,17 @@
           </a:ln>
           <a:extLst>
             <a:ext uri="{FAA26D3D-D897-4be2-8F04-BA451C77F1D7}">
-              <ma14:placeholderFlag xmlns:ma14="http://schemas.microsoft.com/office/mac/drawingml/2011/main" xmlns="" val="1"/>
+              <ma14:placeholderFlag xmlns="" xmlns:ma14="http://schemas.microsoft.com/office/mac/drawingml/2011/main" val="1"/>
             </a:ext>
             <a:ext uri="{909E8E84-426E-40dd-AFC4-6F175D3DCCD1}">
-              <a14:hiddenFill xmlns="" xmlns:a14="http://schemas.microsoft.com/office/drawing/2010/main">
+              <a14:hiddenFill xmlns:a14="http://schemas.microsoft.com/office/drawing/2010/main" xmlns="">
                 <a:solidFill>
                   <a:schemeClr val="accent1"/>
                 </a:solidFill>
               </a14:hiddenFill>
             </a:ext>
             <a:ext uri="{91240B29-F687-4f45-9708-019B960494DF}">
-              <a14:hiddenLine xmlns="" xmlns:a14="http://schemas.microsoft.com/office/drawing/2010/main" w="9525">
+              <a14:hiddenLine xmlns:a14="http://schemas.microsoft.com/office/drawing/2010/main" xmlns="" w="9525">
                 <a:solidFill>
                   <a:schemeClr val="tx1"/>
                 </a:solidFill>
@@ -446,17 +446,17 @@
           </a:ln>
           <a:extLst>
             <a:ext uri="{FAA26D3D-D897-4be2-8F04-BA451C77F1D7}">
-              <ma14:placeholderFlag xmlns:ma14="http://schemas.microsoft.com/office/mac/drawingml/2011/main" xmlns="" val="1"/>
+              <ma14:placeholderFlag xmlns="" xmlns:ma14="http://schemas.microsoft.com/office/mac/drawingml/2011/main" val="1"/>
             </a:ext>
             <a:ext uri="{909E8E84-426E-40dd-AFC4-6F175D3DCCD1}">
-              <a14:hiddenFill xmlns="" xmlns:a14="http://schemas.microsoft.com/office/drawing/2010/main">
+              <a14:hiddenFill xmlns:a14="http://schemas.microsoft.com/office/drawing/2010/main" xmlns="">
                 <a:solidFill>
                   <a:schemeClr val="accent1"/>
                 </a:solidFill>
               </a14:hiddenFill>
             </a:ext>
             <a:ext uri="{91240B29-F687-4f45-9708-019B960494DF}">
-              <a14:hiddenLine xmlns="" xmlns:a14="http://schemas.microsoft.com/office/drawing/2010/main" w="9525">
+              <a14:hiddenLine xmlns:a14="http://schemas.microsoft.com/office/drawing/2010/main" xmlns="" w="9525">
                 <a:solidFill>
                   <a:schemeClr val="tx1"/>
                 </a:solidFill>
@@ -543,17 +543,17 @@
           </a:ln>
           <a:extLst>
             <a:ext uri="{FAA26D3D-D897-4be2-8F04-BA451C77F1D7}">
-              <ma14:placeholderFlag xmlns:ma14="http://schemas.microsoft.com/office/mac/drawingml/2011/main" xmlns="" val="1"/>
+              <ma14:placeholderFlag xmlns="" xmlns:ma14="http://schemas.microsoft.com/office/mac/drawingml/2011/main" val="1"/>
             </a:ext>
             <a:ext uri="{909E8E84-426E-40dd-AFC4-6F175D3DCCD1}">
-              <a14:hiddenFill xmlns="" xmlns:a14="http://schemas.microsoft.com/office/drawing/2010/main">
+              <a14:hiddenFill xmlns:a14="http://schemas.microsoft.com/office/drawing/2010/main" xmlns="">
                 <a:solidFill>
                   <a:schemeClr val="accent1"/>
                 </a:solidFill>
               </a14:hiddenFill>
             </a:ext>
             <a:ext uri="{91240B29-F687-4f45-9708-019B960494DF}">
-              <a14:hiddenLine xmlns="" xmlns:a14="http://schemas.microsoft.com/office/drawing/2010/main" w="9525">
+              <a14:hiddenLine xmlns:a14="http://schemas.microsoft.com/office/drawing/2010/main" xmlns="" w="9525">
                 <a:solidFill>
                   <a:schemeClr val="tx1"/>
                 </a:solidFill>
@@ -610,17 +610,17 @@
           </a:ln>
           <a:extLst>
             <a:ext uri="{FAA26D3D-D897-4be2-8F04-BA451C77F1D7}">
-              <ma14:placeholderFlag xmlns:ma14="http://schemas.microsoft.com/office/mac/drawingml/2011/main" xmlns="" val="1"/>
+              <ma14:placeholderFlag xmlns="" xmlns:ma14="http://schemas.microsoft.com/office/mac/drawingml/2011/main" val="1"/>
             </a:ext>
             <a:ext uri="{909E8E84-426E-40dd-AFC4-6F175D3DCCD1}">
-              <a14:hiddenFill xmlns="" xmlns:a14="http://schemas.microsoft.com/office/drawing/2010/main">
+              <a14:hiddenFill xmlns:a14="http://schemas.microsoft.com/office/drawing/2010/main" xmlns="">
                 <a:solidFill>
                   <a:schemeClr val="accent1"/>
                 </a:solidFill>
               </a14:hiddenFill>
             </a:ext>
             <a:ext uri="{91240B29-F687-4f45-9708-019B960494DF}">
-              <a14:hiddenLine xmlns="" xmlns:a14="http://schemas.microsoft.com/office/drawing/2010/main" w="9525">
+              <a14:hiddenLine xmlns:a14="http://schemas.microsoft.com/office/drawing/2010/main" xmlns="" w="9525">
                 <a:solidFill>
                   <a:schemeClr val="tx1"/>
                 </a:solidFill>
@@ -683,7 +683,7 @@
           <a:effectLst/>
           <a:extLst>
             <a:ext uri="{AF507438-7753-43e0-B8FC-AC1667EBCBE1}">
-              <a14:hiddenEffects xmlns="" xmlns:a14="http://schemas.microsoft.com/office/drawing/2010/main">
+              <a14:hiddenEffects xmlns:a14="http://schemas.microsoft.com/office/drawing/2010/main" xmlns="">
                 <a:effectLst>
                   <a:outerShdw blurRad="63500" dist="38099" dir="2700000" algn="ctr" rotWithShape="0">
                     <a:srgbClr val="000000">
@@ -694,7 +694,7 @@
               </a14:hiddenEffects>
             </a:ext>
             <a:ext uri="{53640926-AAD7-44d8-BBD7-CCE9431645EC}">
-              <a14:shadowObscured xmlns="" xmlns:a14="http://schemas.microsoft.com/office/drawing/2010/main" val="1"/>
+              <a14:shadowObscured xmlns:a14="http://schemas.microsoft.com/office/drawing/2010/main" xmlns="" val="1"/>
             </a:ext>
           </a:extLst>
         </p:spPr>
@@ -723,17 +723,17 @@
           </a:ln>
           <a:extLst>
             <a:ext uri="{FAA26D3D-D897-4be2-8F04-BA451C77F1D7}">
-              <ma14:placeholderFlag xmlns:ma14="http://schemas.microsoft.com/office/mac/drawingml/2011/main" xmlns="" val="1"/>
+              <ma14:placeholderFlag xmlns="" xmlns:ma14="http://schemas.microsoft.com/office/mac/drawingml/2011/main" val="1"/>
             </a:ext>
             <a:ext uri="{909E8E84-426E-40dd-AFC4-6F175D3DCCD1}">
-              <a14:hiddenFill xmlns="" xmlns:a14="http://schemas.microsoft.com/office/drawing/2010/main">
+              <a14:hiddenFill xmlns:a14="http://schemas.microsoft.com/office/drawing/2010/main" xmlns="">
                 <a:solidFill>
                   <a:schemeClr val="accent1"/>
                 </a:solidFill>
               </a14:hiddenFill>
             </a:ext>
             <a:ext uri="{91240B29-F687-4f45-9708-019B960494DF}">
-              <a14:hiddenLine xmlns="" xmlns:a14="http://schemas.microsoft.com/office/drawing/2010/main" w="9525">
+              <a14:hiddenLine xmlns:a14="http://schemas.microsoft.com/office/drawing/2010/main" xmlns="" w="9525">
                 <a:solidFill>
                   <a:schemeClr val="tx1"/>
                 </a:solidFill>
@@ -812,17 +812,17 @@
           </a:ln>
           <a:extLst>
             <a:ext uri="{FAA26D3D-D897-4be2-8F04-BA451C77F1D7}">
-              <ma14:placeholderFlag xmlns:ma14="http://schemas.microsoft.com/office/mac/drawingml/2011/main" xmlns="" val="1"/>
+              <ma14:placeholderFlag xmlns="" xmlns:ma14="http://schemas.microsoft.com/office/mac/drawingml/2011/main" val="1"/>
             </a:ext>
             <a:ext uri="{909E8E84-426E-40dd-AFC4-6F175D3DCCD1}">
-              <a14:hiddenFill xmlns="" xmlns:a14="http://schemas.microsoft.com/office/drawing/2010/main">
+              <a14:hiddenFill xmlns:a14="http://schemas.microsoft.com/office/drawing/2010/main" xmlns="">
                 <a:solidFill>
                   <a:schemeClr val="accent1"/>
                 </a:solidFill>
               </a14:hiddenFill>
             </a:ext>
             <a:ext uri="{91240B29-F687-4f45-9708-019B960494DF}">
-              <a14:hiddenLine xmlns="" xmlns:a14="http://schemas.microsoft.com/office/drawing/2010/main" w="9525">
+              <a14:hiddenLine xmlns:a14="http://schemas.microsoft.com/office/drawing/2010/main" xmlns="" w="9525">
                 <a:solidFill>
                   <a:schemeClr val="tx1"/>
                 </a:solidFill>
@@ -879,17 +879,17 @@
           </a:ln>
           <a:extLst>
             <a:ext uri="{FAA26D3D-D897-4be2-8F04-BA451C77F1D7}">
-              <ma14:placeholderFlag xmlns:ma14="http://schemas.microsoft.com/office/mac/drawingml/2011/main" xmlns="" val="1"/>
+              <ma14:placeholderFlag xmlns="" xmlns:ma14="http://schemas.microsoft.com/office/mac/drawingml/2011/main" val="1"/>
             </a:ext>
             <a:ext uri="{909E8E84-426E-40dd-AFC4-6F175D3DCCD1}">
-              <a14:hiddenFill xmlns="" xmlns:a14="http://schemas.microsoft.com/office/drawing/2010/main">
+              <a14:hiddenFill xmlns:a14="http://schemas.microsoft.com/office/drawing/2010/main" xmlns="">
                 <a:solidFill>
                   <a:schemeClr val="accent1"/>
                 </a:solidFill>
               </a14:hiddenFill>
             </a:ext>
             <a:ext uri="{91240B29-F687-4f45-9708-019B960494DF}">
-              <a14:hiddenLine xmlns="" xmlns:a14="http://schemas.microsoft.com/office/drawing/2010/main" w="9525">
+              <a14:hiddenLine xmlns:a14="http://schemas.microsoft.com/office/drawing/2010/main" xmlns="" w="9525">
                 <a:solidFill>
                   <a:schemeClr val="tx1"/>
                 </a:solidFill>
@@ -1231,7 +1231,7 @@
           <a:ln/>
           <a:extLst>
             <a:ext uri="{FAA26D3D-D897-4be2-8F04-BA451C77F1D7}">
-              <ma14:placeholderFlag xmlns:ma14="http://schemas.microsoft.com/office/mac/drawingml/2011/main" xmlns="" val="1"/>
+              <ma14:placeholderFlag xmlns="" xmlns:ma14="http://schemas.microsoft.com/office/mac/drawingml/2011/main" val="1"/>
             </a:ext>
           </a:extLst>
         </p:spPr>
@@ -1472,7 +1472,7 @@
           <a:ln/>
           <a:extLst>
             <a:ext uri="{FAA26D3D-D897-4be2-8F04-BA451C77F1D7}">
-              <ma14:placeholderFlag xmlns:ma14="http://schemas.microsoft.com/office/mac/drawingml/2011/main" xmlns="" val="1"/>
+              <ma14:placeholderFlag xmlns="" xmlns:ma14="http://schemas.microsoft.com/office/mac/drawingml/2011/main" val="1"/>
             </a:ext>
           </a:extLst>
         </p:spPr>
@@ -1704,7 +1704,7 @@
           <a:ln/>
           <a:extLst>
             <a:ext uri="{FAA26D3D-D897-4be2-8F04-BA451C77F1D7}">
-              <ma14:placeholderFlag xmlns:ma14="http://schemas.microsoft.com/office/mac/drawingml/2011/main" xmlns="" val="1"/>
+              <ma14:placeholderFlag xmlns="" xmlns:ma14="http://schemas.microsoft.com/office/mac/drawingml/2011/main" val="1"/>
             </a:ext>
           </a:extLst>
         </p:spPr>
@@ -1936,7 +1936,7 @@
           <a:ln/>
           <a:extLst>
             <a:ext uri="{FAA26D3D-D897-4be2-8F04-BA451C77F1D7}">
-              <ma14:placeholderFlag xmlns:ma14="http://schemas.microsoft.com/office/mac/drawingml/2011/main" xmlns="" val="1"/>
+              <ma14:placeholderFlag xmlns="" xmlns:ma14="http://schemas.microsoft.com/office/mac/drawingml/2011/main" val="1"/>
             </a:ext>
           </a:extLst>
         </p:spPr>
@@ -2165,7 +2165,7 @@
           <a:ln/>
           <a:extLst>
             <a:ext uri="{FAA26D3D-D897-4be2-8F04-BA451C77F1D7}">
-              <ma14:placeholderFlag xmlns:ma14="http://schemas.microsoft.com/office/mac/drawingml/2011/main" xmlns="" val="1"/>
+              <ma14:placeholderFlag xmlns="" xmlns:ma14="http://schemas.microsoft.com/office/mac/drawingml/2011/main" val="1"/>
             </a:ext>
           </a:extLst>
         </p:spPr>
@@ -2408,7 +2408,7 @@
           <a:ln/>
           <a:extLst>
             <a:ext uri="{FAA26D3D-D897-4be2-8F04-BA451C77F1D7}">
-              <ma14:placeholderFlag xmlns:ma14="http://schemas.microsoft.com/office/mac/drawingml/2011/main" xmlns="" val="1"/>
+              <ma14:placeholderFlag xmlns="" xmlns:ma14="http://schemas.microsoft.com/office/mac/drawingml/2011/main" val="1"/>
             </a:ext>
           </a:extLst>
         </p:spPr>
@@ -2651,7 +2651,7 @@
           <a:ln/>
           <a:extLst>
             <a:ext uri="{FAA26D3D-D897-4be2-8F04-BA451C77F1D7}">
-              <ma14:placeholderFlag xmlns:ma14="http://schemas.microsoft.com/office/mac/drawingml/2011/main" xmlns="" val="1"/>
+              <ma14:placeholderFlag xmlns="" xmlns:ma14="http://schemas.microsoft.com/office/mac/drawingml/2011/main" val="1"/>
             </a:ext>
           </a:extLst>
         </p:spPr>
@@ -2894,7 +2894,7 @@
           <a:ln/>
           <a:extLst>
             <a:ext uri="{FAA26D3D-D897-4be2-8F04-BA451C77F1D7}">
-              <ma14:placeholderFlag xmlns:ma14="http://schemas.microsoft.com/office/mac/drawingml/2011/main" xmlns="" val="1"/>
+              <ma14:placeholderFlag xmlns="" xmlns:ma14="http://schemas.microsoft.com/office/mac/drawingml/2011/main" val="1"/>
             </a:ext>
           </a:extLst>
         </p:spPr>
@@ -3137,7 +3137,7 @@
           <a:ln/>
           <a:extLst>
             <a:ext uri="{FAA26D3D-D897-4be2-8F04-BA451C77F1D7}">
-              <ma14:placeholderFlag xmlns:ma14="http://schemas.microsoft.com/office/mac/drawingml/2011/main" xmlns="" val="1"/>
+              <ma14:placeholderFlag xmlns="" xmlns:ma14="http://schemas.microsoft.com/office/mac/drawingml/2011/main" val="1"/>
             </a:ext>
           </a:extLst>
         </p:spPr>
@@ -3375,7 +3375,7 @@
           <a:ln/>
           <a:extLst>
             <a:ext uri="{FAA26D3D-D897-4be2-8F04-BA451C77F1D7}">
-              <ma14:placeholderFlag xmlns:ma14="http://schemas.microsoft.com/office/mac/drawingml/2011/main" xmlns="" val="1"/>
+              <ma14:placeholderFlag xmlns="" xmlns:ma14="http://schemas.microsoft.com/office/mac/drawingml/2011/main" val="1"/>
             </a:ext>
           </a:extLst>
         </p:spPr>
@@ -3618,7 +3618,7 @@
           <a:ln/>
           <a:extLst>
             <a:ext uri="{FAA26D3D-D897-4be2-8F04-BA451C77F1D7}">
-              <ma14:placeholderFlag xmlns:ma14="http://schemas.microsoft.com/office/mac/drawingml/2011/main" xmlns="" val="1"/>
+              <ma14:placeholderFlag xmlns="" xmlns:ma14="http://schemas.microsoft.com/office/mac/drawingml/2011/main" val="1"/>
             </a:ext>
           </a:extLst>
         </p:spPr>
@@ -3861,7 +3861,7 @@
           <a:ln/>
           <a:extLst>
             <a:ext uri="{FAA26D3D-D897-4be2-8F04-BA451C77F1D7}">
-              <ma14:placeholderFlag xmlns:ma14="http://schemas.microsoft.com/office/mac/drawingml/2011/main" xmlns="" val="1"/>
+              <ma14:placeholderFlag xmlns="" xmlns:ma14="http://schemas.microsoft.com/office/mac/drawingml/2011/main" val="1"/>
             </a:ext>
           </a:extLst>
         </p:spPr>
@@ -4099,7 +4099,7 @@
           <a:ln/>
           <a:extLst>
             <a:ext uri="{FAA26D3D-D897-4be2-8F04-BA451C77F1D7}">
-              <ma14:placeholderFlag xmlns:ma14="http://schemas.microsoft.com/office/mac/drawingml/2011/main" xmlns="" val="1"/>
+              <ma14:placeholderFlag xmlns="" xmlns:ma14="http://schemas.microsoft.com/office/mac/drawingml/2011/main" val="1"/>
             </a:ext>
           </a:extLst>
         </p:spPr>
@@ -4342,7 +4342,7 @@
           <a:ln/>
           <a:extLst>
             <a:ext uri="{FAA26D3D-D897-4be2-8F04-BA451C77F1D7}">
-              <ma14:placeholderFlag xmlns:ma14="http://schemas.microsoft.com/office/mac/drawingml/2011/main" xmlns="" val="1"/>
+              <ma14:placeholderFlag xmlns="" xmlns:ma14="http://schemas.microsoft.com/office/mac/drawingml/2011/main" val="1"/>
             </a:ext>
           </a:extLst>
         </p:spPr>
@@ -4585,7 +4585,7 @@
           <a:ln/>
           <a:extLst>
             <a:ext uri="{FAA26D3D-D897-4be2-8F04-BA451C77F1D7}">
-              <ma14:placeholderFlag xmlns:ma14="http://schemas.microsoft.com/office/mac/drawingml/2011/main" xmlns="" val="1"/>
+              <ma14:placeholderFlag xmlns="" xmlns:ma14="http://schemas.microsoft.com/office/mac/drawingml/2011/main" val="1"/>
             </a:ext>
           </a:extLst>
         </p:spPr>
@@ -4828,7 +4828,7 @@
           <a:ln/>
           <a:extLst>
             <a:ext uri="{FAA26D3D-D897-4be2-8F04-BA451C77F1D7}">
-              <ma14:placeholderFlag xmlns:ma14="http://schemas.microsoft.com/office/mac/drawingml/2011/main" xmlns="" val="1"/>
+              <ma14:placeholderFlag xmlns="" xmlns:ma14="http://schemas.microsoft.com/office/mac/drawingml/2011/main" val="1"/>
             </a:ext>
           </a:extLst>
         </p:spPr>
@@ -5071,7 +5071,7 @@
           <a:ln/>
           <a:extLst>
             <a:ext uri="{FAA26D3D-D897-4be2-8F04-BA451C77F1D7}">
-              <ma14:placeholderFlag xmlns:ma14="http://schemas.microsoft.com/office/mac/drawingml/2011/main" xmlns="" val="1"/>
+              <ma14:placeholderFlag xmlns="" xmlns:ma14="http://schemas.microsoft.com/office/mac/drawingml/2011/main" val="1"/>
             </a:ext>
           </a:extLst>
         </p:spPr>
@@ -6783,7 +6783,7 @@
           <a:ln/>
           <a:extLst>
             <a:ext uri="{FAA26D3D-D897-4be2-8F04-BA451C77F1D7}">
-              <ma14:placeholderFlag xmlns:ma14="http://schemas.microsoft.com/office/mac/drawingml/2011/main" xmlns="" val="1"/>
+              <ma14:placeholderFlag xmlns="" xmlns:ma14="http://schemas.microsoft.com/office/mac/drawingml/2011/main" val="1"/>
             </a:ext>
           </a:extLst>
         </p:spPr>
@@ -7021,7 +7021,7 @@
           <a:ln/>
           <a:extLst>
             <a:ext uri="{FAA26D3D-D897-4be2-8F04-BA451C77F1D7}">
-              <ma14:placeholderFlag xmlns:ma14="http://schemas.microsoft.com/office/mac/drawingml/2011/main" xmlns="" val="1"/>
+              <ma14:placeholderFlag xmlns="" xmlns:ma14="http://schemas.microsoft.com/office/mac/drawingml/2011/main" val="1"/>
             </a:ext>
           </a:extLst>
         </p:spPr>
@@ -7259,7 +7259,7 @@
           <a:ln/>
           <a:extLst>
             <a:ext uri="{FAA26D3D-D897-4be2-8F04-BA451C77F1D7}">
-              <ma14:placeholderFlag xmlns:ma14="http://schemas.microsoft.com/office/mac/drawingml/2011/main" xmlns="" val="1"/>
+              <ma14:placeholderFlag xmlns="" xmlns:ma14="http://schemas.microsoft.com/office/mac/drawingml/2011/main" val="1"/>
             </a:ext>
           </a:extLst>
         </p:spPr>
@@ -7497,7 +7497,7 @@
           <a:ln/>
           <a:extLst>
             <a:ext uri="{FAA26D3D-D897-4be2-8F04-BA451C77F1D7}">
-              <ma14:placeholderFlag xmlns:ma14="http://schemas.microsoft.com/office/mac/drawingml/2011/main" xmlns="" val="1"/>
+              <ma14:placeholderFlag xmlns="" xmlns:ma14="http://schemas.microsoft.com/office/mac/drawingml/2011/main" val="1"/>
             </a:ext>
           </a:extLst>
         </p:spPr>
@@ -7735,7 +7735,7 @@
           <a:ln/>
           <a:extLst>
             <a:ext uri="{FAA26D3D-D897-4be2-8F04-BA451C77F1D7}">
-              <ma14:placeholderFlag xmlns:ma14="http://schemas.microsoft.com/office/mac/drawingml/2011/main" xmlns="" val="1"/>
+              <ma14:placeholderFlag xmlns="" xmlns:ma14="http://schemas.microsoft.com/office/mac/drawingml/2011/main" val="1"/>
             </a:ext>
           </a:extLst>
         </p:spPr>
@@ -7973,7 +7973,7 @@
           <a:ln/>
           <a:extLst>
             <a:ext uri="{FAA26D3D-D897-4be2-8F04-BA451C77F1D7}">
-              <ma14:placeholderFlag xmlns:ma14="http://schemas.microsoft.com/office/mac/drawingml/2011/main" xmlns="" val="1"/>
+              <ma14:placeholderFlag xmlns="" xmlns:ma14="http://schemas.microsoft.com/office/mac/drawingml/2011/main" val="1"/>
             </a:ext>
           </a:extLst>
         </p:spPr>
@@ -8211,7 +8211,7 @@
           <a:ln/>
           <a:extLst>
             <a:ext uri="{FAA26D3D-D897-4be2-8F04-BA451C77F1D7}">
-              <ma14:placeholderFlag xmlns:ma14="http://schemas.microsoft.com/office/mac/drawingml/2011/main" xmlns="" val="1"/>
+              <ma14:placeholderFlag xmlns="" xmlns:ma14="http://schemas.microsoft.com/office/mac/drawingml/2011/main" val="1"/>
             </a:ext>
           </a:extLst>
         </p:spPr>
@@ -8330,14 +8330,14 @@
             <a:effectLst/>
             <a:extLst>
               <a:ext uri="{909E8E84-426E-40dd-AFC4-6F175D3DCCD1}">
-                <a14:hiddenFill xmlns="" xmlns:a14="http://schemas.microsoft.com/office/drawing/2010/main">
+                <a14:hiddenFill xmlns:a14="http://schemas.microsoft.com/office/drawing/2010/main" xmlns="">
                   <a:solidFill>
                     <a:schemeClr val="accent1"/>
                   </a:solidFill>
                 </a14:hiddenFill>
               </a:ext>
               <a:ext uri="{AF507438-7753-43e0-B8FC-AC1667EBCBE1}">
-                <a14:hiddenEffects xmlns="" xmlns:a14="http://schemas.microsoft.com/office/drawing/2010/main">
+                <a14:hiddenEffects xmlns:a14="http://schemas.microsoft.com/office/drawing/2010/main" xmlns="">
                   <a:effectLst>
                     <a:outerShdw blurRad="63500" dist="38099" dir="2700000" algn="ctr" rotWithShape="0">
                       <a:schemeClr val="bg2">
@@ -8394,7 +8394,7 @@
             <a:effectLst/>
             <a:extLst>
               <a:ext uri="{AF507438-7753-43e0-B8FC-AC1667EBCBE1}">
-                <a14:hiddenEffects xmlns="" xmlns:a14="http://schemas.microsoft.com/office/drawing/2010/main">
+                <a14:hiddenEffects xmlns:a14="http://schemas.microsoft.com/office/drawing/2010/main" xmlns="">
                   <a:effectLst>
                     <a:outerShdw blurRad="63500" dist="38099" dir="2700000" algn="ctr" rotWithShape="0">
                       <a:schemeClr val="bg2">
@@ -8559,12 +8559,12 @@
             <a:effectLst/>
             <a:extLst>
               <a:ext uri="{909E8E84-426E-40dd-AFC4-6F175D3DCCD1}">
-                <a14:hiddenFill xmlns="" xmlns:a14="http://schemas.microsoft.com/office/drawing/2010/main">
+                <a14:hiddenFill xmlns:a14="http://schemas.microsoft.com/office/drawing/2010/main" xmlns="">
                   <a:noFill/>
                 </a14:hiddenFill>
               </a:ext>
               <a:ext uri="{AF507438-7753-43e0-B8FC-AC1667EBCBE1}">
-                <a14:hiddenEffects xmlns="" xmlns:a14="http://schemas.microsoft.com/office/drawing/2010/main">
+                <a14:hiddenEffects xmlns:a14="http://schemas.microsoft.com/office/drawing/2010/main" xmlns="">
                   <a:effectLst>
                     <a:outerShdw blurRad="63500" dist="38099" dir="2700000" algn="ctr" rotWithShape="0">
                       <a:schemeClr val="bg2">
@@ -8674,14 +8674,14 @@
           </a:xfrm>
           <a:extLst>
             <a:ext uri="{909E8E84-426E-40dd-AFC4-6F175D3DCCD1}">
-              <a14:hiddenFill xmlns="" xmlns:a14="http://schemas.microsoft.com/office/drawing/2010/main">
+              <a14:hiddenFill xmlns:a14="http://schemas.microsoft.com/office/drawing/2010/main" xmlns="">
                 <a:solidFill>
                   <a:schemeClr val="accent1"/>
                 </a:solidFill>
               </a14:hiddenFill>
             </a:ext>
             <a:ext uri="{91240B29-F687-4f45-9708-019B960494DF}">
-              <a14:hiddenLine xmlns="" xmlns:a14="http://schemas.microsoft.com/office/drawing/2010/main" w="9525">
+              <a14:hiddenLine xmlns:a14="http://schemas.microsoft.com/office/drawing/2010/main" xmlns="" w="9525">
                 <a:solidFill>
                   <a:schemeClr val="tx1"/>
                 </a:solidFill>
@@ -8691,7 +8691,7 @@
               </a14:hiddenLine>
             </a:ext>
             <a:ext uri="{AF507438-7753-43e0-B8FC-AC1667EBCBE1}">
-              <a14:hiddenEffects xmlns="" xmlns:a14="http://schemas.microsoft.com/office/drawing/2010/main">
+              <a14:hiddenEffects xmlns:a14="http://schemas.microsoft.com/office/drawing/2010/main" xmlns="">
                 <a:effectLst>
                   <a:outerShdw blurRad="63500" dist="38099" dir="2700000" algn="ctr" rotWithShape="0">
                     <a:schemeClr val="bg2">
@@ -8735,14 +8735,14 @@
           </a:xfrm>
           <a:extLst>
             <a:ext uri="{909E8E84-426E-40dd-AFC4-6F175D3DCCD1}">
-              <a14:hiddenFill xmlns="" xmlns:a14="http://schemas.microsoft.com/office/drawing/2010/main">
+              <a14:hiddenFill xmlns:a14="http://schemas.microsoft.com/office/drawing/2010/main" xmlns="">
                 <a:solidFill>
                   <a:schemeClr val="accent1"/>
                 </a:solidFill>
               </a14:hiddenFill>
             </a:ext>
             <a:ext uri="{91240B29-F687-4f45-9708-019B960494DF}">
-              <a14:hiddenLine xmlns="" xmlns:a14="http://schemas.microsoft.com/office/drawing/2010/main" w="9525">
+              <a14:hiddenLine xmlns:a14="http://schemas.microsoft.com/office/drawing/2010/main" xmlns="" w="9525">
                 <a:solidFill>
                   <a:schemeClr val="tx1"/>
                 </a:solidFill>
@@ -8752,7 +8752,7 @@
               </a14:hiddenLine>
             </a:ext>
             <a:ext uri="{AF507438-7753-43e0-B8FC-AC1667EBCBE1}">
-              <a14:hiddenEffects xmlns="" xmlns:a14="http://schemas.microsoft.com/office/drawing/2010/main">
+              <a14:hiddenEffects xmlns:a14="http://schemas.microsoft.com/office/drawing/2010/main" xmlns="">
                 <a:effectLst>
                   <a:outerShdw blurRad="63500" dist="38099" dir="2700000" algn="ctr" rotWithShape="0">
                     <a:schemeClr val="bg2">
@@ -8796,14 +8796,14 @@
           </a:xfrm>
           <a:extLst>
             <a:ext uri="{909E8E84-426E-40dd-AFC4-6F175D3DCCD1}">
-              <a14:hiddenFill xmlns="" xmlns:a14="http://schemas.microsoft.com/office/drawing/2010/main">
+              <a14:hiddenFill xmlns:a14="http://schemas.microsoft.com/office/drawing/2010/main" xmlns="">
                 <a:solidFill>
                   <a:schemeClr val="accent1"/>
                 </a:solidFill>
               </a14:hiddenFill>
             </a:ext>
             <a:ext uri="{91240B29-F687-4f45-9708-019B960494DF}">
-              <a14:hiddenLine xmlns="" xmlns:a14="http://schemas.microsoft.com/office/drawing/2010/main" w="9525">
+              <a14:hiddenLine xmlns:a14="http://schemas.microsoft.com/office/drawing/2010/main" xmlns="" w="9525">
                 <a:solidFill>
                   <a:schemeClr val="tx1"/>
                 </a:solidFill>
@@ -8813,7 +8813,7 @@
               </a14:hiddenLine>
             </a:ext>
             <a:ext uri="{AF507438-7753-43e0-B8FC-AC1667EBCBE1}">
-              <a14:hiddenEffects xmlns="" xmlns:a14="http://schemas.microsoft.com/office/drawing/2010/main">
+              <a14:hiddenEffects xmlns:a14="http://schemas.microsoft.com/office/drawing/2010/main" xmlns="">
                 <a:effectLst>
                   <a:outerShdw blurRad="63500" dist="38099" dir="2700000" algn="ctr" rotWithShape="0">
                     <a:schemeClr val="bg2">
@@ -11514,14 +11514,14 @@
             <a:effectLst/>
             <a:extLst>
               <a:ext uri="{909E8E84-426E-40dd-AFC4-6F175D3DCCD1}">
-                <a14:hiddenFill xmlns="" xmlns:a14="http://schemas.microsoft.com/office/drawing/2010/main">
+                <a14:hiddenFill xmlns:a14="http://schemas.microsoft.com/office/drawing/2010/main" xmlns="">
                   <a:solidFill>
                     <a:schemeClr val="accent1"/>
                   </a:solidFill>
                 </a14:hiddenFill>
               </a:ext>
               <a:ext uri="{AF507438-7753-43e0-B8FC-AC1667EBCBE1}">
-                <a14:hiddenEffects xmlns="" xmlns:a14="http://schemas.microsoft.com/office/drawing/2010/main">
+                <a14:hiddenEffects xmlns:a14="http://schemas.microsoft.com/office/drawing/2010/main" xmlns="">
                   <a:effectLst>
                     <a:outerShdw blurRad="63500" dist="38099" dir="2700000" algn="ctr" rotWithShape="0">
                       <a:schemeClr val="bg2">
@@ -11686,12 +11686,12 @@
             <a:effectLst/>
             <a:extLst>
               <a:ext uri="{909E8E84-426E-40dd-AFC4-6F175D3DCCD1}">
-                <a14:hiddenFill xmlns="" xmlns:a14="http://schemas.microsoft.com/office/drawing/2010/main">
+                <a14:hiddenFill xmlns:a14="http://schemas.microsoft.com/office/drawing/2010/main" xmlns="">
                   <a:noFill/>
                 </a14:hiddenFill>
               </a:ext>
               <a:ext uri="{AF507438-7753-43e0-B8FC-AC1667EBCBE1}">
-                <a14:hiddenEffects xmlns="" xmlns:a14="http://schemas.microsoft.com/office/drawing/2010/main">
+                <a14:hiddenEffects xmlns:a14="http://schemas.microsoft.com/office/drawing/2010/main" xmlns="">
                   <a:effectLst>
                     <a:outerShdw blurRad="63500" dist="38099" dir="2700000" algn="ctr" rotWithShape="0">
                       <a:schemeClr val="bg2">
@@ -11743,17 +11743,17 @@
           <a:effectLst/>
           <a:extLst>
             <a:ext uri="{FAA26D3D-D897-4be2-8F04-BA451C77F1D7}">
-              <ma14:placeholderFlag xmlns:ma14="http://schemas.microsoft.com/office/mac/drawingml/2011/main" xmlns="" val="1"/>
+              <ma14:placeholderFlag xmlns="" xmlns:ma14="http://schemas.microsoft.com/office/mac/drawingml/2011/main" val="1"/>
             </a:ext>
             <a:ext uri="{909E8E84-426E-40dd-AFC4-6F175D3DCCD1}">
-              <a14:hiddenFill xmlns="" xmlns:a14="http://schemas.microsoft.com/office/drawing/2010/main">
+              <a14:hiddenFill xmlns:a14="http://schemas.microsoft.com/office/drawing/2010/main" xmlns="">
                 <a:solidFill>
                   <a:schemeClr val="accent1"/>
                 </a:solidFill>
               </a14:hiddenFill>
             </a:ext>
             <a:ext uri="{91240B29-F687-4f45-9708-019B960494DF}">
-              <a14:hiddenLine xmlns="" xmlns:a14="http://schemas.microsoft.com/office/drawing/2010/main" w="9525">
+              <a14:hiddenLine xmlns:a14="http://schemas.microsoft.com/office/drawing/2010/main" xmlns="" w="9525">
                 <a:solidFill>
                   <a:schemeClr val="tx1"/>
                 </a:solidFill>
@@ -11763,7 +11763,7 @@
               </a14:hiddenLine>
             </a:ext>
             <a:ext uri="{AF507438-7753-43e0-B8FC-AC1667EBCBE1}">
-              <a14:hiddenEffects xmlns="" xmlns:a14="http://schemas.microsoft.com/office/drawing/2010/main">
+              <a14:hiddenEffects xmlns:a14="http://schemas.microsoft.com/office/drawing/2010/main" xmlns="">
                 <a:effectLst>
                   <a:outerShdw blurRad="63500" dist="38099" dir="2700000" algn="ctr" rotWithShape="0">
                     <a:schemeClr val="bg2">
@@ -11816,17 +11816,17 @@
           <a:effectLst/>
           <a:extLst>
             <a:ext uri="{FAA26D3D-D897-4be2-8F04-BA451C77F1D7}">
-              <ma14:placeholderFlag xmlns:ma14="http://schemas.microsoft.com/office/mac/drawingml/2011/main" xmlns="" val="1"/>
+              <ma14:placeholderFlag xmlns="" xmlns:ma14="http://schemas.microsoft.com/office/mac/drawingml/2011/main" val="1"/>
             </a:ext>
             <a:ext uri="{909E8E84-426E-40dd-AFC4-6F175D3DCCD1}">
-              <a14:hiddenFill xmlns="" xmlns:a14="http://schemas.microsoft.com/office/drawing/2010/main">
+              <a14:hiddenFill xmlns:a14="http://schemas.microsoft.com/office/drawing/2010/main" xmlns="">
                 <a:solidFill>
                   <a:schemeClr val="accent1"/>
                 </a:solidFill>
               </a14:hiddenFill>
             </a:ext>
             <a:ext uri="{91240B29-F687-4f45-9708-019B960494DF}">
-              <a14:hiddenLine xmlns="" xmlns:a14="http://schemas.microsoft.com/office/drawing/2010/main" w="9525">
+              <a14:hiddenLine xmlns:a14="http://schemas.microsoft.com/office/drawing/2010/main" xmlns="" w="9525">
                 <a:solidFill>
                   <a:schemeClr val="tx1"/>
                 </a:solidFill>
@@ -11836,7 +11836,7 @@
               </a14:hiddenLine>
             </a:ext>
             <a:ext uri="{AF507438-7753-43e0-B8FC-AC1667EBCBE1}">
-              <a14:hiddenEffects xmlns="" xmlns:a14="http://schemas.microsoft.com/office/drawing/2010/main">
+              <a14:hiddenEffects xmlns:a14="http://schemas.microsoft.com/office/drawing/2010/main" xmlns="">
                 <a:effectLst>
                   <a:outerShdw blurRad="63500" dist="38099" dir="2700000" algn="ctr" rotWithShape="0">
                     <a:schemeClr val="bg2">
@@ -11917,17 +11917,17 @@
           <a:effectLst/>
           <a:extLst>
             <a:ext uri="{FAA26D3D-D897-4be2-8F04-BA451C77F1D7}">
-              <ma14:placeholderFlag xmlns:ma14="http://schemas.microsoft.com/office/mac/drawingml/2011/main" xmlns="" val="1"/>
+              <ma14:placeholderFlag xmlns="" xmlns:ma14="http://schemas.microsoft.com/office/mac/drawingml/2011/main" val="1"/>
             </a:ext>
             <a:ext uri="{909E8E84-426E-40dd-AFC4-6F175D3DCCD1}">
-              <a14:hiddenFill xmlns="" xmlns:a14="http://schemas.microsoft.com/office/drawing/2010/main">
+              <a14:hiddenFill xmlns:a14="http://schemas.microsoft.com/office/drawing/2010/main" xmlns="">
                 <a:solidFill>
                   <a:schemeClr val="accent1"/>
                 </a:solidFill>
               </a14:hiddenFill>
             </a:ext>
             <a:ext uri="{91240B29-F687-4f45-9708-019B960494DF}">
-              <a14:hiddenLine xmlns="" xmlns:a14="http://schemas.microsoft.com/office/drawing/2010/main" w="9525">
+              <a14:hiddenLine xmlns:a14="http://schemas.microsoft.com/office/drawing/2010/main" xmlns="" w="9525">
                 <a:solidFill>
                   <a:schemeClr val="tx1"/>
                 </a:solidFill>
@@ -11937,7 +11937,7 @@
               </a14:hiddenLine>
             </a:ext>
             <a:ext uri="{AF507438-7753-43e0-B8FC-AC1667EBCBE1}">
-              <a14:hiddenEffects xmlns="" xmlns:a14="http://schemas.microsoft.com/office/drawing/2010/main">
+              <a14:hiddenEffects xmlns:a14="http://schemas.microsoft.com/office/drawing/2010/main" xmlns="">
                 <a:effectLst>
                   <a:outerShdw blurRad="63500" dist="38099" dir="2700000" algn="ctr" rotWithShape="0">
                     <a:schemeClr val="bg2">
@@ -11996,17 +11996,17 @@
           <a:effectLst/>
           <a:extLst>
             <a:ext uri="{FAA26D3D-D897-4be2-8F04-BA451C77F1D7}">
-              <ma14:placeholderFlag xmlns:ma14="http://schemas.microsoft.com/office/mac/drawingml/2011/main" xmlns="" val="1"/>
+              <ma14:placeholderFlag xmlns="" xmlns:ma14="http://schemas.microsoft.com/office/mac/drawingml/2011/main" val="1"/>
             </a:ext>
             <a:ext uri="{909E8E84-426E-40dd-AFC4-6F175D3DCCD1}">
-              <a14:hiddenFill xmlns="" xmlns:a14="http://schemas.microsoft.com/office/drawing/2010/main">
+              <a14:hiddenFill xmlns:a14="http://schemas.microsoft.com/office/drawing/2010/main" xmlns="">
                 <a:solidFill>
                   <a:schemeClr val="accent1"/>
                 </a:solidFill>
               </a14:hiddenFill>
             </a:ext>
             <a:ext uri="{91240B29-F687-4f45-9708-019B960494DF}">
-              <a14:hiddenLine xmlns="" xmlns:a14="http://schemas.microsoft.com/office/drawing/2010/main" w="9525">
+              <a14:hiddenLine xmlns:a14="http://schemas.microsoft.com/office/drawing/2010/main" xmlns="" w="9525">
                 <a:solidFill>
                   <a:schemeClr val="tx1"/>
                 </a:solidFill>
@@ -12016,7 +12016,7 @@
               </a14:hiddenLine>
             </a:ext>
             <a:ext uri="{AF507438-7753-43e0-B8FC-AC1667EBCBE1}">
-              <a14:hiddenEffects xmlns="" xmlns:a14="http://schemas.microsoft.com/office/drawing/2010/main">
+              <a14:hiddenEffects xmlns:a14="http://schemas.microsoft.com/office/drawing/2010/main" xmlns="">
                 <a:effectLst>
                   <a:outerShdw blurRad="63500" dist="38099" dir="2700000" algn="ctr" rotWithShape="0">
                     <a:schemeClr val="bg2">
@@ -12075,17 +12075,17 @@
           <a:effectLst/>
           <a:extLst>
             <a:ext uri="{FAA26D3D-D897-4be2-8F04-BA451C77F1D7}">
-              <ma14:placeholderFlag xmlns:ma14="http://schemas.microsoft.com/office/mac/drawingml/2011/main" xmlns="" val="1"/>
+              <ma14:placeholderFlag xmlns="" xmlns:ma14="http://schemas.microsoft.com/office/mac/drawingml/2011/main" val="1"/>
             </a:ext>
             <a:ext uri="{909E8E84-426E-40dd-AFC4-6F175D3DCCD1}">
-              <a14:hiddenFill xmlns="" xmlns:a14="http://schemas.microsoft.com/office/drawing/2010/main">
+              <a14:hiddenFill xmlns:a14="http://schemas.microsoft.com/office/drawing/2010/main" xmlns="">
                 <a:solidFill>
                   <a:schemeClr val="accent1"/>
                 </a:solidFill>
               </a14:hiddenFill>
             </a:ext>
             <a:ext uri="{91240B29-F687-4f45-9708-019B960494DF}">
-              <a14:hiddenLine xmlns="" xmlns:a14="http://schemas.microsoft.com/office/drawing/2010/main" w="9525">
+              <a14:hiddenLine xmlns:a14="http://schemas.microsoft.com/office/drawing/2010/main" xmlns="" w="9525">
                 <a:solidFill>
                   <a:schemeClr val="tx1"/>
                 </a:solidFill>
@@ -12095,7 +12095,7 @@
               </a14:hiddenLine>
             </a:ext>
             <a:ext uri="{AF507438-7753-43e0-B8FC-AC1667EBCBE1}">
-              <a14:hiddenEffects xmlns="" xmlns:a14="http://schemas.microsoft.com/office/drawing/2010/main">
+              <a14:hiddenEffects xmlns:a14="http://schemas.microsoft.com/office/drawing/2010/main" xmlns="">
                 <a:effectLst>
                   <a:outerShdw blurRad="63500" dist="38099" dir="2700000" algn="ctr" rotWithShape="0">
                     <a:schemeClr val="bg2">
@@ -15619,39 +15619,47 @@
           </a:lstStyle>
           <a:p>
             <a:r>
-              <a:rPr lang="en-US" altLang="en-US" sz="1800" u="sng"/>
+              <a:rPr lang="en-US" altLang="en-US" sz="1800" u="sng" dirty="0"/>
               <a:t>Example:</a:t>
             </a:r>
             <a:r>
-              <a:rPr lang="en-US" altLang="en-US" sz="1800"/>
+              <a:rPr lang="en-US" altLang="en-US" sz="1800" dirty="0"/>
               <a:t> a simple program</a:t>
             </a:r>
           </a:p>
           <a:p>
-            <a:endParaRPr lang="en-US" altLang="en-US" sz="1800"/>
-          </a:p>
-          <a:p>
-            <a:r>
-              <a:rPr lang="en-US" altLang="en-US" sz="1800"/>
+            <a:endParaRPr lang="en-US" altLang="en-US" sz="1800" dirty="0"/>
+          </a:p>
+          <a:p>
+            <a:r>
+              <a:rPr lang="en-US" altLang="en-US" sz="1800" dirty="0"/>
               <a:t>	</a:t>
             </a:r>
             <a:r>
-              <a:rPr lang="en-US" altLang="en-US" sz="1400"/>
-              <a:t>male(phil).</a:t>
-            </a:r>
-          </a:p>
-          <a:p>
-            <a:r>
-              <a:rPr lang="en-US" altLang="en-US" sz="1400"/>
-              <a:t>	male(john).</a:t>
-            </a:r>
-          </a:p>
-          <a:p>
-            <a:r>
-              <a:rPr lang="en-US" altLang="en-US" sz="1400"/>
-              <a:t>	female(betty).</a:t>
-            </a:r>
-            <a:endParaRPr lang="en-US" altLang="en-US" sz="1800" u="sng"/>
+              <a:rPr lang="en-US" altLang="en-US" sz="1400" dirty="0"/>
+              <a:t>man(</a:t>
+            </a:r>
+            <a:r>
+              <a:rPr lang="en-US" altLang="en-US" sz="1400" dirty="0" err="1"/>
+              <a:t>phil</a:t>
+            </a:r>
+            <a:r>
+              <a:rPr lang="en-US" altLang="en-US" sz="1400" dirty="0"/>
+              <a:t>).</a:t>
+            </a:r>
+          </a:p>
+          <a:p>
+            <a:r>
+              <a:rPr lang="en-US" altLang="en-US" sz="1400" dirty="0"/>
+              <a:t>	man(john).</a:t>
+            </a:r>
+          </a:p>
+          <a:p>
+            <a:r>
+              <a:rPr lang="en-US" altLang="en-US" sz="1400" dirty="0"/>
+              <a:t>	woman(betty).</a:t>
+            </a:r>
+            <a:endParaRPr lang="en-US" altLang="en-US" sz="1800" u="sng" dirty="0"/>
           </a:p>
         </p:txBody>
       </p:sp>
@@ -16150,7 +16158,7 @@
         <p:spPr bwMode="auto">
           <a:xfrm>
             <a:off x="1660525" y="5119688"/>
-            <a:ext cx="5411788" cy="942975"/>
+            <a:ext cx="5445722" cy="954107"/>
           </a:xfrm>
           <a:prstGeom prst="rect">
             <a:avLst/>
@@ -16292,25 +16300,41 @@
           </a:lstStyle>
           <a:p>
             <a:r>
-              <a:rPr lang="en-US" altLang="en-US" sz="1400"/>
-              <a:t>?- male(phil).</a:t>
-            </a:r>
-          </a:p>
-          <a:p>
-            <a:r>
-              <a:rPr lang="en-US" altLang="en-US" sz="1400"/>
+              <a:rPr lang="en-US" altLang="en-US" sz="1400" dirty="0"/>
+              <a:t>?- man(</a:t>
+            </a:r>
+            <a:r>
+              <a:rPr lang="en-US" altLang="en-US" sz="1400" dirty="0" err="1"/>
+              <a:t>phil</a:t>
+            </a:r>
+            <a:r>
+              <a:rPr lang="en-US" altLang="en-US" sz="1400" dirty="0"/>
+              <a:t>).</a:t>
+            </a:r>
+          </a:p>
+          <a:p>
+            <a:r>
+              <a:rPr lang="en-US" altLang="en-US" sz="1400" dirty="0"/>
               <a:t>     true - because Prolog can use its knowledgebase to prove true.</a:t>
             </a:r>
           </a:p>
           <a:p>
             <a:r>
-              <a:rPr lang="en-US" altLang="en-US" sz="1400"/>
-              <a:t>?- female(phil).</a:t>
-            </a:r>
-          </a:p>
-          <a:p>
-            <a:r>
-              <a:rPr lang="en-US" altLang="en-US" sz="1400"/>
+              <a:rPr lang="en-US" altLang="en-US" sz="1400" dirty="0"/>
+              <a:t>?- woman(</a:t>
+            </a:r>
+            <a:r>
+              <a:rPr lang="en-US" altLang="en-US" sz="1400" dirty="0" err="1"/>
+              <a:t>phil</a:t>
+            </a:r>
+            <a:r>
+              <a:rPr lang="en-US" altLang="en-US" sz="1400" dirty="0"/>
+              <a:t>).</a:t>
+            </a:r>
+          </a:p>
+          <a:p>
+            <a:r>
+              <a:rPr lang="en-US" altLang="en-US" sz="1400" dirty="0"/>
               <a:t>     false - this fact is not in the knowledgebase.</a:t>
             </a:r>
           </a:p>
@@ -17098,14 +17122,14 @@
           <a:effectLst/>
           <a:extLst>
             <a:ext uri="{909E8E84-426E-40dd-AFC4-6F175D3DCCD1}">
-              <a14:hiddenFill xmlns="" xmlns:a14="http://schemas.microsoft.com/office/drawing/2010/main">
+              <a14:hiddenFill xmlns:a14="http://schemas.microsoft.com/office/drawing/2010/main" xmlns="">
                 <a:solidFill>
                   <a:schemeClr val="accent1"/>
                 </a:solidFill>
               </a14:hiddenFill>
             </a:ext>
             <a:ext uri="{91240B29-F687-4f45-9708-019B960494DF}">
-              <a14:hiddenLine xmlns="" xmlns:a14="http://schemas.microsoft.com/office/drawing/2010/main" w="9525">
+              <a14:hiddenLine xmlns:a14="http://schemas.microsoft.com/office/drawing/2010/main" xmlns="" w="9525">
                 <a:solidFill>
                   <a:schemeClr val="tx1"/>
                 </a:solidFill>
@@ -17115,7 +17139,7 @@
               </a14:hiddenLine>
             </a:ext>
             <a:ext uri="{AF507438-7753-43e0-B8FC-AC1667EBCBE1}">
-              <a14:hiddenEffects xmlns="" xmlns:a14="http://schemas.microsoft.com/office/drawing/2010/main">
+              <a14:hiddenEffects xmlns:a14="http://schemas.microsoft.com/office/drawing/2010/main" xmlns="">
                 <a:effectLst>
                   <a:outerShdw blurRad="63500" dist="38099" dir="2700000" algn="ctr" rotWithShape="0">
                     <a:schemeClr val="bg2">
@@ -17298,7 +17322,7 @@
         <p:spPr bwMode="auto">
           <a:xfrm>
             <a:off x="685800" y="1600200"/>
-            <a:ext cx="2895600" cy="3013075"/>
+            <a:ext cx="2895600" cy="3046988"/>
           </a:xfrm>
           <a:prstGeom prst="rect">
             <a:avLst/>
@@ -17310,14 +17334,14 @@
           <a:effectLst/>
           <a:extLst>
             <a:ext uri="{909E8E84-426E-40dd-AFC4-6F175D3DCCD1}">
-              <a14:hiddenFill xmlns="" xmlns:a14="http://schemas.microsoft.com/office/drawing/2010/main">
+              <a14:hiddenFill xmlns:a14="http://schemas.microsoft.com/office/drawing/2010/main" xmlns="">
                 <a:solidFill>
                   <a:schemeClr val="accent1"/>
                 </a:solidFill>
               </a14:hiddenFill>
             </a:ext>
             <a:ext uri="{91240B29-F687-4f45-9708-019B960494DF}">
-              <a14:hiddenLine xmlns="" xmlns:a14="http://schemas.microsoft.com/office/drawing/2010/main" w="9525">
+              <a14:hiddenLine xmlns:a14="http://schemas.microsoft.com/office/drawing/2010/main" xmlns="" w="9525">
                 <a:solidFill>
                   <a:schemeClr val="tx1"/>
                 </a:solidFill>
@@ -17327,7 +17351,7 @@
               </a14:hiddenLine>
             </a:ext>
             <a:ext uri="{AF507438-7753-43e0-B8FC-AC1667EBCBE1}">
-              <a14:hiddenEffects xmlns="" xmlns:a14="http://schemas.microsoft.com/office/drawing/2010/main">
+              <a14:hiddenEffects xmlns:a14="http://schemas.microsoft.com/office/drawing/2010/main" xmlns="">
                 <a:effectLst>
                   <a:outerShdw blurRad="63500" dist="38099" dir="2700000" algn="ctr" rotWithShape="0">
                     <a:schemeClr val="bg2">
@@ -17349,7 +17373,7 @@
               <a:defRPr/>
             </a:pPr>
             <a:r>
-              <a:rPr lang="en-US" sz="1200">
+              <a:rPr lang="en-US" sz="1200" dirty="0">
                 <a:latin typeface="Courier New" charset="0"/>
                 <a:ea typeface="ＭＳ Ｐゴシック" charset="0"/>
                 <a:cs typeface="ＭＳ Ｐゴシック" charset="0"/>
@@ -17363,13 +17387,13 @@
               <a:defRPr/>
             </a:pPr>
             <a:r>
-              <a:rPr lang="en-US" sz="1200">
+              <a:rPr lang="en-US" sz="1200" dirty="0">
                 <a:latin typeface="Courier New" charset="0"/>
                 <a:ea typeface="ＭＳ Ｐゴシック" charset="0"/>
                 <a:cs typeface="ＭＳ Ｐゴシック" charset="0"/>
                 <a:sym typeface="Symbol" charset="0"/>
               </a:rPr>
-              <a:t>female(pam).</a:t>
+              <a:t>woman(pam).</a:t>
             </a:r>
           </a:p>
           <a:p>
@@ -17377,48 +17401,84 @@
               <a:defRPr/>
             </a:pPr>
             <a:r>
-              <a:rPr lang="en-US" sz="1200">
+              <a:rPr lang="en-US" sz="1200" dirty="0">
                 <a:latin typeface="Courier New" charset="0"/>
                 <a:ea typeface="ＭＳ Ｐゴシック" charset="0"/>
                 <a:cs typeface="ＭＳ Ｐゴシック" charset="0"/>
                 <a:sym typeface="Symbol" charset="0"/>
               </a:rPr>
-              <a:t>female(liz). </a:t>
-            </a:r>
-          </a:p>
-          <a:p>
-            <a:pPr>
-              <a:defRPr/>
-            </a:pPr>
-            <a:r>
-              <a:rPr lang="en-US" sz="1200">
+              <a:t>woman(</a:t>
+            </a:r>
+            <a:r>
+              <a:rPr lang="en-US" sz="1200" dirty="0" err="1">
                 <a:latin typeface="Courier New" charset="0"/>
                 <a:ea typeface="ＭＳ Ｐゴシック" charset="0"/>
                 <a:cs typeface="ＭＳ Ｐゴシック" charset="0"/>
                 <a:sym typeface="Symbol" charset="0"/>
               </a:rPr>
-              <a:t>female(ann). </a:t>
-            </a:r>
-          </a:p>
-          <a:p>
-            <a:pPr>
-              <a:defRPr/>
-            </a:pPr>
-            <a:r>
-              <a:rPr lang="en-US" sz="1200">
+              <a:t>liz</a:t>
+            </a:r>
+            <a:r>
+              <a:rPr lang="en-US" sz="1200" dirty="0">
                 <a:latin typeface="Courier New" charset="0"/>
                 <a:ea typeface="ＭＳ Ｐゴシック" charset="0"/>
                 <a:cs typeface="ＭＳ Ｐゴシック" charset="0"/>
                 <a:sym typeface="Symbol" charset="0"/>
               </a:rPr>
-              <a:t>female(pat). </a:t>
+              <a:t>). </a:t>
             </a:r>
           </a:p>
           <a:p>
             <a:pPr>
               <a:defRPr/>
             </a:pPr>
-            <a:endParaRPr lang="en-US" sz="1200">
+            <a:r>
+              <a:rPr lang="en-US" sz="1200" dirty="0">
+                <a:latin typeface="Courier New" charset="0"/>
+                <a:ea typeface="ＭＳ Ｐゴシック" charset="0"/>
+                <a:cs typeface="ＭＳ Ｐゴシック" charset="0"/>
+                <a:sym typeface="Symbol" charset="0"/>
+              </a:rPr>
+              <a:t>woman(</a:t>
+            </a:r>
+            <a:r>
+              <a:rPr lang="en-US" sz="1200" dirty="0" err="1">
+                <a:latin typeface="Courier New" charset="0"/>
+                <a:ea typeface="ＭＳ Ｐゴシック" charset="0"/>
+                <a:cs typeface="ＭＳ Ｐゴシック" charset="0"/>
+                <a:sym typeface="Symbol" charset="0"/>
+              </a:rPr>
+              <a:t>ann</a:t>
+            </a:r>
+            <a:r>
+              <a:rPr lang="en-US" sz="1200" dirty="0">
+                <a:latin typeface="Courier New" charset="0"/>
+                <a:ea typeface="ＭＳ Ｐゴシック" charset="0"/>
+                <a:cs typeface="ＭＳ Ｐゴシック" charset="0"/>
+                <a:sym typeface="Symbol" charset="0"/>
+              </a:rPr>
+              <a:t>). </a:t>
+            </a:r>
+          </a:p>
+          <a:p>
+            <a:pPr>
+              <a:defRPr/>
+            </a:pPr>
+            <a:r>
+              <a:rPr lang="en-US" sz="1200" dirty="0">
+                <a:latin typeface="Courier New" charset="0"/>
+                <a:ea typeface="ＭＳ Ｐゴシック" charset="0"/>
+                <a:cs typeface="ＭＳ Ｐゴシック" charset="0"/>
+                <a:sym typeface="Symbol" charset="0"/>
+              </a:rPr>
+              <a:t>woman(pat). </a:t>
+            </a:r>
+          </a:p>
+          <a:p>
+            <a:pPr>
+              <a:defRPr/>
+            </a:pPr>
+            <a:endParaRPr lang="en-US" sz="1200" dirty="0">
               <a:latin typeface="Courier New" charset="0"/>
               <a:ea typeface="ＭＳ Ｐゴシック" charset="0"/>
               <a:cs typeface="ＭＳ Ｐゴシック" charset="0"/>
@@ -17430,13 +17490,13 @@
               <a:defRPr/>
             </a:pPr>
             <a:r>
-              <a:rPr lang="en-US" sz="1200">
+              <a:rPr lang="en-US" sz="1200" dirty="0">
                 <a:latin typeface="Courier New" charset="0"/>
                 <a:ea typeface="ＭＳ Ｐゴシック" charset="0"/>
                 <a:cs typeface="ＭＳ Ｐゴシック" charset="0"/>
                 <a:sym typeface="Symbol" charset="0"/>
               </a:rPr>
-              <a:t>male(tom). </a:t>
+              <a:t>man(tom). </a:t>
             </a:r>
           </a:p>
           <a:p>
@@ -17444,13 +17504,13 @@
               <a:defRPr/>
             </a:pPr>
             <a:r>
-              <a:rPr lang="en-US" sz="1200">
+              <a:rPr lang="en-US" sz="1200" dirty="0">
                 <a:latin typeface="Courier New" charset="0"/>
                 <a:ea typeface="ＭＳ Ｐゴシック" charset="0"/>
                 <a:cs typeface="ＭＳ Ｐゴシック" charset="0"/>
                 <a:sym typeface="Symbol" charset="0"/>
               </a:rPr>
-              <a:t>male(bob). </a:t>
+              <a:t>man(bob). </a:t>
             </a:r>
           </a:p>
           <a:p>
@@ -17458,20 +17518,38 @@
               <a:defRPr/>
             </a:pPr>
             <a:r>
-              <a:rPr lang="en-US" sz="1200">
+              <a:rPr lang="en-US" sz="1200" dirty="0">
                 <a:latin typeface="Courier New" charset="0"/>
                 <a:ea typeface="ＭＳ Ｐゴシック" charset="0"/>
                 <a:cs typeface="ＭＳ Ｐゴシック" charset="0"/>
                 <a:sym typeface="Symbol" charset="0"/>
               </a:rPr>
-              <a:t>male(jim). </a:t>
+              <a:t>man(</a:t>
+            </a:r>
+            <a:r>
+              <a:rPr lang="en-US" sz="1200" dirty="0" err="1">
+                <a:latin typeface="Courier New" charset="0"/>
+                <a:ea typeface="ＭＳ Ｐゴシック" charset="0"/>
+                <a:cs typeface="ＭＳ Ｐゴシック" charset="0"/>
+                <a:sym typeface="Symbol" charset="0"/>
+              </a:rPr>
+              <a:t>jim</a:t>
+            </a:r>
+            <a:r>
+              <a:rPr lang="en-US" sz="1200" dirty="0">
+                <a:latin typeface="Courier New" charset="0"/>
+                <a:ea typeface="ＭＳ Ｐゴシック" charset="0"/>
+                <a:cs typeface="ＭＳ Ｐゴシック" charset="0"/>
+                <a:sym typeface="Symbol" charset="0"/>
+              </a:rPr>
+              <a:t>). </a:t>
             </a:r>
           </a:p>
           <a:p>
             <a:pPr>
               <a:defRPr/>
             </a:pPr>
-            <a:endParaRPr lang="en-US" sz="1200">
+            <a:endParaRPr lang="en-US" sz="1200" dirty="0">
               <a:latin typeface="Courier New" charset="0"/>
               <a:ea typeface="ＭＳ Ｐゴシック" charset="0"/>
               <a:cs typeface="ＭＳ Ｐゴシック" charset="0"/>
@@ -17483,41 +17561,31 @@
               <a:defRPr/>
             </a:pPr>
             <a:r>
-              <a:rPr lang="en-US" sz="1200">
+              <a:rPr lang="en-US" sz="1200" dirty="0">
                 <a:latin typeface="Courier New" charset="0"/>
                 <a:ea typeface="ＭＳ Ｐゴシック" charset="0"/>
                 <a:cs typeface="ＭＳ Ｐゴシック" charset="0"/>
                 <a:sym typeface="Symbol" charset="0"/>
               </a:rPr>
-              <a:t>parent(pam,bob). </a:t>
-            </a:r>
-          </a:p>
-          <a:p>
-            <a:pPr>
-              <a:defRPr/>
-            </a:pPr>
-            <a:r>
-              <a:rPr lang="en-US" sz="1200">
+              <a:t>parent(</a:t>
+            </a:r>
+            <a:r>
+              <a:rPr lang="en-US" sz="1200" dirty="0" err="1">
                 <a:latin typeface="Courier New" charset="0"/>
                 <a:ea typeface="ＭＳ Ｐゴシック" charset="0"/>
                 <a:cs typeface="ＭＳ Ｐゴシック" charset="0"/>
                 <a:sym typeface="Symbol" charset="0"/>
               </a:rPr>
-              <a:t>parent(tom,bob). </a:t>
-            </a:r>
-          </a:p>
-          <a:p>
-            <a:pPr>
-              <a:defRPr/>
-            </a:pPr>
-            <a:r>
-              <a:rPr lang="en-US" sz="1200">
+              <a:t>pam,bob</a:t>
+            </a:r>
+            <a:r>
+              <a:rPr lang="en-US" sz="1200" dirty="0">
                 <a:latin typeface="Courier New" charset="0"/>
                 <a:ea typeface="ＭＳ Ｐゴシック" charset="0"/>
                 <a:cs typeface="ＭＳ Ｐゴシック" charset="0"/>
                 <a:sym typeface="Symbol" charset="0"/>
               </a:rPr>
-              <a:t>parent(tom,liz). </a:t>
+              <a:t>). </a:t>
             </a:r>
           </a:p>
           <a:p>
@@ -17525,43 +17593,161 @@
               <a:defRPr/>
             </a:pPr>
             <a:r>
-              <a:rPr lang="en-US" sz="1200">
+              <a:rPr lang="en-US" sz="1200" dirty="0">
                 <a:latin typeface="Courier New" charset="0"/>
                 <a:ea typeface="ＭＳ Ｐゴシック" charset="0"/>
                 <a:cs typeface="ＭＳ Ｐゴシック" charset="0"/>
                 <a:sym typeface="Symbol" charset="0"/>
               </a:rPr>
-              <a:t>parent(bob,ann).</a:t>
-            </a:r>
-          </a:p>
-          <a:p>
-            <a:pPr>
-              <a:defRPr/>
-            </a:pPr>
-            <a:r>
-              <a:rPr lang="en-US" sz="1200">
+              <a:t>parent(</a:t>
+            </a:r>
+            <a:r>
+              <a:rPr lang="en-US" sz="1200" dirty="0" err="1">
                 <a:latin typeface="Courier New" charset="0"/>
                 <a:ea typeface="ＭＳ Ｐゴシック" charset="0"/>
                 <a:cs typeface="ＭＳ Ｐゴシック" charset="0"/>
                 <a:sym typeface="Symbol" charset="0"/>
               </a:rPr>
-              <a:t>parent(bob,pat). </a:t>
-            </a:r>
-          </a:p>
-          <a:p>
-            <a:pPr>
-              <a:defRPr/>
-            </a:pPr>
-            <a:r>
-              <a:rPr lang="en-US" sz="1200">
+              <a:t>tom,bob</a:t>
+            </a:r>
+            <a:r>
+              <a:rPr lang="en-US" sz="1200" dirty="0">
                 <a:latin typeface="Courier New" charset="0"/>
                 <a:ea typeface="ＭＳ Ｐゴシック" charset="0"/>
                 <a:cs typeface="ＭＳ Ｐゴシック" charset="0"/>
                 <a:sym typeface="Symbol" charset="0"/>
               </a:rPr>
-              <a:t>parent(pat,jim).</a:t>
-            </a:r>
-            <a:endParaRPr lang="en-US" sz="1400">
+              <a:t>). </a:t>
+            </a:r>
+          </a:p>
+          <a:p>
+            <a:pPr>
+              <a:defRPr/>
+            </a:pPr>
+            <a:r>
+              <a:rPr lang="en-US" sz="1200" dirty="0">
+                <a:latin typeface="Courier New" charset="0"/>
+                <a:ea typeface="ＭＳ Ｐゴシック" charset="0"/>
+                <a:cs typeface="ＭＳ Ｐゴシック" charset="0"/>
+                <a:sym typeface="Symbol" charset="0"/>
+              </a:rPr>
+              <a:t>parent(</a:t>
+            </a:r>
+            <a:r>
+              <a:rPr lang="en-US" sz="1200" dirty="0" err="1">
+                <a:latin typeface="Courier New" charset="0"/>
+                <a:ea typeface="ＭＳ Ｐゴシック" charset="0"/>
+                <a:cs typeface="ＭＳ Ｐゴシック" charset="0"/>
+                <a:sym typeface="Symbol" charset="0"/>
+              </a:rPr>
+              <a:t>tom,liz</a:t>
+            </a:r>
+            <a:r>
+              <a:rPr lang="en-US" sz="1200" dirty="0">
+                <a:latin typeface="Courier New" charset="0"/>
+                <a:ea typeface="ＭＳ Ｐゴシック" charset="0"/>
+                <a:cs typeface="ＭＳ Ｐゴシック" charset="0"/>
+                <a:sym typeface="Symbol" charset="0"/>
+              </a:rPr>
+              <a:t>). </a:t>
+            </a:r>
+          </a:p>
+          <a:p>
+            <a:pPr>
+              <a:defRPr/>
+            </a:pPr>
+            <a:r>
+              <a:rPr lang="en-US" sz="1200" dirty="0">
+                <a:latin typeface="Courier New" charset="0"/>
+                <a:ea typeface="ＭＳ Ｐゴシック" charset="0"/>
+                <a:cs typeface="ＭＳ Ｐゴシック" charset="0"/>
+                <a:sym typeface="Symbol" charset="0"/>
+              </a:rPr>
+              <a:t>parent(</a:t>
+            </a:r>
+            <a:r>
+              <a:rPr lang="en-US" sz="1200" dirty="0" err="1">
+                <a:latin typeface="Courier New" charset="0"/>
+                <a:ea typeface="ＭＳ Ｐゴシック" charset="0"/>
+                <a:cs typeface="ＭＳ Ｐゴシック" charset="0"/>
+                <a:sym typeface="Symbol" charset="0"/>
+              </a:rPr>
+              <a:t>bob,ann</a:t>
+            </a:r>
+            <a:r>
+              <a:rPr lang="en-US" sz="1200" dirty="0">
+                <a:latin typeface="Courier New" charset="0"/>
+                <a:ea typeface="ＭＳ Ｐゴシック" charset="0"/>
+                <a:cs typeface="ＭＳ Ｐゴシック" charset="0"/>
+                <a:sym typeface="Symbol" charset="0"/>
+              </a:rPr>
+              <a:t>).</a:t>
+            </a:r>
+          </a:p>
+          <a:p>
+            <a:pPr>
+              <a:defRPr/>
+            </a:pPr>
+            <a:r>
+              <a:rPr lang="en-US" sz="1200" dirty="0">
+                <a:latin typeface="Courier New" charset="0"/>
+                <a:ea typeface="ＭＳ Ｐゴシック" charset="0"/>
+                <a:cs typeface="ＭＳ Ｐゴシック" charset="0"/>
+                <a:sym typeface="Symbol" charset="0"/>
+              </a:rPr>
+              <a:t>parent(</a:t>
+            </a:r>
+            <a:r>
+              <a:rPr lang="en-US" sz="1200" dirty="0" err="1">
+                <a:latin typeface="Courier New" charset="0"/>
+                <a:ea typeface="ＭＳ Ｐゴシック" charset="0"/>
+                <a:cs typeface="ＭＳ Ｐゴシック" charset="0"/>
+                <a:sym typeface="Symbol" charset="0"/>
+              </a:rPr>
+              <a:t>bob,pat</a:t>
+            </a:r>
+            <a:r>
+              <a:rPr lang="en-US" sz="1200" dirty="0">
+                <a:latin typeface="Courier New" charset="0"/>
+                <a:ea typeface="ＭＳ Ｐゴシック" charset="0"/>
+                <a:cs typeface="ＭＳ Ｐゴシック" charset="0"/>
+                <a:sym typeface="Symbol" charset="0"/>
+              </a:rPr>
+              <a:t>). </a:t>
+            </a:r>
+          </a:p>
+          <a:p>
+            <a:pPr>
+              <a:defRPr/>
+            </a:pPr>
+            <a:r>
+              <a:rPr lang="en-US" sz="1200" dirty="0">
+                <a:latin typeface="Courier New" charset="0"/>
+                <a:ea typeface="ＭＳ Ｐゴシック" charset="0"/>
+                <a:cs typeface="ＭＳ Ｐゴシック" charset="0"/>
+                <a:sym typeface="Symbol" charset="0"/>
+              </a:rPr>
+              <a:t>parent(</a:t>
+            </a:r>
+            <a:r>
+              <a:rPr lang="en-US" sz="1200" dirty="0" err="1">
+                <a:latin typeface="Courier New" charset="0"/>
+                <a:ea typeface="ＭＳ Ｐゴシック" charset="0"/>
+                <a:cs typeface="ＭＳ Ｐゴシック" charset="0"/>
+                <a:sym typeface="Symbol" charset="0"/>
+              </a:rPr>
+              <a:t>pat,jim</a:t>
+            </a:r>
+            <a:r>
+              <a:rPr lang="en-US" sz="1200" dirty="0">
+                <a:latin typeface="Courier New" charset="0"/>
+                <a:ea typeface="ＭＳ Ｐゴシック" charset="0"/>
+                <a:cs typeface="ＭＳ Ｐゴシック" charset="0"/>
+                <a:sym typeface="Symbol" charset="0"/>
+              </a:rPr>
+              <a:t>).</a:t>
+            </a:r>
+            <a:endParaRPr lang="en-US" sz="1400" dirty="0">
               <a:latin typeface="Courier New" charset="0"/>
               <a:ea typeface="ＭＳ Ｐゴシック" charset="0"/>
               <a:cs typeface="ＭＳ Ｐゴシック" charset="0"/>
@@ -17828,7 +18014,7 @@
         <p:spPr bwMode="auto">
           <a:xfrm>
             <a:off x="2286000" y="4953000"/>
-            <a:ext cx="3203575" cy="1044575"/>
+            <a:ext cx="3058851" cy="1046440"/>
           </a:xfrm>
           <a:prstGeom prst="rect">
             <a:avLst/>
@@ -17965,55 +18151,67 @@
           </a:lstStyle>
           <a:p>
             <a:r>
-              <a:rPr lang="en-US" altLang="en-US" sz="1400"/>
+              <a:rPr lang="en-US" altLang="en-US" sz="1400" dirty="0"/>
               <a:t>Example Queries:</a:t>
             </a:r>
           </a:p>
           <a:p>
             <a:r>
-              <a:rPr lang="en-US" altLang="en-US" sz="1200">
+              <a:rPr lang="en-US" altLang="en-US" sz="1200" dirty="0">
                 <a:latin typeface="Courier New" charset="0"/>
               </a:rPr>
-              <a:t>?- female(pam).</a:t>
-            </a:r>
-          </a:p>
-          <a:p>
-            <a:r>
-              <a:rPr lang="en-US" altLang="en-US" sz="1200">
+              <a:t>?- woman(pam).</a:t>
+            </a:r>
+          </a:p>
+          <a:p>
+            <a:r>
+              <a:rPr lang="en-US" altLang="en-US" sz="1200" dirty="0">
                 <a:latin typeface="Courier New" charset="0"/>
               </a:rPr>
-              <a:t>?- female(X).      </a:t>
-            </a:r>
-            <a:r>
-              <a:rPr lang="en-US" altLang="en-US" sz="1200">
+              <a:t>?- woman(X).      </a:t>
+            </a:r>
+            <a:r>
+              <a:rPr lang="en-US" altLang="en-US" sz="1200" dirty="0">
                 <a:latin typeface="Courier New" charset="0"/>
                 <a:sym typeface="Symbol" charset="2"/>
               </a:rPr>
               <a:t></a:t>
             </a:r>
             <a:r>
-              <a:rPr lang="en-US" altLang="en-US" sz="1200">
+              <a:rPr lang="en-US" altLang="en-US" sz="1200" dirty="0">
                 <a:latin typeface="Courier New" charset="0"/>
               </a:rPr>
-              <a:t>X[female(X)]?</a:t>
-            </a:r>
-          </a:p>
-          <a:p>
-            <a:r>
-              <a:rPr lang="en-US" altLang="en-US" sz="1200">
+              <a:t>X[woman(X)]?</a:t>
+            </a:r>
+          </a:p>
+          <a:p>
+            <a:r>
+              <a:rPr lang="en-US" altLang="en-US" sz="1200" dirty="0">
                 <a:latin typeface="Courier New" charset="0"/>
               </a:rPr>
-              <a:t>?- parent(tom,Z).</a:t>
-            </a:r>
-          </a:p>
-          <a:p>
-            <a:r>
-              <a:rPr lang="en-US" altLang="en-US" sz="1200">
+              <a:t>?- parent(</a:t>
+            </a:r>
+            <a:r>
+              <a:rPr lang="en-US" altLang="en-US" sz="1200" dirty="0" err="1">
+                <a:latin typeface="Courier New" charset="0"/>
+              </a:rPr>
+              <a:t>tom,Z</a:t>
+            </a:r>
+            <a:r>
+              <a:rPr lang="en-US" altLang="en-US" sz="1200" dirty="0">
+                <a:latin typeface="Courier New" charset="0"/>
+              </a:rPr>
+              <a:t>).</a:t>
+            </a:r>
+          </a:p>
+          <a:p>
+            <a:r>
+              <a:rPr lang="en-US" altLang="en-US" sz="1200" dirty="0">
                 <a:latin typeface="Courier New" charset="0"/>
               </a:rPr>
               <a:t>?- father(Y).      </a:t>
             </a:r>
-            <a:endParaRPr lang="en-US" altLang="en-US" sz="1200"/>
+            <a:endParaRPr lang="en-US" altLang="en-US" sz="1200" dirty="0"/>
           </a:p>
         </p:txBody>
       </p:sp>
@@ -18393,7 +18591,7 @@
         <p:spPr bwMode="auto">
           <a:xfrm>
             <a:off x="517525" y="1414463"/>
-            <a:ext cx="7629525" cy="2838450"/>
+            <a:ext cx="7776488" cy="2862322"/>
           </a:xfrm>
           <a:prstGeom prst="rect">
             <a:avLst/>
@@ -18535,15 +18733,15 @@
           </a:lstStyle>
           <a:p>
             <a:r>
-              <a:rPr lang="en-US" altLang="en-US" sz="1800" u="none"/>
+              <a:rPr lang="en-US" altLang="en-US" sz="1800" u="none" dirty="0"/>
               <a:t>Prolog </a:t>
             </a:r>
             <a:r>
-              <a:rPr lang="en-US" altLang="en-US" sz="1800"/>
+              <a:rPr lang="en-US" altLang="en-US" sz="1800" dirty="0"/>
               <a:t>rules</a:t>
             </a:r>
             <a:r>
-              <a:rPr lang="en-US" altLang="en-US" sz="1800" u="none"/>
+              <a:rPr lang="en-US" altLang="en-US" sz="1800" u="none" dirty="0"/>
               <a:t> are Horn clauses, but they are written </a:t>
             </a:r>
             <a:r>
@@ -18551,7 +18749,7 @@
               <a:t>“</a:t>
             </a:r>
             <a:r>
-              <a:rPr lang="en-US" altLang="ja-JP" sz="1800" u="none"/>
+              <a:rPr lang="en-US" altLang="ja-JP" sz="1800" u="none" dirty="0"/>
               <a:t>backwards</a:t>
             </a:r>
             <a:r>
@@ -18559,63 +18757,63 @@
               <a:t>”</a:t>
             </a:r>
             <a:r>
-              <a:rPr lang="en-US" altLang="ja-JP" sz="1800" u="none"/>
+              <a:rPr lang="en-US" altLang="ja-JP" sz="1800" u="none" dirty="0"/>
               <a:t>, consider:</a:t>
             </a:r>
           </a:p>
           <a:p>
-            <a:endParaRPr lang="en-US" altLang="en-US" sz="1800" u="none"/>
-          </a:p>
-          <a:p>
-            <a:r>
-              <a:rPr lang="en-US" altLang="en-US" sz="1800" u="none"/>
+            <a:endParaRPr lang="en-US" altLang="en-US" sz="1800" u="none" dirty="0"/>
+          </a:p>
+          <a:p>
+            <a:r>
+              <a:rPr lang="en-US" altLang="en-US" sz="1800" u="none" dirty="0"/>
               <a:t>	</a:t>
             </a:r>
             <a:r>
-              <a:rPr lang="en-US" altLang="en-US" sz="1800" u="none">
+              <a:rPr lang="en-US" altLang="en-US" sz="1800" u="none" dirty="0">
                 <a:sym typeface="Symbol" charset="2"/>
               </a:rPr>
-              <a:t>X,Y[female(X)  parent(X,Y)  mother(X,Y)]</a:t>
-            </a:r>
-          </a:p>
-          <a:p>
-            <a:endParaRPr lang="en-US" altLang="en-US" sz="1800" u="none">
+              <a:t>X,Y[woman(X)  parent(X,Y)  mother(X,Y)]</a:t>
+            </a:r>
+          </a:p>
+          <a:p>
+            <a:endParaRPr lang="en-US" altLang="en-US" sz="1800" u="none" dirty="0">
               <a:sym typeface="Symbol" charset="2"/>
             </a:endParaRPr>
           </a:p>
           <a:p>
             <a:r>
-              <a:rPr lang="en-US" altLang="en-US" sz="1800" u="none">
+              <a:rPr lang="en-US" altLang="en-US" sz="1800" u="none" dirty="0">
                 <a:sym typeface="Symbol" charset="2"/>
               </a:rPr>
               <a:t>is written in Prolog as</a:t>
             </a:r>
           </a:p>
           <a:p>
-            <a:endParaRPr lang="en-US" altLang="en-US" sz="1800" u="none">
+            <a:endParaRPr lang="en-US" altLang="en-US" sz="1800" u="none" dirty="0">
               <a:sym typeface="Symbol" charset="2"/>
             </a:endParaRPr>
           </a:p>
           <a:p>
             <a:r>
-              <a:rPr lang="en-US" altLang="en-US" sz="1800" u="none">
+              <a:rPr lang="en-US" altLang="en-US" sz="1800" u="none" dirty="0">
                 <a:sym typeface="Symbol" charset="2"/>
               </a:rPr>
-              <a:t>	mother(X,Y) :- female(X) , parent(X,Y) .</a:t>
-            </a:r>
-          </a:p>
-          <a:p>
-            <a:endParaRPr lang="en-US" altLang="en-US" sz="1800" u="none">
+              <a:t>	mother(X,Y) :- woman(X) , parent(X,Y) .</a:t>
+            </a:r>
+          </a:p>
+          <a:p>
+            <a:endParaRPr lang="en-US" altLang="en-US" sz="1800" u="none" dirty="0">
               <a:sym typeface="Symbol" charset="2"/>
             </a:endParaRPr>
           </a:p>
           <a:p>
-            <a:endParaRPr lang="en-US" altLang="en-US" sz="1800" u="none">
+            <a:endParaRPr lang="en-US" altLang="en-US" sz="1800" u="none" dirty="0">
               <a:sym typeface="Symbol" charset="2"/>
             </a:endParaRPr>
           </a:p>
           <a:p>
-            <a:endParaRPr lang="en-US" altLang="en-US" sz="1800" u="none"/>
+            <a:endParaRPr lang="en-US" altLang="en-US" sz="1800" u="none" dirty="0"/>
           </a:p>
         </p:txBody>
       </p:sp>
@@ -20393,7 +20591,7 @@
         <p:spPr bwMode="auto">
           <a:xfrm>
             <a:off x="685800" y="1600200"/>
-            <a:ext cx="3962400" cy="3378200"/>
+            <a:ext cx="3962400" cy="3416320"/>
           </a:xfrm>
           <a:prstGeom prst="rect">
             <a:avLst/>
@@ -20405,14 +20603,14 @@
           <a:effectLst/>
           <a:extLst>
             <a:ext uri="{909E8E84-426E-40dd-AFC4-6F175D3DCCD1}">
-              <a14:hiddenFill xmlns="" xmlns:a14="http://schemas.microsoft.com/office/drawing/2010/main">
+              <a14:hiddenFill xmlns:a14="http://schemas.microsoft.com/office/drawing/2010/main" xmlns="">
                 <a:solidFill>
                   <a:schemeClr val="accent1"/>
                 </a:solidFill>
               </a14:hiddenFill>
             </a:ext>
             <a:ext uri="{91240B29-F687-4f45-9708-019B960494DF}">
-              <a14:hiddenLine xmlns="" xmlns:a14="http://schemas.microsoft.com/office/drawing/2010/main" w="9525">
+              <a14:hiddenLine xmlns:a14="http://schemas.microsoft.com/office/drawing/2010/main" xmlns="" w="9525">
                 <a:solidFill>
                   <a:schemeClr val="tx1"/>
                 </a:solidFill>
@@ -20422,7 +20620,7 @@
               </a14:hiddenLine>
             </a:ext>
             <a:ext uri="{AF507438-7753-43e0-B8FC-AC1667EBCBE1}">
-              <a14:hiddenEffects xmlns="" xmlns:a14="http://schemas.microsoft.com/office/drawing/2010/main">
+              <a14:hiddenEffects xmlns:a14="http://schemas.microsoft.com/office/drawing/2010/main" xmlns="">
                 <a:effectLst>
                   <a:outerShdw blurRad="63500" dist="38099" dir="2700000" algn="ctr" rotWithShape="0">
                     <a:schemeClr val="bg2">
@@ -20464,7 +20662,7 @@
                 <a:cs typeface="ＭＳ Ｐゴシック" charset="0"/>
                 <a:sym typeface="Symbol" charset="0"/>
               </a:rPr>
-              <a:t>female(pam).</a:t>
+              <a:t>woman(pam).</a:t>
             </a:r>
           </a:p>
           <a:p>
@@ -20478,7 +20676,7 @@
                 <a:cs typeface="ＭＳ Ｐゴシック" charset="0"/>
                 <a:sym typeface="Symbol" charset="0"/>
               </a:rPr>
-              <a:t>female(</a:t>
+              <a:t>woman(</a:t>
             </a:r>
             <a:r>
               <a:rPr lang="en-US" sz="1200" u="none" dirty="0" err="1">
@@ -20510,7 +20708,7 @@
                 <a:cs typeface="ＭＳ Ｐゴシック" charset="0"/>
                 <a:sym typeface="Symbol" charset="0"/>
               </a:rPr>
-              <a:t>female(</a:t>
+              <a:t>woman(</a:t>
             </a:r>
             <a:r>
               <a:rPr lang="en-US" sz="1200" u="none" dirty="0" err="1">
@@ -20542,7 +20740,7 @@
                 <a:cs typeface="ＭＳ Ｐゴシック" charset="0"/>
                 <a:sym typeface="Symbol" charset="0"/>
               </a:rPr>
-              <a:t>female(pat). </a:t>
+              <a:t>woman(pat). </a:t>
             </a:r>
           </a:p>
           <a:p>
@@ -20567,7 +20765,7 @@
                 <a:cs typeface="ＭＳ Ｐゴシック" charset="0"/>
                 <a:sym typeface="Symbol" charset="0"/>
               </a:rPr>
-              <a:t>male(tom). </a:t>
+              <a:t>man(tom). </a:t>
             </a:r>
           </a:p>
           <a:p>
@@ -20581,7 +20779,7 @@
                 <a:cs typeface="ＭＳ Ｐゴシック" charset="0"/>
                 <a:sym typeface="Symbol" charset="0"/>
               </a:rPr>
-              <a:t>male(bob). </a:t>
+              <a:t>man(bob). </a:t>
             </a:r>
           </a:p>
           <a:p>
@@ -20595,7 +20793,7 @@
                 <a:cs typeface="ＭＳ Ｐゴシック" charset="0"/>
                 <a:sym typeface="Symbol" charset="0"/>
               </a:rPr>
-              <a:t>male(</a:t>
+              <a:t>man(</a:t>
             </a:r>
             <a:r>
               <a:rPr lang="en-US" sz="1200" u="none" dirty="0" err="1">
@@ -20841,7 +21039,7 @@
                 <a:cs typeface="ＭＳ Ｐゴシック" charset="0"/>
                 <a:sym typeface="Symbol" charset="0"/>
               </a:rPr>
-              <a:t>mother(X,Y) :- female(X),parent(X,Y).  </a:t>
+              <a:t>mother(X,Y) :- woman(X),parent(X,Y).  </a:t>
             </a:r>
             <a:endParaRPr lang="en-US" sz="1400" u="none" dirty="0">
               <a:latin typeface="Courier New" charset="0"/>
@@ -21734,7 +21932,7 @@
               <a:rPr lang="en-US" dirty="0">
                 <a:cs typeface="+mn-cs"/>
               </a:rPr>
-              <a:t>See GitHub Exercise #1</a:t>
+              <a:t>Exercise #1</a:t>
             </a:r>
           </a:p>
         </p:txBody>
@@ -21942,33 +22140,33 @@
           </a:lstStyle>
           <a:p>
             <a:r>
-              <a:rPr lang="en-US" altLang="en-US" sz="1800" u="none"/>
+              <a:rPr lang="en-US" altLang="en-US" sz="1800" u="none" dirty="0"/>
               <a:t>When interpreting rules purely as Horn clause logic statement </a:t>
             </a:r>
             <a:r>
-              <a:rPr lang="en-US" altLang="en-US" sz="1800" u="none">
+              <a:rPr lang="en-US" altLang="en-US" sz="1800" u="none" dirty="0">
                 <a:sym typeface="Symbol" charset="2"/>
               </a:rPr>
               <a:t> </a:t>
             </a:r>
             <a:r>
-              <a:rPr lang="en-US" altLang="en-US" sz="1800">
+              <a:rPr lang="en-US" altLang="en-US" sz="1800" dirty="0">
                 <a:sym typeface="Symbol" charset="2"/>
               </a:rPr>
               <a:t>declarative</a:t>
             </a:r>
-            <a:endParaRPr lang="en-US" altLang="en-US" sz="1800" u="none">
+            <a:endParaRPr lang="en-US" altLang="en-US" sz="1800" u="none" dirty="0">
               <a:sym typeface="Symbol" charset="2"/>
             </a:endParaRPr>
           </a:p>
           <a:p>
-            <a:endParaRPr lang="en-US" altLang="en-US" sz="1800" u="none">
+            <a:endParaRPr lang="en-US" altLang="en-US" sz="1800" u="none" dirty="0">
               <a:sym typeface="Symbol" charset="2"/>
             </a:endParaRPr>
           </a:p>
           <a:p>
             <a:r>
-              <a:rPr lang="en-US" altLang="en-US" sz="1800" u="none">
+              <a:rPr lang="en-US" altLang="en-US" sz="1800" u="none" dirty="0">
                 <a:sym typeface="Symbol" charset="2"/>
               </a:rPr>
               <a:t>When interpreting rules as </a:t>
@@ -21980,10 +22178,10 @@
               <a:t>“</a:t>
             </a:r>
             <a:r>
-              <a:rPr lang="en-US" altLang="ja-JP" sz="1800" u="none">
+              <a:rPr lang="en-US" altLang="ja-JP" sz="1800" u="none" dirty="0">
                 <a:sym typeface="Symbol" charset="2"/>
               </a:rPr>
-              <a:t>specialized queries</a:t>
+              <a:t>search</a:t>
             </a:r>
             <a:r>
               <a:rPr lang="ja-JP" altLang="en-US" sz="1800" u="none">
@@ -21992,32 +22190,32 @@
               <a:t>”</a:t>
             </a:r>
             <a:r>
-              <a:rPr lang="en-US" altLang="ja-JP" sz="1800" u="none">
+              <a:rPr lang="en-US" altLang="ja-JP" sz="1800" u="none" dirty="0">
                 <a:sym typeface="Symbol" charset="2"/>
               </a:rPr>
               <a:t>  </a:t>
             </a:r>
             <a:r>
-              <a:rPr lang="en-US" altLang="ja-JP" sz="1800">
+              <a:rPr lang="en-US" altLang="ja-JP" sz="1800" dirty="0">
                 <a:sym typeface="Symbol" charset="2"/>
               </a:rPr>
               <a:t>procedural</a:t>
             </a:r>
           </a:p>
           <a:p>
-            <a:endParaRPr lang="en-US" altLang="en-US" sz="1800" u="none">
+            <a:endParaRPr lang="en-US" altLang="en-US" sz="1800" u="none" dirty="0">
               <a:sym typeface="Symbol" charset="2"/>
             </a:endParaRPr>
           </a:p>
           <a:p>
             <a:r>
-              <a:rPr lang="en-US" altLang="en-US" sz="1800">
+              <a:rPr lang="en-US" altLang="en-US" sz="1800" dirty="0">
                 <a:sym typeface="Symbol" charset="2"/>
               </a:rPr>
               <a:t>Observation</a:t>
             </a:r>
             <a:r>
-              <a:rPr lang="en-US" altLang="en-US" sz="1800" u="none">
+              <a:rPr lang="en-US" altLang="en-US" sz="1800" u="none" dirty="0">
                 <a:sym typeface="Symbol" charset="2"/>
               </a:rPr>
               <a:t>: We design programs with  declarative meaning in our minds,</a:t>
@@ -22025,38 +22223,38 @@
           </a:p>
           <a:p>
             <a:r>
-              <a:rPr lang="en-US" altLang="en-US" sz="1800" u="none">
+              <a:rPr lang="en-US" altLang="en-US" sz="1800" u="none" dirty="0">
                 <a:sym typeface="Symbol" charset="2"/>
               </a:rPr>
               <a:t>but the execution is performed in a procedural fashion.</a:t>
             </a:r>
           </a:p>
           <a:p>
-            <a:endParaRPr lang="en-US" altLang="en-US" sz="1800" u="none">
+            <a:endParaRPr lang="en-US" altLang="en-US" sz="1800" u="none" dirty="0">
               <a:sym typeface="Symbol" charset="2"/>
             </a:endParaRPr>
           </a:p>
           <a:p>
             <a:r>
-              <a:rPr lang="en-US" altLang="en-US" sz="1800" u="none">
+              <a:rPr lang="en-US" altLang="en-US" sz="1800" u="none" dirty="0">
                 <a:sym typeface="Symbol" charset="2"/>
               </a:rPr>
               <a:t>Consider:</a:t>
             </a:r>
           </a:p>
           <a:p>
-            <a:endParaRPr lang="en-US" altLang="en-US" sz="1800" u="none">
+            <a:endParaRPr lang="en-US" altLang="en-US" sz="1800" u="none" dirty="0">
               <a:sym typeface="Symbol" charset="2"/>
             </a:endParaRPr>
           </a:p>
           <a:p>
             <a:r>
-              <a:rPr lang="en-US" altLang="en-US" sz="1800" u="none">
+              <a:rPr lang="en-US" altLang="en-US" sz="1800" u="none" dirty="0">
                 <a:sym typeface="Symbol" charset="2"/>
               </a:rPr>
-              <a:t>	mother(X,Y) :- female(X),parent(X,Y).</a:t>
-            </a:r>
-            <a:endParaRPr lang="en-US" altLang="en-US" sz="1800" u="none"/>
+              <a:t>	mother(X,Y) :- woman(X),parent(X,Y).</a:t>
+            </a:r>
+            <a:endParaRPr lang="en-US" altLang="en-US" sz="1800" u="none" dirty="0"/>
           </a:p>
         </p:txBody>
       </p:sp>
@@ -22203,14 +22401,14 @@
           <a:effectLst/>
           <a:extLst>
             <a:ext uri="{909E8E84-426E-40dd-AFC4-6F175D3DCCD1}">
-              <a14:hiddenFill xmlns="" xmlns:a14="http://schemas.microsoft.com/office/drawing/2010/main">
+              <a14:hiddenFill xmlns:a14="http://schemas.microsoft.com/office/drawing/2010/main" xmlns="">
                 <a:solidFill>
                   <a:schemeClr val="accent1"/>
                 </a:solidFill>
               </a14:hiddenFill>
             </a:ext>
             <a:ext uri="{91240B29-F687-4f45-9708-019B960494DF}">
-              <a14:hiddenLine xmlns="" xmlns:a14="http://schemas.microsoft.com/office/drawing/2010/main" w="9525">
+              <a14:hiddenLine xmlns:a14="http://schemas.microsoft.com/office/drawing/2010/main" xmlns="" w="9525">
                 <a:solidFill>
                   <a:schemeClr val="tx1"/>
                 </a:solidFill>
@@ -22220,7 +22418,7 @@
               </a14:hiddenLine>
             </a:ext>
             <a:ext uri="{AF507438-7753-43e0-B8FC-AC1667EBCBE1}">
-              <a14:hiddenEffects xmlns="" xmlns:a14="http://schemas.microsoft.com/office/drawing/2010/main">
+              <a14:hiddenEffects xmlns:a14="http://schemas.microsoft.com/office/drawing/2010/main" xmlns="">
                 <a:effectLst>
                   <a:outerShdw blurRad="63500" dist="38099" dir="2700000" algn="ctr" rotWithShape="0">
                     <a:schemeClr val="bg2">
@@ -22279,12 +22477,12 @@
           <a:effectLst/>
           <a:extLst>
             <a:ext uri="{909E8E84-426E-40dd-AFC4-6F175D3DCCD1}">
-              <a14:hiddenFill xmlns="" xmlns:a14="http://schemas.microsoft.com/office/drawing/2010/main">
+              <a14:hiddenFill xmlns:a14="http://schemas.microsoft.com/office/drawing/2010/main" xmlns="">
                 <a:noFill/>
               </a14:hiddenFill>
             </a:ext>
             <a:ext uri="{AF507438-7753-43e0-B8FC-AC1667EBCBE1}">
-              <a14:hiddenEffects xmlns="" xmlns:a14="http://schemas.microsoft.com/office/drawing/2010/main">
+              <a14:hiddenEffects xmlns:a14="http://schemas.microsoft.com/office/drawing/2010/main" xmlns="">
                 <a:effectLst>
                   <a:outerShdw blurRad="63500" dist="38099" dir="2700000" algn="ctr" rotWithShape="0">
                     <a:schemeClr val="bg2">
@@ -22333,14 +22531,14 @@
           <a:effectLst/>
           <a:extLst>
             <a:ext uri="{909E8E84-426E-40dd-AFC4-6F175D3DCCD1}">
-              <a14:hiddenFill xmlns="" xmlns:a14="http://schemas.microsoft.com/office/drawing/2010/main">
+              <a14:hiddenFill xmlns:a14="http://schemas.microsoft.com/office/drawing/2010/main" xmlns="">
                 <a:solidFill>
                   <a:schemeClr val="accent1"/>
                 </a:solidFill>
               </a14:hiddenFill>
             </a:ext>
             <a:ext uri="{91240B29-F687-4f45-9708-019B960494DF}">
-              <a14:hiddenLine xmlns="" xmlns:a14="http://schemas.microsoft.com/office/drawing/2010/main" w="9525">
+              <a14:hiddenLine xmlns:a14="http://schemas.microsoft.com/office/drawing/2010/main" xmlns="" w="9525">
                 <a:solidFill>
                   <a:schemeClr val="tx1"/>
                 </a:solidFill>
@@ -22350,7 +22548,7 @@
               </a14:hiddenLine>
             </a:ext>
             <a:ext uri="{AF507438-7753-43e0-B8FC-AC1667EBCBE1}">
-              <a14:hiddenEffects xmlns="" xmlns:a14="http://schemas.microsoft.com/office/drawing/2010/main">
+              <a14:hiddenEffects xmlns:a14="http://schemas.microsoft.com/office/drawing/2010/main" xmlns="">
                 <a:effectLst>
                   <a:outerShdw blurRad="63500" dist="38099" dir="2700000" algn="ctr" rotWithShape="0">
                     <a:schemeClr val="bg2">
@@ -22586,14 +22784,14 @@
           <a:effectLst/>
           <a:extLst>
             <a:ext uri="{909E8E84-426E-40dd-AFC4-6F175D3DCCD1}">
-              <a14:hiddenFill xmlns="" xmlns:a14="http://schemas.microsoft.com/office/drawing/2010/main">
+              <a14:hiddenFill xmlns:a14="http://schemas.microsoft.com/office/drawing/2010/main" xmlns="">
                 <a:solidFill>
                   <a:schemeClr val="accent1"/>
                 </a:solidFill>
               </a14:hiddenFill>
             </a:ext>
             <a:ext uri="{91240B29-F687-4f45-9708-019B960494DF}">
-              <a14:hiddenLine xmlns="" xmlns:a14="http://schemas.microsoft.com/office/drawing/2010/main" w="9525">
+              <a14:hiddenLine xmlns:a14="http://schemas.microsoft.com/office/drawing/2010/main" xmlns="" w="9525">
                 <a:solidFill>
                   <a:schemeClr val="tx1"/>
                 </a:solidFill>
@@ -22603,7 +22801,7 @@
               </a14:hiddenLine>
             </a:ext>
             <a:ext uri="{AF507438-7753-43e0-B8FC-AC1667EBCBE1}">
-              <a14:hiddenEffects xmlns="" xmlns:a14="http://schemas.microsoft.com/office/drawing/2010/main">
+              <a14:hiddenEffects xmlns:a14="http://schemas.microsoft.com/office/drawing/2010/main" xmlns="">
                 <a:effectLst>
                   <a:outerShdw blurRad="63500" dist="38099" dir="2700000" algn="ctr" rotWithShape="0">
                     <a:schemeClr val="bg2">
@@ -22681,14 +22879,14 @@
           <a:effectLst/>
           <a:extLst>
             <a:ext uri="{909E8E84-426E-40dd-AFC4-6F175D3DCCD1}">
-              <a14:hiddenFill xmlns="" xmlns:a14="http://schemas.microsoft.com/office/drawing/2010/main">
+              <a14:hiddenFill xmlns:a14="http://schemas.microsoft.com/office/drawing/2010/main" xmlns="">
                 <a:solidFill>
                   <a:schemeClr val="accent1"/>
                 </a:solidFill>
               </a14:hiddenFill>
             </a:ext>
             <a:ext uri="{91240B29-F687-4f45-9708-019B960494DF}">
-              <a14:hiddenLine xmlns="" xmlns:a14="http://schemas.microsoft.com/office/drawing/2010/main" w="9525">
+              <a14:hiddenLine xmlns:a14="http://schemas.microsoft.com/office/drawing/2010/main" xmlns="" w="9525">
                 <a:solidFill>
                   <a:schemeClr val="tx1"/>
                 </a:solidFill>
@@ -22698,7 +22896,7 @@
               </a14:hiddenLine>
             </a:ext>
             <a:ext uri="{AF507438-7753-43e0-B8FC-AC1667EBCBE1}">
-              <a14:hiddenEffects xmlns="" xmlns:a14="http://schemas.microsoft.com/office/drawing/2010/main">
+              <a14:hiddenEffects xmlns:a14="http://schemas.microsoft.com/office/drawing/2010/main" xmlns="">
                 <a:effectLst>
                   <a:outerShdw blurRad="63500" dist="38099" dir="2700000" algn="ctr" rotWithShape="0">
                     <a:schemeClr val="bg2">
@@ -22769,12 +22967,12 @@
           <a:effectLst/>
           <a:extLst>
             <a:ext uri="{909E8E84-426E-40dd-AFC4-6F175D3DCCD1}">
-              <a14:hiddenFill xmlns="" xmlns:a14="http://schemas.microsoft.com/office/drawing/2010/main">
+              <a14:hiddenFill xmlns:a14="http://schemas.microsoft.com/office/drawing/2010/main" xmlns="">
                 <a:noFill/>
               </a14:hiddenFill>
             </a:ext>
             <a:ext uri="{AF507438-7753-43e0-B8FC-AC1667EBCBE1}">
-              <a14:hiddenEffects xmlns="" xmlns:a14="http://schemas.microsoft.com/office/drawing/2010/main">
+              <a14:hiddenEffects xmlns:a14="http://schemas.microsoft.com/office/drawing/2010/main" xmlns="">
                 <a:effectLst>
                   <a:outerShdw blurRad="63500" dist="38099" dir="2700000" algn="ctr" rotWithShape="0">
                     <a:schemeClr val="bg2">
@@ -22823,14 +23021,14 @@
           <a:effectLst/>
           <a:extLst>
             <a:ext uri="{909E8E84-426E-40dd-AFC4-6F175D3DCCD1}">
-              <a14:hiddenFill xmlns="" xmlns:a14="http://schemas.microsoft.com/office/drawing/2010/main">
+              <a14:hiddenFill xmlns:a14="http://schemas.microsoft.com/office/drawing/2010/main" xmlns="">
                 <a:solidFill>
                   <a:schemeClr val="accent1"/>
                 </a:solidFill>
               </a14:hiddenFill>
             </a:ext>
             <a:ext uri="{91240B29-F687-4f45-9708-019B960494DF}">
-              <a14:hiddenLine xmlns="" xmlns:a14="http://schemas.microsoft.com/office/drawing/2010/main" w="9525">
+              <a14:hiddenLine xmlns:a14="http://schemas.microsoft.com/office/drawing/2010/main" xmlns="" w="9525">
                 <a:solidFill>
                   <a:schemeClr val="tx1"/>
                 </a:solidFill>
@@ -22840,7 +23038,7 @@
               </a14:hiddenLine>
             </a:ext>
             <a:ext uri="{AF507438-7753-43e0-B8FC-AC1667EBCBE1}">
-              <a14:hiddenEffects xmlns="" xmlns:a14="http://schemas.microsoft.com/office/drawing/2010/main">
+              <a14:hiddenEffects xmlns:a14="http://schemas.microsoft.com/office/drawing/2010/main" xmlns="">
                 <a:effectLst>
                   <a:outerShdw blurRad="63500" dist="38099" dir="2700000" algn="ctr" rotWithShape="0">
                     <a:schemeClr val="bg2">
@@ -22993,14 +23191,14 @@
           <a:effectLst/>
           <a:extLst>
             <a:ext uri="{909E8E84-426E-40dd-AFC4-6F175D3DCCD1}">
-              <a14:hiddenFill xmlns="" xmlns:a14="http://schemas.microsoft.com/office/drawing/2010/main">
+              <a14:hiddenFill xmlns:a14="http://schemas.microsoft.com/office/drawing/2010/main" xmlns="">
                 <a:solidFill>
                   <a:schemeClr val="accent1"/>
                 </a:solidFill>
               </a14:hiddenFill>
             </a:ext>
             <a:ext uri="{91240B29-F687-4f45-9708-019B960494DF}">
-              <a14:hiddenLine xmlns="" xmlns:a14="http://schemas.microsoft.com/office/drawing/2010/main" w="9525">
+              <a14:hiddenLine xmlns:a14="http://schemas.microsoft.com/office/drawing/2010/main" xmlns="" w="9525">
                 <a:solidFill>
                   <a:schemeClr val="tx1"/>
                 </a:solidFill>
@@ -23010,7 +23208,7 @@
               </a14:hiddenLine>
             </a:ext>
             <a:ext uri="{AF507438-7753-43e0-B8FC-AC1667EBCBE1}">
-              <a14:hiddenEffects xmlns="" xmlns:a14="http://schemas.microsoft.com/office/drawing/2010/main">
+              <a14:hiddenEffects xmlns:a14="http://schemas.microsoft.com/office/drawing/2010/main" xmlns="">
                 <a:effectLst>
                   <a:outerShdw blurRad="63500" dist="38099" dir="2700000" algn="ctr" rotWithShape="0">
                     <a:schemeClr val="bg2">
@@ -23109,14 +23307,14 @@
           <a:effectLst/>
           <a:extLst>
             <a:ext uri="{909E8E84-426E-40dd-AFC4-6F175D3DCCD1}">
-              <a14:hiddenFill xmlns="" xmlns:a14="http://schemas.microsoft.com/office/drawing/2010/main">
+              <a14:hiddenFill xmlns:a14="http://schemas.microsoft.com/office/drawing/2010/main" xmlns="">
                 <a:solidFill>
                   <a:schemeClr val="accent1"/>
                 </a:solidFill>
               </a14:hiddenFill>
             </a:ext>
             <a:ext uri="{91240B29-F687-4f45-9708-019B960494DF}">
-              <a14:hiddenLine xmlns="" xmlns:a14="http://schemas.microsoft.com/office/drawing/2010/main" w="9525">
+              <a14:hiddenLine xmlns:a14="http://schemas.microsoft.com/office/drawing/2010/main" xmlns="" w="9525">
                 <a:solidFill>
                   <a:schemeClr val="tx1"/>
                 </a:solidFill>
@@ -23126,7 +23324,7 @@
               </a14:hiddenLine>
             </a:ext>
             <a:ext uri="{AF507438-7753-43e0-B8FC-AC1667EBCBE1}">
-              <a14:hiddenEffects xmlns="" xmlns:a14="http://schemas.microsoft.com/office/drawing/2010/main">
+              <a14:hiddenEffects xmlns:a14="http://schemas.microsoft.com/office/drawing/2010/main" xmlns="">
                 <a:effectLst>
                   <a:outerShdw blurRad="63500" dist="38099" dir="2700000" algn="ctr" rotWithShape="0">
                     <a:schemeClr val="bg2">
@@ -23216,14 +23414,14 @@
           <a:effectLst/>
           <a:extLst>
             <a:ext uri="{909E8E84-426E-40dd-AFC4-6F175D3DCCD1}">
-              <a14:hiddenFill xmlns="" xmlns:a14="http://schemas.microsoft.com/office/drawing/2010/main">
+              <a14:hiddenFill xmlns:a14="http://schemas.microsoft.com/office/drawing/2010/main" xmlns="">
                 <a:solidFill>
                   <a:schemeClr val="accent1"/>
                 </a:solidFill>
               </a14:hiddenFill>
             </a:ext>
             <a:ext uri="{91240B29-F687-4f45-9708-019B960494DF}">
-              <a14:hiddenLine xmlns="" xmlns:a14="http://schemas.microsoft.com/office/drawing/2010/main" w="9525">
+              <a14:hiddenLine xmlns:a14="http://schemas.microsoft.com/office/drawing/2010/main" xmlns="" w="9525">
                 <a:solidFill>
                   <a:schemeClr val="tx1"/>
                 </a:solidFill>
@@ -23233,7 +23431,7 @@
               </a14:hiddenLine>
             </a:ext>
             <a:ext uri="{AF507438-7753-43e0-B8FC-AC1667EBCBE1}">
-              <a14:hiddenEffects xmlns="" xmlns:a14="http://schemas.microsoft.com/office/drawing/2010/main">
+              <a14:hiddenEffects xmlns:a14="http://schemas.microsoft.com/office/drawing/2010/main" xmlns="">
                 <a:effectLst>
                   <a:outerShdw blurRad="63500" dist="38099" dir="2700000" algn="ctr" rotWithShape="0">
                     <a:schemeClr val="bg2">
@@ -23294,14 +23492,14 @@
           <a:effectLst/>
           <a:extLst>
             <a:ext uri="{909E8E84-426E-40dd-AFC4-6F175D3DCCD1}">
-              <a14:hiddenFill xmlns="" xmlns:a14="http://schemas.microsoft.com/office/drawing/2010/main">
+              <a14:hiddenFill xmlns:a14="http://schemas.microsoft.com/office/drawing/2010/main" xmlns="">
                 <a:solidFill>
                   <a:schemeClr val="accent1"/>
                 </a:solidFill>
               </a14:hiddenFill>
             </a:ext>
             <a:ext uri="{91240B29-F687-4f45-9708-019B960494DF}">
-              <a14:hiddenLine xmlns="" xmlns:a14="http://schemas.microsoft.com/office/drawing/2010/main" w="9525">
+              <a14:hiddenLine xmlns:a14="http://schemas.microsoft.com/office/drawing/2010/main" xmlns="" w="9525">
                 <a:solidFill>
                   <a:schemeClr val="tx1"/>
                 </a:solidFill>
@@ -23311,7 +23509,7 @@
               </a14:hiddenLine>
             </a:ext>
             <a:ext uri="{AF507438-7753-43e0-B8FC-AC1667EBCBE1}">
-              <a14:hiddenEffects xmlns="" xmlns:a14="http://schemas.microsoft.com/office/drawing/2010/main">
+              <a14:hiddenEffects xmlns:a14="http://schemas.microsoft.com/office/drawing/2010/main" xmlns="">
                 <a:effectLst>
                   <a:outerShdw blurRad="63500" dist="38099" dir="2700000" algn="ctr" rotWithShape="0">
                     <a:schemeClr val="bg2">
@@ -23505,14 +23703,14 @@
           <a:effectLst/>
           <a:extLst>
             <a:ext uri="{909E8E84-426E-40dd-AFC4-6F175D3DCCD1}">
-              <a14:hiddenFill xmlns="" xmlns:a14="http://schemas.microsoft.com/office/drawing/2010/main">
+              <a14:hiddenFill xmlns:a14="http://schemas.microsoft.com/office/drawing/2010/main" xmlns="">
                 <a:solidFill>
                   <a:schemeClr val="accent1"/>
                 </a:solidFill>
               </a14:hiddenFill>
             </a:ext>
             <a:ext uri="{91240B29-F687-4f45-9708-019B960494DF}">
-              <a14:hiddenLine xmlns="" xmlns:a14="http://schemas.microsoft.com/office/drawing/2010/main" w="9525">
+              <a14:hiddenLine xmlns:a14="http://schemas.microsoft.com/office/drawing/2010/main" xmlns="" w="9525">
                 <a:solidFill>
                   <a:schemeClr val="tx1"/>
                 </a:solidFill>
@@ -23522,7 +23720,7 @@
               </a14:hiddenLine>
             </a:ext>
             <a:ext uri="{AF507438-7753-43e0-B8FC-AC1667EBCBE1}">
-              <a14:hiddenEffects xmlns="" xmlns:a14="http://schemas.microsoft.com/office/drawing/2010/main">
+              <a14:hiddenEffects xmlns:a14="http://schemas.microsoft.com/office/drawing/2010/main" xmlns="">
                 <a:effectLst>
                   <a:outerShdw blurRad="63500" dist="38099" dir="2700000" algn="ctr" rotWithShape="0">
                     <a:schemeClr val="bg2">
@@ -23595,14 +23793,14 @@
           <a:effectLst/>
           <a:extLst>
             <a:ext uri="{909E8E84-426E-40dd-AFC4-6F175D3DCCD1}">
-              <a14:hiddenFill xmlns="" xmlns:a14="http://schemas.microsoft.com/office/drawing/2010/main">
+              <a14:hiddenFill xmlns:a14="http://schemas.microsoft.com/office/drawing/2010/main" xmlns="">
                 <a:solidFill>
                   <a:schemeClr val="accent1"/>
                 </a:solidFill>
               </a14:hiddenFill>
             </a:ext>
             <a:ext uri="{91240B29-F687-4f45-9708-019B960494DF}">
-              <a14:hiddenLine xmlns="" xmlns:a14="http://schemas.microsoft.com/office/drawing/2010/main" w="9525">
+              <a14:hiddenLine xmlns:a14="http://schemas.microsoft.com/office/drawing/2010/main" xmlns="" w="9525">
                 <a:solidFill>
                   <a:schemeClr val="tx1"/>
                 </a:solidFill>
@@ -23612,7 +23810,7 @@
               </a14:hiddenLine>
             </a:ext>
             <a:ext uri="{AF507438-7753-43e0-B8FC-AC1667EBCBE1}">
-              <a14:hiddenEffects xmlns="" xmlns:a14="http://schemas.microsoft.com/office/drawing/2010/main">
+              <a14:hiddenEffects xmlns:a14="http://schemas.microsoft.com/office/drawing/2010/main" xmlns="">
                 <a:effectLst>
                   <a:outerShdw blurRad="63500" dist="38099" dir="2700000" algn="ctr" rotWithShape="0">
                     <a:schemeClr val="bg2">
@@ -23680,14 +23878,14 @@
           <a:effectLst/>
           <a:extLst>
             <a:ext uri="{909E8E84-426E-40dd-AFC4-6F175D3DCCD1}">
-              <a14:hiddenFill xmlns="" xmlns:a14="http://schemas.microsoft.com/office/drawing/2010/main">
+              <a14:hiddenFill xmlns:a14="http://schemas.microsoft.com/office/drawing/2010/main" xmlns="">
                 <a:solidFill>
                   <a:schemeClr val="accent1"/>
                 </a:solidFill>
               </a14:hiddenFill>
             </a:ext>
             <a:ext uri="{91240B29-F687-4f45-9708-019B960494DF}">
-              <a14:hiddenLine xmlns="" xmlns:a14="http://schemas.microsoft.com/office/drawing/2010/main" w="9525">
+              <a14:hiddenLine xmlns:a14="http://schemas.microsoft.com/office/drawing/2010/main" xmlns="" w="9525">
                 <a:solidFill>
                   <a:schemeClr val="tx1"/>
                 </a:solidFill>
@@ -23697,7 +23895,7 @@
               </a14:hiddenLine>
             </a:ext>
             <a:ext uri="{AF507438-7753-43e0-B8FC-AC1667EBCBE1}">
-              <a14:hiddenEffects xmlns="" xmlns:a14="http://schemas.microsoft.com/office/drawing/2010/main">
+              <a14:hiddenEffects xmlns:a14="http://schemas.microsoft.com/office/drawing/2010/main" xmlns="">
                 <a:effectLst>
                   <a:outerShdw blurRad="63500" dist="38099" dir="2700000" algn="ctr" rotWithShape="0">
                     <a:schemeClr val="bg2">
@@ -24051,14 +24249,14 @@
           <a:effectLst/>
           <a:extLst>
             <a:ext uri="{909E8E84-426E-40dd-AFC4-6F175D3DCCD1}">
-              <a14:hiddenFill xmlns="" xmlns:a14="http://schemas.microsoft.com/office/drawing/2010/main">
+              <a14:hiddenFill xmlns:a14="http://schemas.microsoft.com/office/drawing/2010/main" xmlns="">
                 <a:solidFill>
                   <a:schemeClr val="accent1"/>
                 </a:solidFill>
               </a14:hiddenFill>
             </a:ext>
             <a:ext uri="{91240B29-F687-4f45-9708-019B960494DF}">
-              <a14:hiddenLine xmlns="" xmlns:a14="http://schemas.microsoft.com/office/drawing/2010/main" w="9525">
+              <a14:hiddenLine xmlns:a14="http://schemas.microsoft.com/office/drawing/2010/main" xmlns="" w="9525">
                 <a:solidFill>
                   <a:schemeClr val="tx1"/>
                 </a:solidFill>
@@ -24068,7 +24266,7 @@
               </a14:hiddenLine>
             </a:ext>
             <a:ext uri="{AF507438-7753-43e0-B8FC-AC1667EBCBE1}">
-              <a14:hiddenEffects xmlns="" xmlns:a14="http://schemas.microsoft.com/office/drawing/2010/main">
+              <a14:hiddenEffects xmlns:a14="http://schemas.microsoft.com/office/drawing/2010/main" xmlns="">
                 <a:effectLst>
                   <a:outerShdw blurRad="63500" dist="38099" dir="2700000" algn="ctr" rotWithShape="0">
                     <a:schemeClr val="bg2">
@@ -24141,14 +24339,14 @@
           <a:effectLst/>
           <a:extLst>
             <a:ext uri="{909E8E84-426E-40dd-AFC4-6F175D3DCCD1}">
-              <a14:hiddenFill xmlns="" xmlns:a14="http://schemas.microsoft.com/office/drawing/2010/main">
+              <a14:hiddenFill xmlns:a14="http://schemas.microsoft.com/office/drawing/2010/main" xmlns="">
                 <a:solidFill>
                   <a:schemeClr val="accent1"/>
                 </a:solidFill>
               </a14:hiddenFill>
             </a:ext>
             <a:ext uri="{91240B29-F687-4f45-9708-019B960494DF}">
-              <a14:hiddenLine xmlns="" xmlns:a14="http://schemas.microsoft.com/office/drawing/2010/main" w="9525">
+              <a14:hiddenLine xmlns:a14="http://schemas.microsoft.com/office/drawing/2010/main" xmlns="" w="9525">
                 <a:solidFill>
                   <a:schemeClr val="tx1"/>
                 </a:solidFill>
@@ -24158,7 +24356,7 @@
               </a14:hiddenLine>
             </a:ext>
             <a:ext uri="{AF507438-7753-43e0-B8FC-AC1667EBCBE1}">
-              <a14:hiddenEffects xmlns="" xmlns:a14="http://schemas.microsoft.com/office/drawing/2010/main">
+              <a14:hiddenEffects xmlns:a14="http://schemas.microsoft.com/office/drawing/2010/main" xmlns="">
                 <a:effectLst>
                   <a:outerShdw blurRad="63500" dist="38099" dir="2700000" algn="ctr" rotWithShape="0">
                     <a:schemeClr val="bg2">
@@ -24264,14 +24462,14 @@
           <a:effectLst/>
           <a:extLst>
             <a:ext uri="{909E8E84-426E-40dd-AFC4-6F175D3DCCD1}">
-              <a14:hiddenFill xmlns="" xmlns:a14="http://schemas.microsoft.com/office/drawing/2010/main">
+              <a14:hiddenFill xmlns:a14="http://schemas.microsoft.com/office/drawing/2010/main" xmlns="">
                 <a:solidFill>
                   <a:schemeClr val="accent1"/>
                 </a:solidFill>
               </a14:hiddenFill>
             </a:ext>
             <a:ext uri="{91240B29-F687-4f45-9708-019B960494DF}">
-              <a14:hiddenLine xmlns="" xmlns:a14="http://schemas.microsoft.com/office/drawing/2010/main" w="9525">
+              <a14:hiddenLine xmlns:a14="http://schemas.microsoft.com/office/drawing/2010/main" xmlns="" w="9525">
                 <a:solidFill>
                   <a:schemeClr val="tx1"/>
                 </a:solidFill>
@@ -24281,7 +24479,7 @@
               </a14:hiddenLine>
             </a:ext>
             <a:ext uri="{AF507438-7753-43e0-B8FC-AC1667EBCBE1}">
-              <a14:hiddenEffects xmlns="" xmlns:a14="http://schemas.microsoft.com/office/drawing/2010/main">
+              <a14:hiddenEffects xmlns:a14="http://schemas.microsoft.com/office/drawing/2010/main" xmlns="">
                 <a:effectLst>
                   <a:outerShdw blurRad="63500" dist="38099" dir="2700000" algn="ctr" rotWithShape="0">
                     <a:schemeClr val="bg2">
@@ -28930,7 +29128,7 @@
           <a:effectLst/>
           <a:extLst>
             <a:ext uri="{AF507438-7753-43e0-B8FC-AC1667EBCBE1}">
-              <a14:hiddenEffects xmlns="" xmlns:a14="http://schemas.microsoft.com/office/drawing/2010/main">
+              <a14:hiddenEffects xmlns:a14="http://schemas.microsoft.com/office/drawing/2010/main" xmlns="">
                 <a:effectLst>
                   <a:outerShdw blurRad="63500" dist="38099" dir="2700000" algn="ctr" rotWithShape="0">
                     <a:schemeClr val="bg2">
@@ -29208,21 +29406,20 @@
           <a:p>
             <a:pPr eaLnBrk="1" hangingPunct="1"/>
             <a:r>
+              <a:rPr lang="en-US" altLang="en-US"/>
+              <a:t>Exercise </a:t>
+            </a:r>
+            <a:r>
               <a:rPr lang="en-US" altLang="en-US" dirty="0"/>
-              <a:t>Prolog Exercise 2</a:t>
+              <a:t>2</a:t>
             </a:r>
           </a:p>
           <a:p>
             <a:pPr lvl="1" eaLnBrk="1" hangingPunct="1"/>
             <a:r>
               <a:rPr lang="en-US" altLang="en-US" dirty="0"/>
-              <a:t>Prolog excels at natural language processing.  This exercise lets </a:t>
-            </a:r>
-            <a:r>
-              <a:rPr lang="en-US" altLang="en-US"/>
-              <a:t>you explore this a bit.</a:t>
-            </a:r>
-            <a:endParaRPr lang="en-US" altLang="en-US" dirty="0"/>
+              <a:t>Prolog excels at natural language processing.  This exercise lets you explore this a bit.</a:t>
+            </a:r>
           </a:p>
         </p:txBody>
       </p:sp>
@@ -29319,14 +29516,14 @@
           <a:effectLst/>
           <a:extLst>
             <a:ext uri="{909E8E84-426E-40dd-AFC4-6F175D3DCCD1}">
-              <a14:hiddenFill xmlns="" xmlns:a14="http://schemas.microsoft.com/office/drawing/2010/main">
+              <a14:hiddenFill xmlns:a14="http://schemas.microsoft.com/office/drawing/2010/main" xmlns="">
                 <a:solidFill>
                   <a:schemeClr val="accent1"/>
                 </a:solidFill>
               </a14:hiddenFill>
             </a:ext>
             <a:ext uri="{91240B29-F687-4f45-9708-019B960494DF}">
-              <a14:hiddenLine xmlns="" xmlns:a14="http://schemas.microsoft.com/office/drawing/2010/main" w="9525">
+              <a14:hiddenLine xmlns:a14="http://schemas.microsoft.com/office/drawing/2010/main" xmlns="" w="9525">
                 <a:solidFill>
                   <a:schemeClr val="tx1"/>
                 </a:solidFill>
@@ -29336,7 +29533,7 @@
               </a14:hiddenLine>
             </a:ext>
             <a:ext uri="{AF507438-7753-43e0-B8FC-AC1667EBCBE1}">
-              <a14:hiddenEffects xmlns="" xmlns:a14="http://schemas.microsoft.com/office/drawing/2010/main">
+              <a14:hiddenEffects xmlns:a14="http://schemas.microsoft.com/office/drawing/2010/main" xmlns="">
                 <a:effectLst>
                   <a:outerShdw blurRad="63500" dist="38099" dir="2700000" algn="ctr" rotWithShape="0">
                     <a:srgbClr val="000000">
@@ -30722,7 +30919,7 @@
         <a:effectLst/>
         <a:extLst>
           <a:ext uri="{AF507438-7753-43e0-B8FC-AC1667EBCBE1}">
-            <a14:hiddenEffects xmlns="" xmlns:a14="http://schemas.microsoft.com/office/drawing/2010/main">
+            <a14:hiddenEffects xmlns:a14="http://schemas.microsoft.com/office/drawing/2010/main" xmlns="">
               <a:effectLst>
                 <a:outerShdw blurRad="63500" dist="38099" dir="2700000" algn="ctr" rotWithShape="0">
                   <a:schemeClr val="bg2">
@@ -30799,7 +30996,7 @@
         <a:effectLst/>
         <a:extLst>
           <a:ext uri="{AF507438-7753-43e0-B8FC-AC1667EBCBE1}">
-            <a14:hiddenEffects xmlns="" xmlns:a14="http://schemas.microsoft.com/office/drawing/2010/main">
+            <a14:hiddenEffects xmlns:a14="http://schemas.microsoft.com/office/drawing/2010/main" xmlns="">
               <a:effectLst>
                 <a:outerShdw blurRad="63500" dist="38099" dir="2700000" algn="ctr" rotWithShape="0">
                   <a:schemeClr val="bg2">
